--- a/ppts/2.pptx
+++ b/ppts/2.pptx
@@ -5,7 +5,7 @@
     <p:sldMasterId id="2147483648" r:id="rId1"/>
   </p:sldMasterIdLst>
   <p:notesMasterIdLst>
-    <p:notesMasterId r:id="rId16"/>
+    <p:notesMasterId r:id="rId17"/>
   </p:notesMasterIdLst>
   <p:sldIdLst>
     <p:sldId id="256" r:id="rId2"/>
@@ -14,14 +14,15 @@
     <p:sldId id="258" r:id="rId5"/>
     <p:sldId id="260" r:id="rId6"/>
     <p:sldId id="261" r:id="rId7"/>
-    <p:sldId id="271" r:id="rId8"/>
-    <p:sldId id="263" r:id="rId9"/>
-    <p:sldId id="273" r:id="rId10"/>
-    <p:sldId id="272" r:id="rId11"/>
-    <p:sldId id="270" r:id="rId12"/>
-    <p:sldId id="268" r:id="rId13"/>
-    <p:sldId id="269" r:id="rId14"/>
-    <p:sldId id="262" r:id="rId15"/>
+    <p:sldId id="263" r:id="rId8"/>
+    <p:sldId id="273" r:id="rId9"/>
+    <p:sldId id="272" r:id="rId10"/>
+    <p:sldId id="276" r:id="rId11"/>
+    <p:sldId id="275" r:id="rId12"/>
+    <p:sldId id="270" r:id="rId13"/>
+    <p:sldId id="268" r:id="rId14"/>
+    <p:sldId id="269" r:id="rId15"/>
+    <p:sldId id="262" r:id="rId16"/>
   </p:sldIdLst>
   <p:sldSz cx="12192000" cy="6858000"/>
   <p:notesSz cx="9144000" cy="6858000"/>
@@ -131,10 +132,11 @@
             <p14:sldId id="258"/>
             <p14:sldId id="260"/>
             <p14:sldId id="261"/>
-            <p14:sldId id="271"/>
             <p14:sldId id="263"/>
             <p14:sldId id="273"/>
             <p14:sldId id="272"/>
+            <p14:sldId id="276"/>
+            <p14:sldId id="275"/>
             <p14:sldId id="270"/>
             <p14:sldId id="268"/>
             <p14:sldId id="269"/>
@@ -244,7 +246,7 @@
             <a:fld id="{44289A0A-592F-4579-AE78-0E63EB14E26A}" type="datetimeFigureOut">
               <a:rPr lang="en-IN" smtClean="0"/>
               <a:pPr/>
-              <a:t>12-03-2025</a:t>
+              <a:t>02-04-2025</a:t>
             </a:fld>
             <a:endParaRPr lang="en-IN" dirty="0"/>
           </a:p>
@@ -513,6 +515,91 @@
 </p:notesMaster>
 </file>
 
+<file path=ppt/notesSlides/notesSlide1.xml><?xml version="1.0" encoding="utf-8"?>
+<p:notes xmlns:a="http://schemas.openxmlformats.org/drawingml/2006/main" xmlns:r="http://schemas.openxmlformats.org/officeDocument/2006/relationships" xmlns:p="http://schemas.openxmlformats.org/presentationml/2006/main">
+  <p:cSld>
+    <p:spTree>
+      <p:nvGrpSpPr>
+        <p:cNvPr id="1" name=""/>
+        <p:cNvGrpSpPr/>
+        <p:nvPr/>
+      </p:nvGrpSpPr>
+      <p:grpSpPr>
+        <a:xfrm>
+          <a:off x="0" y="0"/>
+          <a:ext cx="0" cy="0"/>
+          <a:chOff x="0" y="0"/>
+          <a:chExt cx="0" cy="0"/>
+        </a:xfrm>
+      </p:grpSpPr>
+      <p:sp>
+        <p:nvSpPr>
+          <p:cNvPr id="2" name="Slide Image Placeholder 1"/>
+          <p:cNvSpPr>
+            <a:spLocks noGrp="1" noRot="1" noChangeAspect="1"/>
+          </p:cNvSpPr>
+          <p:nvPr>
+            <p:ph type="sldImg"/>
+          </p:nvPr>
+        </p:nvSpPr>
+        <p:spPr/>
+      </p:sp>
+      <p:sp>
+        <p:nvSpPr>
+          <p:cNvPr id="3" name="Notes Placeholder 2"/>
+          <p:cNvSpPr>
+            <a:spLocks noGrp="1"/>
+          </p:cNvSpPr>
+          <p:nvPr>
+            <p:ph type="body" idx="1"/>
+          </p:nvPr>
+        </p:nvSpPr>
+        <p:spPr/>
+        <p:txBody>
+          <a:bodyPr/>
+          <a:lstStyle/>
+          <a:p>
+            <a:endParaRPr lang="en-IN" dirty="0"/>
+          </a:p>
+        </p:txBody>
+      </p:sp>
+      <p:sp>
+        <p:nvSpPr>
+          <p:cNvPr id="4" name="Slide Number Placeholder 3"/>
+          <p:cNvSpPr>
+            <a:spLocks noGrp="1"/>
+          </p:cNvSpPr>
+          <p:nvPr>
+            <p:ph type="sldNum" sz="quarter" idx="5"/>
+          </p:nvPr>
+        </p:nvSpPr>
+        <p:spPr/>
+        <p:txBody>
+          <a:bodyPr/>
+          <a:lstStyle/>
+          <a:p>
+            <a:fld id="{55088AB0-1C3E-4E44-AC89-1F2440C19E66}" type="slidenum">
+              <a:rPr lang="en-IN" smtClean="0"/>
+              <a:pPr/>
+              <a:t>13</a:t>
+            </a:fld>
+            <a:endParaRPr lang="en-IN" dirty="0"/>
+          </a:p>
+        </p:txBody>
+      </p:sp>
+    </p:spTree>
+    <p:extLst>
+      <p:ext uri="{BB962C8B-B14F-4D97-AF65-F5344CB8AC3E}">
+        <p14:creationId xmlns:p14="http://schemas.microsoft.com/office/powerpoint/2010/main" val="1724562954"/>
+      </p:ext>
+    </p:extLst>
+  </p:cSld>
+  <p:clrMapOvr>
+    <a:masterClrMapping/>
+  </p:clrMapOvr>
+</p:notes>
+</file>
+
 <file path=ppt/slideLayouts/slideLayout1.xml><?xml version="1.0" encoding="utf-8"?>
 <p:sldLayout xmlns:a="http://schemas.openxmlformats.org/drawingml/2006/main" xmlns:r="http://schemas.openxmlformats.org/officeDocument/2006/relationships" xmlns:p="http://schemas.openxmlformats.org/presentationml/2006/main" type="title" preserve="1">
   <p:cSld name="Title Slide">
@@ -663,7 +750,7 @@
             <a:fld id="{87258022-64EF-452F-8D36-0822664E8985}" type="datetime1">
               <a:rPr lang="en-IN" smtClean="0"/>
               <a:pPr/>
-              <a:t>12-03-2025</a:t>
+              <a:t>02-04-2025</a:t>
             </a:fld>
             <a:endParaRPr lang="en-IN" dirty="0"/>
           </a:p>
@@ -868,7 +955,7 @@
             <a:fld id="{56912B54-1760-41F2-8318-530517A222A4}" type="datetime1">
               <a:rPr lang="en-IN" smtClean="0"/>
               <a:pPr/>
-              <a:t>12-03-2025</a:t>
+              <a:t>02-04-2025</a:t>
             </a:fld>
             <a:endParaRPr lang="en-IN" dirty="0"/>
           </a:p>
@@ -1083,7 +1170,7 @@
             <a:fld id="{8E1F4FCE-2F2D-4C01-ACCD-36BE74E81988}" type="datetime1">
               <a:rPr lang="en-IN" smtClean="0"/>
               <a:pPr/>
-              <a:t>12-03-2025</a:t>
+              <a:t>02-04-2025</a:t>
             </a:fld>
             <a:endParaRPr lang="en-IN" dirty="0"/>
           </a:p>
@@ -1288,7 +1375,7 @@
             <a:fld id="{2CC9E186-6116-4DA0-9085-C1235117DB6B}" type="datetime1">
               <a:rPr lang="en-IN" smtClean="0"/>
               <a:pPr/>
-              <a:t>12-03-2025</a:t>
+              <a:t>02-04-2025</a:t>
             </a:fld>
             <a:endParaRPr lang="en-IN" dirty="0"/>
           </a:p>
@@ -1569,7 +1656,7 @@
             <a:fld id="{B2E76FE1-C54F-4FDD-A6FB-58FD7630B3D2}" type="datetime1">
               <a:rPr lang="en-IN" smtClean="0"/>
               <a:pPr/>
-              <a:t>12-03-2025</a:t>
+              <a:t>02-04-2025</a:t>
             </a:fld>
             <a:endParaRPr lang="en-IN" dirty="0"/>
           </a:p>
@@ -1842,7 +1929,7 @@
             <a:fld id="{BE77A854-7F67-4017-9F1B-EDC8264659C5}" type="datetime1">
               <a:rPr lang="en-IN" smtClean="0"/>
               <a:pPr/>
-              <a:t>12-03-2025</a:t>
+              <a:t>02-04-2025</a:t>
             </a:fld>
             <a:endParaRPr lang="en-IN" dirty="0"/>
           </a:p>
@@ -2262,7 +2349,7 @@
             <a:fld id="{D2121448-6933-4BB0-B792-C1E582F9D1FA}" type="datetime1">
               <a:rPr lang="en-IN" smtClean="0"/>
               <a:pPr/>
-              <a:t>12-03-2025</a:t>
+              <a:t>02-04-2025</a:t>
             </a:fld>
             <a:endParaRPr lang="en-IN" dirty="0"/>
           </a:p>
@@ -2409,7 +2496,7 @@
             <a:fld id="{15C10BDD-C7BF-4BEB-8E7F-F79F7321F5B8}" type="datetime1">
               <a:rPr lang="en-IN" smtClean="0"/>
               <a:pPr/>
-              <a:t>12-03-2025</a:t>
+              <a:t>02-04-2025</a:t>
             </a:fld>
             <a:endParaRPr lang="en-IN" dirty="0"/>
           </a:p>
@@ -2527,7 +2614,7 @@
             <a:fld id="{D77E40BC-515D-4E09-A178-D303E1A3E17B}" type="datetime1">
               <a:rPr lang="en-IN" smtClean="0"/>
               <a:pPr/>
-              <a:t>12-03-2025</a:t>
+              <a:t>02-04-2025</a:t>
             </a:fld>
             <a:endParaRPr lang="en-IN" dirty="0"/>
           </a:p>
@@ -2845,7 +2932,7 @@
             <a:fld id="{C2AF0C54-21AD-4FB5-9865-70BB251358AA}" type="datetime1">
               <a:rPr lang="en-IN" smtClean="0"/>
               <a:pPr/>
-              <a:t>12-03-2025</a:t>
+              <a:t>02-04-2025</a:t>
             </a:fld>
             <a:endParaRPr lang="en-IN" dirty="0"/>
           </a:p>
@@ -3139,7 +3226,7 @@
             <a:fld id="{5018FA60-D1E1-456E-BA02-2BA934B9F55C}" type="datetime1">
               <a:rPr lang="en-IN" smtClean="0"/>
               <a:pPr/>
-              <a:t>12-03-2025</a:t>
+              <a:t>02-04-2025</a:t>
             </a:fld>
             <a:endParaRPr lang="en-IN" dirty="0"/>
           </a:p>
@@ -3396,7 +3483,7 @@
             <a:fld id="{69451571-2412-45EA-922C-E514E61E09A6}" type="datetime1">
               <a:rPr lang="en-IN" smtClean="0"/>
               <a:pPr/>
-              <a:t>12-03-2025</a:t>
+              <a:t>02-04-2025</a:t>
             </a:fld>
             <a:endParaRPr lang="en-IN" dirty="0"/>
           </a:p>
@@ -3993,6 +4080,16 @@
               <a:defRPr/>
             </a:pPr>
             <a:r>
+              <a:rPr lang="en-IN" sz="2000" b="1">
+                <a:solidFill>
+                  <a:srgbClr val="FF0000"/>
+                </a:solidFill>
+                <a:latin typeface="Times New Roman" pitchFamily="18" charset="0"/>
+                <a:cs typeface="Times New Roman" pitchFamily="18" charset="0"/>
+              </a:rPr>
+              <a:t>Second </a:t>
+            </a:r>
+            <a:r>
               <a:rPr lang="en-IN" sz="2000" b="1" dirty="0">
                 <a:solidFill>
                   <a:srgbClr val="FF0000"/>
@@ -4000,7 +4097,7 @@
                 <a:latin typeface="Times New Roman" pitchFamily="18" charset="0"/>
                 <a:cs typeface="Times New Roman" pitchFamily="18" charset="0"/>
               </a:rPr>
-              <a:t>First Review</a:t>
+              <a:t>Review</a:t>
             </a:r>
           </a:p>
           <a:p>
@@ -5082,7 +5179,13 @@
   <p:cSld>
     <p:spTree>
       <p:nvGrpSpPr>
-        <p:cNvPr id="1" name=""/>
+        <p:cNvPr id="1" name="">
+          <a:extLst>
+            <a:ext uri="{FF2B5EF4-FFF2-40B4-BE49-F238E27FC236}">
+              <a16:creationId xmlns:a16="http://schemas.microsoft.com/office/drawing/2014/main" id="{2C6301E1-B3A6-E34B-9273-93B379473878}"/>
+            </a:ext>
+          </a:extLst>
+        </p:cNvPr>
         <p:cNvGrpSpPr/>
         <p:nvPr/>
       </p:nvGrpSpPr>
@@ -5096,14 +5199,20 @@
       </p:grpSpPr>
       <p:sp>
         <p:nvSpPr>
-          <p:cNvPr id="2" name="Rectangle 1"/>
+          <p:cNvPr id="2" name="Rectangle 1">
+            <a:extLst>
+              <a:ext uri="{FF2B5EF4-FFF2-40B4-BE49-F238E27FC236}">
+                <a16:creationId xmlns:a16="http://schemas.microsoft.com/office/drawing/2014/main" id="{1E191334-8C02-6614-28FE-6D40E9B4D873}"/>
+              </a:ext>
+            </a:extLst>
+          </p:cNvPr>
           <p:cNvSpPr/>
           <p:nvPr/>
         </p:nvSpPr>
         <p:spPr>
           <a:xfrm>
             <a:off x="562320" y="551192"/>
-            <a:ext cx="5396606" cy="584775"/>
+            <a:ext cx="3579378" cy="584775"/>
           </a:xfrm>
           <a:prstGeom prst="rect">
             <a:avLst/>
@@ -5123,7 +5232,7 @@
                 <a:latin typeface="Times New Roman" panose="02020603050405020304" pitchFamily="18" charset="0"/>
                 <a:cs typeface="Times New Roman" panose="02020603050405020304" pitchFamily="18" charset="0"/>
               </a:rPr>
-              <a:t>Proposed System Flow Chart </a:t>
+              <a:t>Data Preprocessing</a:t>
             </a:r>
             <a:endParaRPr lang="en-US" sz="3200" dirty="0">
               <a:solidFill>
@@ -5135,1001 +5244,40 @@
           </a:p>
         </p:txBody>
       </p:sp>
-      <p:sp>
-        <p:nvSpPr>
-          <p:cNvPr id="12" name="Flowchart: Terminator 11">
-            <a:extLst>
-              <a:ext uri="{FF2B5EF4-FFF2-40B4-BE49-F238E27FC236}">
-                <a16:creationId xmlns:a16="http://schemas.microsoft.com/office/drawing/2014/main" id="{11B45F52-1A29-8E9F-60DC-BFBD5F233797}"/>
-              </a:ext>
-            </a:extLst>
-          </p:cNvPr>
-          <p:cNvSpPr/>
+      <p:pic>
+        <p:nvPicPr>
+          <p:cNvPr id="4" name="Picture 3">
+            <a:extLst>
+              <a:ext uri="{FF2B5EF4-FFF2-40B4-BE49-F238E27FC236}">
+                <a16:creationId xmlns:a16="http://schemas.microsoft.com/office/drawing/2014/main" id="{0AAC52ED-0186-1878-423F-8250E58E860F}"/>
+              </a:ext>
+            </a:extLst>
+          </p:cNvPr>
+          <p:cNvPicPr>
+            <a:picLocks noChangeAspect="1"/>
+          </p:cNvPicPr>
           <p:nvPr/>
-        </p:nvSpPr>
+        </p:nvPicPr>
+        <p:blipFill>
+          <a:blip r:embed="rId2"/>
+          <a:stretch>
+            <a:fillRect/>
+          </a:stretch>
+        </p:blipFill>
         <p:spPr>
           <a:xfrm>
-            <a:off x="595914" y="1332925"/>
-            <a:ext cx="2705100" cy="685800"/>
-          </a:xfrm>
-          <a:prstGeom prst="flowChartTerminator">
-            <a:avLst/>
-          </a:prstGeom>
-          <a:solidFill>
-            <a:schemeClr val="accent1">
-              <a:lumMod val="40000"/>
-              <a:lumOff val="60000"/>
-            </a:schemeClr>
-          </a:solidFill>
-          <a:effectLst>
-            <a:softEdge rad="31750"/>
-          </a:effectLst>
-        </p:spPr>
-        <p:style>
-          <a:lnRef idx="2">
-            <a:schemeClr val="accent1">
-              <a:shade val="15000"/>
-            </a:schemeClr>
-          </a:lnRef>
-          <a:fillRef idx="1">
-            <a:schemeClr val="accent1"/>
-          </a:fillRef>
-          <a:effectRef idx="0">
-            <a:schemeClr val="accent1"/>
-          </a:effectRef>
-          <a:fontRef idx="minor">
-            <a:schemeClr val="lt1"/>
-          </a:fontRef>
-        </p:style>
-        <p:txBody>
-          <a:bodyPr rtlCol="0" anchor="ctr"/>
-          <a:lstStyle/>
-          <a:p>
-            <a:pPr algn="ctr"/>
-            <a:endParaRPr lang="en-IN" dirty="0">
-              <a:solidFill>
-                <a:srgbClr val="FF0000"/>
-              </a:solidFill>
-            </a:endParaRPr>
-          </a:p>
-        </p:txBody>
-      </p:sp>
-      <p:sp>
-        <p:nvSpPr>
-          <p:cNvPr id="22" name="Flowchart: Terminator 21">
-            <a:extLst>
-              <a:ext uri="{FF2B5EF4-FFF2-40B4-BE49-F238E27FC236}">
-                <a16:creationId xmlns:a16="http://schemas.microsoft.com/office/drawing/2014/main" id="{AF4571A5-9C84-4F29-0A1B-73D5FC3CF852}"/>
-              </a:ext>
-            </a:extLst>
-          </p:cNvPr>
-          <p:cNvSpPr/>
-          <p:nvPr/>
-        </p:nvSpPr>
-        <p:spPr>
-          <a:xfrm>
-            <a:off x="1090442" y="2165561"/>
-            <a:ext cx="2705100" cy="685800"/>
-          </a:xfrm>
-          <a:prstGeom prst="flowChartTerminator">
-            <a:avLst/>
-          </a:prstGeom>
-          <a:solidFill>
-            <a:schemeClr val="accent1">
-              <a:lumMod val="40000"/>
-              <a:lumOff val="60000"/>
-            </a:schemeClr>
-          </a:solidFill>
-          <a:effectLst>
-            <a:softEdge rad="31750"/>
-          </a:effectLst>
-        </p:spPr>
-        <p:style>
-          <a:lnRef idx="2">
-            <a:schemeClr val="accent1">
-              <a:shade val="15000"/>
-            </a:schemeClr>
-          </a:lnRef>
-          <a:fillRef idx="1">
-            <a:schemeClr val="accent1"/>
-          </a:fillRef>
-          <a:effectRef idx="0">
-            <a:schemeClr val="accent1"/>
-          </a:effectRef>
-          <a:fontRef idx="minor">
-            <a:schemeClr val="lt1"/>
-          </a:fontRef>
-        </p:style>
-        <p:txBody>
-          <a:bodyPr rtlCol="0" anchor="ctr"/>
-          <a:lstStyle/>
-          <a:p>
-            <a:pPr algn="ctr"/>
-            <a:endParaRPr lang="en-IN">
-              <a:solidFill>
-                <a:srgbClr val="FF0000"/>
-              </a:solidFill>
-            </a:endParaRPr>
-          </a:p>
-        </p:txBody>
-      </p:sp>
-      <p:sp>
-        <p:nvSpPr>
-          <p:cNvPr id="23" name="Flowchart: Terminator 22">
-            <a:extLst>
-              <a:ext uri="{FF2B5EF4-FFF2-40B4-BE49-F238E27FC236}">
-                <a16:creationId xmlns:a16="http://schemas.microsoft.com/office/drawing/2014/main" id="{ACA210A8-F25D-8972-4F08-79737A0EF9AC}"/>
-              </a:ext>
-            </a:extLst>
-          </p:cNvPr>
-          <p:cNvSpPr/>
-          <p:nvPr/>
-        </p:nvSpPr>
-        <p:spPr>
-          <a:xfrm>
-            <a:off x="1658533" y="2990345"/>
-            <a:ext cx="2705100" cy="685800"/>
-          </a:xfrm>
-          <a:prstGeom prst="flowChartTerminator">
-            <a:avLst/>
-          </a:prstGeom>
-          <a:solidFill>
-            <a:schemeClr val="accent1">
-              <a:lumMod val="40000"/>
-              <a:lumOff val="60000"/>
-            </a:schemeClr>
-          </a:solidFill>
-          <a:effectLst>
-            <a:softEdge rad="31750"/>
-          </a:effectLst>
-        </p:spPr>
-        <p:style>
-          <a:lnRef idx="2">
-            <a:schemeClr val="accent1">
-              <a:shade val="15000"/>
-            </a:schemeClr>
-          </a:lnRef>
-          <a:fillRef idx="1">
-            <a:schemeClr val="accent1"/>
-          </a:fillRef>
-          <a:effectRef idx="0">
-            <a:schemeClr val="accent1"/>
-          </a:effectRef>
-          <a:fontRef idx="minor">
-            <a:schemeClr val="lt1"/>
-          </a:fontRef>
-        </p:style>
-        <p:txBody>
-          <a:bodyPr rtlCol="0" anchor="ctr"/>
-          <a:lstStyle/>
-          <a:p>
-            <a:pPr algn="ctr"/>
-            <a:endParaRPr lang="en-IN">
-              <a:solidFill>
-                <a:srgbClr val="FF0000"/>
-              </a:solidFill>
-            </a:endParaRPr>
-          </a:p>
-        </p:txBody>
-      </p:sp>
-      <p:sp>
-        <p:nvSpPr>
-          <p:cNvPr id="24" name="Flowchart: Terminator 23">
-            <a:extLst>
-              <a:ext uri="{FF2B5EF4-FFF2-40B4-BE49-F238E27FC236}">
-                <a16:creationId xmlns:a16="http://schemas.microsoft.com/office/drawing/2014/main" id="{850E3580-C1F2-B6C6-0A53-6CF71989E083}"/>
-              </a:ext>
-            </a:extLst>
-          </p:cNvPr>
-          <p:cNvSpPr/>
-          <p:nvPr/>
-        </p:nvSpPr>
-        <p:spPr>
-          <a:xfrm>
-            <a:off x="2242274" y="3823834"/>
-            <a:ext cx="2705100" cy="685800"/>
-          </a:xfrm>
-          <a:prstGeom prst="flowChartTerminator">
-            <a:avLst/>
-          </a:prstGeom>
-          <a:solidFill>
-            <a:schemeClr val="accent1">
-              <a:lumMod val="40000"/>
-              <a:lumOff val="60000"/>
-            </a:schemeClr>
-          </a:solidFill>
-          <a:effectLst>
-            <a:softEdge rad="31750"/>
-          </a:effectLst>
-        </p:spPr>
-        <p:style>
-          <a:lnRef idx="2">
-            <a:schemeClr val="accent1">
-              <a:shade val="15000"/>
-            </a:schemeClr>
-          </a:lnRef>
-          <a:fillRef idx="1">
-            <a:schemeClr val="accent1"/>
-          </a:fillRef>
-          <a:effectRef idx="0">
-            <a:schemeClr val="accent1"/>
-          </a:effectRef>
-          <a:fontRef idx="minor">
-            <a:schemeClr val="lt1"/>
-          </a:fontRef>
-        </p:style>
-        <p:txBody>
-          <a:bodyPr rtlCol="0" anchor="ctr"/>
-          <a:lstStyle/>
-          <a:p>
-            <a:pPr algn="ctr"/>
-            <a:endParaRPr lang="en-IN">
-              <a:solidFill>
-                <a:srgbClr val="FF0000"/>
-              </a:solidFill>
-            </a:endParaRPr>
-          </a:p>
-        </p:txBody>
-      </p:sp>
-      <p:sp>
-        <p:nvSpPr>
-          <p:cNvPr id="26" name="Flowchart: Terminator 25">
-            <a:extLst>
-              <a:ext uri="{FF2B5EF4-FFF2-40B4-BE49-F238E27FC236}">
-                <a16:creationId xmlns:a16="http://schemas.microsoft.com/office/drawing/2014/main" id="{FE9B60DE-258C-2C1E-CEF4-12536C029E56}"/>
-              </a:ext>
-            </a:extLst>
-          </p:cNvPr>
-          <p:cNvSpPr/>
-          <p:nvPr/>
-        </p:nvSpPr>
-        <p:spPr>
-          <a:xfrm>
-            <a:off x="2866119" y="4661569"/>
-            <a:ext cx="2705100" cy="685800"/>
-          </a:xfrm>
-          <a:prstGeom prst="flowChartTerminator">
-            <a:avLst/>
-          </a:prstGeom>
-          <a:solidFill>
-            <a:schemeClr val="accent1">
-              <a:lumMod val="40000"/>
-              <a:lumOff val="60000"/>
-            </a:schemeClr>
-          </a:solidFill>
-          <a:effectLst>
-            <a:softEdge rad="31750"/>
-          </a:effectLst>
-        </p:spPr>
-        <p:style>
-          <a:lnRef idx="2">
-            <a:schemeClr val="accent1">
-              <a:shade val="15000"/>
-            </a:schemeClr>
-          </a:lnRef>
-          <a:fillRef idx="1">
-            <a:schemeClr val="accent1"/>
-          </a:fillRef>
-          <a:effectRef idx="0">
-            <a:schemeClr val="accent1"/>
-          </a:effectRef>
-          <a:fontRef idx="minor">
-            <a:schemeClr val="lt1"/>
-          </a:fontRef>
-        </p:style>
-        <p:txBody>
-          <a:bodyPr rtlCol="0" anchor="ctr"/>
-          <a:lstStyle/>
-          <a:p>
-            <a:pPr algn="ctr"/>
-            <a:endParaRPr lang="en-IN">
-              <a:solidFill>
-                <a:srgbClr val="FF0000"/>
-              </a:solidFill>
-            </a:endParaRPr>
-          </a:p>
-        </p:txBody>
-      </p:sp>
-      <p:sp>
-        <p:nvSpPr>
-          <p:cNvPr id="28" name="TextBox 27">
-            <a:extLst>
-              <a:ext uri="{FF2B5EF4-FFF2-40B4-BE49-F238E27FC236}">
-                <a16:creationId xmlns:a16="http://schemas.microsoft.com/office/drawing/2014/main" id="{6C7CDE28-DD3C-8707-CD6D-B8E0FC0CFAB2}"/>
-              </a:ext>
-            </a:extLst>
-          </p:cNvPr>
-          <p:cNvSpPr txBox="1"/>
-          <p:nvPr/>
-        </p:nvSpPr>
-        <p:spPr>
-          <a:xfrm>
-            <a:off x="940084" y="1485325"/>
-            <a:ext cx="2108200" cy="381000"/>
-          </a:xfrm>
-          <a:prstGeom prst="rect">
-            <a:avLst/>
-          </a:prstGeom>
-          <a:noFill/>
-        </p:spPr>
-        <p:txBody>
-          <a:bodyPr wrap="square" rtlCol="0">
-            <a:spAutoFit/>
-          </a:bodyPr>
-          <a:lstStyle/>
-          <a:p>
-            <a:pPr algn="ctr"/>
-            <a:r>
-              <a:rPr lang="en-IN" b="1" dirty="0"/>
-              <a:t>Data Collection</a:t>
-            </a:r>
-          </a:p>
-        </p:txBody>
-      </p:sp>
-      <p:sp>
-        <p:nvSpPr>
-          <p:cNvPr id="29" name="TextBox 28">
-            <a:extLst>
-              <a:ext uri="{FF2B5EF4-FFF2-40B4-BE49-F238E27FC236}">
-                <a16:creationId xmlns:a16="http://schemas.microsoft.com/office/drawing/2014/main" id="{D95C32A1-55E3-7391-E30F-493D073C2F87}"/>
-              </a:ext>
-            </a:extLst>
-          </p:cNvPr>
-          <p:cNvSpPr txBox="1"/>
-          <p:nvPr/>
-        </p:nvSpPr>
-        <p:spPr>
-          <a:xfrm>
-            <a:off x="3118849" y="4813969"/>
-            <a:ext cx="2108200" cy="381000"/>
-          </a:xfrm>
-          <a:prstGeom prst="rect">
-            <a:avLst/>
-          </a:prstGeom>
-          <a:noFill/>
-        </p:spPr>
-        <p:txBody>
-          <a:bodyPr wrap="square" rtlCol="0">
-            <a:spAutoFit/>
-          </a:bodyPr>
-          <a:lstStyle/>
-          <a:p>
-            <a:pPr algn="ctr"/>
-            <a:r>
-              <a:rPr lang="en-IN" b="1" dirty="0"/>
-              <a:t>Decision Support</a:t>
-            </a:r>
-          </a:p>
-        </p:txBody>
-      </p:sp>
-      <p:sp>
-        <p:nvSpPr>
-          <p:cNvPr id="30" name="TextBox 29">
-            <a:extLst>
-              <a:ext uri="{FF2B5EF4-FFF2-40B4-BE49-F238E27FC236}">
-                <a16:creationId xmlns:a16="http://schemas.microsoft.com/office/drawing/2014/main" id="{1A7E1B42-50DD-569E-34F3-93BFF4C92401}"/>
-              </a:ext>
-            </a:extLst>
-          </p:cNvPr>
-          <p:cNvSpPr txBox="1"/>
-          <p:nvPr/>
-        </p:nvSpPr>
-        <p:spPr>
-          <a:xfrm>
-            <a:off x="2636960" y="3976234"/>
-            <a:ext cx="2108200" cy="381000"/>
-          </a:xfrm>
-          <a:prstGeom prst="rect">
-            <a:avLst/>
-          </a:prstGeom>
-          <a:noFill/>
-        </p:spPr>
-        <p:txBody>
-          <a:bodyPr wrap="square" rtlCol="0">
-            <a:spAutoFit/>
-          </a:bodyPr>
-          <a:lstStyle/>
-          <a:p>
-            <a:r>
-              <a:rPr lang="en-IN" b="1" dirty="0"/>
-              <a:t>Volatility Analysis</a:t>
-            </a:r>
-            <a:r>
-              <a:rPr lang="en-IN" dirty="0"/>
-              <a:t> </a:t>
-            </a:r>
-          </a:p>
-        </p:txBody>
-      </p:sp>
-      <p:sp>
-        <p:nvSpPr>
-          <p:cNvPr id="33" name="TextBox 32">
-            <a:extLst>
-              <a:ext uri="{FF2B5EF4-FFF2-40B4-BE49-F238E27FC236}">
-                <a16:creationId xmlns:a16="http://schemas.microsoft.com/office/drawing/2014/main" id="{4F1B5C8E-2DBC-26DD-D71F-46CAD6258B2E}"/>
-              </a:ext>
-            </a:extLst>
-          </p:cNvPr>
-          <p:cNvSpPr txBox="1"/>
-          <p:nvPr/>
-        </p:nvSpPr>
-        <p:spPr>
-          <a:xfrm>
-            <a:off x="1416324" y="2320165"/>
-            <a:ext cx="2108200" cy="381000"/>
-          </a:xfrm>
-          <a:prstGeom prst="rect">
-            <a:avLst/>
-          </a:prstGeom>
-          <a:noFill/>
-        </p:spPr>
-        <p:txBody>
-          <a:bodyPr wrap="square" rtlCol="0">
-            <a:spAutoFit/>
-          </a:bodyPr>
-          <a:lstStyle/>
-          <a:p>
-            <a:r>
-              <a:rPr lang="en-IN" b="1" dirty="0"/>
-              <a:t>Data Preprocessing</a:t>
-            </a:r>
-            <a:r>
-              <a:rPr lang="en-IN" dirty="0"/>
-              <a:t> </a:t>
-            </a:r>
-          </a:p>
-        </p:txBody>
-      </p:sp>
-      <p:sp>
-        <p:nvSpPr>
-          <p:cNvPr id="32" name="TextBox 31">
-            <a:extLst>
-              <a:ext uri="{FF2B5EF4-FFF2-40B4-BE49-F238E27FC236}">
-                <a16:creationId xmlns:a16="http://schemas.microsoft.com/office/drawing/2014/main" id="{92EAC5BA-4645-4F23-6CE0-0B4E09A6C450}"/>
-              </a:ext>
-            </a:extLst>
-          </p:cNvPr>
-          <p:cNvSpPr txBox="1"/>
-          <p:nvPr/>
-        </p:nvSpPr>
-        <p:spPr>
-          <a:xfrm>
-            <a:off x="1944441" y="3021581"/>
-            <a:ext cx="2108200" cy="646331"/>
-          </a:xfrm>
-          <a:prstGeom prst="rect">
-            <a:avLst/>
-          </a:prstGeom>
-          <a:noFill/>
-        </p:spPr>
-        <p:txBody>
-          <a:bodyPr wrap="square" rtlCol="0">
-            <a:spAutoFit/>
-          </a:bodyPr>
-          <a:lstStyle/>
-          <a:p>
-            <a:pPr algn="ctr"/>
-            <a:r>
-              <a:rPr lang="en-IN" b="1" dirty="0"/>
-              <a:t>Price Prediction Models</a:t>
-            </a:r>
-          </a:p>
-        </p:txBody>
-      </p:sp>
-      <p:sp>
-        <p:nvSpPr>
-          <p:cNvPr id="5" name="TextBox 4">
-            <a:extLst>
-              <a:ext uri="{FF2B5EF4-FFF2-40B4-BE49-F238E27FC236}">
-                <a16:creationId xmlns:a16="http://schemas.microsoft.com/office/drawing/2014/main" id="{E78380FB-4A46-0697-E018-63924E1EC6C0}"/>
-              </a:ext>
-            </a:extLst>
-          </p:cNvPr>
-          <p:cNvSpPr txBox="1"/>
-          <p:nvPr/>
-        </p:nvSpPr>
-        <p:spPr>
-          <a:xfrm>
-            <a:off x="3301014" y="1332925"/>
-            <a:ext cx="6094140" cy="646331"/>
-          </a:xfrm>
-          <a:prstGeom prst="rect">
-            <a:avLst/>
-          </a:prstGeom>
-          <a:noFill/>
-        </p:spPr>
-        <p:txBody>
-          <a:bodyPr wrap="square">
-            <a:spAutoFit/>
-          </a:bodyPr>
-          <a:lstStyle/>
-          <a:p>
-            <a:r>
-              <a:rPr lang="en-US"/>
-              <a:t>AGMARKNET, Government Reports, Market APIs, Weather Data, News/Social Media.</a:t>
-            </a:r>
-            <a:endParaRPr lang="en-IN" dirty="0"/>
-          </a:p>
-        </p:txBody>
-      </p:sp>
-      <p:sp>
-        <p:nvSpPr>
-          <p:cNvPr id="7" name="TextBox 6">
-            <a:extLst>
-              <a:ext uri="{FF2B5EF4-FFF2-40B4-BE49-F238E27FC236}">
-                <a16:creationId xmlns:a16="http://schemas.microsoft.com/office/drawing/2014/main" id="{B7666CDB-584B-6ED1-4134-59F36A463710}"/>
-              </a:ext>
-            </a:extLst>
-          </p:cNvPr>
-          <p:cNvSpPr txBox="1"/>
-          <p:nvPr/>
-        </p:nvSpPr>
-        <p:spPr>
-          <a:xfrm>
-            <a:off x="3771479" y="2301767"/>
-            <a:ext cx="6094140" cy="369332"/>
-          </a:xfrm>
-          <a:prstGeom prst="rect">
-            <a:avLst/>
-          </a:prstGeom>
-          <a:noFill/>
-        </p:spPr>
-        <p:txBody>
-          <a:bodyPr wrap="square">
-            <a:spAutoFit/>
-          </a:bodyPr>
-          <a:lstStyle/>
-          <a:p>
-            <a:r>
-              <a:rPr lang="en-US" dirty="0"/>
-              <a:t>Data Cleaning, Feature Engineering, Time-Series Processing.</a:t>
-            </a:r>
-            <a:endParaRPr lang="en-IN" dirty="0"/>
-          </a:p>
-        </p:txBody>
-      </p:sp>
-      <p:sp>
-        <p:nvSpPr>
-          <p:cNvPr id="9" name="TextBox 8">
-            <a:extLst>
-              <a:ext uri="{FF2B5EF4-FFF2-40B4-BE49-F238E27FC236}">
-                <a16:creationId xmlns:a16="http://schemas.microsoft.com/office/drawing/2014/main" id="{439E228C-32C3-EA80-2303-BE8196F1CC5E}"/>
-              </a:ext>
-            </a:extLst>
-          </p:cNvPr>
-          <p:cNvSpPr txBox="1"/>
-          <p:nvPr/>
-        </p:nvSpPr>
-        <p:spPr>
-          <a:xfrm>
-            <a:off x="4363633" y="3094464"/>
-            <a:ext cx="6094140" cy="369332"/>
-          </a:xfrm>
-          <a:prstGeom prst="rect">
-            <a:avLst/>
-          </a:prstGeom>
-          <a:noFill/>
-        </p:spPr>
-        <p:txBody>
-          <a:bodyPr wrap="square">
-            <a:spAutoFit/>
-          </a:bodyPr>
-          <a:lstStyle/>
-          <a:p>
-            <a:r>
-              <a:rPr lang="en-IN" dirty="0"/>
-              <a:t>ARIMA, SARIMA, XGBoost, Random Forest, LSTM, GRU.</a:t>
-            </a:r>
-          </a:p>
-        </p:txBody>
-      </p:sp>
-      <p:sp>
-        <p:nvSpPr>
-          <p:cNvPr id="11" name="TextBox 10">
-            <a:extLst>
-              <a:ext uri="{FF2B5EF4-FFF2-40B4-BE49-F238E27FC236}">
-                <a16:creationId xmlns:a16="http://schemas.microsoft.com/office/drawing/2014/main" id="{4507E6B4-4B24-03FB-21E1-D045315A48CA}"/>
-              </a:ext>
-            </a:extLst>
-          </p:cNvPr>
-          <p:cNvSpPr txBox="1"/>
-          <p:nvPr/>
-        </p:nvSpPr>
-        <p:spPr>
-          <a:xfrm>
-            <a:off x="4947374" y="3933594"/>
-            <a:ext cx="6094140" cy="369332"/>
-          </a:xfrm>
-          <a:prstGeom prst="rect">
-            <a:avLst/>
-          </a:prstGeom>
-          <a:noFill/>
-        </p:spPr>
-        <p:txBody>
-          <a:bodyPr wrap="square">
-            <a:spAutoFit/>
-          </a:bodyPr>
-          <a:lstStyle/>
-          <a:p>
-            <a:r>
-              <a:rPr lang="en-US" dirty="0"/>
-              <a:t>GARCH Model, Sentiment Analysis, Anomaly Detection.</a:t>
-            </a:r>
-            <a:endParaRPr lang="en-IN" dirty="0"/>
-          </a:p>
-        </p:txBody>
-      </p:sp>
-      <p:sp>
-        <p:nvSpPr>
-          <p:cNvPr id="14" name="TextBox 13">
-            <a:extLst>
-              <a:ext uri="{FF2B5EF4-FFF2-40B4-BE49-F238E27FC236}">
-                <a16:creationId xmlns:a16="http://schemas.microsoft.com/office/drawing/2014/main" id="{16F8EEA8-809A-0645-3031-327C0CC1304F}"/>
-              </a:ext>
-            </a:extLst>
-          </p:cNvPr>
-          <p:cNvSpPr txBox="1"/>
-          <p:nvPr/>
-        </p:nvSpPr>
-        <p:spPr>
-          <a:xfrm>
-            <a:off x="5571219" y="4644353"/>
-            <a:ext cx="6094140" cy="646331"/>
-          </a:xfrm>
-          <a:prstGeom prst="rect">
-            <a:avLst/>
-          </a:prstGeom>
-          <a:noFill/>
-        </p:spPr>
-        <p:txBody>
-          <a:bodyPr wrap="square">
-            <a:spAutoFit/>
-          </a:bodyPr>
-          <a:lstStyle/>
-          <a:p>
-            <a:r>
-              <a:rPr lang="en-US" dirty="0"/>
-              <a:t>Buffer Stock Optimization, Explainable AI, Market Intervention Strategies.</a:t>
-            </a:r>
-            <a:endParaRPr lang="en-IN" dirty="0"/>
-          </a:p>
-        </p:txBody>
-      </p:sp>
-      <p:sp>
-        <p:nvSpPr>
-          <p:cNvPr id="15" name="Flowchart: Terminator 14">
-            <a:extLst>
-              <a:ext uri="{FF2B5EF4-FFF2-40B4-BE49-F238E27FC236}">
-                <a16:creationId xmlns:a16="http://schemas.microsoft.com/office/drawing/2014/main" id="{A93C8416-CB74-3032-8A37-26FB078621F4}"/>
-              </a:ext>
-            </a:extLst>
-          </p:cNvPr>
-          <p:cNvSpPr/>
-          <p:nvPr/>
-        </p:nvSpPr>
-        <p:spPr>
-          <a:xfrm>
-            <a:off x="3457207" y="5476436"/>
-            <a:ext cx="2705100" cy="685800"/>
-          </a:xfrm>
-          <a:prstGeom prst="flowChartTerminator">
-            <a:avLst/>
-          </a:prstGeom>
-          <a:solidFill>
-            <a:schemeClr val="accent1">
-              <a:lumMod val="40000"/>
-              <a:lumOff val="60000"/>
-            </a:schemeClr>
-          </a:solidFill>
-          <a:effectLst>
-            <a:softEdge rad="31750"/>
-          </a:effectLst>
-        </p:spPr>
-        <p:style>
-          <a:lnRef idx="2">
-            <a:schemeClr val="accent1">
-              <a:shade val="15000"/>
-            </a:schemeClr>
-          </a:lnRef>
-          <a:fillRef idx="1">
-            <a:schemeClr val="accent1"/>
-          </a:fillRef>
-          <a:effectRef idx="0">
-            <a:schemeClr val="accent1"/>
-          </a:effectRef>
-          <a:fontRef idx="minor">
-            <a:schemeClr val="lt1"/>
-          </a:fontRef>
-        </p:style>
-        <p:txBody>
-          <a:bodyPr rtlCol="0" anchor="ctr"/>
-          <a:lstStyle/>
-          <a:p>
-            <a:pPr algn="ctr"/>
-            <a:endParaRPr lang="en-IN">
-              <a:solidFill>
-                <a:srgbClr val="FF0000"/>
-              </a:solidFill>
-            </a:endParaRPr>
-          </a:p>
-        </p:txBody>
-      </p:sp>
-      <p:sp>
-        <p:nvSpPr>
-          <p:cNvPr id="16" name="TextBox 15">
-            <a:extLst>
-              <a:ext uri="{FF2B5EF4-FFF2-40B4-BE49-F238E27FC236}">
-                <a16:creationId xmlns:a16="http://schemas.microsoft.com/office/drawing/2014/main" id="{9A170803-94B5-2622-9E31-31811FFBADE6}"/>
-              </a:ext>
-            </a:extLst>
-          </p:cNvPr>
-          <p:cNvSpPr txBox="1"/>
-          <p:nvPr/>
-        </p:nvSpPr>
-        <p:spPr>
-          <a:xfrm>
-            <a:off x="3755657" y="5515440"/>
-            <a:ext cx="2108200" cy="646331"/>
-          </a:xfrm>
-          <a:prstGeom prst="rect">
-            <a:avLst/>
-          </a:prstGeom>
-          <a:noFill/>
-        </p:spPr>
-        <p:txBody>
-          <a:bodyPr wrap="square" rtlCol="0">
-            <a:spAutoFit/>
-          </a:bodyPr>
-          <a:lstStyle/>
-          <a:p>
-            <a:pPr algn="ctr"/>
-            <a:r>
-              <a:rPr lang="en-IN" b="1" dirty="0"/>
-              <a:t>Visualization &amp; Deployment</a:t>
-            </a:r>
-          </a:p>
-        </p:txBody>
-      </p:sp>
-      <p:sp>
-        <p:nvSpPr>
-          <p:cNvPr id="3" name="Rectangle 2"/>
-          <p:cNvSpPr/>
-          <p:nvPr/>
-        </p:nvSpPr>
-        <p:spPr>
-          <a:xfrm>
-            <a:off x="6290564" y="5614355"/>
-            <a:ext cx="4169859" cy="369332"/>
+            <a:off x="1803875" y="1559227"/>
+            <a:ext cx="8310102" cy="3739546"/>
           </a:xfrm>
           <a:prstGeom prst="rect">
             <a:avLst/>
           </a:prstGeom>
         </p:spPr>
-        <p:txBody>
-          <a:bodyPr wrap="none">
-            <a:spAutoFit/>
-          </a:bodyPr>
-          <a:lstStyle/>
-          <a:p>
-            <a:r>
-              <a:rPr lang="en-US" dirty="0"/>
-              <a:t>Interface Design &amp; Visualization of results </a:t>
-            </a:r>
-            <a:endParaRPr lang="en-IN" dirty="0"/>
-          </a:p>
-        </p:txBody>
-      </p:sp>
-      <p:cxnSp>
-        <p:nvCxnSpPr>
-          <p:cNvPr id="6" name="Connector: Elbow 5">
-            <a:extLst>
-              <a:ext uri="{FF2B5EF4-FFF2-40B4-BE49-F238E27FC236}">
-                <a16:creationId xmlns:a16="http://schemas.microsoft.com/office/drawing/2014/main" id="{1DF66B79-72DA-7D34-237E-3C99D3300C8E}"/>
-              </a:ext>
-            </a:extLst>
-          </p:cNvPr>
-          <p:cNvCxnSpPr>
-            <a:stCxn id="12" idx="2"/>
-          </p:cNvCxnSpPr>
-          <p:nvPr/>
-        </p:nvCxnSpPr>
-        <p:spPr>
-          <a:xfrm rot="5400000">
-            <a:off x="1873035" y="2090132"/>
-            <a:ext cx="146836" cy="4023"/>
-          </a:xfrm>
-          <a:prstGeom prst="bentConnector3">
-            <a:avLst>
-              <a:gd name="adj1" fmla="val -24730"/>
-            </a:avLst>
-          </a:prstGeom>
-          <a:ln>
-            <a:tailEnd type="triangle"/>
-          </a:ln>
-        </p:spPr>
-        <p:style>
-          <a:lnRef idx="1">
-            <a:schemeClr val="accent1"/>
-          </a:lnRef>
-          <a:fillRef idx="0">
-            <a:schemeClr val="accent1"/>
-          </a:fillRef>
-          <a:effectRef idx="0">
-            <a:schemeClr val="accent1"/>
-          </a:effectRef>
-          <a:fontRef idx="minor">
-            <a:schemeClr val="tx1"/>
-          </a:fontRef>
-        </p:style>
-      </p:cxnSp>
-      <p:cxnSp>
-        <p:nvCxnSpPr>
-          <p:cNvPr id="10" name="Connector: Elbow 9">
-            <a:extLst>
-              <a:ext uri="{FF2B5EF4-FFF2-40B4-BE49-F238E27FC236}">
-                <a16:creationId xmlns:a16="http://schemas.microsoft.com/office/drawing/2014/main" id="{6C15F0B4-77EB-9047-A9B3-4C888ABF6A76}"/>
-              </a:ext>
-            </a:extLst>
-          </p:cNvPr>
-          <p:cNvCxnSpPr/>
-          <p:nvPr/>
-        </p:nvCxnSpPr>
-        <p:spPr>
-          <a:xfrm rot="5400000">
-            <a:off x="2399017" y="2930534"/>
-            <a:ext cx="146836" cy="4023"/>
-          </a:xfrm>
-          <a:prstGeom prst="bentConnector3">
-            <a:avLst>
-              <a:gd name="adj1" fmla="val -24730"/>
-            </a:avLst>
-          </a:prstGeom>
-          <a:ln>
-            <a:tailEnd type="triangle"/>
-          </a:ln>
-        </p:spPr>
-        <p:style>
-          <a:lnRef idx="1">
-            <a:schemeClr val="accent1"/>
-          </a:lnRef>
-          <a:fillRef idx="0">
-            <a:schemeClr val="accent1"/>
-          </a:fillRef>
-          <a:effectRef idx="0">
-            <a:schemeClr val="accent1"/>
-          </a:effectRef>
-          <a:fontRef idx="minor">
-            <a:schemeClr val="tx1"/>
-          </a:fontRef>
-        </p:style>
-      </p:cxnSp>
-      <p:cxnSp>
-        <p:nvCxnSpPr>
-          <p:cNvPr id="13" name="Connector: Elbow 12">
-            <a:extLst>
-              <a:ext uri="{FF2B5EF4-FFF2-40B4-BE49-F238E27FC236}">
-                <a16:creationId xmlns:a16="http://schemas.microsoft.com/office/drawing/2014/main" id="{E929823E-E380-850E-C9B0-28BAEECC3209}"/>
-              </a:ext>
-            </a:extLst>
-          </p:cNvPr>
-          <p:cNvCxnSpPr/>
-          <p:nvPr/>
-        </p:nvCxnSpPr>
-        <p:spPr>
-          <a:xfrm rot="5400000">
-            <a:off x="2979863" y="3770936"/>
-            <a:ext cx="146836" cy="4023"/>
-          </a:xfrm>
-          <a:prstGeom prst="bentConnector3">
-            <a:avLst>
-              <a:gd name="adj1" fmla="val -24730"/>
-            </a:avLst>
-          </a:prstGeom>
-          <a:ln>
-            <a:tailEnd type="triangle"/>
-          </a:ln>
-        </p:spPr>
-        <p:style>
-          <a:lnRef idx="1">
-            <a:schemeClr val="accent1"/>
-          </a:lnRef>
-          <a:fillRef idx="0">
-            <a:schemeClr val="accent1"/>
-          </a:fillRef>
-          <a:effectRef idx="0">
-            <a:schemeClr val="accent1"/>
-          </a:effectRef>
-          <a:fontRef idx="minor">
-            <a:schemeClr val="tx1"/>
-          </a:fontRef>
-        </p:style>
-      </p:cxnSp>
-      <p:cxnSp>
-        <p:nvCxnSpPr>
-          <p:cNvPr id="17" name="Connector: Elbow 16">
-            <a:extLst>
-              <a:ext uri="{FF2B5EF4-FFF2-40B4-BE49-F238E27FC236}">
-                <a16:creationId xmlns:a16="http://schemas.microsoft.com/office/drawing/2014/main" id="{3C836760-9740-6A77-E01F-C0A73DE613E8}"/>
-              </a:ext>
-            </a:extLst>
-          </p:cNvPr>
-          <p:cNvCxnSpPr/>
-          <p:nvPr/>
-        </p:nvCxnSpPr>
-        <p:spPr>
-          <a:xfrm rot="5400000">
-            <a:off x="3524133" y="4611338"/>
-            <a:ext cx="146836" cy="4023"/>
-          </a:xfrm>
-          <a:prstGeom prst="bentConnector3">
-            <a:avLst>
-              <a:gd name="adj1" fmla="val -24730"/>
-            </a:avLst>
-          </a:prstGeom>
-          <a:ln>
-            <a:tailEnd type="triangle"/>
-          </a:ln>
-        </p:spPr>
-        <p:style>
-          <a:lnRef idx="1">
-            <a:schemeClr val="accent1"/>
-          </a:lnRef>
-          <a:fillRef idx="0">
-            <a:schemeClr val="accent1"/>
-          </a:fillRef>
-          <a:effectRef idx="0">
-            <a:schemeClr val="accent1"/>
-          </a:effectRef>
-          <a:fontRef idx="minor">
-            <a:schemeClr val="tx1"/>
-          </a:fontRef>
-        </p:style>
-      </p:cxnSp>
-      <p:cxnSp>
-        <p:nvCxnSpPr>
-          <p:cNvPr id="18" name="Connector: Elbow 17">
-            <a:extLst>
-              <a:ext uri="{FF2B5EF4-FFF2-40B4-BE49-F238E27FC236}">
-                <a16:creationId xmlns:a16="http://schemas.microsoft.com/office/drawing/2014/main" id="{E25E2854-87CA-34B1-C057-46D60B83CA91}"/>
-              </a:ext>
-            </a:extLst>
-          </p:cNvPr>
-          <p:cNvCxnSpPr/>
-          <p:nvPr/>
-        </p:nvCxnSpPr>
-        <p:spPr>
-          <a:xfrm rot="5400000">
-            <a:off x="4104979" y="5451740"/>
-            <a:ext cx="146836" cy="4023"/>
-          </a:xfrm>
-          <a:prstGeom prst="bentConnector3">
-            <a:avLst>
-              <a:gd name="adj1" fmla="val -24730"/>
-            </a:avLst>
-          </a:prstGeom>
-          <a:ln>
-            <a:tailEnd type="triangle"/>
-          </a:ln>
-        </p:spPr>
-        <p:style>
-          <a:lnRef idx="1">
-            <a:schemeClr val="accent1"/>
-          </a:lnRef>
-          <a:fillRef idx="0">
-            <a:schemeClr val="accent1"/>
-          </a:fillRef>
-          <a:effectRef idx="0">
-            <a:schemeClr val="accent1"/>
-          </a:effectRef>
-          <a:fontRef idx="minor">
-            <a:schemeClr val="tx1"/>
-          </a:fontRef>
-        </p:style>
-      </p:cxnSp>
+      </p:pic>
     </p:spTree>
     <p:extLst>
       <p:ext uri="{BB962C8B-B14F-4D97-AF65-F5344CB8AC3E}">
-        <p14:creationId xmlns:p14="http://schemas.microsoft.com/office/powerpoint/2010/main" val="3557260021"/>
+        <p14:creationId xmlns:p14="http://schemas.microsoft.com/office/powerpoint/2010/main" val="1856950982"/>
       </p:ext>
     </p:extLst>
   </p:cSld>
@@ -6140,6 +5288,112 @@
 </file>
 
 <file path=ppt/slides/slide11.xml><?xml version="1.0" encoding="utf-8"?>
+<p:sld xmlns:a="http://schemas.openxmlformats.org/drawingml/2006/main" xmlns:r="http://schemas.openxmlformats.org/officeDocument/2006/relationships" xmlns:p="http://schemas.openxmlformats.org/presentationml/2006/main">
+  <p:cSld>
+    <p:spTree>
+      <p:nvGrpSpPr>
+        <p:cNvPr id="1" name="">
+          <a:extLst>
+            <a:ext uri="{FF2B5EF4-FFF2-40B4-BE49-F238E27FC236}">
+              <a16:creationId xmlns:a16="http://schemas.microsoft.com/office/drawing/2014/main" id="{E174EC82-C7AF-D477-979D-59C8040F9851}"/>
+            </a:ext>
+          </a:extLst>
+        </p:cNvPr>
+        <p:cNvGrpSpPr/>
+        <p:nvPr/>
+      </p:nvGrpSpPr>
+      <p:grpSpPr>
+        <a:xfrm>
+          <a:off x="0" y="0"/>
+          <a:ext cx="0" cy="0"/>
+          <a:chOff x="0" y="0"/>
+          <a:chExt cx="0" cy="0"/>
+        </a:xfrm>
+      </p:grpSpPr>
+      <p:sp>
+        <p:nvSpPr>
+          <p:cNvPr id="2" name="Rectangle 1">
+            <a:extLst>
+              <a:ext uri="{FF2B5EF4-FFF2-40B4-BE49-F238E27FC236}">
+                <a16:creationId xmlns:a16="http://schemas.microsoft.com/office/drawing/2014/main" id="{B5097473-84D4-218B-9FC6-48EF62198A94}"/>
+              </a:ext>
+            </a:extLst>
+          </p:cNvPr>
+          <p:cNvSpPr/>
+          <p:nvPr/>
+        </p:nvSpPr>
+        <p:spPr>
+          <a:xfrm>
+            <a:off x="562320" y="551192"/>
+            <a:ext cx="2908168" cy="584775"/>
+          </a:xfrm>
+          <a:prstGeom prst="rect">
+            <a:avLst/>
+          </a:prstGeom>
+        </p:spPr>
+        <p:txBody>
+          <a:bodyPr wrap="none">
+            <a:spAutoFit/>
+          </a:bodyPr>
+          <a:lstStyle/>
+          <a:p>
+            <a:r>
+              <a:rPr lang="en-US" sz="3200" b="1" dirty="0">
+                <a:solidFill>
+                  <a:srgbClr val="FF0000"/>
+                </a:solidFill>
+                <a:latin typeface="Times New Roman" panose="02020603050405020304" pitchFamily="18" charset="0"/>
+                <a:cs typeface="Times New Roman" panose="02020603050405020304" pitchFamily="18" charset="0"/>
+              </a:rPr>
+              <a:t>Model Building</a:t>
+            </a:r>
+          </a:p>
+        </p:txBody>
+      </p:sp>
+      <p:pic>
+        <p:nvPicPr>
+          <p:cNvPr id="8" name="Picture 7">
+            <a:extLst>
+              <a:ext uri="{FF2B5EF4-FFF2-40B4-BE49-F238E27FC236}">
+                <a16:creationId xmlns:a16="http://schemas.microsoft.com/office/drawing/2014/main" id="{C9F4AC3F-CA1B-AEF9-2330-235CE1FDEF3B}"/>
+              </a:ext>
+            </a:extLst>
+          </p:cNvPr>
+          <p:cNvPicPr>
+            <a:picLocks noChangeAspect="1"/>
+          </p:cNvPicPr>
+          <p:nvPr/>
+        </p:nvPicPr>
+        <p:blipFill>
+          <a:blip r:embed="rId2"/>
+          <a:stretch>
+            <a:fillRect/>
+          </a:stretch>
+        </p:blipFill>
+        <p:spPr>
+          <a:xfrm>
+            <a:off x="2487168" y="1626136"/>
+            <a:ext cx="6548294" cy="3924909"/>
+          </a:xfrm>
+          <a:prstGeom prst="rect">
+            <a:avLst/>
+          </a:prstGeom>
+        </p:spPr>
+      </p:pic>
+    </p:spTree>
+    <p:extLst>
+      <p:ext uri="{BB962C8B-B14F-4D97-AF65-F5344CB8AC3E}">
+        <p14:creationId xmlns:p14="http://schemas.microsoft.com/office/powerpoint/2010/main" val="1710514119"/>
+      </p:ext>
+    </p:extLst>
+  </p:cSld>
+  <p:clrMapOvr>
+    <a:masterClrMapping/>
+  </p:clrMapOvr>
+</p:sld>
+</file>
+
+<file path=ppt/slides/slide12.xml><?xml version="1.0" encoding="utf-8"?>
 <p:sld xmlns:a="http://schemas.openxmlformats.org/drawingml/2006/main" xmlns:r="http://schemas.openxmlformats.org/officeDocument/2006/relationships" xmlns:p="http://schemas.openxmlformats.org/presentationml/2006/main">
   <p:cSld>
     <p:spTree>
@@ -6258,7 +5512,7 @@
             <a:fld id="{FFF20539-7144-4945-B20A-62B30D853D34}" type="slidenum">
               <a:rPr lang="en-IN" smtClean="0"/>
               <a:pPr/>
-              <a:t>11</a:t>
+              <a:t>12</a:t>
             </a:fld>
             <a:endParaRPr lang="en-IN" dirty="0"/>
           </a:p>
@@ -6274,8 +5528,8 @@
         </p:nvSpPr>
         <p:spPr bwMode="auto">
           <a:xfrm>
-            <a:off x="982490" y="1646926"/>
-            <a:ext cx="7628109" cy="3903954"/>
+            <a:off x="982490" y="1923925"/>
+            <a:ext cx="7628109" cy="3349956"/>
           </a:xfrm>
           <a:prstGeom prst="rect">
             <a:avLst/>
@@ -6408,7 +5662,7 @@
                 <a:latin typeface="Times New Roman" panose="02020603050405020304" pitchFamily="18" charset="0"/>
                 <a:cs typeface="Times New Roman" panose="02020603050405020304" pitchFamily="18" charset="0"/>
               </a:rPr>
-              <a:t>), SQL</a:t>
+              <a:t>)</a:t>
             </a:r>
           </a:p>
           <a:p>
@@ -6474,38 +5728,6 @@
               </a:rPr>
               <a:t> Scikit-learn, TensorFlow, PyTorch, Statsmodels (for ARIMA)</a:t>
             </a:r>
-          </a:p>
-          <a:p>
-            <a:pPr marL="342900" marR="0" lvl="0" indent="-342900" algn="l" defTabSz="914400" rtl="0" eaLnBrk="0" fontAlgn="base" latinLnBrk="0" hangingPunct="0">
-              <a:lnSpc>
-                <a:spcPct val="150000"/>
-              </a:lnSpc>
-              <a:spcBef>
-                <a:spcPct val="0"/>
-              </a:spcBef>
-              <a:spcAft>
-                <a:spcPct val="0"/>
-              </a:spcAft>
-              <a:buClrTx/>
-              <a:buSzTx/>
-              <a:buFont typeface="Arial" panose="020B0604020202020204" pitchFamily="34" charset="0"/>
-              <a:buChar char="•"/>
-              <a:tabLst/>
-            </a:pPr>
-            <a:r>
-              <a:rPr lang="en-IN" sz="2400" b="1" dirty="0">
-                <a:latin typeface="Times New Roman" panose="02020603050405020304" pitchFamily="18" charset="0"/>
-                <a:cs typeface="Times New Roman" panose="02020603050405020304" pitchFamily="18" charset="0"/>
-              </a:rPr>
-              <a:t>Database:</a:t>
-            </a:r>
-            <a:r>
-              <a:rPr lang="en-IN" sz="2400" dirty="0">
-                <a:latin typeface="Times New Roman" panose="02020603050405020304" pitchFamily="18" charset="0"/>
-                <a:cs typeface="Times New Roman" panose="02020603050405020304" pitchFamily="18" charset="0"/>
-              </a:rPr>
-              <a:t> MySQL</a:t>
-            </a:r>
             <a:endParaRPr kumimoji="0" lang="en-US" altLang="en-US" sz="2400" b="0" i="0" u="none" strike="noStrike" cap="none" normalizeH="0" baseline="0" dirty="0">
               <a:ln>
                 <a:noFill/>
@@ -6528,7 +5750,7 @@
 </p:sld>
 </file>
 
-<file path=ppt/slides/slide12.xml><?xml version="1.0" encoding="utf-8"?>
+<file path=ppt/slides/slide13.xml><?xml version="1.0" encoding="utf-8"?>
 <p:sld xmlns:a="http://schemas.openxmlformats.org/drawingml/2006/main" xmlns:r="http://schemas.openxmlformats.org/officeDocument/2006/relationships" xmlns:p="http://schemas.openxmlformats.org/presentationml/2006/main">
   <p:cSld>
     <p:spTree>
@@ -7133,7 +6355,7 @@
 </p:sld>
 </file>
 
-<file path=ppt/slides/slide13.xml><?xml version="1.0" encoding="utf-8"?>
+<file path=ppt/slides/slide14.xml><?xml version="1.0" encoding="utf-8"?>
 <p:sld xmlns:a="http://schemas.openxmlformats.org/drawingml/2006/main" xmlns:r="http://schemas.openxmlformats.org/officeDocument/2006/relationships" xmlns:p="http://schemas.openxmlformats.org/presentationml/2006/main">
   <p:cSld>
     <p:spTree>
@@ -7628,7 +6850,7 @@
 </p:sld>
 </file>
 
-<file path=ppt/slides/slide14.xml><?xml version="1.0" encoding="utf-8"?>
+<file path=ppt/slides/slide15.xml><?xml version="1.0" encoding="utf-8"?>
 <p:sld xmlns:a="http://schemas.openxmlformats.org/drawingml/2006/main" xmlns:r="http://schemas.openxmlformats.org/officeDocument/2006/relationships" xmlns:p="http://schemas.openxmlformats.org/presentationml/2006/main">
   <p:cSld>
     <p:spTree>
@@ -8827,8 +8049,8 @@
         </p:nvSpPr>
         <p:spPr>
           <a:xfrm>
-            <a:off x="469900" y="1550988"/>
-            <a:ext cx="11252200" cy="4431983"/>
+            <a:off x="469900" y="1404684"/>
+            <a:ext cx="11252200" cy="4755148"/>
           </a:xfrm>
           <a:prstGeom prst="rect">
             <a:avLst/>
@@ -8842,6 +8064,9 @@
           <a:lstStyle/>
           <a:p>
             <a:pPr algn="just">
+              <a:spcBef>
+                <a:spcPts val="1200"/>
+              </a:spcBef>
               <a:spcAft>
                 <a:spcPts val="600"/>
               </a:spcAft>
@@ -8859,6 +8084,9 @@
           </a:p>
           <a:p>
             <a:pPr marL="342900" indent="-342900" algn="just">
+              <a:spcBef>
+                <a:spcPts val="1200"/>
+              </a:spcBef>
               <a:spcAft>
                 <a:spcPts val="600"/>
               </a:spcAft>
@@ -8882,6 +8110,9 @@
           </a:p>
           <a:p>
             <a:pPr marL="342900" indent="-342900" algn="just">
+              <a:spcBef>
+                <a:spcPts val="1200"/>
+              </a:spcBef>
               <a:spcAft>
                 <a:spcPts val="600"/>
               </a:spcAft>
@@ -8893,7 +8124,7 @@
                 <a:latin typeface="Times New Roman" panose="02020603050405020304" pitchFamily="18" charset="0"/>
                 <a:cs typeface="Times New Roman" panose="02020603050405020304" pitchFamily="18" charset="0"/>
               </a:rPr>
-              <a:t>Data Cleaning (Pandas, NumPy)</a:t>
+              <a:t>Data Cleaning (Pandas)</a:t>
             </a:r>
             <a:r>
               <a:rPr lang="en-US" sz="2200" dirty="0">
@@ -8905,6 +8136,9 @@
           </a:p>
           <a:p>
             <a:pPr marL="342900" indent="-342900" algn="just">
+              <a:spcBef>
+                <a:spcPts val="1200"/>
+              </a:spcBef>
               <a:spcAft>
                 <a:spcPts val="600"/>
               </a:spcAft>
@@ -8928,6 +8162,9 @@
           </a:p>
           <a:p>
             <a:pPr marL="342900" indent="-342900" algn="just">
+              <a:spcBef>
+                <a:spcPts val="1200"/>
+              </a:spcBef>
               <a:spcAft>
                 <a:spcPts val="600"/>
               </a:spcAft>
@@ -8941,6 +8178,9 @@
           </a:p>
           <a:p>
             <a:pPr algn="just">
+              <a:spcBef>
+                <a:spcPts val="1200"/>
+              </a:spcBef>
               <a:spcAft>
                 <a:spcPts val="600"/>
               </a:spcAft>
@@ -8958,6 +8198,9 @@
           </a:p>
           <a:p>
             <a:pPr marL="342900" indent="-342900" algn="just">
+              <a:spcBef>
+                <a:spcPts val="1200"/>
+              </a:spcBef>
               <a:spcAft>
                 <a:spcPts val="600"/>
               </a:spcAft>
@@ -8969,41 +8212,21 @@
                 <a:latin typeface="Times New Roman" panose="02020603050405020304" pitchFamily="18" charset="0"/>
                 <a:cs typeface="Times New Roman" panose="02020603050405020304" pitchFamily="18" charset="0"/>
               </a:rPr>
-              <a:t>ARIMA &amp; SARIMA</a:t>
+              <a:t>ARIMA</a:t>
             </a:r>
             <a:r>
               <a:rPr lang="en-US" sz="2200" dirty="0">
                 <a:latin typeface="Times New Roman" panose="02020603050405020304" pitchFamily="18" charset="0"/>
                 <a:cs typeface="Times New Roman" panose="02020603050405020304" pitchFamily="18" charset="0"/>
               </a:rPr>
-              <a:t> – Traditional time series forecasting for baseline comparison.</a:t>
+              <a:t>– Traditional time series forecasting for baseline comparison.</a:t>
             </a:r>
           </a:p>
           <a:p>
             <a:pPr marL="342900" indent="-342900" algn="just">
-              <a:spcAft>
-                <a:spcPts val="600"/>
-              </a:spcAft>
-              <a:buFont typeface="Arial" panose="020B0604020202020204" pitchFamily="34" charset="0"/>
-              <a:buChar char="•"/>
-            </a:pPr>
-            <a:r>
-              <a:rPr lang="en-US" sz="2200" b="1" dirty="0">
-                <a:latin typeface="Times New Roman" panose="02020603050405020304" pitchFamily="18" charset="0"/>
-                <a:cs typeface="Times New Roman" panose="02020603050405020304" pitchFamily="18" charset="0"/>
-              </a:rPr>
-              <a:t>LSTM (Long Short-Term Memory)</a:t>
-            </a:r>
-            <a:r>
-              <a:rPr lang="en-US" sz="2200" dirty="0">
-                <a:latin typeface="Times New Roman" panose="02020603050405020304" pitchFamily="18" charset="0"/>
-                <a:cs typeface="Times New Roman" panose="02020603050405020304" pitchFamily="18" charset="0"/>
-              </a:rPr>
-              <a:t> – Captures long-term dependencies for better predictions.</a:t>
-            </a:r>
-          </a:p>
-          <a:p>
-            <a:pPr marL="342900" indent="-342900" algn="just">
+              <a:spcBef>
+                <a:spcPts val="1200"/>
+              </a:spcBef>
               <a:spcAft>
                 <a:spcPts val="600"/>
               </a:spcAft>
@@ -9066,256 +8289,6 @@
       </p:grpSpPr>
       <p:sp>
         <p:nvSpPr>
-          <p:cNvPr id="5" name="TextBox 4">
-            <a:extLst>
-              <a:ext uri="{FF2B5EF4-FFF2-40B4-BE49-F238E27FC236}">
-                <a16:creationId xmlns:a16="http://schemas.microsoft.com/office/drawing/2014/main" id="{515AD44D-F6F9-2777-48CE-89714C9D55FB}"/>
-              </a:ext>
-            </a:extLst>
-          </p:cNvPr>
-          <p:cNvSpPr txBox="1"/>
-          <p:nvPr/>
-        </p:nvSpPr>
-        <p:spPr>
-          <a:xfrm>
-            <a:off x="469900" y="856208"/>
-            <a:ext cx="11252200" cy="5109091"/>
-          </a:xfrm>
-          <a:prstGeom prst="rect">
-            <a:avLst/>
-          </a:prstGeom>
-          <a:noFill/>
-        </p:spPr>
-        <p:txBody>
-          <a:bodyPr wrap="square">
-            <a:spAutoFit/>
-          </a:bodyPr>
-          <a:lstStyle/>
-          <a:p>
-            <a:pPr algn="just">
-              <a:lnSpc>
-                <a:spcPct val="150000"/>
-              </a:lnSpc>
-            </a:pPr>
-            <a:r>
-              <a:rPr lang="en-IN" sz="2200" b="1" dirty="0">
-                <a:solidFill>
-                  <a:srgbClr val="FF0000"/>
-                </a:solidFill>
-                <a:latin typeface="Times New Roman" panose="02020603050405020304" pitchFamily="18" charset="0"/>
-                <a:cs typeface="Times New Roman" panose="02020603050405020304" pitchFamily="18" charset="0"/>
-              </a:rPr>
-              <a:t>3. Volatility Detection &amp; Market Insights</a:t>
-            </a:r>
-          </a:p>
-          <a:p>
-            <a:pPr marL="342900" indent="-342900" algn="just">
-              <a:lnSpc>
-                <a:spcPct val="150000"/>
-              </a:lnSpc>
-              <a:buFont typeface="Arial" panose="020B0604020202020204" pitchFamily="34" charset="0"/>
-              <a:buChar char="•"/>
-            </a:pPr>
-            <a:r>
-              <a:rPr lang="en-IN" sz="2200" b="1" dirty="0">
-                <a:latin typeface="Times New Roman" panose="02020603050405020304" pitchFamily="18" charset="0"/>
-                <a:cs typeface="Times New Roman" panose="02020603050405020304" pitchFamily="18" charset="0"/>
-              </a:rPr>
-              <a:t>GARCH Model</a:t>
-            </a:r>
-            <a:r>
-              <a:rPr lang="en-IN" sz="2200" dirty="0">
-                <a:latin typeface="Times New Roman" panose="02020603050405020304" pitchFamily="18" charset="0"/>
-                <a:cs typeface="Times New Roman" panose="02020603050405020304" pitchFamily="18" charset="0"/>
-              </a:rPr>
-              <a:t> – Predicts market volatility using financial time series data.</a:t>
-            </a:r>
-          </a:p>
-          <a:p>
-            <a:pPr marL="342900" indent="-342900" algn="just">
-              <a:lnSpc>
-                <a:spcPct val="150000"/>
-              </a:lnSpc>
-              <a:buFont typeface="Arial" panose="020B0604020202020204" pitchFamily="34" charset="0"/>
-              <a:buChar char="•"/>
-            </a:pPr>
-            <a:r>
-              <a:rPr lang="en-IN" sz="2200" b="1" dirty="0">
-                <a:latin typeface="Times New Roman" panose="02020603050405020304" pitchFamily="18" charset="0"/>
-                <a:cs typeface="Times New Roman" panose="02020603050405020304" pitchFamily="18" charset="0"/>
-              </a:rPr>
-              <a:t>Anomaly Detection (Isolation Forest, Autoencoders)</a:t>
-            </a:r>
-            <a:r>
-              <a:rPr lang="en-IN" sz="2200" dirty="0">
-                <a:latin typeface="Times New Roman" panose="02020603050405020304" pitchFamily="18" charset="0"/>
-                <a:cs typeface="Times New Roman" panose="02020603050405020304" pitchFamily="18" charset="0"/>
-              </a:rPr>
-              <a:t> – Identifies unusual price movements.</a:t>
-            </a:r>
-          </a:p>
-          <a:p>
-            <a:pPr algn="just">
-              <a:lnSpc>
-                <a:spcPct val="150000"/>
-              </a:lnSpc>
-              <a:buFont typeface="Arial" panose="020B0604020202020204" pitchFamily="34" charset="0"/>
-              <a:buChar char="•"/>
-            </a:pPr>
-            <a:endParaRPr lang="en-IN" sz="2200" dirty="0">
-              <a:latin typeface="Times New Roman" panose="02020603050405020304" pitchFamily="18" charset="0"/>
-              <a:cs typeface="Times New Roman" panose="02020603050405020304" pitchFamily="18" charset="0"/>
-            </a:endParaRPr>
-          </a:p>
-          <a:p>
-            <a:pPr algn="just">
-              <a:lnSpc>
-                <a:spcPct val="150000"/>
-              </a:lnSpc>
-            </a:pPr>
-            <a:r>
-              <a:rPr lang="en-IN" sz="2200" b="1" dirty="0">
-                <a:solidFill>
-                  <a:srgbClr val="FF0000"/>
-                </a:solidFill>
-                <a:latin typeface="Times New Roman" panose="02020603050405020304" pitchFamily="18" charset="0"/>
-                <a:cs typeface="Times New Roman" panose="02020603050405020304" pitchFamily="18" charset="0"/>
-              </a:rPr>
-              <a:t>4. Decision Support System for Market Interventions</a:t>
-            </a:r>
-          </a:p>
-          <a:p>
-            <a:pPr marL="342900" indent="-342900" algn="just">
-              <a:lnSpc>
-                <a:spcPct val="150000"/>
-              </a:lnSpc>
-              <a:buFont typeface="Arial" panose="020B0604020202020204" pitchFamily="34" charset="0"/>
-              <a:buChar char="•"/>
-            </a:pPr>
-            <a:r>
-              <a:rPr lang="en-IN" sz="2200" b="1" dirty="0">
-                <a:latin typeface="Times New Roman" panose="02020603050405020304" pitchFamily="18" charset="0"/>
-                <a:cs typeface="Times New Roman" panose="02020603050405020304" pitchFamily="18" charset="0"/>
-              </a:rPr>
-              <a:t>Reinforcement Learning (DQN, PPO)</a:t>
-            </a:r>
-            <a:r>
-              <a:rPr lang="en-IN" sz="2200" dirty="0">
-                <a:latin typeface="Times New Roman" panose="02020603050405020304" pitchFamily="18" charset="0"/>
-                <a:cs typeface="Times New Roman" panose="02020603050405020304" pitchFamily="18" charset="0"/>
-              </a:rPr>
-              <a:t> – Optimizes buffer stock release strategies.</a:t>
-            </a:r>
-          </a:p>
-          <a:p>
-            <a:pPr marL="342900" indent="-342900" algn="just">
-              <a:lnSpc>
-                <a:spcPct val="150000"/>
-              </a:lnSpc>
-              <a:buFont typeface="Arial" panose="020B0604020202020204" pitchFamily="34" charset="0"/>
-              <a:buChar char="•"/>
-            </a:pPr>
-            <a:r>
-              <a:rPr lang="en-IN" sz="2200" b="1" dirty="0">
-                <a:latin typeface="Times New Roman" panose="02020603050405020304" pitchFamily="18" charset="0"/>
-                <a:cs typeface="Times New Roman" panose="02020603050405020304" pitchFamily="18" charset="0"/>
-              </a:rPr>
-              <a:t>Optimization Algorithms (Linear Programming)</a:t>
-            </a:r>
-            <a:r>
-              <a:rPr lang="en-IN" sz="2200" dirty="0">
-                <a:latin typeface="Times New Roman" panose="02020603050405020304" pitchFamily="18" charset="0"/>
-                <a:cs typeface="Times New Roman" panose="02020603050405020304" pitchFamily="18" charset="0"/>
-              </a:rPr>
-              <a:t> – Balances supply-demand for price stability.</a:t>
-            </a:r>
-          </a:p>
-          <a:p>
-            <a:pPr marL="342900" indent="-342900" algn="just">
-              <a:lnSpc>
-                <a:spcPct val="150000"/>
-              </a:lnSpc>
-              <a:buFont typeface="Arial" panose="020B0604020202020204" pitchFamily="34" charset="0"/>
-              <a:buChar char="•"/>
-            </a:pPr>
-            <a:r>
-              <a:rPr lang="en-IN" sz="2200" b="1" dirty="0">
-                <a:latin typeface="Times New Roman" panose="02020603050405020304" pitchFamily="18" charset="0"/>
-                <a:cs typeface="Times New Roman" panose="02020603050405020304" pitchFamily="18" charset="0"/>
-              </a:rPr>
-              <a:t>Explainable AI (SHAP, LIME)</a:t>
-            </a:r>
-            <a:r>
-              <a:rPr lang="en-IN" sz="2200" dirty="0">
-                <a:latin typeface="Times New Roman" panose="02020603050405020304" pitchFamily="18" charset="0"/>
-                <a:cs typeface="Times New Roman" panose="02020603050405020304" pitchFamily="18" charset="0"/>
-              </a:rPr>
-              <a:t> – Provides transparency in decision-making.</a:t>
-            </a:r>
-          </a:p>
-          <a:p>
-            <a:pPr marL="0" marR="0" lvl="0" indent="0" algn="just" defTabSz="914400" rtl="0" eaLnBrk="0" fontAlgn="base" latinLnBrk="0" hangingPunct="0">
-              <a:lnSpc>
-                <a:spcPct val="100000"/>
-              </a:lnSpc>
-              <a:spcBef>
-                <a:spcPts val="600"/>
-              </a:spcBef>
-              <a:spcAft>
-                <a:spcPts val="600"/>
-              </a:spcAft>
-              <a:buClrTx/>
-              <a:buSzTx/>
-              <a:buFontTx/>
-              <a:buNone/>
-              <a:tabLst/>
-            </a:pPr>
-            <a:endParaRPr kumimoji="0" lang="en-US" altLang="en-US" sz="2400" b="0" i="0" u="none" strike="noStrike" cap="none" normalizeH="0" baseline="0" dirty="0">
-              <a:ln>
-                <a:noFill/>
-              </a:ln>
-              <a:solidFill>
-                <a:schemeClr val="tx1"/>
-              </a:solidFill>
-              <a:effectLst/>
-              <a:latin typeface="Times New Roman" panose="02020603050405020304" pitchFamily="18" charset="0"/>
-              <a:cs typeface="Times New Roman" panose="02020603050405020304" pitchFamily="18" charset="0"/>
-            </a:endParaRPr>
-          </a:p>
-        </p:txBody>
-      </p:sp>
-    </p:spTree>
-    <p:extLst>
-      <p:ext uri="{BB962C8B-B14F-4D97-AF65-F5344CB8AC3E}">
-        <p14:creationId xmlns:p14="http://schemas.microsoft.com/office/powerpoint/2010/main" val="3535618737"/>
-      </p:ext>
-    </p:extLst>
-  </p:cSld>
-  <p:clrMapOvr>
-    <a:masterClrMapping/>
-  </p:clrMapOvr>
-</p:sld>
-</file>
-
-<file path=ppt/slides/slide8.xml><?xml version="1.0" encoding="utf-8"?>
-<p:sld xmlns:a="http://schemas.openxmlformats.org/drawingml/2006/main" xmlns:r="http://schemas.openxmlformats.org/officeDocument/2006/relationships" xmlns:p="http://schemas.openxmlformats.org/presentationml/2006/main">
-  <p:cSld>
-    <p:spTree>
-      <p:nvGrpSpPr>
-        <p:cNvPr id="1" name=""/>
-        <p:cNvGrpSpPr/>
-        <p:nvPr/>
-      </p:nvGrpSpPr>
-      <p:grpSpPr>
-        <a:xfrm>
-          <a:off x="0" y="0"/>
-          <a:ext cx="0" cy="0"/>
-          <a:chOff x="0" y="0"/>
-          <a:chExt cx="0" cy="0"/>
-        </a:xfrm>
-      </p:grpSpPr>
-      <p:sp>
-        <p:nvSpPr>
           <p:cNvPr id="5" name="Slide Number Placeholder 4">
             <a:extLst>
               <a:ext uri="{FF2B5EF4-FFF2-40B4-BE49-F238E27FC236}">
@@ -9338,7 +8311,7 @@
             <a:fld id="{FFF20539-7144-4945-B20A-62B30D853D34}" type="slidenum">
               <a:rPr lang="en-IN" smtClean="0"/>
               <a:pPr/>
-              <a:t>8</a:t>
+              <a:t>7</a:t>
             </a:fld>
             <a:endParaRPr lang="en-IN" dirty="0"/>
           </a:p>
@@ -9459,7 +8432,7 @@
                 <a:latin typeface="Times New Roman" panose="02020603050405020304" pitchFamily="18" charset="0"/>
                 <a:cs typeface="Times New Roman" panose="02020603050405020304" pitchFamily="18" charset="0"/>
               </a:rPr>
-              <a:t>	This project aims to develop an AI-driven agricultural commodity price prediction system that enhances forecasting accuracy and aids in strategic market interventions. By integrating deep learning models (LSTM, </a:t>
+              <a:t>	This project aims to develop an AI-driven agricultural commodity price prediction system that enhances forecasting accuracy and aids in strategic market interventions. By integrating deep learning models (</a:t>
             </a:r>
             <a:r>
               <a:rPr lang="en-US" sz="2400" dirty="0" err="1">
@@ -9473,7 +8446,7 @@
                 <a:latin typeface="Times New Roman" panose="02020603050405020304" pitchFamily="18" charset="0"/>
                 <a:cs typeface="Times New Roman" panose="02020603050405020304" pitchFamily="18" charset="0"/>
               </a:rPr>
-              <a:t>, ARIMA, SARIMA) with real-time data, the system will analyze historical trends, seasonal patterns, and external market factors to predict price fluctuations. The goal is to provide farmers, traders, and policymakers with data-driven insights for better buffer stock management, price stability, and risk mitigation, ultimately reducing economic uncertainty in the agricultural sector.</a:t>
+              <a:t>, ARIMA) with real-time data, the system will analyze historical trends, seasonal patterns, and external market factors to predict price fluctuations. The goal is to provide farmers, traders, and policymakers with data-driven insights for better buffer stock management, price stability, and risk mitigation, ultimately reducing economic uncertainty in the agricultural sector.</a:t>
             </a:r>
             <a:endParaRPr sz="2400" dirty="0">
               <a:latin typeface="Times New Roman" panose="02020603050405020304" pitchFamily="18" charset="0"/>
@@ -9495,7 +8468,7 @@
 </p:sld>
 </file>
 
-<file path=ppt/slides/slide9.xml><?xml version="1.0" encoding="utf-8"?>
+<file path=ppt/slides/slide8.xml><?xml version="1.0" encoding="utf-8"?>
 <p:sld xmlns:a="http://schemas.openxmlformats.org/drawingml/2006/main" xmlns:r="http://schemas.openxmlformats.org/officeDocument/2006/relationships" xmlns:p="http://schemas.openxmlformats.org/presentationml/2006/main">
   <p:cSld>
     <p:spTree>
@@ -9542,7 +8515,7 @@
             <a:fld id="{FFF20539-7144-4945-B20A-62B30D853D34}" type="slidenum">
               <a:rPr lang="en-IN" smtClean="0"/>
               <a:pPr/>
-              <a:t>9</a:t>
+              <a:t>8</a:t>
             </a:fld>
             <a:endParaRPr lang="en-IN" dirty="0"/>
           </a:p>
@@ -9674,6 +8647,1076 @@
     <p:extLst>
       <p:ext uri="{BB962C8B-B14F-4D97-AF65-F5344CB8AC3E}">
         <p14:creationId xmlns:p14="http://schemas.microsoft.com/office/powerpoint/2010/main" val="388967168"/>
+      </p:ext>
+    </p:extLst>
+  </p:cSld>
+  <p:clrMapOvr>
+    <a:masterClrMapping/>
+  </p:clrMapOvr>
+</p:sld>
+</file>
+
+<file path=ppt/slides/slide9.xml><?xml version="1.0" encoding="utf-8"?>
+<p:sld xmlns:a="http://schemas.openxmlformats.org/drawingml/2006/main" xmlns:r="http://schemas.openxmlformats.org/officeDocument/2006/relationships" xmlns:p="http://schemas.openxmlformats.org/presentationml/2006/main">
+  <p:cSld>
+    <p:spTree>
+      <p:nvGrpSpPr>
+        <p:cNvPr id="1" name=""/>
+        <p:cNvGrpSpPr/>
+        <p:nvPr/>
+      </p:nvGrpSpPr>
+      <p:grpSpPr>
+        <a:xfrm>
+          <a:off x="0" y="0"/>
+          <a:ext cx="0" cy="0"/>
+          <a:chOff x="0" y="0"/>
+          <a:chExt cx="0" cy="0"/>
+        </a:xfrm>
+      </p:grpSpPr>
+      <p:sp>
+        <p:nvSpPr>
+          <p:cNvPr id="2" name="Rectangle 1"/>
+          <p:cNvSpPr/>
+          <p:nvPr/>
+        </p:nvSpPr>
+        <p:spPr>
+          <a:xfrm>
+            <a:off x="562320" y="551192"/>
+            <a:ext cx="5396606" cy="584775"/>
+          </a:xfrm>
+          <a:prstGeom prst="rect">
+            <a:avLst/>
+          </a:prstGeom>
+        </p:spPr>
+        <p:txBody>
+          <a:bodyPr wrap="none">
+            <a:spAutoFit/>
+          </a:bodyPr>
+          <a:lstStyle/>
+          <a:p>
+            <a:r>
+              <a:rPr lang="en-US" sz="3200" b="1" dirty="0">
+                <a:solidFill>
+                  <a:srgbClr val="FF0000"/>
+                </a:solidFill>
+                <a:latin typeface="Times New Roman" panose="02020603050405020304" pitchFamily="18" charset="0"/>
+                <a:cs typeface="Times New Roman" panose="02020603050405020304" pitchFamily="18" charset="0"/>
+              </a:rPr>
+              <a:t>Proposed System Flow Chart </a:t>
+            </a:r>
+            <a:endParaRPr lang="en-US" sz="3200" dirty="0">
+              <a:solidFill>
+                <a:srgbClr val="FF0000"/>
+              </a:solidFill>
+              <a:latin typeface="Times New Roman" panose="02020603050405020304" pitchFamily="18" charset="0"/>
+              <a:cs typeface="Times New Roman" panose="02020603050405020304" pitchFamily="18" charset="0"/>
+            </a:endParaRPr>
+          </a:p>
+        </p:txBody>
+      </p:sp>
+      <p:sp>
+        <p:nvSpPr>
+          <p:cNvPr id="12" name="Flowchart: Terminator 11">
+            <a:extLst>
+              <a:ext uri="{FF2B5EF4-FFF2-40B4-BE49-F238E27FC236}">
+                <a16:creationId xmlns:a16="http://schemas.microsoft.com/office/drawing/2014/main" id="{11B45F52-1A29-8E9F-60DC-BFBD5F233797}"/>
+              </a:ext>
+            </a:extLst>
+          </p:cNvPr>
+          <p:cNvSpPr/>
+          <p:nvPr/>
+        </p:nvSpPr>
+        <p:spPr>
+          <a:xfrm>
+            <a:off x="595914" y="1332925"/>
+            <a:ext cx="2705100" cy="685800"/>
+          </a:xfrm>
+          <a:prstGeom prst="flowChartTerminator">
+            <a:avLst/>
+          </a:prstGeom>
+          <a:solidFill>
+            <a:schemeClr val="accent1">
+              <a:lumMod val="40000"/>
+              <a:lumOff val="60000"/>
+            </a:schemeClr>
+          </a:solidFill>
+          <a:effectLst>
+            <a:softEdge rad="31750"/>
+          </a:effectLst>
+        </p:spPr>
+        <p:style>
+          <a:lnRef idx="2">
+            <a:schemeClr val="accent1">
+              <a:shade val="15000"/>
+            </a:schemeClr>
+          </a:lnRef>
+          <a:fillRef idx="1">
+            <a:schemeClr val="accent1"/>
+          </a:fillRef>
+          <a:effectRef idx="0">
+            <a:schemeClr val="accent1"/>
+          </a:effectRef>
+          <a:fontRef idx="minor">
+            <a:schemeClr val="lt1"/>
+          </a:fontRef>
+        </p:style>
+        <p:txBody>
+          <a:bodyPr rtlCol="0" anchor="ctr"/>
+          <a:lstStyle/>
+          <a:p>
+            <a:pPr algn="ctr"/>
+            <a:endParaRPr lang="en-IN" dirty="0">
+              <a:solidFill>
+                <a:srgbClr val="FF0000"/>
+              </a:solidFill>
+            </a:endParaRPr>
+          </a:p>
+        </p:txBody>
+      </p:sp>
+      <p:sp>
+        <p:nvSpPr>
+          <p:cNvPr id="22" name="Flowchart: Terminator 21">
+            <a:extLst>
+              <a:ext uri="{FF2B5EF4-FFF2-40B4-BE49-F238E27FC236}">
+                <a16:creationId xmlns:a16="http://schemas.microsoft.com/office/drawing/2014/main" id="{AF4571A5-9C84-4F29-0A1B-73D5FC3CF852}"/>
+              </a:ext>
+            </a:extLst>
+          </p:cNvPr>
+          <p:cNvSpPr/>
+          <p:nvPr/>
+        </p:nvSpPr>
+        <p:spPr>
+          <a:xfrm>
+            <a:off x="1090442" y="2165561"/>
+            <a:ext cx="2705100" cy="685800"/>
+          </a:xfrm>
+          <a:prstGeom prst="flowChartTerminator">
+            <a:avLst/>
+          </a:prstGeom>
+          <a:solidFill>
+            <a:schemeClr val="accent1">
+              <a:lumMod val="40000"/>
+              <a:lumOff val="60000"/>
+            </a:schemeClr>
+          </a:solidFill>
+          <a:effectLst>
+            <a:softEdge rad="31750"/>
+          </a:effectLst>
+        </p:spPr>
+        <p:style>
+          <a:lnRef idx="2">
+            <a:schemeClr val="accent1">
+              <a:shade val="15000"/>
+            </a:schemeClr>
+          </a:lnRef>
+          <a:fillRef idx="1">
+            <a:schemeClr val="accent1"/>
+          </a:fillRef>
+          <a:effectRef idx="0">
+            <a:schemeClr val="accent1"/>
+          </a:effectRef>
+          <a:fontRef idx="minor">
+            <a:schemeClr val="lt1"/>
+          </a:fontRef>
+        </p:style>
+        <p:txBody>
+          <a:bodyPr rtlCol="0" anchor="ctr"/>
+          <a:lstStyle/>
+          <a:p>
+            <a:pPr algn="ctr"/>
+            <a:endParaRPr lang="en-IN">
+              <a:solidFill>
+                <a:srgbClr val="FF0000"/>
+              </a:solidFill>
+            </a:endParaRPr>
+          </a:p>
+        </p:txBody>
+      </p:sp>
+      <p:sp>
+        <p:nvSpPr>
+          <p:cNvPr id="23" name="Flowchart: Terminator 22">
+            <a:extLst>
+              <a:ext uri="{FF2B5EF4-FFF2-40B4-BE49-F238E27FC236}">
+                <a16:creationId xmlns:a16="http://schemas.microsoft.com/office/drawing/2014/main" id="{ACA210A8-F25D-8972-4F08-79737A0EF9AC}"/>
+              </a:ext>
+            </a:extLst>
+          </p:cNvPr>
+          <p:cNvSpPr/>
+          <p:nvPr/>
+        </p:nvSpPr>
+        <p:spPr>
+          <a:xfrm>
+            <a:off x="1658533" y="2990345"/>
+            <a:ext cx="2705100" cy="685800"/>
+          </a:xfrm>
+          <a:prstGeom prst="flowChartTerminator">
+            <a:avLst/>
+          </a:prstGeom>
+          <a:solidFill>
+            <a:schemeClr val="accent1">
+              <a:lumMod val="40000"/>
+              <a:lumOff val="60000"/>
+            </a:schemeClr>
+          </a:solidFill>
+          <a:effectLst>
+            <a:softEdge rad="31750"/>
+          </a:effectLst>
+        </p:spPr>
+        <p:style>
+          <a:lnRef idx="2">
+            <a:schemeClr val="accent1">
+              <a:shade val="15000"/>
+            </a:schemeClr>
+          </a:lnRef>
+          <a:fillRef idx="1">
+            <a:schemeClr val="accent1"/>
+          </a:fillRef>
+          <a:effectRef idx="0">
+            <a:schemeClr val="accent1"/>
+          </a:effectRef>
+          <a:fontRef idx="minor">
+            <a:schemeClr val="lt1"/>
+          </a:fontRef>
+        </p:style>
+        <p:txBody>
+          <a:bodyPr rtlCol="0" anchor="ctr"/>
+          <a:lstStyle/>
+          <a:p>
+            <a:pPr algn="ctr"/>
+            <a:endParaRPr lang="en-IN">
+              <a:solidFill>
+                <a:srgbClr val="FF0000"/>
+              </a:solidFill>
+            </a:endParaRPr>
+          </a:p>
+        </p:txBody>
+      </p:sp>
+      <p:sp>
+        <p:nvSpPr>
+          <p:cNvPr id="24" name="Flowchart: Terminator 23">
+            <a:extLst>
+              <a:ext uri="{FF2B5EF4-FFF2-40B4-BE49-F238E27FC236}">
+                <a16:creationId xmlns:a16="http://schemas.microsoft.com/office/drawing/2014/main" id="{850E3580-C1F2-B6C6-0A53-6CF71989E083}"/>
+              </a:ext>
+            </a:extLst>
+          </p:cNvPr>
+          <p:cNvSpPr/>
+          <p:nvPr/>
+        </p:nvSpPr>
+        <p:spPr>
+          <a:xfrm>
+            <a:off x="2242274" y="3823834"/>
+            <a:ext cx="2705100" cy="685800"/>
+          </a:xfrm>
+          <a:prstGeom prst="flowChartTerminator">
+            <a:avLst/>
+          </a:prstGeom>
+          <a:solidFill>
+            <a:schemeClr val="accent1">
+              <a:lumMod val="40000"/>
+              <a:lumOff val="60000"/>
+            </a:schemeClr>
+          </a:solidFill>
+          <a:effectLst>
+            <a:softEdge rad="31750"/>
+          </a:effectLst>
+        </p:spPr>
+        <p:style>
+          <a:lnRef idx="2">
+            <a:schemeClr val="accent1">
+              <a:shade val="15000"/>
+            </a:schemeClr>
+          </a:lnRef>
+          <a:fillRef idx="1">
+            <a:schemeClr val="accent1"/>
+          </a:fillRef>
+          <a:effectRef idx="0">
+            <a:schemeClr val="accent1"/>
+          </a:effectRef>
+          <a:fontRef idx="minor">
+            <a:schemeClr val="lt1"/>
+          </a:fontRef>
+        </p:style>
+        <p:txBody>
+          <a:bodyPr rtlCol="0" anchor="ctr"/>
+          <a:lstStyle/>
+          <a:p>
+            <a:pPr algn="ctr"/>
+            <a:endParaRPr lang="en-IN">
+              <a:solidFill>
+                <a:srgbClr val="FF0000"/>
+              </a:solidFill>
+            </a:endParaRPr>
+          </a:p>
+        </p:txBody>
+      </p:sp>
+      <p:sp>
+        <p:nvSpPr>
+          <p:cNvPr id="26" name="Flowchart: Terminator 25">
+            <a:extLst>
+              <a:ext uri="{FF2B5EF4-FFF2-40B4-BE49-F238E27FC236}">
+                <a16:creationId xmlns:a16="http://schemas.microsoft.com/office/drawing/2014/main" id="{FE9B60DE-258C-2C1E-CEF4-12536C029E56}"/>
+              </a:ext>
+            </a:extLst>
+          </p:cNvPr>
+          <p:cNvSpPr/>
+          <p:nvPr/>
+        </p:nvSpPr>
+        <p:spPr>
+          <a:xfrm>
+            <a:off x="2866119" y="4661569"/>
+            <a:ext cx="2705100" cy="685800"/>
+          </a:xfrm>
+          <a:prstGeom prst="flowChartTerminator">
+            <a:avLst/>
+          </a:prstGeom>
+          <a:solidFill>
+            <a:schemeClr val="accent1">
+              <a:lumMod val="40000"/>
+              <a:lumOff val="60000"/>
+            </a:schemeClr>
+          </a:solidFill>
+          <a:effectLst>
+            <a:softEdge rad="31750"/>
+          </a:effectLst>
+        </p:spPr>
+        <p:style>
+          <a:lnRef idx="2">
+            <a:schemeClr val="accent1">
+              <a:shade val="15000"/>
+            </a:schemeClr>
+          </a:lnRef>
+          <a:fillRef idx="1">
+            <a:schemeClr val="accent1"/>
+          </a:fillRef>
+          <a:effectRef idx="0">
+            <a:schemeClr val="accent1"/>
+          </a:effectRef>
+          <a:fontRef idx="minor">
+            <a:schemeClr val="lt1"/>
+          </a:fontRef>
+        </p:style>
+        <p:txBody>
+          <a:bodyPr rtlCol="0" anchor="ctr"/>
+          <a:lstStyle/>
+          <a:p>
+            <a:pPr algn="ctr"/>
+            <a:endParaRPr lang="en-IN">
+              <a:solidFill>
+                <a:srgbClr val="FF0000"/>
+              </a:solidFill>
+            </a:endParaRPr>
+          </a:p>
+        </p:txBody>
+      </p:sp>
+      <p:sp>
+        <p:nvSpPr>
+          <p:cNvPr id="28" name="TextBox 27">
+            <a:extLst>
+              <a:ext uri="{FF2B5EF4-FFF2-40B4-BE49-F238E27FC236}">
+                <a16:creationId xmlns:a16="http://schemas.microsoft.com/office/drawing/2014/main" id="{6C7CDE28-DD3C-8707-CD6D-B8E0FC0CFAB2}"/>
+              </a:ext>
+            </a:extLst>
+          </p:cNvPr>
+          <p:cNvSpPr txBox="1"/>
+          <p:nvPr/>
+        </p:nvSpPr>
+        <p:spPr>
+          <a:xfrm>
+            <a:off x="940084" y="1485325"/>
+            <a:ext cx="2108200" cy="381000"/>
+          </a:xfrm>
+          <a:prstGeom prst="rect">
+            <a:avLst/>
+          </a:prstGeom>
+          <a:noFill/>
+        </p:spPr>
+        <p:txBody>
+          <a:bodyPr wrap="square" rtlCol="0">
+            <a:spAutoFit/>
+          </a:bodyPr>
+          <a:lstStyle/>
+          <a:p>
+            <a:pPr algn="ctr"/>
+            <a:r>
+              <a:rPr lang="en-IN" b="1" dirty="0"/>
+              <a:t>Data Collection</a:t>
+            </a:r>
+          </a:p>
+        </p:txBody>
+      </p:sp>
+      <p:sp>
+        <p:nvSpPr>
+          <p:cNvPr id="29" name="TextBox 28">
+            <a:extLst>
+              <a:ext uri="{FF2B5EF4-FFF2-40B4-BE49-F238E27FC236}">
+                <a16:creationId xmlns:a16="http://schemas.microsoft.com/office/drawing/2014/main" id="{D95C32A1-55E3-7391-E30F-493D073C2F87}"/>
+              </a:ext>
+            </a:extLst>
+          </p:cNvPr>
+          <p:cNvSpPr txBox="1"/>
+          <p:nvPr/>
+        </p:nvSpPr>
+        <p:spPr>
+          <a:xfrm>
+            <a:off x="3118849" y="4813969"/>
+            <a:ext cx="2108200" cy="381000"/>
+          </a:xfrm>
+          <a:prstGeom prst="rect">
+            <a:avLst/>
+          </a:prstGeom>
+          <a:noFill/>
+        </p:spPr>
+        <p:txBody>
+          <a:bodyPr wrap="square" rtlCol="0">
+            <a:spAutoFit/>
+          </a:bodyPr>
+          <a:lstStyle/>
+          <a:p>
+            <a:pPr algn="ctr"/>
+            <a:r>
+              <a:rPr lang="en-IN" b="1" dirty="0"/>
+              <a:t>Decision Support</a:t>
+            </a:r>
+          </a:p>
+        </p:txBody>
+      </p:sp>
+      <p:sp>
+        <p:nvSpPr>
+          <p:cNvPr id="30" name="TextBox 29">
+            <a:extLst>
+              <a:ext uri="{FF2B5EF4-FFF2-40B4-BE49-F238E27FC236}">
+                <a16:creationId xmlns:a16="http://schemas.microsoft.com/office/drawing/2014/main" id="{1A7E1B42-50DD-569E-34F3-93BFF4C92401}"/>
+              </a:ext>
+            </a:extLst>
+          </p:cNvPr>
+          <p:cNvSpPr txBox="1"/>
+          <p:nvPr/>
+        </p:nvSpPr>
+        <p:spPr>
+          <a:xfrm>
+            <a:off x="2636960" y="3976234"/>
+            <a:ext cx="2108200" cy="381000"/>
+          </a:xfrm>
+          <a:prstGeom prst="rect">
+            <a:avLst/>
+          </a:prstGeom>
+          <a:noFill/>
+        </p:spPr>
+        <p:txBody>
+          <a:bodyPr wrap="square" rtlCol="0">
+            <a:spAutoFit/>
+          </a:bodyPr>
+          <a:lstStyle/>
+          <a:p>
+            <a:r>
+              <a:rPr lang="en-IN" b="1" dirty="0"/>
+              <a:t>Volatility Analysis</a:t>
+            </a:r>
+            <a:r>
+              <a:rPr lang="en-IN" dirty="0"/>
+              <a:t> </a:t>
+            </a:r>
+          </a:p>
+        </p:txBody>
+      </p:sp>
+      <p:sp>
+        <p:nvSpPr>
+          <p:cNvPr id="33" name="TextBox 32">
+            <a:extLst>
+              <a:ext uri="{FF2B5EF4-FFF2-40B4-BE49-F238E27FC236}">
+                <a16:creationId xmlns:a16="http://schemas.microsoft.com/office/drawing/2014/main" id="{4F1B5C8E-2DBC-26DD-D71F-46CAD6258B2E}"/>
+              </a:ext>
+            </a:extLst>
+          </p:cNvPr>
+          <p:cNvSpPr txBox="1"/>
+          <p:nvPr/>
+        </p:nvSpPr>
+        <p:spPr>
+          <a:xfrm>
+            <a:off x="1416324" y="2320165"/>
+            <a:ext cx="2108200" cy="381000"/>
+          </a:xfrm>
+          <a:prstGeom prst="rect">
+            <a:avLst/>
+          </a:prstGeom>
+          <a:noFill/>
+        </p:spPr>
+        <p:txBody>
+          <a:bodyPr wrap="square" rtlCol="0">
+            <a:spAutoFit/>
+          </a:bodyPr>
+          <a:lstStyle/>
+          <a:p>
+            <a:r>
+              <a:rPr lang="en-IN" b="1" dirty="0"/>
+              <a:t>Data Preprocessing</a:t>
+            </a:r>
+            <a:r>
+              <a:rPr lang="en-IN" dirty="0"/>
+              <a:t> </a:t>
+            </a:r>
+          </a:p>
+        </p:txBody>
+      </p:sp>
+      <p:sp>
+        <p:nvSpPr>
+          <p:cNvPr id="32" name="TextBox 31">
+            <a:extLst>
+              <a:ext uri="{FF2B5EF4-FFF2-40B4-BE49-F238E27FC236}">
+                <a16:creationId xmlns:a16="http://schemas.microsoft.com/office/drawing/2014/main" id="{92EAC5BA-4645-4F23-6CE0-0B4E09A6C450}"/>
+              </a:ext>
+            </a:extLst>
+          </p:cNvPr>
+          <p:cNvSpPr txBox="1"/>
+          <p:nvPr/>
+        </p:nvSpPr>
+        <p:spPr>
+          <a:xfrm>
+            <a:off x="1944441" y="3021581"/>
+            <a:ext cx="2108200" cy="646331"/>
+          </a:xfrm>
+          <a:prstGeom prst="rect">
+            <a:avLst/>
+          </a:prstGeom>
+          <a:noFill/>
+        </p:spPr>
+        <p:txBody>
+          <a:bodyPr wrap="square" rtlCol="0">
+            <a:spAutoFit/>
+          </a:bodyPr>
+          <a:lstStyle/>
+          <a:p>
+            <a:pPr algn="ctr"/>
+            <a:r>
+              <a:rPr lang="en-IN" b="1" dirty="0"/>
+              <a:t>Price Prediction Models</a:t>
+            </a:r>
+          </a:p>
+        </p:txBody>
+      </p:sp>
+      <p:sp>
+        <p:nvSpPr>
+          <p:cNvPr id="5" name="TextBox 4">
+            <a:extLst>
+              <a:ext uri="{FF2B5EF4-FFF2-40B4-BE49-F238E27FC236}">
+                <a16:creationId xmlns:a16="http://schemas.microsoft.com/office/drawing/2014/main" id="{E78380FB-4A46-0697-E018-63924E1EC6C0}"/>
+              </a:ext>
+            </a:extLst>
+          </p:cNvPr>
+          <p:cNvSpPr txBox="1"/>
+          <p:nvPr/>
+        </p:nvSpPr>
+        <p:spPr>
+          <a:xfrm>
+            <a:off x="3301014" y="1488373"/>
+            <a:ext cx="6094140" cy="369332"/>
+          </a:xfrm>
+          <a:prstGeom prst="rect">
+            <a:avLst/>
+          </a:prstGeom>
+          <a:noFill/>
+        </p:spPr>
+        <p:txBody>
+          <a:bodyPr wrap="square">
+            <a:spAutoFit/>
+          </a:bodyPr>
+          <a:lstStyle/>
+          <a:p>
+            <a:r>
+              <a:rPr lang="en-US" dirty="0"/>
+              <a:t>AGMARKNET, Government Reports, Market APIs.</a:t>
+            </a:r>
+            <a:endParaRPr lang="en-IN" dirty="0"/>
+          </a:p>
+        </p:txBody>
+      </p:sp>
+      <p:sp>
+        <p:nvSpPr>
+          <p:cNvPr id="7" name="TextBox 6">
+            <a:extLst>
+              <a:ext uri="{FF2B5EF4-FFF2-40B4-BE49-F238E27FC236}">
+                <a16:creationId xmlns:a16="http://schemas.microsoft.com/office/drawing/2014/main" id="{B7666CDB-584B-6ED1-4134-59F36A463710}"/>
+              </a:ext>
+            </a:extLst>
+          </p:cNvPr>
+          <p:cNvSpPr txBox="1"/>
+          <p:nvPr/>
+        </p:nvSpPr>
+        <p:spPr>
+          <a:xfrm>
+            <a:off x="3771479" y="2301767"/>
+            <a:ext cx="6094140" cy="369332"/>
+          </a:xfrm>
+          <a:prstGeom prst="rect">
+            <a:avLst/>
+          </a:prstGeom>
+          <a:noFill/>
+        </p:spPr>
+        <p:txBody>
+          <a:bodyPr wrap="square">
+            <a:spAutoFit/>
+          </a:bodyPr>
+          <a:lstStyle/>
+          <a:p>
+            <a:r>
+              <a:rPr lang="en-US" dirty="0"/>
+              <a:t>Data Cleaning, Feature Engineering, Time-Series Processing.</a:t>
+            </a:r>
+            <a:endParaRPr lang="en-IN" dirty="0"/>
+          </a:p>
+        </p:txBody>
+      </p:sp>
+      <p:sp>
+        <p:nvSpPr>
+          <p:cNvPr id="9" name="TextBox 8">
+            <a:extLst>
+              <a:ext uri="{FF2B5EF4-FFF2-40B4-BE49-F238E27FC236}">
+                <a16:creationId xmlns:a16="http://schemas.microsoft.com/office/drawing/2014/main" id="{439E228C-32C3-EA80-2303-BE8196F1CC5E}"/>
+              </a:ext>
+            </a:extLst>
+          </p:cNvPr>
+          <p:cNvSpPr txBox="1"/>
+          <p:nvPr/>
+        </p:nvSpPr>
+        <p:spPr>
+          <a:xfrm>
+            <a:off x="4363633" y="3094464"/>
+            <a:ext cx="6094140" cy="369332"/>
+          </a:xfrm>
+          <a:prstGeom prst="rect">
+            <a:avLst/>
+          </a:prstGeom>
+          <a:noFill/>
+        </p:spPr>
+        <p:txBody>
+          <a:bodyPr wrap="square">
+            <a:spAutoFit/>
+          </a:bodyPr>
+          <a:lstStyle/>
+          <a:p>
+            <a:r>
+              <a:rPr lang="en-IN" dirty="0"/>
+              <a:t>ARIMA, </a:t>
+            </a:r>
+            <a:r>
+              <a:rPr lang="en-IN" dirty="0" err="1"/>
+              <a:t>XGBoost</a:t>
+            </a:r>
+            <a:r>
+              <a:rPr lang="en-IN" dirty="0"/>
+              <a:t>, Random Forest.</a:t>
+            </a:r>
+          </a:p>
+        </p:txBody>
+      </p:sp>
+      <p:sp>
+        <p:nvSpPr>
+          <p:cNvPr id="11" name="TextBox 10">
+            <a:extLst>
+              <a:ext uri="{FF2B5EF4-FFF2-40B4-BE49-F238E27FC236}">
+                <a16:creationId xmlns:a16="http://schemas.microsoft.com/office/drawing/2014/main" id="{4507E6B4-4B24-03FB-21E1-D045315A48CA}"/>
+              </a:ext>
+            </a:extLst>
+          </p:cNvPr>
+          <p:cNvSpPr txBox="1"/>
+          <p:nvPr/>
+        </p:nvSpPr>
+        <p:spPr>
+          <a:xfrm>
+            <a:off x="4947374" y="3933594"/>
+            <a:ext cx="6094140" cy="369332"/>
+          </a:xfrm>
+          <a:prstGeom prst="rect">
+            <a:avLst/>
+          </a:prstGeom>
+          <a:noFill/>
+        </p:spPr>
+        <p:txBody>
+          <a:bodyPr wrap="square">
+            <a:spAutoFit/>
+          </a:bodyPr>
+          <a:lstStyle/>
+          <a:p>
+            <a:r>
+              <a:rPr lang="en-US" dirty="0"/>
+              <a:t>Sentiment Analysis, Anomaly Detection.</a:t>
+            </a:r>
+            <a:endParaRPr lang="en-IN" dirty="0"/>
+          </a:p>
+        </p:txBody>
+      </p:sp>
+      <p:sp>
+        <p:nvSpPr>
+          <p:cNvPr id="14" name="TextBox 13">
+            <a:extLst>
+              <a:ext uri="{FF2B5EF4-FFF2-40B4-BE49-F238E27FC236}">
+                <a16:creationId xmlns:a16="http://schemas.microsoft.com/office/drawing/2014/main" id="{16F8EEA8-809A-0645-3031-327C0CC1304F}"/>
+              </a:ext>
+            </a:extLst>
+          </p:cNvPr>
+          <p:cNvSpPr txBox="1"/>
+          <p:nvPr/>
+        </p:nvSpPr>
+        <p:spPr>
+          <a:xfrm>
+            <a:off x="5571219" y="4644353"/>
+            <a:ext cx="6094140" cy="646331"/>
+          </a:xfrm>
+          <a:prstGeom prst="rect">
+            <a:avLst/>
+          </a:prstGeom>
+          <a:noFill/>
+        </p:spPr>
+        <p:txBody>
+          <a:bodyPr wrap="square">
+            <a:spAutoFit/>
+          </a:bodyPr>
+          <a:lstStyle/>
+          <a:p>
+            <a:r>
+              <a:rPr lang="en-US" dirty="0"/>
+              <a:t>Buffer Stock Optimization, Explainable AI, Market Intervention Strategies.</a:t>
+            </a:r>
+            <a:endParaRPr lang="en-IN" dirty="0"/>
+          </a:p>
+        </p:txBody>
+      </p:sp>
+      <p:sp>
+        <p:nvSpPr>
+          <p:cNvPr id="15" name="Flowchart: Terminator 14">
+            <a:extLst>
+              <a:ext uri="{FF2B5EF4-FFF2-40B4-BE49-F238E27FC236}">
+                <a16:creationId xmlns:a16="http://schemas.microsoft.com/office/drawing/2014/main" id="{A93C8416-CB74-3032-8A37-26FB078621F4}"/>
+              </a:ext>
+            </a:extLst>
+          </p:cNvPr>
+          <p:cNvSpPr/>
+          <p:nvPr/>
+        </p:nvSpPr>
+        <p:spPr>
+          <a:xfrm>
+            <a:off x="3457207" y="5476436"/>
+            <a:ext cx="2705100" cy="685800"/>
+          </a:xfrm>
+          <a:prstGeom prst="flowChartTerminator">
+            <a:avLst/>
+          </a:prstGeom>
+          <a:solidFill>
+            <a:schemeClr val="accent1">
+              <a:lumMod val="40000"/>
+              <a:lumOff val="60000"/>
+            </a:schemeClr>
+          </a:solidFill>
+          <a:effectLst>
+            <a:softEdge rad="31750"/>
+          </a:effectLst>
+        </p:spPr>
+        <p:style>
+          <a:lnRef idx="2">
+            <a:schemeClr val="accent1">
+              <a:shade val="15000"/>
+            </a:schemeClr>
+          </a:lnRef>
+          <a:fillRef idx="1">
+            <a:schemeClr val="accent1"/>
+          </a:fillRef>
+          <a:effectRef idx="0">
+            <a:schemeClr val="accent1"/>
+          </a:effectRef>
+          <a:fontRef idx="minor">
+            <a:schemeClr val="lt1"/>
+          </a:fontRef>
+        </p:style>
+        <p:txBody>
+          <a:bodyPr rtlCol="0" anchor="ctr"/>
+          <a:lstStyle/>
+          <a:p>
+            <a:pPr algn="ctr"/>
+            <a:endParaRPr lang="en-IN">
+              <a:solidFill>
+                <a:srgbClr val="FF0000"/>
+              </a:solidFill>
+            </a:endParaRPr>
+          </a:p>
+        </p:txBody>
+      </p:sp>
+      <p:sp>
+        <p:nvSpPr>
+          <p:cNvPr id="16" name="TextBox 15">
+            <a:extLst>
+              <a:ext uri="{FF2B5EF4-FFF2-40B4-BE49-F238E27FC236}">
+                <a16:creationId xmlns:a16="http://schemas.microsoft.com/office/drawing/2014/main" id="{9A170803-94B5-2622-9E31-31811FFBADE6}"/>
+              </a:ext>
+            </a:extLst>
+          </p:cNvPr>
+          <p:cNvSpPr txBox="1"/>
+          <p:nvPr/>
+        </p:nvSpPr>
+        <p:spPr>
+          <a:xfrm>
+            <a:off x="3755657" y="5515440"/>
+            <a:ext cx="2108200" cy="646331"/>
+          </a:xfrm>
+          <a:prstGeom prst="rect">
+            <a:avLst/>
+          </a:prstGeom>
+          <a:noFill/>
+        </p:spPr>
+        <p:txBody>
+          <a:bodyPr wrap="square" rtlCol="0">
+            <a:spAutoFit/>
+          </a:bodyPr>
+          <a:lstStyle/>
+          <a:p>
+            <a:pPr algn="ctr"/>
+            <a:r>
+              <a:rPr lang="en-IN" b="1" dirty="0"/>
+              <a:t>Visualization &amp; Deployment</a:t>
+            </a:r>
+          </a:p>
+        </p:txBody>
+      </p:sp>
+      <p:sp>
+        <p:nvSpPr>
+          <p:cNvPr id="3" name="Rectangle 2"/>
+          <p:cNvSpPr/>
+          <p:nvPr/>
+        </p:nvSpPr>
+        <p:spPr>
+          <a:xfrm>
+            <a:off x="6290564" y="5614355"/>
+            <a:ext cx="4169859" cy="369332"/>
+          </a:xfrm>
+          <a:prstGeom prst="rect">
+            <a:avLst/>
+          </a:prstGeom>
+        </p:spPr>
+        <p:txBody>
+          <a:bodyPr wrap="none">
+            <a:spAutoFit/>
+          </a:bodyPr>
+          <a:lstStyle/>
+          <a:p>
+            <a:r>
+              <a:rPr lang="en-US" dirty="0"/>
+              <a:t>Interface Design &amp; Visualization of results </a:t>
+            </a:r>
+            <a:endParaRPr lang="en-IN" dirty="0"/>
+          </a:p>
+        </p:txBody>
+      </p:sp>
+      <p:cxnSp>
+        <p:nvCxnSpPr>
+          <p:cNvPr id="6" name="Connector: Elbow 5">
+            <a:extLst>
+              <a:ext uri="{FF2B5EF4-FFF2-40B4-BE49-F238E27FC236}">
+                <a16:creationId xmlns:a16="http://schemas.microsoft.com/office/drawing/2014/main" id="{1DF66B79-72DA-7D34-237E-3C99D3300C8E}"/>
+              </a:ext>
+            </a:extLst>
+          </p:cNvPr>
+          <p:cNvCxnSpPr>
+            <a:stCxn id="12" idx="2"/>
+          </p:cNvCxnSpPr>
+          <p:nvPr/>
+        </p:nvCxnSpPr>
+        <p:spPr>
+          <a:xfrm rot="5400000">
+            <a:off x="1873035" y="2090132"/>
+            <a:ext cx="146836" cy="4023"/>
+          </a:xfrm>
+          <a:prstGeom prst="bentConnector3">
+            <a:avLst>
+              <a:gd name="adj1" fmla="val -24730"/>
+            </a:avLst>
+          </a:prstGeom>
+          <a:ln>
+            <a:tailEnd type="triangle"/>
+          </a:ln>
+        </p:spPr>
+        <p:style>
+          <a:lnRef idx="1">
+            <a:schemeClr val="accent1"/>
+          </a:lnRef>
+          <a:fillRef idx="0">
+            <a:schemeClr val="accent1"/>
+          </a:fillRef>
+          <a:effectRef idx="0">
+            <a:schemeClr val="accent1"/>
+          </a:effectRef>
+          <a:fontRef idx="minor">
+            <a:schemeClr val="tx1"/>
+          </a:fontRef>
+        </p:style>
+      </p:cxnSp>
+      <p:cxnSp>
+        <p:nvCxnSpPr>
+          <p:cNvPr id="10" name="Connector: Elbow 9">
+            <a:extLst>
+              <a:ext uri="{FF2B5EF4-FFF2-40B4-BE49-F238E27FC236}">
+                <a16:creationId xmlns:a16="http://schemas.microsoft.com/office/drawing/2014/main" id="{6C15F0B4-77EB-9047-A9B3-4C888ABF6A76}"/>
+              </a:ext>
+            </a:extLst>
+          </p:cNvPr>
+          <p:cNvCxnSpPr/>
+          <p:nvPr/>
+        </p:nvCxnSpPr>
+        <p:spPr>
+          <a:xfrm rot="5400000">
+            <a:off x="2399017" y="2930534"/>
+            <a:ext cx="146836" cy="4023"/>
+          </a:xfrm>
+          <a:prstGeom prst="bentConnector3">
+            <a:avLst>
+              <a:gd name="adj1" fmla="val -24730"/>
+            </a:avLst>
+          </a:prstGeom>
+          <a:ln>
+            <a:tailEnd type="triangle"/>
+          </a:ln>
+        </p:spPr>
+        <p:style>
+          <a:lnRef idx="1">
+            <a:schemeClr val="accent1"/>
+          </a:lnRef>
+          <a:fillRef idx="0">
+            <a:schemeClr val="accent1"/>
+          </a:fillRef>
+          <a:effectRef idx="0">
+            <a:schemeClr val="accent1"/>
+          </a:effectRef>
+          <a:fontRef idx="minor">
+            <a:schemeClr val="tx1"/>
+          </a:fontRef>
+        </p:style>
+      </p:cxnSp>
+      <p:cxnSp>
+        <p:nvCxnSpPr>
+          <p:cNvPr id="13" name="Connector: Elbow 12">
+            <a:extLst>
+              <a:ext uri="{FF2B5EF4-FFF2-40B4-BE49-F238E27FC236}">
+                <a16:creationId xmlns:a16="http://schemas.microsoft.com/office/drawing/2014/main" id="{E929823E-E380-850E-C9B0-28BAEECC3209}"/>
+              </a:ext>
+            </a:extLst>
+          </p:cNvPr>
+          <p:cNvCxnSpPr/>
+          <p:nvPr/>
+        </p:nvCxnSpPr>
+        <p:spPr>
+          <a:xfrm rot="5400000">
+            <a:off x="2979863" y="3770936"/>
+            <a:ext cx="146836" cy="4023"/>
+          </a:xfrm>
+          <a:prstGeom prst="bentConnector3">
+            <a:avLst>
+              <a:gd name="adj1" fmla="val -24730"/>
+            </a:avLst>
+          </a:prstGeom>
+          <a:ln>
+            <a:tailEnd type="triangle"/>
+          </a:ln>
+        </p:spPr>
+        <p:style>
+          <a:lnRef idx="1">
+            <a:schemeClr val="accent1"/>
+          </a:lnRef>
+          <a:fillRef idx="0">
+            <a:schemeClr val="accent1"/>
+          </a:fillRef>
+          <a:effectRef idx="0">
+            <a:schemeClr val="accent1"/>
+          </a:effectRef>
+          <a:fontRef idx="minor">
+            <a:schemeClr val="tx1"/>
+          </a:fontRef>
+        </p:style>
+      </p:cxnSp>
+      <p:cxnSp>
+        <p:nvCxnSpPr>
+          <p:cNvPr id="17" name="Connector: Elbow 16">
+            <a:extLst>
+              <a:ext uri="{FF2B5EF4-FFF2-40B4-BE49-F238E27FC236}">
+                <a16:creationId xmlns:a16="http://schemas.microsoft.com/office/drawing/2014/main" id="{3C836760-9740-6A77-E01F-C0A73DE613E8}"/>
+              </a:ext>
+            </a:extLst>
+          </p:cNvPr>
+          <p:cNvCxnSpPr/>
+          <p:nvPr/>
+        </p:nvCxnSpPr>
+        <p:spPr>
+          <a:xfrm rot="5400000">
+            <a:off x="3524133" y="4611338"/>
+            <a:ext cx="146836" cy="4023"/>
+          </a:xfrm>
+          <a:prstGeom prst="bentConnector3">
+            <a:avLst>
+              <a:gd name="adj1" fmla="val -24730"/>
+            </a:avLst>
+          </a:prstGeom>
+          <a:ln>
+            <a:tailEnd type="triangle"/>
+          </a:ln>
+        </p:spPr>
+        <p:style>
+          <a:lnRef idx="1">
+            <a:schemeClr val="accent1"/>
+          </a:lnRef>
+          <a:fillRef idx="0">
+            <a:schemeClr val="accent1"/>
+          </a:fillRef>
+          <a:effectRef idx="0">
+            <a:schemeClr val="accent1"/>
+          </a:effectRef>
+          <a:fontRef idx="minor">
+            <a:schemeClr val="tx1"/>
+          </a:fontRef>
+        </p:style>
+      </p:cxnSp>
+      <p:cxnSp>
+        <p:nvCxnSpPr>
+          <p:cNvPr id="18" name="Connector: Elbow 17">
+            <a:extLst>
+              <a:ext uri="{FF2B5EF4-FFF2-40B4-BE49-F238E27FC236}">
+                <a16:creationId xmlns:a16="http://schemas.microsoft.com/office/drawing/2014/main" id="{E25E2854-87CA-34B1-C057-46D60B83CA91}"/>
+              </a:ext>
+            </a:extLst>
+          </p:cNvPr>
+          <p:cNvCxnSpPr/>
+          <p:nvPr/>
+        </p:nvCxnSpPr>
+        <p:spPr>
+          <a:xfrm rot="5400000">
+            <a:off x="4104979" y="5451740"/>
+            <a:ext cx="146836" cy="4023"/>
+          </a:xfrm>
+          <a:prstGeom prst="bentConnector3">
+            <a:avLst>
+              <a:gd name="adj1" fmla="val -24730"/>
+            </a:avLst>
+          </a:prstGeom>
+          <a:ln>
+            <a:tailEnd type="triangle"/>
+          </a:ln>
+        </p:spPr>
+        <p:style>
+          <a:lnRef idx="1">
+            <a:schemeClr val="accent1"/>
+          </a:lnRef>
+          <a:fillRef idx="0">
+            <a:schemeClr val="accent1"/>
+          </a:fillRef>
+          <a:effectRef idx="0">
+            <a:schemeClr val="accent1"/>
+          </a:effectRef>
+          <a:fontRef idx="minor">
+            <a:schemeClr val="tx1"/>
+          </a:fontRef>
+        </p:style>
+      </p:cxnSp>
+    </p:spTree>
+    <p:extLst>
+      <p:ext uri="{BB962C8B-B14F-4D97-AF65-F5344CB8AC3E}">
+        <p14:creationId xmlns:p14="http://schemas.microsoft.com/office/powerpoint/2010/main" val="3557260021"/>
       </p:ext>
     </p:extLst>
   </p:cSld>

--- a/ppts/2.pptx
+++ b/ppts/2.pptx
@@ -5,7 +5,7 @@
     <p:sldMasterId id="2147483648" r:id="rId1"/>
   </p:sldMasterIdLst>
   <p:notesMasterIdLst>
-    <p:notesMasterId r:id="rId17"/>
+    <p:notesMasterId r:id="rId19"/>
   </p:notesMasterIdLst>
   <p:sldIdLst>
     <p:sldId id="256" r:id="rId2"/>
@@ -13,16 +13,18 @@
     <p:sldId id="257" r:id="rId4"/>
     <p:sldId id="258" r:id="rId5"/>
     <p:sldId id="260" r:id="rId6"/>
-    <p:sldId id="261" r:id="rId7"/>
-    <p:sldId id="263" r:id="rId8"/>
-    <p:sldId id="273" r:id="rId9"/>
-    <p:sldId id="272" r:id="rId10"/>
-    <p:sldId id="276" r:id="rId11"/>
-    <p:sldId id="275" r:id="rId12"/>
-    <p:sldId id="270" r:id="rId13"/>
-    <p:sldId id="268" r:id="rId14"/>
-    <p:sldId id="269" r:id="rId15"/>
-    <p:sldId id="262" r:id="rId16"/>
+    <p:sldId id="281" r:id="rId7"/>
+    <p:sldId id="280" r:id="rId8"/>
+    <p:sldId id="261" r:id="rId9"/>
+    <p:sldId id="263" r:id="rId10"/>
+    <p:sldId id="279" r:id="rId11"/>
+    <p:sldId id="276" r:id="rId12"/>
+    <p:sldId id="275" r:id="rId13"/>
+    <p:sldId id="270" r:id="rId14"/>
+    <p:sldId id="268" r:id="rId15"/>
+    <p:sldId id="269" r:id="rId16"/>
+    <p:sldId id="278" r:id="rId17"/>
+    <p:sldId id="262" r:id="rId18"/>
   </p:sldIdLst>
   <p:sldSz cx="12192000" cy="6858000"/>
   <p:notesSz cx="9144000" cy="6858000"/>
@@ -131,15 +133,17 @@
             <p14:sldId id="257"/>
             <p14:sldId id="258"/>
             <p14:sldId id="260"/>
+            <p14:sldId id="281"/>
+            <p14:sldId id="280"/>
             <p14:sldId id="261"/>
             <p14:sldId id="263"/>
-            <p14:sldId id="273"/>
-            <p14:sldId id="272"/>
+            <p14:sldId id="279"/>
             <p14:sldId id="276"/>
             <p14:sldId id="275"/>
             <p14:sldId id="270"/>
             <p14:sldId id="268"/>
             <p14:sldId id="269"/>
+            <p14:sldId id="278"/>
             <p14:sldId id="262"/>
           </p14:sldIdLst>
         </p14:section>
@@ -581,7 +585,7 @@
             <a:fld id="{55088AB0-1C3E-4E44-AC89-1F2440C19E66}" type="slidenum">
               <a:rPr lang="en-IN" smtClean="0"/>
               <a:pPr/>
-              <a:t>13</a:t>
+              <a:t>14</a:t>
             </a:fld>
             <a:endParaRPr lang="en-IN" dirty="0"/>
           </a:p>
@@ -4378,13 +4382,13 @@
           <p:nvPr>
             <p:extLst>
               <p:ext uri="{D42A27DB-BD31-4B8C-83A1-F6EECF244321}">
-                <p14:modId xmlns:p14="http://schemas.microsoft.com/office/powerpoint/2010/main" val="3858947614"/>
+                <p14:modId xmlns:p14="http://schemas.microsoft.com/office/powerpoint/2010/main" val="3126273244"/>
               </p:ext>
             </p:extLst>
           </p:nvPr>
         </p:nvGraphicFramePr>
         <p:xfrm>
-          <a:off x="1829527" y="2480310"/>
+          <a:off x="1829527" y="2489454"/>
           <a:ext cx="8411754" cy="3840480"/>
         </p:xfrm>
         <a:graphic>
@@ -5182,6 +5186,941 @@
         <p:cNvPr id="1" name="">
           <a:extLst>
             <a:ext uri="{FF2B5EF4-FFF2-40B4-BE49-F238E27FC236}">
+              <a16:creationId xmlns:a16="http://schemas.microsoft.com/office/drawing/2014/main" id="{CBDBF2FD-F890-BF82-FB16-E4C896A6A08E}"/>
+            </a:ext>
+          </a:extLst>
+        </p:cNvPr>
+        <p:cNvGrpSpPr/>
+        <p:nvPr/>
+      </p:nvGrpSpPr>
+      <p:grpSpPr>
+        <a:xfrm>
+          <a:off x="0" y="0"/>
+          <a:ext cx="0" cy="0"/>
+          <a:chOff x="0" y="0"/>
+          <a:chExt cx="0" cy="0"/>
+        </a:xfrm>
+      </p:grpSpPr>
+      <p:sp>
+        <p:nvSpPr>
+          <p:cNvPr id="2" name="Rectangle 1">
+            <a:extLst>
+              <a:ext uri="{FF2B5EF4-FFF2-40B4-BE49-F238E27FC236}">
+                <a16:creationId xmlns:a16="http://schemas.microsoft.com/office/drawing/2014/main" id="{8BE4EE86-D90E-CEF0-581F-DD16242BAB46}"/>
+              </a:ext>
+            </a:extLst>
+          </p:cNvPr>
+          <p:cNvSpPr/>
+          <p:nvPr/>
+        </p:nvSpPr>
+        <p:spPr>
+          <a:xfrm>
+            <a:off x="562320" y="551192"/>
+            <a:ext cx="5396606" cy="584775"/>
+          </a:xfrm>
+          <a:prstGeom prst="rect">
+            <a:avLst/>
+          </a:prstGeom>
+        </p:spPr>
+        <p:txBody>
+          <a:bodyPr wrap="none">
+            <a:spAutoFit/>
+          </a:bodyPr>
+          <a:lstStyle/>
+          <a:p>
+            <a:r>
+              <a:rPr lang="en-US" sz="3200" b="1" dirty="0">
+                <a:solidFill>
+                  <a:srgbClr val="FF0000"/>
+                </a:solidFill>
+                <a:latin typeface="Times New Roman" panose="02020603050405020304" pitchFamily="18" charset="0"/>
+                <a:cs typeface="Times New Roman" panose="02020603050405020304" pitchFamily="18" charset="0"/>
+              </a:rPr>
+              <a:t>Proposed System Flow Chart </a:t>
+            </a:r>
+            <a:endParaRPr lang="en-US" sz="3200" dirty="0">
+              <a:solidFill>
+                <a:srgbClr val="FF0000"/>
+              </a:solidFill>
+              <a:latin typeface="Times New Roman" panose="02020603050405020304" pitchFamily="18" charset="0"/>
+              <a:cs typeface="Times New Roman" panose="02020603050405020304" pitchFamily="18" charset="0"/>
+            </a:endParaRPr>
+          </a:p>
+        </p:txBody>
+      </p:sp>
+      <p:sp>
+        <p:nvSpPr>
+          <p:cNvPr id="8" name="Rectangle 7">
+            <a:extLst>
+              <a:ext uri="{FF2B5EF4-FFF2-40B4-BE49-F238E27FC236}">
+                <a16:creationId xmlns:a16="http://schemas.microsoft.com/office/drawing/2014/main" id="{3AAED777-23DA-EAD9-0BF5-A51FE1A18C9F}"/>
+              </a:ext>
+            </a:extLst>
+          </p:cNvPr>
+          <p:cNvSpPr/>
+          <p:nvPr/>
+        </p:nvSpPr>
+        <p:spPr>
+          <a:xfrm>
+            <a:off x="8922508" y="3191537"/>
+            <a:ext cx="1986412" cy="880533"/>
+          </a:xfrm>
+          <a:prstGeom prst="rect">
+            <a:avLst/>
+          </a:prstGeom>
+        </p:spPr>
+        <p:style>
+          <a:lnRef idx="2">
+            <a:schemeClr val="accent1">
+              <a:shade val="15000"/>
+            </a:schemeClr>
+          </a:lnRef>
+          <a:fillRef idx="1">
+            <a:schemeClr val="accent1"/>
+          </a:fillRef>
+          <a:effectRef idx="0">
+            <a:schemeClr val="accent1"/>
+          </a:effectRef>
+          <a:fontRef idx="minor">
+            <a:schemeClr val="lt1"/>
+          </a:fontRef>
+        </p:style>
+        <p:txBody>
+          <a:bodyPr rtlCol="0" anchor="ctr"/>
+          <a:lstStyle/>
+          <a:p>
+            <a:pPr algn="ctr"/>
+            <a:r>
+              <a:rPr lang="en-US" dirty="0"/>
+              <a:t>Time Series Prediction</a:t>
+            </a:r>
+            <a:endParaRPr lang="en-IN" dirty="0"/>
+          </a:p>
+        </p:txBody>
+      </p:sp>
+      <p:sp>
+        <p:nvSpPr>
+          <p:cNvPr id="20" name="Rectangle 19">
+            <a:extLst>
+              <a:ext uri="{FF2B5EF4-FFF2-40B4-BE49-F238E27FC236}">
+                <a16:creationId xmlns:a16="http://schemas.microsoft.com/office/drawing/2014/main" id="{37208574-6D2D-2B89-9CD5-4BA80E993980}"/>
+              </a:ext>
+            </a:extLst>
+          </p:cNvPr>
+          <p:cNvSpPr/>
+          <p:nvPr/>
+        </p:nvSpPr>
+        <p:spPr>
+          <a:xfrm>
+            <a:off x="5627626" y="4527638"/>
+            <a:ext cx="2208780" cy="880533"/>
+          </a:xfrm>
+          <a:prstGeom prst="rect">
+            <a:avLst/>
+          </a:prstGeom>
+        </p:spPr>
+        <p:style>
+          <a:lnRef idx="2">
+            <a:schemeClr val="accent1">
+              <a:shade val="15000"/>
+            </a:schemeClr>
+          </a:lnRef>
+          <a:fillRef idx="1">
+            <a:schemeClr val="accent1"/>
+          </a:fillRef>
+          <a:effectRef idx="0">
+            <a:schemeClr val="accent1"/>
+          </a:effectRef>
+          <a:fontRef idx="minor">
+            <a:schemeClr val="lt1"/>
+          </a:fontRef>
+        </p:style>
+        <p:txBody>
+          <a:bodyPr rtlCol="0" anchor="ctr"/>
+          <a:lstStyle/>
+          <a:p>
+            <a:pPr algn="ctr"/>
+            <a:r>
+              <a:rPr lang="en-US" dirty="0"/>
+              <a:t>Input Parsing </a:t>
+            </a:r>
+            <a:endParaRPr lang="en-IN" dirty="0"/>
+          </a:p>
+        </p:txBody>
+      </p:sp>
+      <p:sp>
+        <p:nvSpPr>
+          <p:cNvPr id="21" name="Rectangle 20">
+            <a:extLst>
+              <a:ext uri="{FF2B5EF4-FFF2-40B4-BE49-F238E27FC236}">
+                <a16:creationId xmlns:a16="http://schemas.microsoft.com/office/drawing/2014/main" id="{8D4A7A60-C902-A3B6-B3EA-3932859FF606}"/>
+              </a:ext>
+            </a:extLst>
+          </p:cNvPr>
+          <p:cNvSpPr/>
+          <p:nvPr/>
+        </p:nvSpPr>
+        <p:spPr>
+          <a:xfrm>
+            <a:off x="5627626" y="1850008"/>
+            <a:ext cx="2208780" cy="880533"/>
+          </a:xfrm>
+          <a:prstGeom prst="rect">
+            <a:avLst/>
+          </a:prstGeom>
+        </p:spPr>
+        <p:style>
+          <a:lnRef idx="2">
+            <a:schemeClr val="accent1">
+              <a:shade val="15000"/>
+            </a:schemeClr>
+          </a:lnRef>
+          <a:fillRef idx="1">
+            <a:schemeClr val="accent1"/>
+          </a:fillRef>
+          <a:effectRef idx="0">
+            <a:schemeClr val="accent1"/>
+          </a:effectRef>
+          <a:fontRef idx="minor">
+            <a:schemeClr val="lt1"/>
+          </a:fontRef>
+        </p:style>
+        <p:txBody>
+          <a:bodyPr rtlCol="0" anchor="ctr"/>
+          <a:lstStyle/>
+          <a:p>
+            <a:pPr algn="ctr"/>
+            <a:r>
+              <a:rPr lang="en-US" dirty="0"/>
+              <a:t>Model Building</a:t>
+            </a:r>
+            <a:endParaRPr lang="en-IN" dirty="0"/>
+          </a:p>
+        </p:txBody>
+      </p:sp>
+      <p:sp>
+        <p:nvSpPr>
+          <p:cNvPr id="25" name="Rectangle 24">
+            <a:extLst>
+              <a:ext uri="{FF2B5EF4-FFF2-40B4-BE49-F238E27FC236}">
+                <a16:creationId xmlns:a16="http://schemas.microsoft.com/office/drawing/2014/main" id="{A223D244-A6F6-41AB-B1B7-D4F90FA75121}"/>
+              </a:ext>
+            </a:extLst>
+          </p:cNvPr>
+          <p:cNvSpPr/>
+          <p:nvPr/>
+        </p:nvSpPr>
+        <p:spPr>
+          <a:xfrm>
+            <a:off x="1705318" y="1425708"/>
+            <a:ext cx="2367150" cy="880533"/>
+          </a:xfrm>
+          <a:prstGeom prst="rect">
+            <a:avLst/>
+          </a:prstGeom>
+        </p:spPr>
+        <p:style>
+          <a:lnRef idx="2">
+            <a:schemeClr val="accent1">
+              <a:shade val="15000"/>
+            </a:schemeClr>
+          </a:lnRef>
+          <a:fillRef idx="1">
+            <a:schemeClr val="accent1"/>
+          </a:fillRef>
+          <a:effectRef idx="0">
+            <a:schemeClr val="accent1"/>
+          </a:effectRef>
+          <a:fontRef idx="minor">
+            <a:schemeClr val="lt1"/>
+          </a:fontRef>
+        </p:style>
+        <p:txBody>
+          <a:bodyPr rtlCol="0" anchor="ctr"/>
+          <a:lstStyle/>
+          <a:p>
+            <a:pPr algn="ctr"/>
+            <a:r>
+              <a:rPr lang="en-US" dirty="0"/>
+              <a:t>Data Integration</a:t>
+            </a:r>
+            <a:endParaRPr lang="en-IN" dirty="0"/>
+          </a:p>
+        </p:txBody>
+      </p:sp>
+      <p:sp>
+        <p:nvSpPr>
+          <p:cNvPr id="27" name="Rectangle 26">
+            <a:extLst>
+              <a:ext uri="{FF2B5EF4-FFF2-40B4-BE49-F238E27FC236}">
+                <a16:creationId xmlns:a16="http://schemas.microsoft.com/office/drawing/2014/main" id="{289ACAB9-5572-830A-A047-DF1B140E91E2}"/>
+              </a:ext>
+            </a:extLst>
+          </p:cNvPr>
+          <p:cNvSpPr/>
+          <p:nvPr/>
+        </p:nvSpPr>
+        <p:spPr>
+          <a:xfrm>
+            <a:off x="1697996" y="3837111"/>
+            <a:ext cx="2372904" cy="880533"/>
+          </a:xfrm>
+          <a:prstGeom prst="rect">
+            <a:avLst/>
+          </a:prstGeom>
+        </p:spPr>
+        <p:style>
+          <a:lnRef idx="2">
+            <a:schemeClr val="accent1">
+              <a:shade val="15000"/>
+            </a:schemeClr>
+          </a:lnRef>
+          <a:fillRef idx="1">
+            <a:schemeClr val="accent1"/>
+          </a:fillRef>
+          <a:effectRef idx="0">
+            <a:schemeClr val="accent1"/>
+          </a:effectRef>
+          <a:fontRef idx="minor">
+            <a:schemeClr val="lt1"/>
+          </a:fontRef>
+        </p:style>
+        <p:txBody>
+          <a:bodyPr rtlCol="0" anchor="ctr"/>
+          <a:lstStyle/>
+          <a:p>
+            <a:pPr algn="ctr"/>
+            <a:r>
+              <a:rPr lang="en-US" dirty="0"/>
+              <a:t>Raw Data</a:t>
+            </a:r>
+            <a:endParaRPr lang="en-IN" dirty="0"/>
+          </a:p>
+        </p:txBody>
+      </p:sp>
+      <p:sp>
+        <p:nvSpPr>
+          <p:cNvPr id="31" name="Rectangle 30">
+            <a:extLst>
+              <a:ext uri="{FF2B5EF4-FFF2-40B4-BE49-F238E27FC236}">
+                <a16:creationId xmlns:a16="http://schemas.microsoft.com/office/drawing/2014/main" id="{740D25C0-A59E-FAF9-CA5D-863814C0E2B7}"/>
+              </a:ext>
+            </a:extLst>
+          </p:cNvPr>
+          <p:cNvSpPr/>
+          <p:nvPr/>
+        </p:nvSpPr>
+        <p:spPr>
+          <a:xfrm>
+            <a:off x="1705320" y="2642621"/>
+            <a:ext cx="2367150" cy="880533"/>
+          </a:xfrm>
+          <a:prstGeom prst="rect">
+            <a:avLst/>
+          </a:prstGeom>
+        </p:spPr>
+        <p:style>
+          <a:lnRef idx="2">
+            <a:schemeClr val="accent1">
+              <a:shade val="15000"/>
+            </a:schemeClr>
+          </a:lnRef>
+          <a:fillRef idx="1">
+            <a:schemeClr val="accent1"/>
+          </a:fillRef>
+          <a:effectRef idx="0">
+            <a:schemeClr val="accent1"/>
+          </a:effectRef>
+          <a:fontRef idx="minor">
+            <a:schemeClr val="lt1"/>
+          </a:fontRef>
+        </p:style>
+        <p:txBody>
+          <a:bodyPr rtlCol="0" anchor="ctr"/>
+          <a:lstStyle/>
+          <a:p>
+            <a:pPr algn="ctr"/>
+            <a:r>
+              <a:rPr lang="en-US" dirty="0"/>
+              <a:t>Data Preprocessing</a:t>
+            </a:r>
+            <a:endParaRPr lang="en-IN" dirty="0"/>
+          </a:p>
+        </p:txBody>
+      </p:sp>
+      <p:cxnSp>
+        <p:nvCxnSpPr>
+          <p:cNvPr id="35" name="Straight Arrow Connector 34">
+            <a:extLst>
+              <a:ext uri="{FF2B5EF4-FFF2-40B4-BE49-F238E27FC236}">
+                <a16:creationId xmlns:a16="http://schemas.microsoft.com/office/drawing/2014/main" id="{5091A7A1-C0FF-4C9B-6491-E8B4BFA257EC}"/>
+              </a:ext>
+            </a:extLst>
+          </p:cNvPr>
+          <p:cNvCxnSpPr>
+            <a:cxnSpLocks/>
+            <a:stCxn id="27" idx="2"/>
+            <a:endCxn id="31" idx="0"/>
+          </p:cNvCxnSpPr>
+          <p:nvPr/>
+        </p:nvCxnSpPr>
+        <p:spPr>
+          <a:xfrm flipV="1">
+            <a:off x="2884448" y="2642621"/>
+            <a:ext cx="4447" cy="2075023"/>
+          </a:xfrm>
+          <a:prstGeom prst="straightConnector1">
+            <a:avLst/>
+          </a:prstGeom>
+          <a:ln>
+            <a:tailEnd type="triangle"/>
+          </a:ln>
+        </p:spPr>
+        <p:style>
+          <a:lnRef idx="1">
+            <a:schemeClr val="accent1"/>
+          </a:lnRef>
+          <a:fillRef idx="0">
+            <a:schemeClr val="accent1"/>
+          </a:fillRef>
+          <a:effectRef idx="0">
+            <a:schemeClr val="accent1"/>
+          </a:effectRef>
+          <a:fontRef idx="minor">
+            <a:schemeClr val="tx1"/>
+          </a:fontRef>
+        </p:style>
+      </p:cxnSp>
+      <p:cxnSp>
+        <p:nvCxnSpPr>
+          <p:cNvPr id="39" name="Straight Arrow Connector 38">
+            <a:extLst>
+              <a:ext uri="{FF2B5EF4-FFF2-40B4-BE49-F238E27FC236}">
+                <a16:creationId xmlns:a16="http://schemas.microsoft.com/office/drawing/2014/main" id="{EFC138DC-C887-5F4D-D5C0-374276530435}"/>
+              </a:ext>
+            </a:extLst>
+          </p:cNvPr>
+          <p:cNvCxnSpPr>
+            <a:cxnSpLocks/>
+            <a:stCxn id="31" idx="2"/>
+            <a:endCxn id="25" idx="0"/>
+          </p:cNvCxnSpPr>
+          <p:nvPr/>
+        </p:nvCxnSpPr>
+        <p:spPr>
+          <a:xfrm flipH="1" flipV="1">
+            <a:off x="2888893" y="1425708"/>
+            <a:ext cx="2" cy="2097446"/>
+          </a:xfrm>
+          <a:prstGeom prst="straightConnector1">
+            <a:avLst/>
+          </a:prstGeom>
+          <a:ln>
+            <a:tailEnd type="triangle"/>
+          </a:ln>
+        </p:spPr>
+        <p:style>
+          <a:lnRef idx="1">
+            <a:schemeClr val="accent1"/>
+          </a:lnRef>
+          <a:fillRef idx="0">
+            <a:schemeClr val="accent1"/>
+          </a:fillRef>
+          <a:effectRef idx="0">
+            <a:schemeClr val="accent1"/>
+          </a:effectRef>
+          <a:fontRef idx="minor">
+            <a:schemeClr val="tx1"/>
+          </a:fontRef>
+        </p:style>
+      </p:cxnSp>
+      <p:cxnSp>
+        <p:nvCxnSpPr>
+          <p:cNvPr id="43" name="Connector: Elbow 42">
+            <a:extLst>
+              <a:ext uri="{FF2B5EF4-FFF2-40B4-BE49-F238E27FC236}">
+                <a16:creationId xmlns:a16="http://schemas.microsoft.com/office/drawing/2014/main" id="{C590BC35-9DAF-027C-DA73-FCA7A0FA2F43}"/>
+              </a:ext>
+            </a:extLst>
+          </p:cNvPr>
+          <p:cNvCxnSpPr>
+            <a:cxnSpLocks/>
+            <a:stCxn id="25" idx="3"/>
+            <a:endCxn id="21" idx="1"/>
+          </p:cNvCxnSpPr>
+          <p:nvPr/>
+        </p:nvCxnSpPr>
+        <p:spPr>
+          <a:xfrm>
+            <a:off x="4072468" y="1865975"/>
+            <a:ext cx="1555158" cy="424300"/>
+          </a:xfrm>
+          <a:prstGeom prst="bentConnector3">
+            <a:avLst/>
+          </a:prstGeom>
+          <a:ln>
+            <a:tailEnd type="triangle"/>
+          </a:ln>
+        </p:spPr>
+        <p:style>
+          <a:lnRef idx="1">
+            <a:schemeClr val="accent1"/>
+          </a:lnRef>
+          <a:fillRef idx="0">
+            <a:schemeClr val="accent1"/>
+          </a:fillRef>
+          <a:effectRef idx="0">
+            <a:schemeClr val="accent1"/>
+          </a:effectRef>
+          <a:fontRef idx="minor">
+            <a:schemeClr val="tx1"/>
+          </a:fontRef>
+        </p:style>
+      </p:cxnSp>
+      <p:sp>
+        <p:nvSpPr>
+          <p:cNvPr id="47" name="Rectangle 46">
+            <a:extLst>
+              <a:ext uri="{FF2B5EF4-FFF2-40B4-BE49-F238E27FC236}">
+                <a16:creationId xmlns:a16="http://schemas.microsoft.com/office/drawing/2014/main" id="{F3274E6C-1D50-AD13-9004-775031624A76}"/>
+              </a:ext>
+            </a:extLst>
+          </p:cNvPr>
+          <p:cNvSpPr/>
+          <p:nvPr/>
+        </p:nvSpPr>
+        <p:spPr>
+          <a:xfrm>
+            <a:off x="1705318" y="5029808"/>
+            <a:ext cx="2367150" cy="880533"/>
+          </a:xfrm>
+          <a:prstGeom prst="rect">
+            <a:avLst/>
+          </a:prstGeom>
+        </p:spPr>
+        <p:style>
+          <a:lnRef idx="2">
+            <a:schemeClr val="accent1">
+              <a:shade val="15000"/>
+            </a:schemeClr>
+          </a:lnRef>
+          <a:fillRef idx="1">
+            <a:schemeClr val="accent1"/>
+          </a:fillRef>
+          <a:effectRef idx="0">
+            <a:schemeClr val="accent1"/>
+          </a:effectRef>
+          <a:fontRef idx="minor">
+            <a:schemeClr val="lt1"/>
+          </a:fontRef>
+        </p:style>
+        <p:txBody>
+          <a:bodyPr rtlCol="0" anchor="ctr"/>
+          <a:lstStyle/>
+          <a:p>
+            <a:pPr algn="ctr"/>
+            <a:r>
+              <a:rPr lang="en-US" dirty="0"/>
+              <a:t>Unseen Data</a:t>
+            </a:r>
+            <a:endParaRPr lang="en-IN" dirty="0"/>
+          </a:p>
+        </p:txBody>
+      </p:sp>
+      <p:cxnSp>
+        <p:nvCxnSpPr>
+          <p:cNvPr id="49" name="Connector: Elbow 48">
+            <a:extLst>
+              <a:ext uri="{FF2B5EF4-FFF2-40B4-BE49-F238E27FC236}">
+                <a16:creationId xmlns:a16="http://schemas.microsoft.com/office/drawing/2014/main" id="{4BA43B74-0965-1BD1-04F0-C26D57392D9B}"/>
+              </a:ext>
+            </a:extLst>
+          </p:cNvPr>
+          <p:cNvCxnSpPr>
+            <a:cxnSpLocks/>
+            <a:stCxn id="47" idx="3"/>
+            <a:endCxn id="20" idx="1"/>
+          </p:cNvCxnSpPr>
+          <p:nvPr/>
+        </p:nvCxnSpPr>
+        <p:spPr>
+          <a:xfrm flipV="1">
+            <a:off x="4072468" y="4967905"/>
+            <a:ext cx="1555158" cy="502170"/>
+          </a:xfrm>
+          <a:prstGeom prst="bentConnector3">
+            <a:avLst/>
+          </a:prstGeom>
+          <a:ln>
+            <a:tailEnd type="triangle"/>
+          </a:ln>
+        </p:spPr>
+        <p:style>
+          <a:lnRef idx="1">
+            <a:schemeClr val="accent1"/>
+          </a:lnRef>
+          <a:fillRef idx="0">
+            <a:schemeClr val="accent1"/>
+          </a:fillRef>
+          <a:effectRef idx="0">
+            <a:schemeClr val="accent1"/>
+          </a:effectRef>
+          <a:fontRef idx="minor">
+            <a:schemeClr val="tx1"/>
+          </a:fontRef>
+        </p:style>
+      </p:cxnSp>
+      <p:cxnSp>
+        <p:nvCxnSpPr>
+          <p:cNvPr id="61" name="Straight Arrow Connector 60">
+            <a:extLst>
+              <a:ext uri="{FF2B5EF4-FFF2-40B4-BE49-F238E27FC236}">
+                <a16:creationId xmlns:a16="http://schemas.microsoft.com/office/drawing/2014/main" id="{49EF0B3B-AEF8-E972-1683-E28E846151AC}"/>
+              </a:ext>
+            </a:extLst>
+          </p:cNvPr>
+          <p:cNvCxnSpPr>
+            <a:cxnSpLocks/>
+            <a:endCxn id="47" idx="1"/>
+          </p:cNvCxnSpPr>
+          <p:nvPr/>
+        </p:nvCxnSpPr>
+        <p:spPr>
+          <a:xfrm>
+            <a:off x="429768" y="5470074"/>
+            <a:ext cx="1275550" cy="1"/>
+          </a:xfrm>
+          <a:prstGeom prst="straightConnector1">
+            <a:avLst/>
+          </a:prstGeom>
+          <a:ln>
+            <a:tailEnd type="triangle"/>
+          </a:ln>
+        </p:spPr>
+        <p:style>
+          <a:lnRef idx="1">
+            <a:schemeClr val="accent1"/>
+          </a:lnRef>
+          <a:fillRef idx="0">
+            <a:schemeClr val="accent1"/>
+          </a:fillRef>
+          <a:effectRef idx="0">
+            <a:schemeClr val="accent1"/>
+          </a:effectRef>
+          <a:fontRef idx="minor">
+            <a:schemeClr val="tx1"/>
+          </a:fontRef>
+        </p:style>
+      </p:cxnSp>
+      <p:cxnSp>
+        <p:nvCxnSpPr>
+          <p:cNvPr id="63" name="Straight Arrow Connector 62">
+            <a:extLst>
+              <a:ext uri="{FF2B5EF4-FFF2-40B4-BE49-F238E27FC236}">
+                <a16:creationId xmlns:a16="http://schemas.microsoft.com/office/drawing/2014/main" id="{AE22B313-567B-9425-7757-BB35E332E367}"/>
+              </a:ext>
+            </a:extLst>
+          </p:cNvPr>
+          <p:cNvCxnSpPr>
+            <a:cxnSpLocks/>
+          </p:cNvCxnSpPr>
+          <p:nvPr/>
+        </p:nvCxnSpPr>
+        <p:spPr>
+          <a:xfrm>
+            <a:off x="429768" y="4278307"/>
+            <a:ext cx="1275550" cy="0"/>
+          </a:xfrm>
+          <a:prstGeom prst="straightConnector1">
+            <a:avLst/>
+          </a:prstGeom>
+          <a:ln>
+            <a:tailEnd type="triangle"/>
+          </a:ln>
+        </p:spPr>
+        <p:style>
+          <a:lnRef idx="1">
+            <a:schemeClr val="accent1"/>
+          </a:lnRef>
+          <a:fillRef idx="0">
+            <a:schemeClr val="accent1"/>
+          </a:fillRef>
+          <a:effectRef idx="0">
+            <a:schemeClr val="accent1"/>
+          </a:effectRef>
+          <a:fontRef idx="minor">
+            <a:schemeClr val="tx1"/>
+          </a:fontRef>
+        </p:style>
+      </p:cxnSp>
+      <p:sp>
+        <p:nvSpPr>
+          <p:cNvPr id="65" name="TextBox 64">
+            <a:extLst>
+              <a:ext uri="{FF2B5EF4-FFF2-40B4-BE49-F238E27FC236}">
+                <a16:creationId xmlns:a16="http://schemas.microsoft.com/office/drawing/2014/main" id="{7773022A-1722-9DF4-439C-27CA0A266E86}"/>
+              </a:ext>
+            </a:extLst>
+          </p:cNvPr>
+          <p:cNvSpPr txBox="1"/>
+          <p:nvPr/>
+        </p:nvSpPr>
+        <p:spPr>
+          <a:xfrm>
+            <a:off x="274320" y="5118950"/>
+            <a:ext cx="1322432" cy="313273"/>
+          </a:xfrm>
+          <a:prstGeom prst="rect">
+            <a:avLst/>
+          </a:prstGeom>
+          <a:noFill/>
+        </p:spPr>
+        <p:txBody>
+          <a:bodyPr wrap="square">
+            <a:spAutoFit/>
+          </a:bodyPr>
+          <a:lstStyle/>
+          <a:p>
+            <a:r>
+              <a:rPr lang="en-IN" sz="1400" b="1" dirty="0"/>
+              <a:t>2. Prediction</a:t>
+            </a:r>
+          </a:p>
+        </p:txBody>
+      </p:sp>
+      <p:sp>
+        <p:nvSpPr>
+          <p:cNvPr id="66" name="TextBox 65">
+            <a:extLst>
+              <a:ext uri="{FF2B5EF4-FFF2-40B4-BE49-F238E27FC236}">
+                <a16:creationId xmlns:a16="http://schemas.microsoft.com/office/drawing/2014/main" id="{B6A54AF1-DD4B-F690-CF6F-4010EB9179D2}"/>
+              </a:ext>
+            </a:extLst>
+          </p:cNvPr>
+          <p:cNvSpPr txBox="1"/>
+          <p:nvPr/>
+        </p:nvSpPr>
+        <p:spPr>
+          <a:xfrm>
+            <a:off x="274320" y="3920463"/>
+            <a:ext cx="1419570" cy="307777"/>
+          </a:xfrm>
+          <a:prstGeom prst="rect">
+            <a:avLst/>
+          </a:prstGeom>
+          <a:noFill/>
+        </p:spPr>
+        <p:txBody>
+          <a:bodyPr wrap="square">
+            <a:spAutoFit/>
+          </a:bodyPr>
+          <a:lstStyle/>
+          <a:p>
+            <a:r>
+              <a:rPr lang="en-IN" sz="1400" b="1" dirty="0"/>
+              <a:t>1. Preprocessing</a:t>
+            </a:r>
+          </a:p>
+        </p:txBody>
+      </p:sp>
+      <p:cxnSp>
+        <p:nvCxnSpPr>
+          <p:cNvPr id="70" name="Connector: Elbow 69">
+            <a:extLst>
+              <a:ext uri="{FF2B5EF4-FFF2-40B4-BE49-F238E27FC236}">
+                <a16:creationId xmlns:a16="http://schemas.microsoft.com/office/drawing/2014/main" id="{434B6C23-0A41-29A0-C9E4-91B14C6DED89}"/>
+              </a:ext>
+            </a:extLst>
+          </p:cNvPr>
+          <p:cNvCxnSpPr>
+            <a:cxnSpLocks/>
+            <a:stCxn id="76" idx="3"/>
+            <a:endCxn id="8" idx="1"/>
+          </p:cNvCxnSpPr>
+          <p:nvPr/>
+        </p:nvCxnSpPr>
+        <p:spPr>
+          <a:xfrm>
+            <a:off x="7836406" y="3629090"/>
+            <a:ext cx="1086102" cy="2714"/>
+          </a:xfrm>
+          <a:prstGeom prst="bentConnector3">
+            <a:avLst/>
+          </a:prstGeom>
+          <a:ln>
+            <a:tailEnd type="triangle"/>
+          </a:ln>
+        </p:spPr>
+        <p:style>
+          <a:lnRef idx="1">
+            <a:schemeClr val="accent1"/>
+          </a:lnRef>
+          <a:fillRef idx="0">
+            <a:schemeClr val="accent1"/>
+          </a:fillRef>
+          <a:effectRef idx="0">
+            <a:schemeClr val="accent1"/>
+          </a:effectRef>
+          <a:fontRef idx="minor">
+            <a:schemeClr val="tx1"/>
+          </a:fontRef>
+        </p:style>
+      </p:cxnSp>
+      <p:sp>
+        <p:nvSpPr>
+          <p:cNvPr id="76" name="Rectangle 75">
+            <a:extLst>
+              <a:ext uri="{FF2B5EF4-FFF2-40B4-BE49-F238E27FC236}">
+                <a16:creationId xmlns:a16="http://schemas.microsoft.com/office/drawing/2014/main" id="{94886290-67C6-E8EB-3CF3-93A392A964D5}"/>
+              </a:ext>
+            </a:extLst>
+          </p:cNvPr>
+          <p:cNvSpPr/>
+          <p:nvPr/>
+        </p:nvSpPr>
+        <p:spPr>
+          <a:xfrm>
+            <a:off x="5627626" y="3188823"/>
+            <a:ext cx="2208780" cy="880533"/>
+          </a:xfrm>
+          <a:prstGeom prst="rect">
+            <a:avLst/>
+          </a:prstGeom>
+        </p:spPr>
+        <p:style>
+          <a:lnRef idx="2">
+            <a:schemeClr val="accent1">
+              <a:shade val="15000"/>
+            </a:schemeClr>
+          </a:lnRef>
+          <a:fillRef idx="1">
+            <a:schemeClr val="accent1"/>
+          </a:fillRef>
+          <a:effectRef idx="0">
+            <a:schemeClr val="accent1"/>
+          </a:effectRef>
+          <a:fontRef idx="minor">
+            <a:schemeClr val="lt1"/>
+          </a:fontRef>
+        </p:style>
+        <p:txBody>
+          <a:bodyPr rtlCol="0" anchor="ctr"/>
+          <a:lstStyle/>
+          <a:p>
+            <a:pPr algn="ctr"/>
+            <a:r>
+              <a:rPr lang="en-US" dirty="0"/>
+              <a:t>Trained Model</a:t>
+            </a:r>
+            <a:endParaRPr lang="en-IN" dirty="0"/>
+          </a:p>
+        </p:txBody>
+      </p:sp>
+      <p:cxnSp>
+        <p:nvCxnSpPr>
+          <p:cNvPr id="78" name="Straight Arrow Connector 77">
+            <a:extLst>
+              <a:ext uri="{FF2B5EF4-FFF2-40B4-BE49-F238E27FC236}">
+                <a16:creationId xmlns:a16="http://schemas.microsoft.com/office/drawing/2014/main" id="{8608CF60-3F15-6C98-6F2B-8F15F98123CC}"/>
+              </a:ext>
+            </a:extLst>
+          </p:cNvPr>
+          <p:cNvCxnSpPr>
+            <a:stCxn id="20" idx="0"/>
+            <a:endCxn id="76" idx="2"/>
+          </p:cNvCxnSpPr>
+          <p:nvPr/>
+        </p:nvCxnSpPr>
+        <p:spPr>
+          <a:xfrm flipV="1">
+            <a:off x="6732016" y="4069356"/>
+            <a:ext cx="0" cy="458282"/>
+          </a:xfrm>
+          <a:prstGeom prst="straightConnector1">
+            <a:avLst/>
+          </a:prstGeom>
+          <a:ln>
+            <a:tailEnd type="triangle"/>
+          </a:ln>
+        </p:spPr>
+        <p:style>
+          <a:lnRef idx="1">
+            <a:schemeClr val="accent1"/>
+          </a:lnRef>
+          <a:fillRef idx="0">
+            <a:schemeClr val="accent1"/>
+          </a:fillRef>
+          <a:effectRef idx="0">
+            <a:schemeClr val="accent1"/>
+          </a:effectRef>
+          <a:fontRef idx="minor">
+            <a:schemeClr val="tx1"/>
+          </a:fontRef>
+        </p:style>
+      </p:cxnSp>
+      <p:cxnSp>
+        <p:nvCxnSpPr>
+          <p:cNvPr id="80" name="Straight Arrow Connector 79">
+            <a:extLst>
+              <a:ext uri="{FF2B5EF4-FFF2-40B4-BE49-F238E27FC236}">
+                <a16:creationId xmlns:a16="http://schemas.microsoft.com/office/drawing/2014/main" id="{A5582C81-D90E-6CB8-1F7B-C0CFC3A16A85}"/>
+              </a:ext>
+            </a:extLst>
+          </p:cNvPr>
+          <p:cNvCxnSpPr>
+            <a:stCxn id="21" idx="2"/>
+            <a:endCxn id="76" idx="0"/>
+          </p:cNvCxnSpPr>
+          <p:nvPr/>
+        </p:nvCxnSpPr>
+        <p:spPr>
+          <a:xfrm>
+            <a:off x="6732016" y="2730541"/>
+            <a:ext cx="0" cy="458282"/>
+          </a:xfrm>
+          <a:prstGeom prst="straightConnector1">
+            <a:avLst/>
+          </a:prstGeom>
+          <a:ln>
+            <a:tailEnd type="triangle"/>
+          </a:ln>
+        </p:spPr>
+        <p:style>
+          <a:lnRef idx="1">
+            <a:schemeClr val="accent1"/>
+          </a:lnRef>
+          <a:fillRef idx="0">
+            <a:schemeClr val="accent1"/>
+          </a:fillRef>
+          <a:effectRef idx="0">
+            <a:schemeClr val="accent1"/>
+          </a:effectRef>
+          <a:fontRef idx="minor">
+            <a:schemeClr val="tx1"/>
+          </a:fontRef>
+        </p:style>
+      </p:cxnSp>
+    </p:spTree>
+    <p:extLst>
+      <p:ext uri="{BB962C8B-B14F-4D97-AF65-F5344CB8AC3E}">
+        <p14:creationId xmlns:p14="http://schemas.microsoft.com/office/powerpoint/2010/main" val="2349814023"/>
+      </p:ext>
+    </p:extLst>
+  </p:cSld>
+  <p:clrMapOvr>
+    <a:masterClrMapping/>
+  </p:clrMapOvr>
+</p:sld>
+</file>
+
+<file path=ppt/slides/slide11.xml><?xml version="1.0" encoding="utf-8"?>
+<p:sld xmlns:a="http://schemas.openxmlformats.org/drawingml/2006/main" xmlns:r="http://schemas.openxmlformats.org/officeDocument/2006/relationships" xmlns:p="http://schemas.openxmlformats.org/presentationml/2006/main">
+  <p:cSld>
+    <p:spTree>
+      <p:nvGrpSpPr>
+        <p:cNvPr id="1" name="">
+          <a:extLst>
+            <a:ext uri="{FF2B5EF4-FFF2-40B4-BE49-F238E27FC236}">
               <a16:creationId xmlns:a16="http://schemas.microsoft.com/office/drawing/2014/main" id="{2C6301E1-B3A6-E34B-9273-93B379473878}"/>
             </a:ext>
           </a:extLst>
@@ -5212,7 +6151,7 @@
         <p:spPr>
           <a:xfrm>
             <a:off x="562320" y="551192"/>
-            <a:ext cx="3579378" cy="584775"/>
+            <a:ext cx="3661580" cy="584775"/>
           </a:xfrm>
           <a:prstGeom prst="rect">
             <a:avLst/>
@@ -5232,7 +6171,7 @@
                 <a:latin typeface="Times New Roman" panose="02020603050405020304" pitchFamily="18" charset="0"/>
                 <a:cs typeface="Times New Roman" panose="02020603050405020304" pitchFamily="18" charset="0"/>
               </a:rPr>
-              <a:t>Data Preprocessing</a:t>
+              <a:t>Module Description</a:t>
             </a:r>
             <a:endParaRPr lang="en-US" sz="3200" dirty="0">
               <a:solidFill>
@@ -5266,14 +6205,103 @@
         </p:blipFill>
         <p:spPr>
           <a:xfrm>
-            <a:off x="1803875" y="1559227"/>
-            <a:ext cx="8310102" cy="3739546"/>
+            <a:off x="2159284" y="1834673"/>
+            <a:ext cx="7670235" cy="3451606"/>
           </a:xfrm>
           <a:prstGeom prst="rect">
             <a:avLst/>
           </a:prstGeom>
         </p:spPr>
       </p:pic>
+      <p:sp>
+        <p:nvSpPr>
+          <p:cNvPr id="3" name="Rectangle 2">
+            <a:extLst>
+              <a:ext uri="{FF2B5EF4-FFF2-40B4-BE49-F238E27FC236}">
+                <a16:creationId xmlns:a16="http://schemas.microsoft.com/office/drawing/2014/main" id="{FD839B40-D14C-29AA-249D-4DAEE7B5CAFC}"/>
+              </a:ext>
+            </a:extLst>
+          </p:cNvPr>
+          <p:cNvSpPr/>
+          <p:nvPr/>
+        </p:nvSpPr>
+        <p:spPr>
+          <a:xfrm>
+            <a:off x="968720" y="1223710"/>
+            <a:ext cx="3510769" cy="523220"/>
+          </a:xfrm>
+          <a:prstGeom prst="rect">
+            <a:avLst/>
+          </a:prstGeom>
+        </p:spPr>
+        <p:txBody>
+          <a:bodyPr wrap="none">
+            <a:spAutoFit/>
+          </a:bodyPr>
+          <a:lstStyle/>
+          <a:p>
+            <a:r>
+              <a:rPr lang="en-US" sz="2800" b="1" dirty="0">
+                <a:solidFill>
+                  <a:srgbClr val="FF0000"/>
+                </a:solidFill>
+                <a:latin typeface="Times New Roman" panose="02020603050405020304" pitchFamily="18" charset="0"/>
+                <a:cs typeface="Times New Roman" panose="02020603050405020304" pitchFamily="18" charset="0"/>
+              </a:rPr>
+              <a:t>1. Data Preprocessing</a:t>
+            </a:r>
+            <a:endParaRPr lang="en-US" sz="2800" dirty="0">
+              <a:solidFill>
+                <a:srgbClr val="FF0000"/>
+              </a:solidFill>
+              <a:latin typeface="Times New Roman" panose="02020603050405020304" pitchFamily="18" charset="0"/>
+              <a:cs typeface="Times New Roman" panose="02020603050405020304" pitchFamily="18" charset="0"/>
+            </a:endParaRPr>
+          </a:p>
+        </p:txBody>
+      </p:sp>
+      <p:sp>
+        <p:nvSpPr>
+          <p:cNvPr id="8" name="TextBox 7">
+            <a:extLst>
+              <a:ext uri="{FF2B5EF4-FFF2-40B4-BE49-F238E27FC236}">
+                <a16:creationId xmlns:a16="http://schemas.microsoft.com/office/drawing/2014/main" id="{96AB0517-6024-5E36-0A37-924935F3F490}"/>
+              </a:ext>
+            </a:extLst>
+          </p:cNvPr>
+          <p:cNvSpPr txBox="1"/>
+          <p:nvPr/>
+        </p:nvSpPr>
+        <p:spPr>
+          <a:xfrm>
+            <a:off x="968719" y="5518942"/>
+            <a:ext cx="10021013" cy="646331"/>
+          </a:xfrm>
+          <a:prstGeom prst="rect">
+            <a:avLst/>
+          </a:prstGeom>
+          <a:noFill/>
+        </p:spPr>
+        <p:txBody>
+          <a:bodyPr wrap="square">
+            <a:spAutoFit/>
+          </a:bodyPr>
+          <a:lstStyle/>
+          <a:p>
+            <a:r>
+              <a:rPr lang="en-US" dirty="0">
+                <a:latin typeface="Times New Roman" panose="02020603050405020304" pitchFamily="18" charset="0"/>
+                <a:cs typeface="Times New Roman" panose="02020603050405020304" pitchFamily="18" charset="0"/>
+              </a:rPr>
+              <a:t>The script preprocesses CSV files by cleaning and filtering data based on city names and valid price values. The processed data is then saved to an output directory for further analysis.</a:t>
+            </a:r>
+            <a:endParaRPr lang="en-IN" dirty="0">
+              <a:latin typeface="Times New Roman" panose="02020603050405020304" pitchFamily="18" charset="0"/>
+              <a:cs typeface="Times New Roman" panose="02020603050405020304" pitchFamily="18" charset="0"/>
+            </a:endParaRPr>
+          </a:p>
+        </p:txBody>
+      </p:sp>
     </p:spTree>
     <p:extLst>
       <p:ext uri="{BB962C8B-B14F-4D97-AF65-F5344CB8AC3E}">
@@ -5287,7 +6315,7 @@
 </p:sld>
 </file>
 
-<file path=ppt/slides/slide11.xml><?xml version="1.0" encoding="utf-8"?>
+<file path=ppt/slides/slide12.xml><?xml version="1.0" encoding="utf-8"?>
 <p:sld xmlns:a="http://schemas.openxmlformats.org/drawingml/2006/main" xmlns:r="http://schemas.openxmlformats.org/officeDocument/2006/relationships" xmlns:p="http://schemas.openxmlformats.org/presentationml/2006/main">
   <p:cSld>
     <p:spTree>
@@ -5325,7 +6353,7 @@
         <p:spPr>
           <a:xfrm>
             <a:off x="562320" y="551192"/>
-            <a:ext cx="2908168" cy="584775"/>
+            <a:ext cx="3661580" cy="584775"/>
           </a:xfrm>
           <a:prstGeom prst="rect">
             <a:avLst/>
@@ -5345,8 +6373,15 @@
                 <a:latin typeface="Times New Roman" panose="02020603050405020304" pitchFamily="18" charset="0"/>
                 <a:cs typeface="Times New Roman" panose="02020603050405020304" pitchFamily="18" charset="0"/>
               </a:rPr>
-              <a:t>Model Building</a:t>
-            </a:r>
+              <a:t>Module Description</a:t>
+            </a:r>
+            <a:endParaRPr lang="en-US" sz="3200" dirty="0">
+              <a:solidFill>
+                <a:srgbClr val="FF0000"/>
+              </a:solidFill>
+              <a:latin typeface="Times New Roman" panose="02020603050405020304" pitchFamily="18" charset="0"/>
+              <a:cs typeface="Times New Roman" panose="02020603050405020304" pitchFamily="18" charset="0"/>
+            </a:endParaRPr>
           </a:p>
         </p:txBody>
       </p:sp>
@@ -5372,14 +6407,96 @@
         </p:blipFill>
         <p:spPr>
           <a:xfrm>
-            <a:off x="2487168" y="1626136"/>
-            <a:ext cx="6548294" cy="3924909"/>
+            <a:off x="2579798" y="1834699"/>
+            <a:ext cx="7032404" cy="3581102"/>
           </a:xfrm>
           <a:prstGeom prst="rect">
             <a:avLst/>
           </a:prstGeom>
         </p:spPr>
       </p:pic>
+      <p:sp>
+        <p:nvSpPr>
+          <p:cNvPr id="3" name="Rectangle 2">
+            <a:extLst>
+              <a:ext uri="{FF2B5EF4-FFF2-40B4-BE49-F238E27FC236}">
+                <a16:creationId xmlns:a16="http://schemas.microsoft.com/office/drawing/2014/main" id="{71B5A1D3-2780-B8BA-51E7-2972906EF0A7}"/>
+              </a:ext>
+            </a:extLst>
+          </p:cNvPr>
+          <p:cNvSpPr/>
+          <p:nvPr/>
+        </p:nvSpPr>
+        <p:spPr>
+          <a:xfrm>
+            <a:off x="972667" y="1223723"/>
+            <a:ext cx="2927404" cy="523220"/>
+          </a:xfrm>
+          <a:prstGeom prst="rect">
+            <a:avLst/>
+          </a:prstGeom>
+        </p:spPr>
+        <p:txBody>
+          <a:bodyPr wrap="none">
+            <a:spAutoFit/>
+          </a:bodyPr>
+          <a:lstStyle/>
+          <a:p>
+            <a:r>
+              <a:rPr lang="en-US" sz="2800" b="1" dirty="0">
+                <a:solidFill>
+                  <a:srgbClr val="FF0000"/>
+                </a:solidFill>
+                <a:latin typeface="Times New Roman" panose="02020603050405020304" pitchFamily="18" charset="0"/>
+                <a:cs typeface="Times New Roman" panose="02020603050405020304" pitchFamily="18" charset="0"/>
+              </a:rPr>
+              <a:t>2. Model Building</a:t>
+            </a:r>
+          </a:p>
+        </p:txBody>
+      </p:sp>
+      <p:sp>
+        <p:nvSpPr>
+          <p:cNvPr id="6" name="TextBox 5">
+            <a:extLst>
+              <a:ext uri="{FF2B5EF4-FFF2-40B4-BE49-F238E27FC236}">
+                <a16:creationId xmlns:a16="http://schemas.microsoft.com/office/drawing/2014/main" id="{D748DF08-50D9-91FD-DD59-756852EC7E86}"/>
+              </a:ext>
+            </a:extLst>
+          </p:cNvPr>
+          <p:cNvSpPr txBox="1"/>
+          <p:nvPr/>
+        </p:nvSpPr>
+        <p:spPr>
+          <a:xfrm>
+            <a:off x="972667" y="5520490"/>
+            <a:ext cx="10617200" cy="646331"/>
+          </a:xfrm>
+          <a:prstGeom prst="rect">
+            <a:avLst/>
+          </a:prstGeom>
+          <a:noFill/>
+        </p:spPr>
+        <p:txBody>
+          <a:bodyPr wrap="square">
+            <a:spAutoFit/>
+          </a:bodyPr>
+          <a:lstStyle/>
+          <a:p>
+            <a:r>
+              <a:rPr lang="en-US" dirty="0">
+                <a:latin typeface="Times New Roman" panose="02020603050405020304" pitchFamily="18" charset="0"/>
+                <a:cs typeface="Times New Roman" panose="02020603050405020304" pitchFamily="18" charset="0"/>
+              </a:rPr>
+              <a:t>The script loads a dataset, splits it into training and testing sets, and applies the ARIMA model for price forecasting. It trains the model using historical price data and predicts future values.</a:t>
+            </a:r>
+            <a:endParaRPr lang="en-IN" dirty="0">
+              <a:latin typeface="Times New Roman" panose="02020603050405020304" pitchFamily="18" charset="0"/>
+              <a:cs typeface="Times New Roman" panose="02020603050405020304" pitchFamily="18" charset="0"/>
+            </a:endParaRPr>
+          </a:p>
+        </p:txBody>
+      </p:sp>
     </p:spTree>
     <p:extLst>
       <p:ext uri="{BB962C8B-B14F-4D97-AF65-F5344CB8AC3E}">
@@ -5393,7 +6510,7 @@
 </p:sld>
 </file>
 
-<file path=ppt/slides/slide12.xml><?xml version="1.0" encoding="utf-8"?>
+<file path=ppt/slides/slide13.xml><?xml version="1.0" encoding="utf-8"?>
 <p:sld xmlns:a="http://schemas.openxmlformats.org/drawingml/2006/main" xmlns:r="http://schemas.openxmlformats.org/officeDocument/2006/relationships" xmlns:p="http://schemas.openxmlformats.org/presentationml/2006/main">
   <p:cSld>
     <p:spTree>
@@ -5454,48 +6571,6 @@
       </p:sp>
       <p:sp>
         <p:nvSpPr>
-          <p:cNvPr id="3" name="Content Placeholder 2"/>
-          <p:cNvSpPr>
-            <a:spLocks noGrp="1"/>
-          </p:cNvSpPr>
-          <p:nvPr>
-            <p:ph idx="1"/>
-          </p:nvPr>
-        </p:nvSpPr>
-        <p:spPr>
-          <a:xfrm>
-            <a:off x="838200" y="1375873"/>
-            <a:ext cx="8429786" cy="4801090"/>
-          </a:xfrm>
-        </p:spPr>
-        <p:txBody>
-          <a:bodyPr>
-            <a:normAutofit/>
-          </a:bodyPr>
-          <a:lstStyle/>
-          <a:p>
-            <a:pPr>
-              <a:buNone/>
-            </a:pPr>
-            <a:endParaRPr lang="en-IN" dirty="0">
-              <a:latin typeface="Times New Roman"/>
-              <a:cs typeface="Times New Roman"/>
-            </a:endParaRPr>
-          </a:p>
-          <a:p>
-            <a:pPr>
-              <a:buNone/>
-            </a:pPr>
-            <a:endParaRPr lang="en-IN" dirty="0">
-              <a:solidFill>
-                <a:srgbClr val="0070C0"/>
-              </a:solidFill>
-            </a:endParaRPr>
-          </a:p>
-        </p:txBody>
-      </p:sp>
-      <p:sp>
-        <p:nvSpPr>
           <p:cNvPr id="5" name="Slide Number Placeholder 4"/>
           <p:cNvSpPr>
             <a:spLocks noGrp="1"/>
@@ -5512,15 +6587,713 @@
             <a:fld id="{FFF20539-7144-4945-B20A-62B30D853D34}" type="slidenum">
               <a:rPr lang="en-IN" smtClean="0"/>
               <a:pPr/>
-              <a:t>12</a:t>
+              <a:t>13</a:t>
             </a:fld>
             <a:endParaRPr lang="en-IN" dirty="0"/>
           </a:p>
         </p:txBody>
       </p:sp>
-      <p:sp>
-        <p:nvSpPr>
-          <p:cNvPr id="11" name="Rectangle 4"/>
+      <p:graphicFrame>
+        <p:nvGraphicFramePr>
+          <p:cNvPr id="6" name="Table 5">
+            <a:extLst>
+              <a:ext uri="{FF2B5EF4-FFF2-40B4-BE49-F238E27FC236}">
+                <a16:creationId xmlns:a16="http://schemas.microsoft.com/office/drawing/2014/main" id="{E2D333AA-ADFB-BA08-7C43-16B78EA70E6E}"/>
+              </a:ext>
+            </a:extLst>
+          </p:cNvPr>
+          <p:cNvGraphicFramePr>
+            <a:graphicFrameLocks noGrp="1"/>
+          </p:cNvGraphicFramePr>
+          <p:nvPr>
+            <p:extLst>
+              <p:ext uri="{D42A27DB-BD31-4B8C-83A1-F6EECF244321}">
+                <p14:modId xmlns:p14="http://schemas.microsoft.com/office/powerpoint/2010/main" val="1623954109"/>
+              </p:ext>
+            </p:extLst>
+          </p:nvPr>
+        </p:nvGraphicFramePr>
+        <p:xfrm>
+          <a:off x="1355344" y="2496502"/>
+          <a:ext cx="10147808" cy="2502049"/>
+        </p:xfrm>
+        <a:graphic>
+          <a:graphicData uri="http://schemas.openxmlformats.org/drawingml/2006/table">
+            <a:tbl>
+              <a:tblPr firstRow="1" bandRow="1">
+                <a:tableStyleId>{5C22544A-7EE6-4342-B048-85BDC9FD1C3A}</a:tableStyleId>
+              </a:tblPr>
+              <a:tblGrid>
+                <a:gridCol w="3088640">
+                  <a:extLst>
+                    <a:ext uri="{9D8B030D-6E8A-4147-A177-3AD203B41FA5}">
+                      <a16:colId xmlns:a16="http://schemas.microsoft.com/office/drawing/2014/main" val="3014000744"/>
+                    </a:ext>
+                  </a:extLst>
+                </a:gridCol>
+                <a:gridCol w="7059168">
+                  <a:extLst>
+                    <a:ext uri="{9D8B030D-6E8A-4147-A177-3AD203B41FA5}">
+                      <a16:colId xmlns:a16="http://schemas.microsoft.com/office/drawing/2014/main" val="2310553014"/>
+                    </a:ext>
+                  </a:extLst>
+                </a:gridCol>
+              </a:tblGrid>
+              <a:tr h="532159">
+                <a:tc>
+                  <a:txBody>
+                    <a:bodyPr/>
+                    <a:lstStyle/>
+                    <a:p>
+                      <a:r>
+                        <a:rPr lang="en-US" altLang="en-US" sz="1800" b="1" dirty="0">
+                          <a:solidFill>
+                            <a:schemeClr val="tx1"/>
+                          </a:solidFill>
+                          <a:latin typeface="Times New Roman" panose="02020603050405020304" pitchFamily="18" charset="0"/>
+                          <a:cs typeface="Times New Roman" panose="02020603050405020304" pitchFamily="18" charset="0"/>
+                        </a:rPr>
+                        <a:t>1. Operating System</a:t>
+                      </a:r>
+                      <a:r>
+                        <a:rPr lang="en-US" altLang="en-US" sz="1800" dirty="0">
+                          <a:solidFill>
+                            <a:schemeClr val="tx1"/>
+                          </a:solidFill>
+                          <a:latin typeface="Times New Roman" panose="02020603050405020304" pitchFamily="18" charset="0"/>
+                          <a:cs typeface="Times New Roman" panose="02020603050405020304" pitchFamily="18" charset="0"/>
+                        </a:rPr>
+                        <a:t> </a:t>
+                      </a:r>
+                      <a:endParaRPr lang="en-IN" dirty="0">
+                        <a:solidFill>
+                          <a:schemeClr val="tx1"/>
+                        </a:solidFill>
+                      </a:endParaRPr>
+                    </a:p>
+                  </a:txBody>
+                  <a:tcPr>
+                    <a:lnL w="12700" cmpd="sng">
+                      <a:noFill/>
+                    </a:lnL>
+                    <a:lnR w="12700" cmpd="sng">
+                      <a:noFill/>
+                    </a:lnR>
+                    <a:lnT w="12700" cmpd="sng">
+                      <a:noFill/>
+                    </a:lnT>
+                    <a:lnB w="38100" cmpd="sng">
+                      <a:noFill/>
+                    </a:lnB>
+                    <a:lnTlToBr w="12700" cmpd="sng">
+                      <a:noFill/>
+                      <a:prstDash val="solid"/>
+                    </a:lnTlToBr>
+                    <a:lnBlToTr w="12700" cmpd="sng">
+                      <a:noFill/>
+                      <a:prstDash val="solid"/>
+                    </a:lnBlToTr>
+                    <a:noFill/>
+                  </a:tcPr>
+                </a:tc>
+                <a:tc>
+                  <a:txBody>
+                    <a:bodyPr/>
+                    <a:lstStyle/>
+                    <a:p>
+                      <a:pPr marL="0" marR="0" lvl="0" indent="0" algn="l" defTabSz="914400" rtl="0" eaLnBrk="1" fontAlgn="auto" latinLnBrk="0" hangingPunct="1">
+                        <a:lnSpc>
+                          <a:spcPct val="100000"/>
+                        </a:lnSpc>
+                        <a:spcBef>
+                          <a:spcPts val="0"/>
+                        </a:spcBef>
+                        <a:spcAft>
+                          <a:spcPts val="0"/>
+                        </a:spcAft>
+                        <a:buClrTx/>
+                        <a:buSzTx/>
+                        <a:buFontTx/>
+                        <a:buNone/>
+                        <a:tabLst/>
+                        <a:defRPr/>
+                      </a:pPr>
+                      <a:r>
+                        <a:rPr lang="en-US" altLang="en-US" sz="1800" b="0" dirty="0">
+                          <a:solidFill>
+                            <a:schemeClr val="tx1"/>
+                          </a:solidFill>
+                          <a:latin typeface="Times New Roman" panose="02020603050405020304" pitchFamily="18" charset="0"/>
+                          <a:cs typeface="Times New Roman" panose="02020603050405020304" pitchFamily="18" charset="0"/>
+                        </a:rPr>
+                        <a:t>Windows 11</a:t>
+                      </a:r>
+                    </a:p>
+                  </a:txBody>
+                  <a:tcPr>
+                    <a:lnL w="12700" cmpd="sng">
+                      <a:noFill/>
+                    </a:lnL>
+                    <a:lnR w="12700" cmpd="sng">
+                      <a:noFill/>
+                    </a:lnR>
+                    <a:lnT w="12700" cmpd="sng">
+                      <a:noFill/>
+                    </a:lnT>
+                    <a:lnB w="38100" cmpd="sng">
+                      <a:noFill/>
+                    </a:lnB>
+                    <a:lnTlToBr w="12700" cmpd="sng">
+                      <a:noFill/>
+                      <a:prstDash val="solid"/>
+                    </a:lnTlToBr>
+                    <a:lnBlToTr w="12700" cmpd="sng">
+                      <a:noFill/>
+                      <a:prstDash val="solid"/>
+                    </a:lnBlToTr>
+                    <a:noFill/>
+                  </a:tcPr>
+                </a:tc>
+                <a:extLst>
+                  <a:ext uri="{0D108BD9-81ED-4DB2-BD59-A6C34878D82A}">
+                    <a16:rowId xmlns:a16="http://schemas.microsoft.com/office/drawing/2014/main" val="1073628433"/>
+                  </a:ext>
+                </a:extLst>
+              </a:tr>
+              <a:tr h="519211">
+                <a:tc>
+                  <a:txBody>
+                    <a:bodyPr/>
+                    <a:lstStyle/>
+                    <a:p>
+                      <a:r>
+                        <a:rPr lang="en-IN" sz="1800" b="1" dirty="0">
+                          <a:solidFill>
+                            <a:schemeClr val="tx1"/>
+                          </a:solidFill>
+                          <a:latin typeface="Times New Roman" panose="02020603050405020304" pitchFamily="18" charset="0"/>
+                          <a:cs typeface="Times New Roman" panose="02020603050405020304" pitchFamily="18" charset="0"/>
+                        </a:rPr>
+                        <a:t>2. Programming Languages</a:t>
+                      </a:r>
+                      <a:endParaRPr lang="en-IN" dirty="0">
+                        <a:solidFill>
+                          <a:schemeClr val="tx1"/>
+                        </a:solidFill>
+                      </a:endParaRPr>
+                    </a:p>
+                  </a:txBody>
+                  <a:tcPr>
+                    <a:lnL w="12700" cmpd="sng">
+                      <a:noFill/>
+                    </a:lnL>
+                    <a:lnR w="12700" cmpd="sng">
+                      <a:noFill/>
+                    </a:lnR>
+                    <a:lnT w="38100" cmpd="sng">
+                      <a:noFill/>
+                    </a:lnT>
+                    <a:lnB w="12700" cmpd="sng">
+                      <a:noFill/>
+                    </a:lnB>
+                    <a:lnTlToBr w="12700" cmpd="sng">
+                      <a:noFill/>
+                      <a:prstDash val="solid"/>
+                    </a:lnTlToBr>
+                    <a:lnBlToTr w="12700" cmpd="sng">
+                      <a:noFill/>
+                      <a:prstDash val="solid"/>
+                    </a:lnBlToTr>
+                    <a:noFill/>
+                  </a:tcPr>
+                </a:tc>
+                <a:tc>
+                  <a:txBody>
+                    <a:bodyPr/>
+                    <a:lstStyle/>
+                    <a:p>
+                      <a:pPr marL="0" marR="0" lvl="0" indent="0" algn="l" defTabSz="914400" rtl="0" eaLnBrk="1" fontAlgn="auto" latinLnBrk="0" hangingPunct="1">
+                        <a:lnSpc>
+                          <a:spcPct val="100000"/>
+                        </a:lnSpc>
+                        <a:spcBef>
+                          <a:spcPts val="0"/>
+                        </a:spcBef>
+                        <a:spcAft>
+                          <a:spcPts val="0"/>
+                        </a:spcAft>
+                        <a:buClrTx/>
+                        <a:buSzTx/>
+                        <a:buFontTx/>
+                        <a:buNone/>
+                        <a:tabLst/>
+                        <a:defRPr/>
+                      </a:pPr>
+                      <a:r>
+                        <a:rPr lang="en-IN" sz="1800" dirty="0">
+                          <a:solidFill>
+                            <a:schemeClr val="tx1"/>
+                          </a:solidFill>
+                          <a:latin typeface="Times New Roman" panose="02020603050405020304" pitchFamily="18" charset="0"/>
+                          <a:cs typeface="Times New Roman" panose="02020603050405020304" pitchFamily="18" charset="0"/>
+                        </a:rPr>
+                        <a:t>Python (Pandas, NumPy, </a:t>
+                      </a:r>
+                      <a:r>
+                        <a:rPr lang="en-IN" sz="1800" dirty="0" err="1">
+                          <a:solidFill>
+                            <a:schemeClr val="tx1"/>
+                          </a:solidFill>
+                          <a:latin typeface="Times New Roman" panose="02020603050405020304" pitchFamily="18" charset="0"/>
+                          <a:cs typeface="Times New Roman" panose="02020603050405020304" pitchFamily="18" charset="0"/>
+                        </a:rPr>
+                        <a:t>Sklearn</a:t>
+                      </a:r>
+                      <a:r>
+                        <a:rPr lang="en-IN" sz="1800" dirty="0">
+                          <a:solidFill>
+                            <a:schemeClr val="tx1"/>
+                          </a:solidFill>
+                          <a:latin typeface="Times New Roman" panose="02020603050405020304" pitchFamily="18" charset="0"/>
+                          <a:cs typeface="Times New Roman" panose="02020603050405020304" pitchFamily="18" charset="0"/>
+                        </a:rPr>
+                        <a:t>, TensorFlow/</a:t>
+                      </a:r>
+                      <a:r>
+                        <a:rPr lang="en-IN" sz="1800" dirty="0" err="1">
+                          <a:solidFill>
+                            <a:schemeClr val="tx1"/>
+                          </a:solidFill>
+                          <a:latin typeface="Times New Roman" panose="02020603050405020304" pitchFamily="18" charset="0"/>
+                          <a:cs typeface="Times New Roman" panose="02020603050405020304" pitchFamily="18" charset="0"/>
+                        </a:rPr>
+                        <a:t>PyTorch</a:t>
+                      </a:r>
+                      <a:r>
+                        <a:rPr lang="en-IN" sz="1800" dirty="0">
+                          <a:solidFill>
+                            <a:schemeClr val="tx1"/>
+                          </a:solidFill>
+                          <a:latin typeface="Times New Roman" panose="02020603050405020304" pitchFamily="18" charset="0"/>
+                          <a:cs typeface="Times New Roman" panose="02020603050405020304" pitchFamily="18" charset="0"/>
+                        </a:rPr>
+                        <a:t>)</a:t>
+                      </a:r>
+                    </a:p>
+                  </a:txBody>
+                  <a:tcPr>
+                    <a:lnL w="12700" cmpd="sng">
+                      <a:noFill/>
+                    </a:lnL>
+                    <a:lnR w="12700" cmpd="sng">
+                      <a:noFill/>
+                    </a:lnR>
+                    <a:lnT w="38100" cmpd="sng">
+                      <a:noFill/>
+                    </a:lnT>
+                    <a:lnB w="12700" cmpd="sng">
+                      <a:noFill/>
+                    </a:lnB>
+                    <a:lnTlToBr w="12700" cmpd="sng">
+                      <a:noFill/>
+                      <a:prstDash val="solid"/>
+                    </a:lnTlToBr>
+                    <a:lnBlToTr w="12700" cmpd="sng">
+                      <a:noFill/>
+                      <a:prstDash val="solid"/>
+                    </a:lnBlToTr>
+                    <a:noFill/>
+                  </a:tcPr>
+                </a:tc>
+                <a:extLst>
+                  <a:ext uri="{0D108BD9-81ED-4DB2-BD59-A6C34878D82A}">
+                    <a16:rowId xmlns:a16="http://schemas.microsoft.com/office/drawing/2014/main" val="2044659522"/>
+                  </a:ext>
+                </a:extLst>
+              </a:tr>
+              <a:tr h="532159">
+                <a:tc>
+                  <a:txBody>
+                    <a:bodyPr/>
+                    <a:lstStyle/>
+                    <a:p>
+                      <a:r>
+                        <a:rPr lang="en-IN" sz="1800" b="1" dirty="0">
+                          <a:solidFill>
+                            <a:schemeClr val="tx1"/>
+                          </a:solidFill>
+                          <a:latin typeface="Times New Roman" panose="02020603050405020304" pitchFamily="18" charset="0"/>
+                          <a:cs typeface="Times New Roman" panose="02020603050405020304" pitchFamily="18" charset="0"/>
+                        </a:rPr>
+                        <a:t>3. Data Processing</a:t>
+                      </a:r>
+                      <a:endParaRPr lang="en-IN" dirty="0">
+                        <a:solidFill>
+                          <a:schemeClr val="tx1"/>
+                        </a:solidFill>
+                      </a:endParaRPr>
+                    </a:p>
+                  </a:txBody>
+                  <a:tcPr>
+                    <a:lnL w="12700" cmpd="sng">
+                      <a:noFill/>
+                    </a:lnL>
+                    <a:lnR w="12700" cmpd="sng">
+                      <a:noFill/>
+                    </a:lnR>
+                    <a:lnT w="12700" cmpd="sng">
+                      <a:noFill/>
+                    </a:lnT>
+                    <a:lnB w="12700" cmpd="sng">
+                      <a:noFill/>
+                    </a:lnB>
+                    <a:lnTlToBr w="12700" cmpd="sng">
+                      <a:noFill/>
+                      <a:prstDash val="solid"/>
+                    </a:lnTlToBr>
+                    <a:lnBlToTr w="12700" cmpd="sng">
+                      <a:noFill/>
+                      <a:prstDash val="solid"/>
+                    </a:lnBlToTr>
+                    <a:noFill/>
+                  </a:tcPr>
+                </a:tc>
+                <a:tc>
+                  <a:txBody>
+                    <a:bodyPr/>
+                    <a:lstStyle/>
+                    <a:p>
+                      <a:r>
+                        <a:rPr lang="en-IN" sz="1800" dirty="0">
+                          <a:solidFill>
+                            <a:schemeClr val="tx1"/>
+                          </a:solidFill>
+                          <a:latin typeface="Times New Roman" panose="02020603050405020304" pitchFamily="18" charset="0"/>
+                          <a:cs typeface="Times New Roman" panose="02020603050405020304" pitchFamily="18" charset="0"/>
+                        </a:rPr>
+                        <a:t>MS Excel, Pandas</a:t>
+                      </a:r>
+                      <a:endParaRPr lang="en-IN" dirty="0">
+                        <a:solidFill>
+                          <a:schemeClr val="tx1"/>
+                        </a:solidFill>
+                      </a:endParaRPr>
+                    </a:p>
+                  </a:txBody>
+                  <a:tcPr>
+                    <a:lnL w="12700" cmpd="sng">
+                      <a:noFill/>
+                    </a:lnL>
+                    <a:lnR w="12700" cmpd="sng">
+                      <a:noFill/>
+                    </a:lnR>
+                    <a:lnT w="12700" cmpd="sng">
+                      <a:noFill/>
+                    </a:lnT>
+                    <a:lnB w="12700" cmpd="sng">
+                      <a:noFill/>
+                    </a:lnB>
+                    <a:lnTlToBr w="12700" cmpd="sng">
+                      <a:noFill/>
+                      <a:prstDash val="solid"/>
+                    </a:lnTlToBr>
+                    <a:lnBlToTr w="12700" cmpd="sng">
+                      <a:noFill/>
+                      <a:prstDash val="solid"/>
+                    </a:lnBlToTr>
+                    <a:noFill/>
+                  </a:tcPr>
+                </a:tc>
+                <a:extLst>
+                  <a:ext uri="{0D108BD9-81ED-4DB2-BD59-A6C34878D82A}">
+                    <a16:rowId xmlns:a16="http://schemas.microsoft.com/office/drawing/2014/main" val="85513598"/>
+                  </a:ext>
+                </a:extLst>
+              </a:tr>
+              <a:tr h="918520">
+                <a:tc>
+                  <a:txBody>
+                    <a:bodyPr/>
+                    <a:lstStyle/>
+                    <a:p>
+                      <a:r>
+                        <a:rPr lang="en-IN" sz="1800" b="1" dirty="0">
+                          <a:solidFill>
+                            <a:schemeClr val="tx1"/>
+                          </a:solidFill>
+                          <a:latin typeface="Times New Roman" panose="02020603050405020304" pitchFamily="18" charset="0"/>
+                          <a:cs typeface="Times New Roman" panose="02020603050405020304" pitchFamily="18" charset="0"/>
+                        </a:rPr>
+                        <a:t>4. ML/DL Frameworks</a:t>
+                      </a:r>
+                      <a:endParaRPr lang="en-IN" dirty="0">
+                        <a:solidFill>
+                          <a:schemeClr val="tx1"/>
+                        </a:solidFill>
+                      </a:endParaRPr>
+                    </a:p>
+                  </a:txBody>
+                  <a:tcPr>
+                    <a:lnL w="12700" cmpd="sng">
+                      <a:noFill/>
+                    </a:lnL>
+                    <a:lnR w="12700" cmpd="sng">
+                      <a:noFill/>
+                    </a:lnR>
+                    <a:lnT w="12700" cmpd="sng">
+                      <a:noFill/>
+                    </a:lnT>
+                    <a:lnB w="12700" cmpd="sng">
+                      <a:noFill/>
+                    </a:lnB>
+                    <a:lnTlToBr w="12700" cmpd="sng">
+                      <a:noFill/>
+                      <a:prstDash val="solid"/>
+                    </a:lnTlToBr>
+                    <a:lnBlToTr w="12700" cmpd="sng">
+                      <a:noFill/>
+                      <a:prstDash val="solid"/>
+                    </a:lnBlToTr>
+                    <a:noFill/>
+                  </a:tcPr>
+                </a:tc>
+                <a:tc>
+                  <a:txBody>
+                    <a:bodyPr/>
+                    <a:lstStyle/>
+                    <a:p>
+                      <a:r>
+                        <a:rPr lang="en-IN" sz="1800" dirty="0">
+                          <a:solidFill>
+                            <a:schemeClr val="tx1"/>
+                          </a:solidFill>
+                          <a:latin typeface="Times New Roman" panose="02020603050405020304" pitchFamily="18" charset="0"/>
+                          <a:cs typeface="Times New Roman" panose="02020603050405020304" pitchFamily="18" charset="0"/>
+                        </a:rPr>
+                        <a:t>Scikit-learn, TensorFlow, </a:t>
+                      </a:r>
+                      <a:r>
+                        <a:rPr lang="en-IN" sz="1800" dirty="0" err="1">
+                          <a:solidFill>
+                            <a:schemeClr val="tx1"/>
+                          </a:solidFill>
+                          <a:latin typeface="Times New Roman" panose="02020603050405020304" pitchFamily="18" charset="0"/>
+                          <a:cs typeface="Times New Roman" panose="02020603050405020304" pitchFamily="18" charset="0"/>
+                        </a:rPr>
+                        <a:t>PyTorch</a:t>
+                      </a:r>
+                      <a:r>
+                        <a:rPr lang="en-IN" sz="1800" dirty="0">
+                          <a:solidFill>
+                            <a:schemeClr val="tx1"/>
+                          </a:solidFill>
+                          <a:latin typeface="Times New Roman" panose="02020603050405020304" pitchFamily="18" charset="0"/>
+                          <a:cs typeface="Times New Roman" panose="02020603050405020304" pitchFamily="18" charset="0"/>
+                        </a:rPr>
+                        <a:t>, </a:t>
+                      </a:r>
+                      <a:r>
+                        <a:rPr lang="en-IN" sz="1800" dirty="0" err="1">
+                          <a:solidFill>
+                            <a:schemeClr val="tx1"/>
+                          </a:solidFill>
+                          <a:latin typeface="Times New Roman" panose="02020603050405020304" pitchFamily="18" charset="0"/>
+                          <a:cs typeface="Times New Roman" panose="02020603050405020304" pitchFamily="18" charset="0"/>
+                        </a:rPr>
+                        <a:t>Statsmodels</a:t>
+                      </a:r>
+                      <a:r>
+                        <a:rPr lang="en-IN" sz="1800" dirty="0">
+                          <a:solidFill>
+                            <a:schemeClr val="tx1"/>
+                          </a:solidFill>
+                          <a:latin typeface="Times New Roman" panose="02020603050405020304" pitchFamily="18" charset="0"/>
+                          <a:cs typeface="Times New Roman" panose="02020603050405020304" pitchFamily="18" charset="0"/>
+                        </a:rPr>
+                        <a:t> (for ARIMA)</a:t>
+                      </a:r>
+                      <a:endParaRPr lang="en-IN" dirty="0">
+                        <a:solidFill>
+                          <a:schemeClr val="tx1"/>
+                        </a:solidFill>
+                      </a:endParaRPr>
+                    </a:p>
+                  </a:txBody>
+                  <a:tcPr>
+                    <a:lnL w="12700" cmpd="sng">
+                      <a:noFill/>
+                    </a:lnL>
+                    <a:lnR w="12700" cmpd="sng">
+                      <a:noFill/>
+                    </a:lnR>
+                    <a:lnT w="12700" cmpd="sng">
+                      <a:noFill/>
+                    </a:lnT>
+                    <a:lnB w="12700" cmpd="sng">
+                      <a:noFill/>
+                    </a:lnB>
+                    <a:lnTlToBr w="12700" cmpd="sng">
+                      <a:noFill/>
+                      <a:prstDash val="solid"/>
+                    </a:lnTlToBr>
+                    <a:lnBlToTr w="12700" cmpd="sng">
+                      <a:noFill/>
+                      <a:prstDash val="solid"/>
+                    </a:lnBlToTr>
+                    <a:noFill/>
+                  </a:tcPr>
+                </a:tc>
+                <a:extLst>
+                  <a:ext uri="{0D108BD9-81ED-4DB2-BD59-A6C34878D82A}">
+                    <a16:rowId xmlns:a16="http://schemas.microsoft.com/office/drawing/2014/main" val="304552557"/>
+                  </a:ext>
+                </a:extLst>
+              </a:tr>
+            </a:tbl>
+          </a:graphicData>
+        </a:graphic>
+      </p:graphicFrame>
+    </p:spTree>
+  </p:cSld>
+  <p:clrMapOvr>
+    <a:masterClrMapping/>
+  </p:clrMapOvr>
+</p:sld>
+</file>
+
+<file path=ppt/slides/slide14.xml><?xml version="1.0" encoding="utf-8"?>
+<p:sld xmlns:a="http://schemas.openxmlformats.org/drawingml/2006/main" xmlns:r="http://schemas.openxmlformats.org/officeDocument/2006/relationships" xmlns:p="http://schemas.openxmlformats.org/presentationml/2006/main">
+  <p:cSld>
+    <p:spTree>
+      <p:nvGrpSpPr>
+        <p:cNvPr id="1" name=""/>
+        <p:cNvGrpSpPr/>
+        <p:nvPr/>
+      </p:nvGrpSpPr>
+      <p:grpSpPr>
+        <a:xfrm>
+          <a:off x="0" y="0"/>
+          <a:ext cx="0" cy="0"/>
+          <a:chOff x="0" y="0"/>
+          <a:chExt cx="0" cy="0"/>
+        </a:xfrm>
+      </p:grpSpPr>
+      <p:sp>
+        <p:nvSpPr>
+          <p:cNvPr id="6" name="object 2">
+            <a:extLst>
+              <a:ext uri="{FF2B5EF4-FFF2-40B4-BE49-F238E27FC236}">
+                <a16:creationId xmlns:a16="http://schemas.microsoft.com/office/drawing/2014/main" id="{87F0D56A-B436-E3CA-1F45-D65738FDB6FA}"/>
+              </a:ext>
+            </a:extLst>
+          </p:cNvPr>
+          <p:cNvSpPr txBox="1">
+            <a:spLocks noGrp="1"/>
+          </p:cNvSpPr>
+          <p:nvPr>
+            <p:ph type="title"/>
+          </p:nvPr>
+        </p:nvSpPr>
+        <p:spPr>
+          <a:xfrm>
+            <a:off x="993444" y="661769"/>
+            <a:ext cx="4377690" cy="568104"/>
+          </a:xfrm>
+          <a:prstGeom prst="rect">
+            <a:avLst/>
+          </a:prstGeom>
+        </p:spPr>
+        <p:txBody>
+          <a:bodyPr vert="horz" wrap="square" lIns="0" tIns="13970" rIns="0" bIns="0" rtlCol="0">
+            <a:spAutoFit/>
+          </a:bodyPr>
+          <a:lstStyle/>
+          <a:p>
+            <a:pPr marL="12700">
+              <a:lnSpc>
+                <a:spcPct val="100000"/>
+              </a:lnSpc>
+              <a:spcBef>
+                <a:spcPts val="110"/>
+              </a:spcBef>
+            </a:pPr>
+            <a:r>
+              <a:rPr sz="3600" b="1" spc="-10" dirty="0">
+                <a:solidFill>
+                  <a:srgbClr val="FF0000"/>
+                </a:solidFill>
+                <a:latin typeface="Times New Roman" panose="02020603050405020304" pitchFamily="18" charset="0"/>
+                <a:cs typeface="Times New Roman" panose="02020603050405020304" pitchFamily="18" charset="0"/>
+              </a:rPr>
+              <a:t>References</a:t>
+            </a:r>
+          </a:p>
+        </p:txBody>
+      </p:sp>
+      <p:sp>
+        <p:nvSpPr>
+          <p:cNvPr id="7" name="object 3">
+            <a:extLst>
+              <a:ext uri="{FF2B5EF4-FFF2-40B4-BE49-F238E27FC236}">
+                <a16:creationId xmlns:a16="http://schemas.microsoft.com/office/drawing/2014/main" id="{1D59E875-7953-705B-5CB6-8202EFF7E5BC}"/>
+              </a:ext>
+            </a:extLst>
+          </p:cNvPr>
+          <p:cNvSpPr txBox="1"/>
+          <p:nvPr/>
+        </p:nvSpPr>
+        <p:spPr>
+          <a:xfrm flipV="1">
+            <a:off x="2640476" y="4183354"/>
+            <a:ext cx="5953722" cy="45719"/>
+          </a:xfrm>
+          <a:prstGeom prst="rect">
+            <a:avLst/>
+          </a:prstGeom>
+        </p:spPr>
+        <p:txBody>
+          <a:bodyPr vert="horz" wrap="square" lIns="0" tIns="88265" rIns="0" bIns="0" rtlCol="0">
+            <a:spAutoFit/>
+          </a:bodyPr>
+          <a:lstStyle/>
+          <a:p>
+            <a:pPr marL="356870" indent="-344805">
+              <a:lnSpc>
+                <a:spcPct val="100000"/>
+              </a:lnSpc>
+              <a:spcBef>
+                <a:spcPts val="695"/>
+              </a:spcBef>
+              <a:buClr>
+                <a:srgbClr val="D24717"/>
+              </a:buClr>
+              <a:buSzPct val="93750"/>
+              <a:buFont typeface="Segoe UI Symbol"/>
+              <a:buChar char="⚫"/>
+              <a:tabLst>
+                <a:tab pos="356870" algn="l"/>
+                <a:tab pos="357505" algn="l"/>
+              </a:tabLst>
+            </a:pPr>
+            <a:endParaRPr sz="2000" dirty="0">
+              <a:solidFill>
+                <a:srgbClr val="0070C0"/>
+              </a:solidFill>
+              <a:latin typeface="Arial MT"/>
+              <a:cs typeface="Arial MT"/>
+            </a:endParaRPr>
+          </a:p>
+        </p:txBody>
+      </p:sp>
+      <p:sp>
+        <p:nvSpPr>
+          <p:cNvPr id="8" name="Rectangle 3">
+            <a:extLst>
+              <a:ext uri="{FF2B5EF4-FFF2-40B4-BE49-F238E27FC236}">
+                <a16:creationId xmlns:a16="http://schemas.microsoft.com/office/drawing/2014/main" id="{9CBBDDFB-2F41-ACA5-69D3-A7CE2DC39106}"/>
+              </a:ext>
+            </a:extLst>
+          </p:cNvPr>
           <p:cNvSpPr>
             <a:spLocks noChangeArrowheads="1"/>
           </p:cNvSpPr>
@@ -5528,8 +7301,8 @@
         </p:nvSpPr>
         <p:spPr bwMode="auto">
           <a:xfrm>
-            <a:off x="982490" y="1923925"/>
-            <a:ext cx="7628109" cy="3349956"/>
+            <a:off x="877875" y="1818446"/>
+            <a:ext cx="9965588" cy="3847207"/>
           </a:xfrm>
           <a:prstGeom prst="rect">
             <a:avLst/>
@@ -5577,368 +7350,6 @@
           </a:bodyPr>
           <a:lstStyle/>
           <a:p>
-            <a:pPr marL="342900" lvl="0" indent="-342900" eaLnBrk="0" fontAlgn="base" hangingPunct="0">
-              <a:lnSpc>
-                <a:spcPct val="150000"/>
-              </a:lnSpc>
-              <a:spcBef>
-                <a:spcPct val="0"/>
-              </a:spcBef>
-              <a:spcAft>
-                <a:spcPct val="0"/>
-              </a:spcAft>
-              <a:buFont typeface="Arial" panose="020B0604020202020204" pitchFamily="34" charset="0"/>
-              <a:buChar char="•"/>
-            </a:pPr>
-            <a:r>
-              <a:rPr lang="en-US" altLang="en-US" sz="2400" b="1" dirty="0">
-                <a:latin typeface="Times New Roman" panose="02020603050405020304" pitchFamily="18" charset="0"/>
-                <a:cs typeface="Times New Roman" panose="02020603050405020304" pitchFamily="18" charset="0"/>
-              </a:rPr>
-              <a:t>Operating System</a:t>
-            </a:r>
-            <a:r>
-              <a:rPr lang="en-US" altLang="en-US" sz="2400" dirty="0">
-                <a:latin typeface="Times New Roman" panose="02020603050405020304" pitchFamily="18" charset="0"/>
-                <a:cs typeface="Times New Roman" panose="02020603050405020304" pitchFamily="18" charset="0"/>
-              </a:rPr>
-              <a:t> – Windows 11</a:t>
-            </a:r>
-          </a:p>
-          <a:p>
-            <a:pPr marL="342900" marR="0" lvl="0" indent="-342900" algn="l" defTabSz="914400" rtl="0" eaLnBrk="0" fontAlgn="base" latinLnBrk="0" hangingPunct="0">
-              <a:lnSpc>
-                <a:spcPct val="150000"/>
-              </a:lnSpc>
-              <a:spcBef>
-                <a:spcPct val="0"/>
-              </a:spcBef>
-              <a:spcAft>
-                <a:spcPct val="0"/>
-              </a:spcAft>
-              <a:buClrTx/>
-              <a:buSzTx/>
-              <a:buFont typeface="Arial" panose="020B0604020202020204" pitchFamily="34" charset="0"/>
-              <a:buChar char="•"/>
-              <a:tabLst/>
-            </a:pPr>
-            <a:r>
-              <a:rPr lang="en-IN" sz="2400" b="1" dirty="0">
-                <a:latin typeface="Times New Roman" panose="02020603050405020304" pitchFamily="18" charset="0"/>
-                <a:cs typeface="Times New Roman" panose="02020603050405020304" pitchFamily="18" charset="0"/>
-              </a:rPr>
-              <a:t>Programming Languages:</a:t>
-            </a:r>
-            <a:r>
-              <a:rPr lang="en-IN" sz="2400" dirty="0">
-                <a:latin typeface="Times New Roman" panose="02020603050405020304" pitchFamily="18" charset="0"/>
-                <a:cs typeface="Times New Roman" panose="02020603050405020304" pitchFamily="18" charset="0"/>
-              </a:rPr>
-              <a:t> Python (Pandas, NumPy, </a:t>
-            </a:r>
-            <a:r>
-              <a:rPr lang="en-IN" sz="2400" dirty="0" err="1">
-                <a:latin typeface="Times New Roman" panose="02020603050405020304" pitchFamily="18" charset="0"/>
-                <a:cs typeface="Times New Roman" panose="02020603050405020304" pitchFamily="18" charset="0"/>
-              </a:rPr>
-              <a:t>Sklearn</a:t>
-            </a:r>
-            <a:r>
-              <a:rPr lang="en-IN" sz="2400" dirty="0">
-                <a:latin typeface="Times New Roman" panose="02020603050405020304" pitchFamily="18" charset="0"/>
-                <a:cs typeface="Times New Roman" panose="02020603050405020304" pitchFamily="18" charset="0"/>
-              </a:rPr>
-              <a:t>, TensorFlow/</a:t>
-            </a:r>
-            <a:r>
-              <a:rPr lang="en-IN" sz="2400" dirty="0" err="1">
-                <a:latin typeface="Times New Roman" panose="02020603050405020304" pitchFamily="18" charset="0"/>
-                <a:cs typeface="Times New Roman" panose="02020603050405020304" pitchFamily="18" charset="0"/>
-              </a:rPr>
-              <a:t>PyTorch</a:t>
-            </a:r>
-            <a:r>
-              <a:rPr lang="en-IN" sz="2400" dirty="0">
-                <a:latin typeface="Times New Roman" panose="02020603050405020304" pitchFamily="18" charset="0"/>
-                <a:cs typeface="Times New Roman" panose="02020603050405020304" pitchFamily="18" charset="0"/>
-              </a:rPr>
-              <a:t>)</a:t>
-            </a:r>
-          </a:p>
-          <a:p>
-            <a:pPr marL="342900" marR="0" lvl="0" indent="-342900" algn="l" defTabSz="914400" rtl="0" eaLnBrk="0" fontAlgn="base" latinLnBrk="0" hangingPunct="0">
-              <a:lnSpc>
-                <a:spcPct val="150000"/>
-              </a:lnSpc>
-              <a:spcBef>
-                <a:spcPct val="0"/>
-              </a:spcBef>
-              <a:spcAft>
-                <a:spcPct val="0"/>
-              </a:spcAft>
-              <a:buClrTx/>
-              <a:buSzTx/>
-              <a:buFont typeface="Arial" panose="020B0604020202020204" pitchFamily="34" charset="0"/>
-              <a:buChar char="•"/>
-              <a:tabLst/>
-            </a:pPr>
-            <a:r>
-              <a:rPr lang="en-IN" sz="2400" b="1" dirty="0">
-                <a:latin typeface="Times New Roman" panose="02020603050405020304" pitchFamily="18" charset="0"/>
-                <a:cs typeface="Times New Roman" panose="02020603050405020304" pitchFamily="18" charset="0"/>
-              </a:rPr>
-              <a:t>Data Processing:</a:t>
-            </a:r>
-            <a:r>
-              <a:rPr lang="en-IN" sz="2400" dirty="0">
-                <a:latin typeface="Times New Roman" panose="02020603050405020304" pitchFamily="18" charset="0"/>
-                <a:cs typeface="Times New Roman" panose="02020603050405020304" pitchFamily="18" charset="0"/>
-              </a:rPr>
-              <a:t> MS Excel, Pandas</a:t>
-            </a:r>
-          </a:p>
-          <a:p>
-            <a:pPr marL="342900" marR="0" lvl="0" indent="-342900" algn="l" defTabSz="914400" rtl="0" eaLnBrk="0" fontAlgn="base" latinLnBrk="0" hangingPunct="0">
-              <a:lnSpc>
-                <a:spcPct val="150000"/>
-              </a:lnSpc>
-              <a:spcBef>
-                <a:spcPct val="0"/>
-              </a:spcBef>
-              <a:spcAft>
-                <a:spcPct val="0"/>
-              </a:spcAft>
-              <a:buClrTx/>
-              <a:buSzTx/>
-              <a:buFont typeface="Arial" panose="020B0604020202020204" pitchFamily="34" charset="0"/>
-              <a:buChar char="•"/>
-              <a:tabLst/>
-            </a:pPr>
-            <a:r>
-              <a:rPr lang="en-IN" sz="2400" b="1" dirty="0">
-                <a:latin typeface="Times New Roman" panose="02020603050405020304" pitchFamily="18" charset="0"/>
-                <a:cs typeface="Times New Roman" panose="02020603050405020304" pitchFamily="18" charset="0"/>
-              </a:rPr>
-              <a:t>ML/DL Frameworks:</a:t>
-            </a:r>
-            <a:r>
-              <a:rPr lang="en-IN" sz="2400" dirty="0">
-                <a:latin typeface="Times New Roman" panose="02020603050405020304" pitchFamily="18" charset="0"/>
-                <a:cs typeface="Times New Roman" panose="02020603050405020304" pitchFamily="18" charset="0"/>
-              </a:rPr>
-              <a:t> Scikit-learn, TensorFlow, PyTorch, Statsmodels (for ARIMA)</a:t>
-            </a:r>
-            <a:endParaRPr kumimoji="0" lang="en-US" altLang="en-US" sz="2400" b="0" i="0" u="none" strike="noStrike" cap="none" normalizeH="0" baseline="0" dirty="0">
-              <a:ln>
-                <a:noFill/>
-              </a:ln>
-              <a:solidFill>
-                <a:schemeClr val="tx1"/>
-              </a:solidFill>
-              <a:effectLst/>
-              <a:latin typeface="Times New Roman" panose="02020603050405020304" pitchFamily="18" charset="0"/>
-              <a:cs typeface="Times New Roman" panose="02020603050405020304" pitchFamily="18" charset="0"/>
-            </a:endParaRPr>
-          </a:p>
-        </p:txBody>
-      </p:sp>
-    </p:spTree>
-  </p:cSld>
-  <p:clrMapOvr>
-    <a:masterClrMapping/>
-  </p:clrMapOvr>
-</p:sld>
-</file>
-
-<file path=ppt/slides/slide13.xml><?xml version="1.0" encoding="utf-8"?>
-<p:sld xmlns:a="http://schemas.openxmlformats.org/drawingml/2006/main" xmlns:r="http://schemas.openxmlformats.org/officeDocument/2006/relationships" xmlns:p="http://schemas.openxmlformats.org/presentationml/2006/main">
-  <p:cSld>
-    <p:spTree>
-      <p:nvGrpSpPr>
-        <p:cNvPr id="1" name=""/>
-        <p:cNvGrpSpPr/>
-        <p:nvPr/>
-      </p:nvGrpSpPr>
-      <p:grpSpPr>
-        <a:xfrm>
-          <a:off x="0" y="0"/>
-          <a:ext cx="0" cy="0"/>
-          <a:chOff x="0" y="0"/>
-          <a:chExt cx="0" cy="0"/>
-        </a:xfrm>
-      </p:grpSpPr>
-      <p:sp>
-        <p:nvSpPr>
-          <p:cNvPr id="6" name="object 2">
-            <a:extLst>
-              <a:ext uri="{FF2B5EF4-FFF2-40B4-BE49-F238E27FC236}">
-                <a16:creationId xmlns:a16="http://schemas.microsoft.com/office/drawing/2014/main" id="{87F0D56A-B436-E3CA-1F45-D65738FDB6FA}"/>
-              </a:ext>
-            </a:extLst>
-          </p:cNvPr>
-          <p:cNvSpPr txBox="1">
-            <a:spLocks noGrp="1"/>
-          </p:cNvSpPr>
-          <p:nvPr>
-            <p:ph type="title"/>
-          </p:nvPr>
-        </p:nvSpPr>
-        <p:spPr>
-          <a:xfrm>
-            <a:off x="993444" y="661769"/>
-            <a:ext cx="4377690" cy="568104"/>
-          </a:xfrm>
-          <a:prstGeom prst="rect">
-            <a:avLst/>
-          </a:prstGeom>
-        </p:spPr>
-        <p:txBody>
-          <a:bodyPr vert="horz" wrap="square" lIns="0" tIns="13970" rIns="0" bIns="0" rtlCol="0">
-            <a:spAutoFit/>
-          </a:bodyPr>
-          <a:lstStyle/>
-          <a:p>
-            <a:pPr marL="12700">
-              <a:lnSpc>
-                <a:spcPct val="100000"/>
-              </a:lnSpc>
-              <a:spcBef>
-                <a:spcPts val="110"/>
-              </a:spcBef>
-            </a:pPr>
-            <a:r>
-              <a:rPr sz="3600" b="1" spc="-10" dirty="0">
-                <a:solidFill>
-                  <a:srgbClr val="FF0000"/>
-                </a:solidFill>
-                <a:latin typeface="Times New Roman" panose="02020603050405020304" pitchFamily="18" charset="0"/>
-                <a:cs typeface="Times New Roman" panose="02020603050405020304" pitchFamily="18" charset="0"/>
-              </a:rPr>
-              <a:t>References</a:t>
-            </a:r>
-          </a:p>
-        </p:txBody>
-      </p:sp>
-      <p:sp>
-        <p:nvSpPr>
-          <p:cNvPr id="7" name="object 3">
-            <a:extLst>
-              <a:ext uri="{FF2B5EF4-FFF2-40B4-BE49-F238E27FC236}">
-                <a16:creationId xmlns:a16="http://schemas.microsoft.com/office/drawing/2014/main" id="{1D59E875-7953-705B-5CB6-8202EFF7E5BC}"/>
-              </a:ext>
-            </a:extLst>
-          </p:cNvPr>
-          <p:cNvSpPr txBox="1"/>
-          <p:nvPr/>
-        </p:nvSpPr>
-        <p:spPr>
-          <a:xfrm flipV="1">
-            <a:off x="2640476" y="4183354"/>
-            <a:ext cx="5953722" cy="45719"/>
-          </a:xfrm>
-          <a:prstGeom prst="rect">
-            <a:avLst/>
-          </a:prstGeom>
-        </p:spPr>
-        <p:txBody>
-          <a:bodyPr vert="horz" wrap="square" lIns="0" tIns="88265" rIns="0" bIns="0" rtlCol="0">
-            <a:spAutoFit/>
-          </a:bodyPr>
-          <a:lstStyle/>
-          <a:p>
-            <a:pPr marL="356870" indent="-344805">
-              <a:lnSpc>
-                <a:spcPct val="100000"/>
-              </a:lnSpc>
-              <a:spcBef>
-                <a:spcPts val="695"/>
-              </a:spcBef>
-              <a:buClr>
-                <a:srgbClr val="D24717"/>
-              </a:buClr>
-              <a:buSzPct val="93750"/>
-              <a:buFont typeface="Segoe UI Symbol"/>
-              <a:buChar char="⚫"/>
-              <a:tabLst>
-                <a:tab pos="356870" algn="l"/>
-                <a:tab pos="357505" algn="l"/>
-              </a:tabLst>
-            </a:pPr>
-            <a:endParaRPr sz="2000" dirty="0">
-              <a:solidFill>
-                <a:srgbClr val="0070C0"/>
-              </a:solidFill>
-              <a:latin typeface="Arial MT"/>
-              <a:cs typeface="Arial MT"/>
-            </a:endParaRPr>
-          </a:p>
-        </p:txBody>
-      </p:sp>
-      <p:sp>
-        <p:nvSpPr>
-          <p:cNvPr id="8" name="Rectangle 3">
-            <a:extLst>
-              <a:ext uri="{FF2B5EF4-FFF2-40B4-BE49-F238E27FC236}">
-                <a16:creationId xmlns:a16="http://schemas.microsoft.com/office/drawing/2014/main" id="{9CBBDDFB-2F41-ACA5-69D3-A7CE2DC39106}"/>
-              </a:ext>
-            </a:extLst>
-          </p:cNvPr>
-          <p:cNvSpPr>
-            <a:spLocks noChangeArrowheads="1"/>
-          </p:cNvSpPr>
-          <p:nvPr/>
-        </p:nvSpPr>
-        <p:spPr bwMode="auto">
-          <a:xfrm>
-            <a:off x="850443" y="1671916"/>
-            <a:ext cx="9965588" cy="4524315"/>
-          </a:xfrm>
-          <a:prstGeom prst="rect">
-            <a:avLst/>
-          </a:prstGeom>
-          <a:noFill/>
-          <a:ln>
-            <a:noFill/>
-          </a:ln>
-          <a:effectLst/>
-          <a:extLst>
-            <a:ext uri="{909E8E84-426E-40DD-AFC4-6F175D3DCCD1}">
-              <a14:hiddenFill xmlns:a14="http://schemas.microsoft.com/office/drawing/2010/main">
-                <a:solidFill>
-                  <a:schemeClr val="accent1"/>
-                </a:solidFill>
-              </a14:hiddenFill>
-            </a:ext>
-            <a:ext uri="{91240B29-F687-4F45-9708-019B960494DF}">
-              <a14:hiddenLine xmlns:a14="http://schemas.microsoft.com/office/drawing/2010/main" w="9525">
-                <a:solidFill>
-                  <a:schemeClr val="tx1"/>
-                </a:solidFill>
-                <a:miter lim="800000"/>
-                <a:headEnd/>
-                <a:tailEnd/>
-              </a14:hiddenLine>
-            </a:ext>
-            <a:ext uri="{AF507438-7753-43E0-B8FC-AC1667EBCBE1}">
-              <a14:hiddenEffects xmlns:a14="http://schemas.microsoft.com/office/drawing/2010/main">
-                <a:effectLst>
-                  <a:outerShdw dist="35921" dir="2700000" algn="ctr" rotWithShape="0">
-                    <a:schemeClr val="bg2"/>
-                  </a:outerShdw>
-                </a:effectLst>
-              </a14:hiddenEffects>
-            </a:ext>
-          </a:extLst>
-        </p:spPr>
-        <p:txBody>
-          <a:bodyPr vert="horz" wrap="square" lIns="91440" tIns="45720" rIns="91440" bIns="45720" numCol="1" anchor="ctr" anchorCtr="0" compatLnSpc="1">
-            <a:prstTxWarp prst="textNoShape">
-              <a:avLst/>
-            </a:prstTxWarp>
-            <a:spAutoFit/>
-          </a:bodyPr>
-          <a:lstStyle/>
-          <a:p>
             <a:pPr marL="342900" marR="0" lvl="0" indent="-342900" algn="l" defTabSz="914400" rtl="0" eaLnBrk="0" fontAlgn="base" latinLnBrk="0" hangingPunct="0">
               <a:lnSpc>
                 <a:spcPct val="100000"/>
@@ -5956,7 +7367,7 @@
               <a:tabLst/>
             </a:pPr>
             <a:r>
-              <a:rPr kumimoji="0" lang="en-US" altLang="en-US" sz="2400" b="0" i="0" u="none" strike="noStrike" cap="none" normalizeH="0" baseline="0" dirty="0">
+              <a:rPr kumimoji="0" lang="en-US" altLang="en-US" sz="2000" b="0" i="0" u="none" strike="noStrike" cap="none" normalizeH="0" baseline="0" dirty="0">
                 <a:ln>
                   <a:noFill/>
                 </a:ln>
@@ -5970,7 +7381,7 @@
               <a:t>Artificial Intelligence Technology in the Agricultural Sector: A Systematic Literature Review (2022)</a:t>
             </a:r>
             <a:br>
-              <a:rPr kumimoji="0" lang="en-US" altLang="en-US" sz="2400" b="0" i="0" u="none" strike="noStrike" cap="none" normalizeH="0" baseline="0" dirty="0">
+              <a:rPr kumimoji="0" lang="en-US" altLang="en-US" sz="2000" b="0" i="0" u="none" strike="noStrike" cap="none" normalizeH="0" baseline="0" dirty="0">
                 <a:ln>
                   <a:noFill/>
                 </a:ln>
@@ -5983,7 +7394,7 @@
               </a:rPr>
             </a:br>
             <a:r>
-              <a:rPr kumimoji="0" lang="en-US" altLang="en-US" sz="2400" b="0" i="0" u="none" strike="noStrike" cap="none" normalizeH="0" baseline="0" dirty="0">
+              <a:rPr kumimoji="0" lang="en-US" altLang="en-US" sz="2000" b="0" i="0" u="none" strike="noStrike" cap="none" normalizeH="0" baseline="0" dirty="0">
                 <a:ln>
                   <a:noFill/>
                 </a:ln>
@@ -5997,7 +7408,7 @@
               <a:t>Ersin </a:t>
             </a:r>
             <a:r>
-              <a:rPr kumimoji="0" lang="en-US" altLang="en-US" sz="2400" b="0" i="0" u="none" strike="noStrike" cap="none" normalizeH="0" baseline="0" dirty="0" err="1">
+              <a:rPr kumimoji="0" lang="en-US" altLang="en-US" sz="2000" b="0" i="0" u="none" strike="noStrike" cap="none" normalizeH="0" baseline="0" dirty="0" err="1">
                 <a:ln>
                   <a:noFill/>
                 </a:ln>
@@ -6011,7 +7422,7 @@
               <a:t>Elbasi</a:t>
             </a:r>
             <a:r>
-              <a:rPr kumimoji="0" lang="en-US" altLang="en-US" sz="2400" b="0" i="0" u="none" strike="noStrike" cap="none" normalizeH="0" baseline="0" dirty="0">
+              <a:rPr kumimoji="0" lang="en-US" altLang="en-US" sz="2000" b="0" i="0" u="none" strike="noStrike" cap="none" normalizeH="0" baseline="0" dirty="0">
                 <a:ln>
                   <a:noFill/>
                 </a:ln>
@@ -6025,7 +7436,7 @@
               <a:t>, Nour Mostafa, Zakwan </a:t>
             </a:r>
             <a:r>
-              <a:rPr kumimoji="0" lang="en-US" altLang="en-US" sz="2400" b="0" i="0" u="none" strike="noStrike" cap="none" normalizeH="0" baseline="0" dirty="0" err="1">
+              <a:rPr kumimoji="0" lang="en-US" altLang="en-US" sz="2000" b="0" i="0" u="none" strike="noStrike" cap="none" normalizeH="0" baseline="0" dirty="0" err="1">
                 <a:ln>
                   <a:noFill/>
                 </a:ln>
@@ -6039,7 +7450,7 @@
               <a:t>Alarnaout</a:t>
             </a:r>
             <a:r>
-              <a:rPr kumimoji="0" lang="en-US" altLang="en-US" sz="2400" b="0" i="0" u="none" strike="noStrike" cap="none" normalizeH="0" baseline="0" dirty="0">
+              <a:rPr kumimoji="0" lang="en-US" altLang="en-US" sz="2000" b="0" i="0" u="none" strike="noStrike" cap="none" normalizeH="0" baseline="0" dirty="0">
                 <a:ln>
                   <a:noFill/>
                 </a:ln>
@@ -6070,7 +7481,7 @@
               <a:buChar char="•"/>
               <a:tabLst/>
             </a:pPr>
-            <a:endParaRPr kumimoji="0" lang="en-US" altLang="en-US" sz="2400" b="0" i="0" u="none" strike="noStrike" cap="none" normalizeH="0" baseline="0" dirty="0">
+            <a:endParaRPr kumimoji="0" lang="en-US" altLang="en-US" sz="2000" b="0" i="0" u="none" strike="noStrike" cap="none" normalizeH="0" baseline="0" dirty="0">
               <a:ln>
                 <a:noFill/>
               </a:ln>
@@ -6100,7 +7511,7 @@
               <a:tabLst/>
             </a:pPr>
             <a:r>
-              <a:rPr kumimoji="0" lang="en-US" altLang="en-US" sz="2400" b="0" i="0" u="none" strike="noStrike" cap="none" normalizeH="0" baseline="0" dirty="0" err="1">
+              <a:rPr kumimoji="0" lang="en-US" altLang="en-US" sz="2000" b="0" i="0" u="none" strike="noStrike" cap="none" normalizeH="0" baseline="0" dirty="0" err="1">
                 <a:ln>
                   <a:noFill/>
                 </a:ln>
@@ -6114,7 +7525,7 @@
               <a:t>AgTech</a:t>
             </a:r>
             <a:r>
-              <a:rPr kumimoji="0" lang="en-US" altLang="en-US" sz="2400" b="0" i="0" u="none" strike="noStrike" cap="none" normalizeH="0" baseline="0" dirty="0">
+              <a:rPr kumimoji="0" lang="en-US" altLang="en-US" sz="2000" b="0" i="0" u="none" strike="noStrike" cap="none" normalizeH="0" baseline="0" dirty="0">
                 <a:ln>
                   <a:noFill/>
                 </a:ln>
@@ -6128,7 +7539,7 @@
               <a:t>: Volatility Prediction for Agricultural Commodity Exchange Trading Applied Deep Learning (2024)</a:t>
             </a:r>
             <a:br>
-              <a:rPr kumimoji="0" lang="en-US" altLang="en-US" sz="2400" b="0" i="0" u="none" strike="noStrike" cap="none" normalizeH="0" baseline="0" dirty="0">
+              <a:rPr kumimoji="0" lang="en-US" altLang="en-US" sz="2000" b="0" i="0" u="none" strike="noStrike" cap="none" normalizeH="0" baseline="0" dirty="0">
                 <a:ln>
                   <a:noFill/>
                 </a:ln>
@@ -6141,7 +7552,7 @@
               </a:rPr>
             </a:br>
             <a:r>
-              <a:rPr kumimoji="0" lang="en-US" altLang="en-US" sz="2400" b="0" i="0" u="none" strike="noStrike" cap="none" normalizeH="0" baseline="0" dirty="0">
+              <a:rPr kumimoji="0" lang="en-US" altLang="en-US" sz="2000" b="0" i="0" u="none" strike="noStrike" cap="none" normalizeH="0" baseline="0" dirty="0">
                 <a:ln>
                   <a:noFill/>
                 </a:ln>
@@ -6170,7 +7581,7 @@
               <a:buSzTx/>
               <a:tabLst/>
             </a:pPr>
-            <a:endParaRPr kumimoji="0" lang="en-US" altLang="en-US" sz="2400" b="0" i="0" u="none" strike="noStrike" cap="none" normalizeH="0" baseline="0" dirty="0">
+            <a:endParaRPr kumimoji="0" lang="en-US" altLang="en-US" sz="2000" b="0" i="0" u="none" strike="noStrike" cap="none" normalizeH="0" baseline="0" dirty="0">
               <a:ln>
                 <a:noFill/>
               </a:ln>
@@ -6200,7 +7611,7 @@
               <a:tabLst/>
             </a:pPr>
             <a:r>
-              <a:rPr kumimoji="0" lang="en-US" altLang="en-US" sz="2400" b="0" i="0" u="none" strike="noStrike" cap="none" normalizeH="0" baseline="0" dirty="0">
+              <a:rPr kumimoji="0" lang="en-US" altLang="en-US" sz="2000" b="0" i="0" u="none" strike="noStrike" cap="none" normalizeH="0" baseline="0" dirty="0">
                 <a:ln>
                   <a:noFill/>
                 </a:ln>
@@ -6214,7 +7625,7 @@
               <a:t>Forecasting Agricultural Commodity Prices Using Model Selection Framework With Time Series Features and Forecast Horizons (2020)</a:t>
             </a:r>
             <a:br>
-              <a:rPr kumimoji="0" lang="en-US" altLang="en-US" sz="2400" b="0" i="0" u="none" strike="noStrike" cap="none" normalizeH="0" baseline="0" dirty="0">
+              <a:rPr kumimoji="0" lang="en-US" altLang="en-US" sz="2000" b="0" i="0" u="none" strike="noStrike" cap="none" normalizeH="0" baseline="0" dirty="0">
                 <a:ln>
                   <a:noFill/>
                 </a:ln>
@@ -6227,7 +7638,7 @@
               </a:rPr>
             </a:br>
             <a:r>
-              <a:rPr kumimoji="0" lang="en-US" altLang="en-US" sz="2400" b="0" i="0" u="none" strike="noStrike" cap="none" normalizeH="0" baseline="0" dirty="0" err="1">
+              <a:rPr kumimoji="0" lang="en-US" altLang="en-US" sz="2000" b="0" i="0" u="none" strike="noStrike" cap="none" normalizeH="0" baseline="0" dirty="0" err="1">
                 <a:ln>
                   <a:noFill/>
                 </a:ln>
@@ -6241,7 +7652,7 @@
               <a:t>Dabin</a:t>
             </a:r>
             <a:r>
-              <a:rPr kumimoji="0" lang="en-US" altLang="en-US" sz="2400" b="0" i="0" u="none" strike="noStrike" cap="none" normalizeH="0" baseline="0" dirty="0">
+              <a:rPr kumimoji="0" lang="en-US" altLang="en-US" sz="2000" b="0" i="0" u="none" strike="noStrike" cap="none" normalizeH="0" baseline="0" dirty="0">
                 <a:ln>
                   <a:noFill/>
                 </a:ln>
@@ -6255,7 +7666,7 @@
               <a:t> Zhang, </a:t>
             </a:r>
             <a:r>
-              <a:rPr kumimoji="0" lang="en-US" altLang="en-US" sz="2400" b="0" i="0" u="none" strike="noStrike" cap="none" normalizeH="0" baseline="0" dirty="0" err="1">
+              <a:rPr kumimoji="0" lang="en-US" altLang="en-US" sz="2000" b="0" i="0" u="none" strike="noStrike" cap="none" normalizeH="0" baseline="0" dirty="0" err="1">
                 <a:ln>
                   <a:noFill/>
                 </a:ln>
@@ -6269,7 +7680,7 @@
               <a:t>Shanying</a:t>
             </a:r>
             <a:r>
-              <a:rPr kumimoji="0" lang="en-US" altLang="en-US" sz="2400" b="0" i="0" u="none" strike="noStrike" cap="none" normalizeH="0" baseline="0" dirty="0">
+              <a:rPr kumimoji="0" lang="en-US" altLang="en-US" sz="2000" b="0" i="0" u="none" strike="noStrike" cap="none" normalizeH="0" baseline="0" dirty="0">
                 <a:ln>
                   <a:noFill/>
                 </a:ln>
@@ -6283,7 +7694,7 @@
               <a:t> Chen, </a:t>
             </a:r>
             <a:r>
-              <a:rPr kumimoji="0" lang="en-US" altLang="en-US" sz="2400" b="0" i="0" u="none" strike="noStrike" cap="none" normalizeH="0" baseline="0" dirty="0" err="1">
+              <a:rPr kumimoji="0" lang="en-US" altLang="en-US" sz="2000" b="0" i="0" u="none" strike="noStrike" cap="none" normalizeH="0" baseline="0" dirty="0" err="1">
                 <a:ln>
                   <a:noFill/>
                 </a:ln>
@@ -6297,7 +7708,7 @@
               <a:t>Liwen</a:t>
             </a:r>
             <a:r>
-              <a:rPr kumimoji="0" lang="en-US" altLang="en-US" sz="2400" b="0" i="0" u="none" strike="noStrike" cap="none" normalizeH="0" baseline="0" dirty="0">
+              <a:rPr kumimoji="0" lang="en-US" altLang="en-US" sz="2000" b="0" i="0" u="none" strike="noStrike" cap="none" normalizeH="0" baseline="0" dirty="0">
                 <a:ln>
                   <a:noFill/>
                 </a:ln>
@@ -6355,7 +7766,7 @@
 </p:sld>
 </file>
 
-<file path=ppt/slides/slide14.xml><?xml version="1.0" encoding="utf-8"?>
+<file path=ppt/slides/slide15.xml><?xml version="1.0" encoding="utf-8"?>
 <p:sld xmlns:a="http://schemas.openxmlformats.org/drawingml/2006/main" xmlns:r="http://schemas.openxmlformats.org/officeDocument/2006/relationships" xmlns:p="http://schemas.openxmlformats.org/presentationml/2006/main">
   <p:cSld>
     <p:spTree>
@@ -6459,10 +7870,492 @@
           <p:nvPr>
             <p:extLst>
               <p:ext uri="{D42A27DB-BD31-4B8C-83A1-F6EECF244321}">
-                <p14:modId xmlns:p14="http://schemas.microsoft.com/office/powerpoint/2010/main" val="644106484"/>
+                <p14:modId xmlns:p14="http://schemas.microsoft.com/office/powerpoint/2010/main" val="3051720168"/>
               </p:ext>
             </p:extLst>
           </p:nvPr>
+        </p:nvGraphicFramePr>
+        <p:xfrm>
+          <a:off x="1252728" y="1776424"/>
+          <a:ext cx="10570972" cy="3305151"/>
+        </p:xfrm>
+        <a:graphic>
+          <a:graphicData uri="http://schemas.openxmlformats.org/drawingml/2006/table">
+            <a:tbl>
+              <a:tblPr/>
+              <a:tblGrid>
+                <a:gridCol w="2036572">
+                  <a:extLst>
+                    <a:ext uri="{9D8B030D-6E8A-4147-A177-3AD203B41FA5}">
+                      <a16:colId xmlns:a16="http://schemas.microsoft.com/office/drawing/2014/main" val="667182811"/>
+                    </a:ext>
+                  </a:extLst>
+                </a:gridCol>
+                <a:gridCol w="8534400">
+                  <a:extLst>
+                    <a:ext uri="{9D8B030D-6E8A-4147-A177-3AD203B41FA5}">
+                      <a16:colId xmlns:a16="http://schemas.microsoft.com/office/drawing/2014/main" val="4096597055"/>
+                    </a:ext>
+                  </a:extLst>
+                </a:gridCol>
+              </a:tblGrid>
+              <a:tr h="430677">
+                <a:tc>
+                  <a:txBody>
+                    <a:bodyPr/>
+                    <a:lstStyle/>
+                    <a:p>
+                      <a:endParaRPr lang="en-IN" sz="2400" dirty="0">
+                        <a:latin typeface="Times New Roman" panose="02020603050405020304" pitchFamily="18" charset="0"/>
+                        <a:cs typeface="Times New Roman" panose="02020603050405020304" pitchFamily="18" charset="0"/>
+                      </a:endParaRPr>
+                    </a:p>
+                  </a:txBody>
+                  <a:tcPr anchor="ctr">
+                    <a:lnL>
+                      <a:noFill/>
+                    </a:lnL>
+                    <a:lnR>
+                      <a:noFill/>
+                    </a:lnR>
+                    <a:lnT>
+                      <a:noFill/>
+                    </a:lnT>
+                    <a:lnB>
+                      <a:noFill/>
+                    </a:lnB>
+                    <a:noFill/>
+                  </a:tcPr>
+                </a:tc>
+                <a:tc>
+                  <a:txBody>
+                    <a:bodyPr/>
+                    <a:lstStyle/>
+                    <a:p>
+                      <a:endParaRPr lang="en-IN" sz="2400" dirty="0">
+                        <a:latin typeface="Times New Roman" panose="02020603050405020304" pitchFamily="18" charset="0"/>
+                        <a:cs typeface="Times New Roman" panose="02020603050405020304" pitchFamily="18" charset="0"/>
+                      </a:endParaRPr>
+                    </a:p>
+                  </a:txBody>
+                  <a:tcPr anchor="ctr">
+                    <a:lnL>
+                      <a:noFill/>
+                    </a:lnL>
+                    <a:lnR>
+                      <a:noFill/>
+                    </a:lnR>
+                    <a:lnT>
+                      <a:noFill/>
+                    </a:lnT>
+                    <a:lnB>
+                      <a:noFill/>
+                    </a:lnB>
+                    <a:noFill/>
+                  </a:tcPr>
+                </a:tc>
+                <a:extLst>
+                  <a:ext uri="{0D108BD9-81ED-4DB2-BD59-A6C34878D82A}">
+                    <a16:rowId xmlns:a16="http://schemas.microsoft.com/office/drawing/2014/main" val="283183980"/>
+                  </a:ext>
+                </a:extLst>
+              </a:tr>
+              <a:tr h="610723">
+                <a:tc>
+                  <a:txBody>
+                    <a:bodyPr/>
+                    <a:lstStyle/>
+                    <a:p>
+                      <a:r>
+                        <a:rPr lang="en-IN" sz="2000" b="1" dirty="0">
+                          <a:latin typeface="Times New Roman" panose="02020603050405020304" pitchFamily="18" charset="0"/>
+                          <a:cs typeface="Times New Roman" panose="02020603050405020304" pitchFamily="18" charset="0"/>
+                        </a:rPr>
+                        <a:t>Week 1 :</a:t>
+                      </a:r>
+                      <a:endParaRPr lang="en-IN" sz="2000" dirty="0">
+                        <a:latin typeface="Times New Roman" panose="02020603050405020304" pitchFamily="18" charset="0"/>
+                        <a:cs typeface="Times New Roman" panose="02020603050405020304" pitchFamily="18" charset="0"/>
+                      </a:endParaRPr>
+                    </a:p>
+                  </a:txBody>
+                  <a:tcPr anchor="ctr">
+                    <a:lnL>
+                      <a:noFill/>
+                    </a:lnL>
+                    <a:lnR>
+                      <a:noFill/>
+                    </a:lnR>
+                    <a:lnT>
+                      <a:noFill/>
+                    </a:lnT>
+                    <a:lnB>
+                      <a:noFill/>
+                    </a:lnB>
+                    <a:noFill/>
+                  </a:tcPr>
+                </a:tc>
+                <a:tc>
+                  <a:txBody>
+                    <a:bodyPr/>
+                    <a:lstStyle/>
+                    <a:p>
+                      <a:r>
+                        <a:rPr lang="en-US" sz="2000">
+                          <a:latin typeface="Times New Roman" panose="02020603050405020304" pitchFamily="18" charset="0"/>
+                          <a:cs typeface="Times New Roman" panose="02020603050405020304" pitchFamily="18" charset="0"/>
+                        </a:rPr>
+                        <a:t>Data Collection, Preprocessing &amp; Literature Review</a:t>
+                      </a:r>
+                    </a:p>
+                  </a:txBody>
+                  <a:tcPr anchor="ctr">
+                    <a:lnL>
+                      <a:noFill/>
+                    </a:lnL>
+                    <a:lnR>
+                      <a:noFill/>
+                    </a:lnR>
+                    <a:lnT>
+                      <a:noFill/>
+                    </a:lnT>
+                    <a:lnB>
+                      <a:noFill/>
+                    </a:lnB>
+                    <a:noFill/>
+                  </a:tcPr>
+                </a:tc>
+                <a:extLst>
+                  <a:ext uri="{0D108BD9-81ED-4DB2-BD59-A6C34878D82A}">
+                    <a16:rowId xmlns:a16="http://schemas.microsoft.com/office/drawing/2014/main" val="1356944431"/>
+                  </a:ext>
+                </a:extLst>
+              </a:tr>
+              <a:tr h="787618">
+                <a:tc>
+                  <a:txBody>
+                    <a:bodyPr/>
+                    <a:lstStyle/>
+                    <a:p>
+                      <a:r>
+                        <a:rPr lang="en-IN" sz="2000" b="1" dirty="0">
+                          <a:latin typeface="Times New Roman" panose="02020603050405020304" pitchFamily="18" charset="0"/>
+                          <a:cs typeface="Times New Roman" panose="02020603050405020304" pitchFamily="18" charset="0"/>
+                        </a:rPr>
+                        <a:t>Week 2 :</a:t>
+                      </a:r>
+                      <a:endParaRPr lang="en-IN" sz="2000" dirty="0">
+                        <a:latin typeface="Times New Roman" panose="02020603050405020304" pitchFamily="18" charset="0"/>
+                        <a:cs typeface="Times New Roman" panose="02020603050405020304" pitchFamily="18" charset="0"/>
+                      </a:endParaRPr>
+                    </a:p>
+                  </a:txBody>
+                  <a:tcPr anchor="ctr">
+                    <a:lnL>
+                      <a:noFill/>
+                    </a:lnL>
+                    <a:lnR>
+                      <a:noFill/>
+                    </a:lnR>
+                    <a:lnT>
+                      <a:noFill/>
+                    </a:lnT>
+                    <a:lnB>
+                      <a:noFill/>
+                    </a:lnB>
+                    <a:noFill/>
+                  </a:tcPr>
+                </a:tc>
+                <a:tc>
+                  <a:txBody>
+                    <a:bodyPr/>
+                    <a:lstStyle/>
+                    <a:p>
+                      <a:r>
+                        <a:rPr lang="en-US" sz="2000" dirty="0">
+                          <a:latin typeface="Times New Roman" panose="02020603050405020304" pitchFamily="18" charset="0"/>
+                          <a:cs typeface="Times New Roman" panose="02020603050405020304" pitchFamily="18" charset="0"/>
+                        </a:rPr>
+                        <a:t>Model Selection &amp; Implementation for price prediction</a:t>
+                      </a:r>
+                    </a:p>
+                  </a:txBody>
+                  <a:tcPr anchor="ctr">
+                    <a:lnL>
+                      <a:noFill/>
+                    </a:lnL>
+                    <a:lnR>
+                      <a:noFill/>
+                    </a:lnR>
+                    <a:lnT>
+                      <a:noFill/>
+                    </a:lnT>
+                    <a:lnB>
+                      <a:noFill/>
+                    </a:lnB>
+                    <a:noFill/>
+                  </a:tcPr>
+                </a:tc>
+                <a:extLst>
+                  <a:ext uri="{0D108BD9-81ED-4DB2-BD59-A6C34878D82A}">
+                    <a16:rowId xmlns:a16="http://schemas.microsoft.com/office/drawing/2014/main" val="2968275124"/>
+                  </a:ext>
+                </a:extLst>
+              </a:tr>
+              <a:tr h="724805">
+                <a:tc>
+                  <a:txBody>
+                    <a:bodyPr/>
+                    <a:lstStyle/>
+                    <a:p>
+                      <a:r>
+                        <a:rPr lang="en-IN" sz="2000" b="1" dirty="0">
+                          <a:latin typeface="Times New Roman" panose="02020603050405020304" pitchFamily="18" charset="0"/>
+                          <a:cs typeface="Times New Roman" panose="02020603050405020304" pitchFamily="18" charset="0"/>
+                        </a:rPr>
+                        <a:t>Week 3 :</a:t>
+                      </a:r>
+                      <a:endParaRPr lang="en-IN" sz="2000" dirty="0">
+                        <a:latin typeface="Times New Roman" panose="02020603050405020304" pitchFamily="18" charset="0"/>
+                        <a:cs typeface="Times New Roman" panose="02020603050405020304" pitchFamily="18" charset="0"/>
+                      </a:endParaRPr>
+                    </a:p>
+                  </a:txBody>
+                  <a:tcPr anchor="ctr">
+                    <a:lnL>
+                      <a:noFill/>
+                    </a:lnL>
+                    <a:lnR>
+                      <a:noFill/>
+                    </a:lnR>
+                    <a:lnT>
+                      <a:noFill/>
+                    </a:lnT>
+                    <a:lnB>
+                      <a:noFill/>
+                    </a:lnB>
+                    <a:noFill/>
+                  </a:tcPr>
+                </a:tc>
+                <a:tc>
+                  <a:txBody>
+                    <a:bodyPr/>
+                    <a:lstStyle/>
+                    <a:p>
+                      <a:r>
+                        <a:rPr lang="en-US" sz="2000" dirty="0">
+                          <a:latin typeface="Times New Roman" panose="02020603050405020304" pitchFamily="18" charset="0"/>
+                          <a:cs typeface="Times New Roman" panose="02020603050405020304" pitchFamily="18" charset="0"/>
+                        </a:rPr>
+                        <a:t>Model Optimization &amp; Integration with Decision System</a:t>
+                      </a:r>
+                    </a:p>
+                  </a:txBody>
+                  <a:tcPr anchor="ctr">
+                    <a:lnL>
+                      <a:noFill/>
+                    </a:lnL>
+                    <a:lnR>
+                      <a:noFill/>
+                    </a:lnR>
+                    <a:lnT>
+                      <a:noFill/>
+                    </a:lnT>
+                    <a:lnB>
+                      <a:noFill/>
+                    </a:lnB>
+                    <a:noFill/>
+                  </a:tcPr>
+                </a:tc>
+                <a:extLst>
+                  <a:ext uri="{0D108BD9-81ED-4DB2-BD59-A6C34878D82A}">
+                    <a16:rowId xmlns:a16="http://schemas.microsoft.com/office/drawing/2014/main" val="3275155457"/>
+                  </a:ext>
+                </a:extLst>
+              </a:tr>
+              <a:tr h="724805">
+                <a:tc>
+                  <a:txBody>
+                    <a:bodyPr/>
+                    <a:lstStyle/>
+                    <a:p>
+                      <a:r>
+                        <a:rPr lang="en-IN" sz="2000" b="1" dirty="0">
+                          <a:latin typeface="Times New Roman" panose="02020603050405020304" pitchFamily="18" charset="0"/>
+                          <a:cs typeface="Times New Roman" panose="02020603050405020304" pitchFamily="18" charset="0"/>
+                        </a:rPr>
+                        <a:t>Week 4 :</a:t>
+                      </a:r>
+                      <a:endParaRPr lang="en-IN" sz="2000" dirty="0">
+                        <a:latin typeface="Times New Roman" panose="02020603050405020304" pitchFamily="18" charset="0"/>
+                        <a:cs typeface="Times New Roman" panose="02020603050405020304" pitchFamily="18" charset="0"/>
+                      </a:endParaRPr>
+                    </a:p>
+                  </a:txBody>
+                  <a:tcPr anchor="ctr">
+                    <a:lnL>
+                      <a:noFill/>
+                    </a:lnL>
+                    <a:lnR>
+                      <a:noFill/>
+                    </a:lnR>
+                    <a:lnT>
+                      <a:noFill/>
+                    </a:lnT>
+                    <a:lnB>
+                      <a:noFill/>
+                    </a:lnB>
+                    <a:noFill/>
+                  </a:tcPr>
+                </a:tc>
+                <a:tc>
+                  <a:txBody>
+                    <a:bodyPr/>
+                    <a:lstStyle/>
+                    <a:p>
+                      <a:r>
+                        <a:rPr lang="en-US" sz="2000" dirty="0">
+                          <a:latin typeface="Times New Roman" panose="02020603050405020304" pitchFamily="18" charset="0"/>
+                          <a:cs typeface="Times New Roman" panose="02020603050405020304" pitchFamily="18" charset="0"/>
+                        </a:rPr>
+                        <a:t>Testing, Visualization, and Final Report Preparation</a:t>
+                      </a:r>
+                    </a:p>
+                  </a:txBody>
+                  <a:tcPr anchor="ctr">
+                    <a:lnL>
+                      <a:noFill/>
+                    </a:lnL>
+                    <a:lnR>
+                      <a:noFill/>
+                    </a:lnR>
+                    <a:lnT>
+                      <a:noFill/>
+                    </a:lnT>
+                    <a:lnB>
+                      <a:noFill/>
+                    </a:lnB>
+                    <a:noFill/>
+                  </a:tcPr>
+                </a:tc>
+                <a:extLst>
+                  <a:ext uri="{0D108BD9-81ED-4DB2-BD59-A6C34878D82A}">
+                    <a16:rowId xmlns:a16="http://schemas.microsoft.com/office/drawing/2014/main" val="929637464"/>
+                  </a:ext>
+                </a:extLst>
+              </a:tr>
+            </a:tbl>
+          </a:graphicData>
+        </a:graphic>
+      </p:graphicFrame>
+    </p:spTree>
+    <p:extLst>
+      <p:ext uri="{BB962C8B-B14F-4D97-AF65-F5344CB8AC3E}">
+        <p14:creationId xmlns:p14="http://schemas.microsoft.com/office/powerpoint/2010/main" val="1807407784"/>
+      </p:ext>
+    </p:extLst>
+  </p:cSld>
+  <p:clrMapOvr>
+    <a:masterClrMapping/>
+  </p:clrMapOvr>
+</p:sld>
+</file>
+
+<file path=ppt/slides/slide16.xml><?xml version="1.0" encoding="utf-8"?>
+<p:sld xmlns:a="http://schemas.openxmlformats.org/drawingml/2006/main" xmlns:r="http://schemas.openxmlformats.org/officeDocument/2006/relationships" xmlns:p="http://schemas.openxmlformats.org/presentationml/2006/main">
+  <p:cSld>
+    <p:spTree>
+      <p:nvGrpSpPr>
+        <p:cNvPr id="1" name="">
+          <a:extLst>
+            <a:ext uri="{FF2B5EF4-FFF2-40B4-BE49-F238E27FC236}">
+              <a16:creationId xmlns:a16="http://schemas.microsoft.com/office/drawing/2014/main" id="{6B8BB980-F89D-D551-1B69-C4D15A46B874}"/>
+            </a:ext>
+          </a:extLst>
+        </p:cNvPr>
+        <p:cNvGrpSpPr/>
+        <p:nvPr/>
+      </p:nvGrpSpPr>
+      <p:grpSpPr>
+        <a:xfrm>
+          <a:off x="0" y="0"/>
+          <a:ext cx="0" cy="0"/>
+          <a:chOff x="0" y="0"/>
+          <a:chExt cx="0" cy="0"/>
+        </a:xfrm>
+      </p:grpSpPr>
+      <p:sp>
+        <p:nvSpPr>
+          <p:cNvPr id="6" name="object 2">
+            <a:extLst>
+              <a:ext uri="{FF2B5EF4-FFF2-40B4-BE49-F238E27FC236}">
+                <a16:creationId xmlns:a16="http://schemas.microsoft.com/office/drawing/2014/main" id="{79600CB5-0342-E5C2-5AC2-8260C43A1CC8}"/>
+              </a:ext>
+            </a:extLst>
+          </p:cNvPr>
+          <p:cNvSpPr txBox="1">
+            <a:spLocks noGrp="1"/>
+          </p:cNvSpPr>
+          <p:nvPr>
+            <p:ph type="title"/>
+          </p:nvPr>
+        </p:nvSpPr>
+        <p:spPr>
+          <a:xfrm>
+            <a:off x="993444" y="661769"/>
+            <a:ext cx="4377690" cy="568104"/>
+          </a:xfrm>
+          <a:prstGeom prst="rect">
+            <a:avLst/>
+          </a:prstGeom>
+        </p:spPr>
+        <p:txBody>
+          <a:bodyPr vert="horz" wrap="square" lIns="0" tIns="13970" rIns="0" bIns="0" rtlCol="0">
+            <a:spAutoFit/>
+          </a:bodyPr>
+          <a:lstStyle/>
+          <a:p>
+            <a:pPr marL="12700">
+              <a:lnSpc>
+                <a:spcPct val="100000"/>
+              </a:lnSpc>
+              <a:spcBef>
+                <a:spcPts val="110"/>
+              </a:spcBef>
+            </a:pPr>
+            <a:r>
+              <a:rPr lang="en-IN" sz="3600" b="1" spc="-20" dirty="0">
+                <a:solidFill>
+                  <a:srgbClr val="FF0000"/>
+                </a:solidFill>
+                <a:latin typeface="Times New Roman" panose="02020603050405020304" pitchFamily="18" charset="0"/>
+                <a:cs typeface="Times New Roman" panose="02020603050405020304" pitchFamily="18" charset="0"/>
+              </a:rPr>
+              <a:t>Course Completion</a:t>
+            </a:r>
+            <a:endParaRPr sz="3600" b="1" spc="-20" dirty="0">
+              <a:solidFill>
+                <a:srgbClr val="FF0000"/>
+              </a:solidFill>
+              <a:latin typeface="Times New Roman" panose="02020603050405020304" pitchFamily="18" charset="0"/>
+              <a:cs typeface="Times New Roman" panose="02020603050405020304" pitchFamily="18" charset="0"/>
+            </a:endParaRPr>
+          </a:p>
+        </p:txBody>
+      </p:sp>
+      <p:graphicFrame>
+        <p:nvGraphicFramePr>
+          <p:cNvPr id="3" name="Table 2">
+            <a:extLst>
+              <a:ext uri="{FF2B5EF4-FFF2-40B4-BE49-F238E27FC236}">
+                <a16:creationId xmlns:a16="http://schemas.microsoft.com/office/drawing/2014/main" id="{012FE8EC-9DEE-2872-6DE0-7E2CE7D5B16F}"/>
+              </a:ext>
+            </a:extLst>
+          </p:cNvPr>
+          <p:cNvGraphicFramePr>
+            <a:graphicFrameLocks noGrp="1"/>
+          </p:cNvGraphicFramePr>
+          <p:nvPr/>
         </p:nvGraphicFramePr>
         <p:xfrm>
           <a:off x="1397000" y="1776424"/>
@@ -6555,13 +8448,6 @@
                     <a:bodyPr/>
                     <a:lstStyle/>
                     <a:p>
-                      <a:r>
-                        <a:rPr lang="en-IN" sz="2400" b="1" dirty="0">
-                          <a:latin typeface="Times New Roman" panose="02020603050405020304" pitchFamily="18" charset="0"/>
-                          <a:cs typeface="Times New Roman" panose="02020603050405020304" pitchFamily="18" charset="0"/>
-                        </a:rPr>
-                        <a:t>Week 1 :</a:t>
-                      </a:r>
                       <a:endParaRPr lang="en-IN" sz="2400" dirty="0">
                         <a:latin typeface="Times New Roman" panose="02020603050405020304" pitchFamily="18" charset="0"/>
                         <a:cs typeface="Times New Roman" panose="02020603050405020304" pitchFamily="18" charset="0"/>
@@ -6589,13 +8475,10 @@
                     <a:bodyPr/>
                     <a:lstStyle/>
                     <a:p>
-                      <a:r>
-                        <a:rPr lang="en-US" sz="2400">
-                          <a:latin typeface="Times New Roman" panose="02020603050405020304" pitchFamily="18" charset="0"/>
-                          <a:cs typeface="Times New Roman" panose="02020603050405020304" pitchFamily="18" charset="0"/>
-                        </a:rPr>
-                        <a:t>Data Collection, Preprocessing &amp; Literature Review</a:t>
-                      </a:r>
+                      <a:endParaRPr lang="en-US" sz="2400">
+                        <a:latin typeface="Times New Roman" panose="02020603050405020304" pitchFamily="18" charset="0"/>
+                        <a:cs typeface="Times New Roman" panose="02020603050405020304" pitchFamily="18" charset="0"/>
+                      </a:endParaRPr>
                     </a:p>
                   </a:txBody>
                   <a:tcPr anchor="ctr">
@@ -6626,13 +8509,6 @@
                     <a:bodyPr/>
                     <a:lstStyle/>
                     <a:p>
-                      <a:r>
-                        <a:rPr lang="en-IN" sz="2400" b="1" dirty="0">
-                          <a:latin typeface="Times New Roman" panose="02020603050405020304" pitchFamily="18" charset="0"/>
-                          <a:cs typeface="Times New Roman" panose="02020603050405020304" pitchFamily="18" charset="0"/>
-                        </a:rPr>
-                        <a:t>Week 2 :</a:t>
-                      </a:r>
                       <a:endParaRPr lang="en-IN" sz="2400" dirty="0">
                         <a:latin typeface="Times New Roman" panose="02020603050405020304" pitchFamily="18" charset="0"/>
                         <a:cs typeface="Times New Roman" panose="02020603050405020304" pitchFamily="18" charset="0"/>
@@ -6660,13 +8536,10 @@
                     <a:bodyPr/>
                     <a:lstStyle/>
                     <a:p>
-                      <a:r>
-                        <a:rPr lang="en-US" sz="2400" dirty="0">
-                          <a:latin typeface="Times New Roman" panose="02020603050405020304" pitchFamily="18" charset="0"/>
-                          <a:cs typeface="Times New Roman" panose="02020603050405020304" pitchFamily="18" charset="0"/>
-                        </a:rPr>
-                        <a:t>Model Selection &amp; Implementation for price prediction</a:t>
-                      </a:r>
+                      <a:endParaRPr lang="en-US" sz="2400" dirty="0">
+                        <a:latin typeface="Times New Roman" panose="02020603050405020304" pitchFamily="18" charset="0"/>
+                        <a:cs typeface="Times New Roman" panose="02020603050405020304" pitchFamily="18" charset="0"/>
+                      </a:endParaRPr>
                     </a:p>
                   </a:txBody>
                   <a:tcPr anchor="ctr">
@@ -6697,13 +8570,6 @@
                     <a:bodyPr/>
                     <a:lstStyle/>
                     <a:p>
-                      <a:r>
-                        <a:rPr lang="en-IN" sz="2400" b="1" dirty="0">
-                          <a:latin typeface="Times New Roman" panose="02020603050405020304" pitchFamily="18" charset="0"/>
-                          <a:cs typeface="Times New Roman" panose="02020603050405020304" pitchFamily="18" charset="0"/>
-                        </a:rPr>
-                        <a:t>Week 3 :</a:t>
-                      </a:r>
                       <a:endParaRPr lang="en-IN" sz="2400" dirty="0">
                         <a:latin typeface="Times New Roman" panose="02020603050405020304" pitchFamily="18" charset="0"/>
                         <a:cs typeface="Times New Roman" panose="02020603050405020304" pitchFamily="18" charset="0"/>
@@ -6731,13 +8597,10 @@
                     <a:bodyPr/>
                     <a:lstStyle/>
                     <a:p>
-                      <a:r>
-                        <a:rPr lang="en-US" sz="2400" dirty="0">
-                          <a:latin typeface="Times New Roman" panose="02020603050405020304" pitchFamily="18" charset="0"/>
-                          <a:cs typeface="Times New Roman" panose="02020603050405020304" pitchFamily="18" charset="0"/>
-                        </a:rPr>
-                        <a:t>Model Optimization &amp; Integration with Decision System</a:t>
-                      </a:r>
+                      <a:endParaRPr lang="en-US" sz="2400" dirty="0">
+                        <a:latin typeface="Times New Roman" panose="02020603050405020304" pitchFamily="18" charset="0"/>
+                        <a:cs typeface="Times New Roman" panose="02020603050405020304" pitchFamily="18" charset="0"/>
+                      </a:endParaRPr>
                     </a:p>
                   </a:txBody>
                   <a:tcPr anchor="ctr">
@@ -6768,13 +8631,6 @@
                     <a:bodyPr/>
                     <a:lstStyle/>
                     <a:p>
-                      <a:r>
-                        <a:rPr lang="en-IN" sz="2400" b="1" dirty="0">
-                          <a:latin typeface="Times New Roman" panose="02020603050405020304" pitchFamily="18" charset="0"/>
-                          <a:cs typeface="Times New Roman" panose="02020603050405020304" pitchFamily="18" charset="0"/>
-                        </a:rPr>
-                        <a:t>Week 4 :</a:t>
-                      </a:r>
                       <a:endParaRPr lang="en-IN" sz="2400" dirty="0">
                         <a:latin typeface="Times New Roman" panose="02020603050405020304" pitchFamily="18" charset="0"/>
                         <a:cs typeface="Times New Roman" panose="02020603050405020304" pitchFamily="18" charset="0"/>
@@ -6802,13 +8658,10 @@
                     <a:bodyPr/>
                     <a:lstStyle/>
                     <a:p>
-                      <a:r>
-                        <a:rPr lang="en-US" sz="2400" dirty="0">
-                          <a:latin typeface="Times New Roman" panose="02020603050405020304" pitchFamily="18" charset="0"/>
-                          <a:cs typeface="Times New Roman" panose="02020603050405020304" pitchFamily="18" charset="0"/>
-                        </a:rPr>
-                        <a:t>Testing, Visualization, and Final Report Preparation</a:t>
-                      </a:r>
+                      <a:endParaRPr lang="en-US" sz="2400" dirty="0">
+                        <a:latin typeface="Times New Roman" panose="02020603050405020304" pitchFamily="18" charset="0"/>
+                        <a:cs typeface="Times New Roman" panose="02020603050405020304" pitchFamily="18" charset="0"/>
+                      </a:endParaRPr>
                     </a:p>
                   </a:txBody>
                   <a:tcPr anchor="ctr">
@@ -6837,10 +8690,503 @@
           </a:graphicData>
         </a:graphic>
       </p:graphicFrame>
+      <p:graphicFrame>
+        <p:nvGraphicFramePr>
+          <p:cNvPr id="2" name="Table 1">
+            <a:extLst>
+              <a:ext uri="{FF2B5EF4-FFF2-40B4-BE49-F238E27FC236}">
+                <a16:creationId xmlns:a16="http://schemas.microsoft.com/office/drawing/2014/main" id="{A29A18C7-39AF-40B3-5BAD-6AFB7B2CBF51}"/>
+              </a:ext>
+            </a:extLst>
+          </p:cNvPr>
+          <p:cNvGraphicFramePr>
+            <a:graphicFrameLocks noGrp="1"/>
+          </p:cNvGraphicFramePr>
+          <p:nvPr>
+            <p:extLst>
+              <p:ext uri="{D42A27DB-BD31-4B8C-83A1-F6EECF244321}">
+                <p14:modId xmlns:p14="http://schemas.microsoft.com/office/powerpoint/2010/main" val="2734859840"/>
+              </p:ext>
+            </p:extLst>
+          </p:nvPr>
+        </p:nvGraphicFramePr>
+        <p:xfrm>
+          <a:off x="1405813" y="1982236"/>
+          <a:ext cx="9389187" cy="3452436"/>
+        </p:xfrm>
+        <a:graphic>
+          <a:graphicData uri="http://schemas.openxmlformats.org/drawingml/2006/table">
+            <a:tbl>
+              <a:tblPr firstRow="1" bandRow="1">
+                <a:tableStyleId>{7DF18680-E054-41AD-8BC1-D1AEF772440D}</a:tableStyleId>
+              </a:tblPr>
+              <a:tblGrid>
+                <a:gridCol w="2346885">
+                  <a:extLst>
+                    <a:ext uri="{9D8B030D-6E8A-4147-A177-3AD203B41FA5}">
+                      <a16:colId xmlns:a16="http://schemas.microsoft.com/office/drawing/2014/main" val="390952812"/>
+                    </a:ext>
+                  </a:extLst>
+                </a:gridCol>
+                <a:gridCol w="3194751">
+                  <a:extLst>
+                    <a:ext uri="{9D8B030D-6E8A-4147-A177-3AD203B41FA5}">
+                      <a16:colId xmlns:a16="http://schemas.microsoft.com/office/drawing/2014/main" val="2699788972"/>
+                    </a:ext>
+                  </a:extLst>
+                </a:gridCol>
+                <a:gridCol w="1948503">
+                  <a:extLst>
+                    <a:ext uri="{9D8B030D-6E8A-4147-A177-3AD203B41FA5}">
+                      <a16:colId xmlns:a16="http://schemas.microsoft.com/office/drawing/2014/main" val="3070996017"/>
+                    </a:ext>
+                  </a:extLst>
+                </a:gridCol>
+                <a:gridCol w="1899048">
+                  <a:extLst>
+                    <a:ext uri="{9D8B030D-6E8A-4147-A177-3AD203B41FA5}">
+                      <a16:colId xmlns:a16="http://schemas.microsoft.com/office/drawing/2014/main" val="3558648283"/>
+                    </a:ext>
+                  </a:extLst>
+                </a:gridCol>
+              </a:tblGrid>
+              <a:tr h="419883">
+                <a:tc>
+                  <a:txBody>
+                    <a:bodyPr/>
+                    <a:lstStyle/>
+                    <a:p>
+                      <a:r>
+                        <a:rPr lang="en-IN" sz="2000" dirty="0">
+                          <a:latin typeface="Times New Roman" panose="02020603050405020304" pitchFamily="18" charset="0"/>
+                          <a:cs typeface="Times New Roman" panose="02020603050405020304" pitchFamily="18" charset="0"/>
+                        </a:rPr>
+                        <a:t> Student Name </a:t>
+                      </a:r>
+                    </a:p>
+                  </a:txBody>
+                  <a:tcPr/>
+                </a:tc>
+                <a:tc>
+                  <a:txBody>
+                    <a:bodyPr/>
+                    <a:lstStyle/>
+                    <a:p>
+                      <a:r>
+                        <a:rPr lang="en-IN" sz="2000" dirty="0">
+                          <a:latin typeface="Times New Roman" panose="02020603050405020304" pitchFamily="18" charset="0"/>
+                          <a:cs typeface="Times New Roman" panose="02020603050405020304" pitchFamily="18" charset="0"/>
+                        </a:rPr>
+                        <a:t>Course Title</a:t>
+                      </a:r>
+                    </a:p>
+                  </a:txBody>
+                  <a:tcPr/>
+                </a:tc>
+                <a:tc>
+                  <a:txBody>
+                    <a:bodyPr/>
+                    <a:lstStyle/>
+                    <a:p>
+                      <a:r>
+                        <a:rPr lang="en-IN" sz="2000" dirty="0" err="1">
+                          <a:latin typeface="Times New Roman" panose="02020603050405020304" pitchFamily="18" charset="0"/>
+                          <a:cs typeface="Times New Roman" panose="02020603050405020304" pitchFamily="18" charset="0"/>
+                        </a:rPr>
+                        <a:t>Plateform</a:t>
+                      </a:r>
+                      <a:endParaRPr lang="en-IN" sz="2000" dirty="0">
+                        <a:latin typeface="Times New Roman" panose="02020603050405020304" pitchFamily="18" charset="0"/>
+                        <a:cs typeface="Times New Roman" panose="02020603050405020304" pitchFamily="18" charset="0"/>
+                      </a:endParaRPr>
+                    </a:p>
+                  </a:txBody>
+                  <a:tcPr/>
+                </a:tc>
+                <a:tc>
+                  <a:txBody>
+                    <a:bodyPr/>
+                    <a:lstStyle/>
+                    <a:p>
+                      <a:r>
+                        <a:rPr lang="en-IN" sz="2000" dirty="0">
+                          <a:latin typeface="Times New Roman" panose="02020603050405020304" pitchFamily="18" charset="0"/>
+                          <a:cs typeface="Times New Roman" panose="02020603050405020304" pitchFamily="18" charset="0"/>
+                        </a:rPr>
+                        <a:t>Status </a:t>
+                      </a:r>
+                    </a:p>
+                  </a:txBody>
+                  <a:tcPr/>
+                </a:tc>
+                <a:extLst>
+                  <a:ext uri="{0D108BD9-81ED-4DB2-BD59-A6C34878D82A}">
+                    <a16:rowId xmlns:a16="http://schemas.microsoft.com/office/drawing/2014/main" val="2654899856"/>
+                  </a:ext>
+                </a:extLst>
+              </a:tr>
+              <a:tr h="918671">
+                <a:tc>
+                  <a:txBody>
+                    <a:bodyPr/>
+                    <a:lstStyle/>
+                    <a:p>
+                      <a:r>
+                        <a:rPr lang="en-IN" sz="2000" dirty="0">
+                          <a:latin typeface="Times New Roman" panose="02020603050405020304" pitchFamily="18" charset="0"/>
+                          <a:cs typeface="Times New Roman" panose="02020603050405020304" pitchFamily="18" charset="0"/>
+                        </a:rPr>
+                        <a:t>Sharanya T</a:t>
+                      </a:r>
+                    </a:p>
+                  </a:txBody>
+                  <a:tcPr/>
+                </a:tc>
+                <a:tc>
+                  <a:txBody>
+                    <a:bodyPr/>
+                    <a:lstStyle/>
+                    <a:p>
+                      <a:r>
+                        <a:rPr lang="en-IN" sz="2000" dirty="0">
+                          <a:latin typeface="Times New Roman" panose="02020603050405020304" pitchFamily="18" charset="0"/>
+                          <a:cs typeface="Times New Roman" panose="02020603050405020304" pitchFamily="18" charset="0"/>
+                        </a:rPr>
+                        <a:t>Machine Learning &amp; AI</a:t>
+                      </a:r>
+                    </a:p>
+                  </a:txBody>
+                  <a:tcPr/>
+                </a:tc>
+                <a:tc>
+                  <a:txBody>
+                    <a:bodyPr/>
+                    <a:lstStyle/>
+                    <a:p>
+                      <a:r>
+                        <a:rPr lang="en-IN" sz="2000" dirty="0" err="1">
+                          <a:latin typeface="Times New Roman" panose="02020603050405020304" pitchFamily="18" charset="0"/>
+                          <a:cs typeface="Times New Roman" panose="02020603050405020304" pitchFamily="18" charset="0"/>
+                        </a:rPr>
+                        <a:t>PrepInsta</a:t>
+                      </a:r>
+                      <a:r>
+                        <a:rPr lang="en-IN" sz="2000" dirty="0">
+                          <a:latin typeface="Times New Roman" panose="02020603050405020304" pitchFamily="18" charset="0"/>
+                          <a:cs typeface="Times New Roman" panose="02020603050405020304" pitchFamily="18" charset="0"/>
+                        </a:rPr>
+                        <a:t> Prime</a:t>
+                      </a:r>
+                    </a:p>
+                  </a:txBody>
+                  <a:tcPr/>
+                </a:tc>
+                <a:tc>
+                  <a:txBody>
+                    <a:bodyPr/>
+                    <a:lstStyle/>
+                    <a:p>
+                      <a:r>
+                        <a:rPr lang="en-IN" sz="2000" dirty="0">
+                          <a:latin typeface="Times New Roman" panose="02020603050405020304" pitchFamily="18" charset="0"/>
+                          <a:cs typeface="Times New Roman" panose="02020603050405020304" pitchFamily="18" charset="0"/>
+                        </a:rPr>
+                        <a:t>70% completed</a:t>
+                      </a:r>
+                    </a:p>
+                  </a:txBody>
+                  <a:tcPr/>
+                </a:tc>
+                <a:extLst>
+                  <a:ext uri="{0D108BD9-81ED-4DB2-BD59-A6C34878D82A}">
+                    <a16:rowId xmlns:a16="http://schemas.microsoft.com/office/drawing/2014/main" val="1216402435"/>
+                  </a:ext>
+                </a:extLst>
+              </a:tr>
+              <a:tr h="912543">
+                <a:tc>
+                  <a:txBody>
+                    <a:bodyPr/>
+                    <a:lstStyle/>
+                    <a:p>
+                      <a:r>
+                        <a:rPr lang="en-IN" sz="2000" dirty="0">
+                          <a:latin typeface="Times New Roman" panose="02020603050405020304" pitchFamily="18" charset="0"/>
+                          <a:cs typeface="Times New Roman" panose="02020603050405020304" pitchFamily="18" charset="0"/>
+                        </a:rPr>
+                        <a:t>Santhosh S</a:t>
+                      </a:r>
+                    </a:p>
+                  </a:txBody>
+                  <a:tcPr/>
+                </a:tc>
+                <a:tc>
+                  <a:txBody>
+                    <a:bodyPr/>
+                    <a:lstStyle/>
+                    <a:p>
+                      <a:pPr marL="0" marR="0" lvl="0" indent="0" algn="l" defTabSz="914400" rtl="0" eaLnBrk="1" fontAlgn="auto" latinLnBrk="0" hangingPunct="1">
+                        <a:lnSpc>
+                          <a:spcPct val="100000"/>
+                        </a:lnSpc>
+                        <a:spcBef>
+                          <a:spcPts val="0"/>
+                        </a:spcBef>
+                        <a:spcAft>
+                          <a:spcPts val="0"/>
+                        </a:spcAft>
+                        <a:buClrTx/>
+                        <a:buSzTx/>
+                        <a:buFontTx/>
+                        <a:buNone/>
+                        <a:tabLst/>
+                        <a:defRPr/>
+                      </a:pPr>
+                      <a:r>
+                        <a:rPr lang="en-IN" sz="2000" dirty="0">
+                          <a:latin typeface="Times New Roman" panose="02020603050405020304" pitchFamily="18" charset="0"/>
+                          <a:cs typeface="Times New Roman" panose="02020603050405020304" pitchFamily="18" charset="0"/>
+                        </a:rPr>
+                        <a:t>Machine Learning &amp; AI</a:t>
+                      </a:r>
+                    </a:p>
+                    <a:p>
+                      <a:endParaRPr lang="en-IN" sz="2000" dirty="0">
+                        <a:latin typeface="Times New Roman" panose="02020603050405020304" pitchFamily="18" charset="0"/>
+                        <a:cs typeface="Times New Roman" panose="02020603050405020304" pitchFamily="18" charset="0"/>
+                      </a:endParaRPr>
+                    </a:p>
+                  </a:txBody>
+                  <a:tcPr/>
+                </a:tc>
+                <a:tc>
+                  <a:txBody>
+                    <a:bodyPr/>
+                    <a:lstStyle/>
+                    <a:p>
+                      <a:pPr marL="0" marR="0" lvl="0" indent="0" algn="l" defTabSz="914400" rtl="0" eaLnBrk="1" fontAlgn="auto" latinLnBrk="0" hangingPunct="1">
+                        <a:lnSpc>
+                          <a:spcPct val="100000"/>
+                        </a:lnSpc>
+                        <a:spcBef>
+                          <a:spcPts val="0"/>
+                        </a:spcBef>
+                        <a:spcAft>
+                          <a:spcPts val="0"/>
+                        </a:spcAft>
+                        <a:buClrTx/>
+                        <a:buSzTx/>
+                        <a:buFontTx/>
+                        <a:buNone/>
+                        <a:tabLst/>
+                        <a:defRPr/>
+                      </a:pPr>
+                      <a:r>
+                        <a:rPr lang="en-IN" sz="2000" dirty="0" err="1">
+                          <a:latin typeface="Times New Roman" panose="02020603050405020304" pitchFamily="18" charset="0"/>
+                          <a:cs typeface="Times New Roman" panose="02020603050405020304" pitchFamily="18" charset="0"/>
+                        </a:rPr>
+                        <a:t>PrepInsta</a:t>
+                      </a:r>
+                      <a:r>
+                        <a:rPr lang="en-IN" sz="2000" dirty="0">
+                          <a:latin typeface="Times New Roman" panose="02020603050405020304" pitchFamily="18" charset="0"/>
+                          <a:cs typeface="Times New Roman" panose="02020603050405020304" pitchFamily="18" charset="0"/>
+                        </a:rPr>
+                        <a:t> Prime</a:t>
+                      </a:r>
+                    </a:p>
+                    <a:p>
+                      <a:endParaRPr lang="en-IN" sz="2000" dirty="0">
+                        <a:latin typeface="Times New Roman" panose="02020603050405020304" pitchFamily="18" charset="0"/>
+                        <a:cs typeface="Times New Roman" panose="02020603050405020304" pitchFamily="18" charset="0"/>
+                      </a:endParaRPr>
+                    </a:p>
+                  </a:txBody>
+                  <a:tcPr/>
+                </a:tc>
+                <a:tc>
+                  <a:txBody>
+                    <a:bodyPr/>
+                    <a:lstStyle/>
+                    <a:p>
+                      <a:pPr marL="0" marR="0" lvl="0" indent="0" algn="l" defTabSz="914400" rtl="0" eaLnBrk="1" fontAlgn="auto" latinLnBrk="0" hangingPunct="1">
+                        <a:lnSpc>
+                          <a:spcPct val="100000"/>
+                        </a:lnSpc>
+                        <a:spcBef>
+                          <a:spcPts val="0"/>
+                        </a:spcBef>
+                        <a:spcAft>
+                          <a:spcPts val="0"/>
+                        </a:spcAft>
+                        <a:buClrTx/>
+                        <a:buSzTx/>
+                        <a:buFontTx/>
+                        <a:buNone/>
+                        <a:tabLst/>
+                        <a:defRPr/>
+                      </a:pPr>
+                      <a:r>
+                        <a:rPr lang="en-IN" sz="2000" dirty="0">
+                          <a:latin typeface="Times New Roman" panose="02020603050405020304" pitchFamily="18" charset="0"/>
+                          <a:cs typeface="Times New Roman" panose="02020603050405020304" pitchFamily="18" charset="0"/>
+                        </a:rPr>
+                        <a:t>70% completed</a:t>
+                      </a:r>
+                    </a:p>
+                    <a:p>
+                      <a:endParaRPr lang="en-IN" sz="2000" dirty="0">
+                        <a:latin typeface="Times New Roman" panose="02020603050405020304" pitchFamily="18" charset="0"/>
+                        <a:cs typeface="Times New Roman" panose="02020603050405020304" pitchFamily="18" charset="0"/>
+                      </a:endParaRPr>
+                    </a:p>
+                  </a:txBody>
+                  <a:tcPr/>
+                </a:tc>
+                <a:extLst>
+                  <a:ext uri="{0D108BD9-81ED-4DB2-BD59-A6C34878D82A}">
+                    <a16:rowId xmlns:a16="http://schemas.microsoft.com/office/drawing/2014/main" val="1542107166"/>
+                  </a:ext>
+                </a:extLst>
+              </a:tr>
+              <a:tr h="1201339">
+                <a:tc>
+                  <a:txBody>
+                    <a:bodyPr/>
+                    <a:lstStyle/>
+                    <a:p>
+                      <a:r>
+                        <a:rPr lang="en-IN" sz="2000" dirty="0">
+                          <a:latin typeface="Times New Roman" panose="02020603050405020304" pitchFamily="18" charset="0"/>
+                          <a:cs typeface="Times New Roman" panose="02020603050405020304" pitchFamily="18" charset="0"/>
+                        </a:rPr>
+                        <a:t>Aashif Shadin K N</a:t>
+                      </a:r>
+                    </a:p>
+                  </a:txBody>
+                  <a:tcPr/>
+                </a:tc>
+                <a:tc>
+                  <a:txBody>
+                    <a:bodyPr/>
+                    <a:lstStyle/>
+                    <a:p>
+                      <a:pPr marL="0" marR="0" lvl="0" indent="0" algn="l" defTabSz="914400" rtl="0" eaLnBrk="1" fontAlgn="auto" latinLnBrk="0" hangingPunct="1">
+                        <a:lnSpc>
+                          <a:spcPct val="100000"/>
+                        </a:lnSpc>
+                        <a:spcBef>
+                          <a:spcPts val="0"/>
+                        </a:spcBef>
+                        <a:spcAft>
+                          <a:spcPts val="0"/>
+                        </a:spcAft>
+                        <a:buClrTx/>
+                        <a:buSzTx/>
+                        <a:buFontTx/>
+                        <a:buNone/>
+                        <a:tabLst/>
+                        <a:defRPr/>
+                      </a:pPr>
+                      <a:r>
+                        <a:rPr lang="en-IN" sz="2000" dirty="0">
+                          <a:latin typeface="Times New Roman" panose="02020603050405020304" pitchFamily="18" charset="0"/>
+                          <a:cs typeface="Times New Roman" panose="02020603050405020304" pitchFamily="18" charset="0"/>
+                        </a:rPr>
+                        <a:t>Machine Learning &amp; AI</a:t>
+                      </a:r>
+                    </a:p>
+                  </a:txBody>
+                  <a:tcPr/>
+                </a:tc>
+                <a:tc>
+                  <a:txBody>
+                    <a:bodyPr/>
+                    <a:lstStyle/>
+                    <a:p>
+                      <a:pPr marL="0" marR="0" lvl="0" indent="0" algn="l" defTabSz="914400" rtl="0" eaLnBrk="1" fontAlgn="auto" latinLnBrk="0" hangingPunct="1">
+                        <a:lnSpc>
+                          <a:spcPct val="100000"/>
+                        </a:lnSpc>
+                        <a:spcBef>
+                          <a:spcPts val="0"/>
+                        </a:spcBef>
+                        <a:spcAft>
+                          <a:spcPts val="0"/>
+                        </a:spcAft>
+                        <a:buClrTx/>
+                        <a:buSzTx/>
+                        <a:buFontTx/>
+                        <a:buNone/>
+                        <a:tabLst/>
+                        <a:defRPr/>
+                      </a:pPr>
+                      <a:r>
+                        <a:rPr lang="en-IN" sz="2000" dirty="0" err="1">
+                          <a:latin typeface="Times New Roman" panose="02020603050405020304" pitchFamily="18" charset="0"/>
+                          <a:cs typeface="Times New Roman" panose="02020603050405020304" pitchFamily="18" charset="0"/>
+                        </a:rPr>
+                        <a:t>PrepInsta</a:t>
+                      </a:r>
+                      <a:r>
+                        <a:rPr lang="en-IN" sz="2000" dirty="0">
+                          <a:latin typeface="Times New Roman" panose="02020603050405020304" pitchFamily="18" charset="0"/>
+                          <a:cs typeface="Times New Roman" panose="02020603050405020304" pitchFamily="18" charset="0"/>
+                        </a:rPr>
+                        <a:t> Prime</a:t>
+                      </a:r>
+                    </a:p>
+                  </a:txBody>
+                  <a:tcPr/>
+                </a:tc>
+                <a:tc>
+                  <a:txBody>
+                    <a:bodyPr/>
+                    <a:lstStyle/>
+                    <a:p>
+                      <a:pPr marL="0" marR="0" lvl="0" indent="0" algn="l" defTabSz="914400" rtl="0" eaLnBrk="1" fontAlgn="auto" latinLnBrk="0" hangingPunct="1">
+                        <a:lnSpc>
+                          <a:spcPct val="100000"/>
+                        </a:lnSpc>
+                        <a:spcBef>
+                          <a:spcPts val="0"/>
+                        </a:spcBef>
+                        <a:spcAft>
+                          <a:spcPts val="0"/>
+                        </a:spcAft>
+                        <a:buClrTx/>
+                        <a:buSzTx/>
+                        <a:buFontTx/>
+                        <a:buNone/>
+                        <a:tabLst/>
+                        <a:defRPr/>
+                      </a:pPr>
+                      <a:r>
+                        <a:rPr lang="en-IN" sz="2000" dirty="0">
+                          <a:latin typeface="Times New Roman" panose="02020603050405020304" pitchFamily="18" charset="0"/>
+                          <a:cs typeface="Times New Roman" panose="02020603050405020304" pitchFamily="18" charset="0"/>
+                        </a:rPr>
+                        <a:t>70% completed</a:t>
+                      </a:r>
+                    </a:p>
+                  </a:txBody>
+                  <a:tcPr/>
+                </a:tc>
+                <a:extLst>
+                  <a:ext uri="{0D108BD9-81ED-4DB2-BD59-A6C34878D82A}">
+                    <a16:rowId xmlns:a16="http://schemas.microsoft.com/office/drawing/2014/main" val="840343608"/>
+                  </a:ext>
+                </a:extLst>
+              </a:tr>
+            </a:tbl>
+          </a:graphicData>
+        </a:graphic>
+      </p:graphicFrame>
     </p:spTree>
     <p:extLst>
       <p:ext uri="{BB962C8B-B14F-4D97-AF65-F5344CB8AC3E}">
-        <p14:creationId xmlns:p14="http://schemas.microsoft.com/office/powerpoint/2010/main" val="1807407784"/>
+        <p14:creationId xmlns:p14="http://schemas.microsoft.com/office/powerpoint/2010/main" val="4051836999"/>
       </p:ext>
     </p:extLst>
   </p:cSld>
@@ -6850,7 +9196,7 @@
 </p:sld>
 </file>
 
-<file path=ppt/slides/slide15.xml><?xml version="1.0" encoding="utf-8"?>
+<file path=ppt/slides/slide17.xml><?xml version="1.0" encoding="utf-8"?>
 <p:sld xmlns:a="http://schemas.openxmlformats.org/drawingml/2006/main" xmlns:r="http://schemas.openxmlformats.org/officeDocument/2006/relationships" xmlns:p="http://schemas.openxmlformats.org/presentationml/2006/main">
   <p:cSld>
     <p:spTree>
@@ -7211,8 +9557,8 @@
         </p:nvSpPr>
         <p:spPr>
           <a:xfrm>
-            <a:off x="841044" y="1450886"/>
-            <a:ext cx="6455868" cy="4088299"/>
+            <a:off x="1051356" y="1450886"/>
+            <a:ext cx="6455868" cy="4279185"/>
           </a:xfrm>
           <a:prstGeom prst="rect">
             <a:avLst/>
@@ -7226,7 +9572,7 @@
           <a:p>
             <a:pPr marL="356870" indent="-344805">
               <a:lnSpc>
-                <a:spcPct val="100000"/>
+                <a:spcPct val="150000"/>
               </a:lnSpc>
               <a:spcBef>
                 <a:spcPts val="700"/>
@@ -7240,7 +9586,7 @@
               </a:tabLst>
             </a:pPr>
             <a:r>
-              <a:rPr lang="en-US" sz="2800" dirty="0">
+              <a:rPr lang="en-US" sz="2000" dirty="0">
                 <a:latin typeface="Times New Roman" pitchFamily="18" charset="0"/>
                 <a:cs typeface="Times New Roman" pitchFamily="18" charset="0"/>
               </a:rPr>
@@ -7250,7 +9596,7 @@
           <a:p>
             <a:pPr marL="356870" indent="-344805">
               <a:lnSpc>
-                <a:spcPct val="100000"/>
+                <a:spcPct val="150000"/>
               </a:lnSpc>
               <a:spcBef>
                 <a:spcPts val="700"/>
@@ -7264,27 +9610,27 @@
               </a:tabLst>
             </a:pPr>
             <a:r>
-              <a:rPr sz="2800" dirty="0">
+              <a:rPr sz="2000" dirty="0">
                 <a:latin typeface="Times New Roman" pitchFamily="18" charset="0"/>
                 <a:cs typeface="Times New Roman" pitchFamily="18" charset="0"/>
               </a:rPr>
               <a:t>Problem</a:t>
             </a:r>
             <a:r>
-              <a:rPr sz="2800" spc="-65" dirty="0">
+              <a:rPr sz="2000" spc="-65" dirty="0">
                 <a:latin typeface="Times New Roman" pitchFamily="18" charset="0"/>
                 <a:cs typeface="Times New Roman" pitchFamily="18" charset="0"/>
               </a:rPr>
               <a:t> </a:t>
             </a:r>
             <a:r>
-              <a:rPr sz="2800" spc="-10" dirty="0">
+              <a:rPr sz="2000" spc="-10" dirty="0">
                 <a:latin typeface="Times New Roman" pitchFamily="18" charset="0"/>
                 <a:cs typeface="Times New Roman" pitchFamily="18" charset="0"/>
               </a:rPr>
               <a:t>Statement</a:t>
             </a:r>
-            <a:endParaRPr sz="2800" dirty="0">
+            <a:endParaRPr sz="2000" dirty="0">
               <a:latin typeface="Times New Roman" pitchFamily="18" charset="0"/>
               <a:cs typeface="Times New Roman" pitchFamily="18" charset="0"/>
             </a:endParaRPr>
@@ -7292,7 +9638,7 @@
           <a:p>
             <a:pPr marL="356870" indent="-344805">
               <a:lnSpc>
-                <a:spcPct val="100000"/>
+                <a:spcPct val="150000"/>
               </a:lnSpc>
               <a:spcBef>
                 <a:spcPts val="605"/>
@@ -7306,55 +9652,55 @@
               </a:tabLst>
             </a:pPr>
             <a:r>
-              <a:rPr sz="2800" dirty="0">
+              <a:rPr sz="2000" dirty="0">
                 <a:latin typeface="Times New Roman" pitchFamily="18" charset="0"/>
                 <a:cs typeface="Times New Roman" pitchFamily="18" charset="0"/>
               </a:rPr>
               <a:t>Literature</a:t>
             </a:r>
             <a:r>
-              <a:rPr sz="2800" spc="-70" dirty="0">
+              <a:rPr sz="2000" spc="-70" dirty="0">
                 <a:latin typeface="Times New Roman" pitchFamily="18" charset="0"/>
                 <a:cs typeface="Times New Roman" pitchFamily="18" charset="0"/>
               </a:rPr>
               <a:t> </a:t>
             </a:r>
             <a:r>
-              <a:rPr sz="2800" dirty="0">
+              <a:rPr sz="2000" dirty="0">
                 <a:latin typeface="Times New Roman" pitchFamily="18" charset="0"/>
                 <a:cs typeface="Times New Roman" pitchFamily="18" charset="0"/>
               </a:rPr>
               <a:t>Identified</a:t>
             </a:r>
             <a:r>
-              <a:rPr sz="2800" spc="-70" dirty="0">
+              <a:rPr sz="2000" spc="-70" dirty="0">
                 <a:latin typeface="Times New Roman" pitchFamily="18" charset="0"/>
                 <a:cs typeface="Times New Roman" pitchFamily="18" charset="0"/>
               </a:rPr>
               <a:t> </a:t>
             </a:r>
             <a:r>
-              <a:rPr sz="2800" dirty="0">
+              <a:rPr sz="2000" dirty="0">
                 <a:latin typeface="Times New Roman" pitchFamily="18" charset="0"/>
                 <a:cs typeface="Times New Roman" pitchFamily="18" charset="0"/>
               </a:rPr>
               <a:t>and</a:t>
             </a:r>
             <a:r>
-              <a:rPr sz="2800" spc="-65" dirty="0">
+              <a:rPr sz="2000" spc="-65" dirty="0">
                 <a:latin typeface="Times New Roman" pitchFamily="18" charset="0"/>
                 <a:cs typeface="Times New Roman" pitchFamily="18" charset="0"/>
               </a:rPr>
               <a:t> </a:t>
             </a:r>
             <a:r>
-              <a:rPr sz="2800" spc="-10" dirty="0">
+              <a:rPr sz="2000" spc="-10" dirty="0">
                 <a:latin typeface="Times New Roman" pitchFamily="18" charset="0"/>
                 <a:cs typeface="Times New Roman" pitchFamily="18" charset="0"/>
               </a:rPr>
               <a:t>Findings</a:t>
             </a:r>
-            <a:endParaRPr sz="2800" dirty="0">
+            <a:endParaRPr sz="2000" dirty="0">
               <a:latin typeface="Times New Roman" pitchFamily="18" charset="0"/>
               <a:cs typeface="Times New Roman" pitchFamily="18" charset="0"/>
             </a:endParaRPr>
@@ -7362,7 +9708,7 @@
           <a:p>
             <a:pPr marL="356870" indent="-344805">
               <a:lnSpc>
-                <a:spcPct val="100000"/>
+                <a:spcPct val="150000"/>
               </a:lnSpc>
               <a:spcBef>
                 <a:spcPts val="600"/>
@@ -7376,13 +9722,13 @@
               </a:tabLst>
             </a:pPr>
             <a:r>
-              <a:rPr sz="2800" spc="-10" dirty="0">
+              <a:rPr sz="2000" spc="-10" dirty="0">
                 <a:latin typeface="Times New Roman" pitchFamily="18" charset="0"/>
                 <a:cs typeface="Times New Roman" pitchFamily="18" charset="0"/>
               </a:rPr>
               <a:t>Objective</a:t>
             </a:r>
-            <a:endParaRPr sz="2800" dirty="0">
+            <a:endParaRPr sz="2000" dirty="0">
               <a:latin typeface="Times New Roman" pitchFamily="18" charset="0"/>
               <a:cs typeface="Times New Roman" pitchFamily="18" charset="0"/>
             </a:endParaRPr>
@@ -7390,7 +9736,7 @@
           <a:p>
             <a:pPr marL="356870" indent="-344805">
               <a:lnSpc>
-                <a:spcPct val="100000"/>
+                <a:spcPct val="150000"/>
               </a:lnSpc>
               <a:spcBef>
                 <a:spcPts val="600"/>
@@ -7404,7 +9750,7 @@
               </a:tabLst>
             </a:pPr>
             <a:r>
-              <a:rPr lang="en-US" sz="2800" dirty="0">
+              <a:rPr lang="en-US" sz="2000" dirty="0">
                 <a:latin typeface="Times New Roman" pitchFamily="18" charset="0"/>
                 <a:cs typeface="Times New Roman" pitchFamily="18" charset="0"/>
               </a:rPr>
@@ -7414,7 +9760,7 @@
           <a:p>
             <a:pPr marL="356870" indent="-344805">
               <a:lnSpc>
-                <a:spcPct val="100000"/>
+                <a:spcPct val="150000"/>
               </a:lnSpc>
               <a:spcBef>
                 <a:spcPts val="600"/>
@@ -7428,27 +9774,27 @@
               </a:tabLst>
             </a:pPr>
             <a:r>
-              <a:rPr sz="2800" dirty="0">
+              <a:rPr sz="2000" dirty="0">
                 <a:latin typeface="Times New Roman" pitchFamily="18" charset="0"/>
                 <a:cs typeface="Times New Roman" pitchFamily="18" charset="0"/>
               </a:rPr>
               <a:t>Software</a:t>
             </a:r>
             <a:r>
-              <a:rPr sz="2800" spc="-50" dirty="0">
+              <a:rPr sz="2000" spc="-50" dirty="0">
                 <a:latin typeface="Times New Roman" pitchFamily="18" charset="0"/>
                 <a:cs typeface="Times New Roman" pitchFamily="18" charset="0"/>
               </a:rPr>
               <a:t> </a:t>
             </a:r>
             <a:r>
-              <a:rPr sz="2800" spc="-10" dirty="0">
+              <a:rPr sz="2000" spc="-10" dirty="0">
                 <a:latin typeface="Times New Roman" pitchFamily="18" charset="0"/>
                 <a:cs typeface="Times New Roman" pitchFamily="18" charset="0"/>
               </a:rPr>
               <a:t>Requirements</a:t>
             </a:r>
-            <a:endParaRPr sz="2800" dirty="0">
+            <a:endParaRPr sz="2000" dirty="0">
               <a:latin typeface="Times New Roman" pitchFamily="18" charset="0"/>
               <a:cs typeface="Times New Roman" pitchFamily="18" charset="0"/>
             </a:endParaRPr>
@@ -7456,7 +9802,7 @@
           <a:p>
             <a:pPr marL="356870" indent="-344805">
               <a:lnSpc>
-                <a:spcPct val="100000"/>
+                <a:spcPct val="150000"/>
               </a:lnSpc>
               <a:spcBef>
                 <a:spcPts val="600"/>
@@ -7470,13 +9816,13 @@
               </a:tabLst>
             </a:pPr>
             <a:r>
-              <a:rPr sz="2800" spc="-10" dirty="0">
+              <a:rPr sz="2000" spc="-10" dirty="0">
                 <a:latin typeface="Times New Roman" pitchFamily="18" charset="0"/>
                 <a:cs typeface="Times New Roman" pitchFamily="18" charset="0"/>
               </a:rPr>
               <a:t>References</a:t>
             </a:r>
-            <a:endParaRPr sz="2800" dirty="0">
+            <a:endParaRPr sz="2000" dirty="0">
               <a:latin typeface="Times New Roman" pitchFamily="18" charset="0"/>
               <a:cs typeface="Times New Roman" pitchFamily="18" charset="0"/>
             </a:endParaRPr>
@@ -7484,7 +9830,7 @@
           <a:p>
             <a:pPr marL="356870" indent="-344805">
               <a:lnSpc>
-                <a:spcPct val="100000"/>
+                <a:spcPct val="150000"/>
               </a:lnSpc>
               <a:spcBef>
                 <a:spcPts val="605"/>
@@ -7498,27 +9844,27 @@
               </a:tabLst>
             </a:pPr>
             <a:r>
-              <a:rPr sz="2800" dirty="0">
+              <a:rPr sz="2000" dirty="0">
                 <a:latin typeface="Times New Roman" pitchFamily="18" charset="0"/>
                 <a:cs typeface="Times New Roman" pitchFamily="18" charset="0"/>
               </a:rPr>
               <a:t>Weekly</a:t>
             </a:r>
             <a:r>
-              <a:rPr sz="2800" spc="-50" dirty="0">
+              <a:rPr sz="2000" spc="-50" dirty="0">
                 <a:latin typeface="Times New Roman" pitchFamily="18" charset="0"/>
                 <a:cs typeface="Times New Roman" pitchFamily="18" charset="0"/>
               </a:rPr>
               <a:t> </a:t>
             </a:r>
             <a:r>
-              <a:rPr sz="2800" spc="-20" dirty="0">
+              <a:rPr sz="2000" spc="-20" dirty="0">
                 <a:latin typeface="Times New Roman" pitchFamily="18" charset="0"/>
                 <a:cs typeface="Times New Roman" pitchFamily="18" charset="0"/>
               </a:rPr>
               <a:t>Plan</a:t>
             </a:r>
-            <a:endParaRPr sz="2800" dirty="0">
+            <a:endParaRPr sz="2000" dirty="0">
               <a:latin typeface="Times New Roman" pitchFamily="18" charset="0"/>
               <a:cs typeface="Times New Roman" pitchFamily="18" charset="0"/>
             </a:endParaRPr>
@@ -7601,8 +9947,8 @@
         </p:nvSpPr>
         <p:spPr bwMode="auto">
           <a:xfrm>
-            <a:off x="812799" y="1637258"/>
-            <a:ext cx="10693401" cy="3903954"/>
+            <a:off x="1340611" y="1748507"/>
+            <a:ext cx="9510777" cy="3360985"/>
           </a:xfrm>
           <a:prstGeom prst="rect">
             <a:avLst/>
@@ -7678,7 +10024,21 @@
                 <a:latin typeface="Times New Roman" panose="02020603050405020304" pitchFamily="18" charset="0"/>
                 <a:cs typeface="Times New Roman" panose="02020603050405020304" pitchFamily="18" charset="0"/>
               </a:rPr>
-              <a:t>	Agricultural commodity prices are highly volatile and because of this, traditional forecasting models often fail to provide accurate predictions, leading to inefficient buffer stock management and ineffective market interventions. This project leverages deep learning to develop a robust price prediction model that enhances forecasting accuracy while supporting strategic decision-making. By integrating AI-driven real-time data analysis, the solution aims to improve price stability, optimize government interventions, and reduce economic uncertainty in the agricultural sector.</a:t>
+              <a:t>	</a:t>
+            </a:r>
+            <a:r>
+              <a:rPr kumimoji="0" lang="en-US" altLang="en-US" sz="2000" b="0" i="0" u="none" strike="noStrike" cap="none" normalizeH="0" baseline="0" dirty="0">
+                <a:ln>
+                  <a:noFill/>
+                </a:ln>
+                <a:solidFill>
+                  <a:schemeClr val="tx1"/>
+                </a:solidFill>
+                <a:effectLst/>
+                <a:latin typeface="Times New Roman" panose="02020603050405020304" pitchFamily="18" charset="0"/>
+                <a:cs typeface="Times New Roman" panose="02020603050405020304" pitchFamily="18" charset="0"/>
+              </a:rPr>
+              <a:t>Agricultural commodity prices are highly volatile and because of this, traditional forecasting models often fail to provide accurate predictions, leading to inefficient buffer stock management and ineffective market interventions. This project leverages deep learning to develop a robust price prediction model that enhances forecasting accuracy while supporting strategic decision-making. By integrating AI-driven real-time data analysis, the solution aims to improve price stability, optimize government interventions, and reduce economic uncertainty in the agricultural sector.</a:t>
             </a:r>
           </a:p>
         </p:txBody>
@@ -7814,8 +10174,8 @@
         </p:nvSpPr>
         <p:spPr>
           <a:xfrm>
-            <a:off x="584200" y="1690688"/>
-            <a:ext cx="10947400" cy="4093428"/>
+            <a:off x="1505139" y="1409700"/>
+            <a:ext cx="8962136" cy="4653646"/>
           </a:xfrm>
           <a:prstGeom prst="rect">
             <a:avLst/>
@@ -7828,138 +10188,63 @@
           </a:bodyPr>
           <a:lstStyle/>
           <a:p>
-            <a:pPr algn="ctr"/>
+            <a:pPr algn="ctr">
+              <a:lnSpc>
+                <a:spcPct val="150000"/>
+              </a:lnSpc>
+            </a:pPr>
             <a:r>
               <a:rPr lang="en-US" sz="2000" b="1" dirty="0">
                 <a:latin typeface="Times New Roman" panose="02020603050405020304" pitchFamily="18" charset="0"/>
                 <a:cs typeface="Times New Roman" panose="02020603050405020304" pitchFamily="18" charset="0"/>
               </a:rPr>
-              <a:t>"Forecasting Agricultural Commodity Prices Using Model Selection Framework With Time Series Features and Forecast Horizons" (2020) </a:t>
+              <a:t>“Agricultural Commodity Price Prediction Model: A Machine Learning Framework”(2023) Manas Kumar Mohanty, Parag Kumar Guha </a:t>
             </a:r>
             <a:r>
               <a:rPr lang="en-US" sz="2000" b="1" dirty="0" err="1">
                 <a:latin typeface="Times New Roman" panose="02020603050405020304" pitchFamily="18" charset="0"/>
                 <a:cs typeface="Times New Roman" panose="02020603050405020304" pitchFamily="18" charset="0"/>
               </a:rPr>
-              <a:t>Dabin</a:t>
+              <a:t>Thakurta</a:t>
             </a:r>
             <a:r>
               <a:rPr lang="en-US" sz="2000" b="1" dirty="0">
                 <a:latin typeface="Times New Roman" panose="02020603050405020304" pitchFamily="18" charset="0"/>
                 <a:cs typeface="Times New Roman" panose="02020603050405020304" pitchFamily="18" charset="0"/>
               </a:rPr>
-              <a:t> Zhang, </a:t>
-            </a:r>
-            <a:r>
-              <a:rPr lang="en-US" sz="2000" b="1" dirty="0" err="1">
-                <a:latin typeface="Times New Roman" panose="02020603050405020304" pitchFamily="18" charset="0"/>
-                <a:cs typeface="Times New Roman" panose="02020603050405020304" pitchFamily="18" charset="0"/>
-              </a:rPr>
-              <a:t>Shanying</a:t>
-            </a:r>
+              <a:t>, Samarjit Kar</a:t>
+            </a:r>
+          </a:p>
+          <a:p>
+            <a:pPr>
+              <a:lnSpc>
+                <a:spcPct val="150000"/>
+              </a:lnSpc>
+            </a:pPr>
+            <a:endParaRPr lang="en-US" sz="2000" dirty="0">
+              <a:latin typeface="Times New Roman" panose="02020603050405020304" pitchFamily="18" charset="0"/>
+              <a:cs typeface="Times New Roman" panose="02020603050405020304" pitchFamily="18" charset="0"/>
+            </a:endParaRPr>
+          </a:p>
+          <a:p>
+            <a:pPr algn="just">
+              <a:lnSpc>
+                <a:spcPct val="150000"/>
+              </a:lnSpc>
+            </a:pPr>
             <a:r>
               <a:rPr lang="en-US" sz="2000" b="1" dirty="0">
                 <a:latin typeface="Times New Roman" panose="02020603050405020304" pitchFamily="18" charset="0"/>
                 <a:cs typeface="Times New Roman" panose="02020603050405020304" pitchFamily="18" charset="0"/>
               </a:rPr>
-              <a:t> Chen, </a:t>
-            </a:r>
-            <a:r>
-              <a:rPr lang="en-US" sz="2000" b="1" dirty="0" err="1">
-                <a:latin typeface="Times New Roman" panose="02020603050405020304" pitchFamily="18" charset="0"/>
-                <a:cs typeface="Times New Roman" panose="02020603050405020304" pitchFamily="18" charset="0"/>
-              </a:rPr>
-              <a:t>Liwen</a:t>
-            </a:r>
-            <a:r>
-              <a:rPr lang="en-US" sz="2000" b="1" dirty="0">
-                <a:latin typeface="Times New Roman" panose="02020603050405020304" pitchFamily="18" charset="0"/>
-                <a:cs typeface="Times New Roman" panose="02020603050405020304" pitchFamily="18" charset="0"/>
-              </a:rPr>
-              <a:t> Ling, Qiang Xia</a:t>
-            </a:r>
-          </a:p>
-          <a:p>
-            <a:endParaRPr lang="en-US" sz="2000" dirty="0">
-              <a:latin typeface="Times New Roman" panose="02020603050405020304" pitchFamily="18" charset="0"/>
-              <a:cs typeface="Times New Roman" panose="02020603050405020304" pitchFamily="18" charset="0"/>
-            </a:endParaRPr>
-          </a:p>
-          <a:p>
-            <a:pPr marL="342900" indent="-342900" algn="just">
-              <a:buFont typeface="Arial" panose="020B0604020202020204" pitchFamily="34" charset="0"/>
-              <a:buChar char="•"/>
-            </a:pPr>
-            <a:r>
-              <a:rPr lang="en-US" sz="2000" b="1" dirty="0">
-                <a:latin typeface="Times New Roman" panose="02020603050405020304" pitchFamily="18" charset="0"/>
-                <a:cs typeface="Times New Roman" panose="02020603050405020304" pitchFamily="18" charset="0"/>
-              </a:rPr>
-              <a:t>Model Selection Framework:</a:t>
+              <a:t>Time Series Algorithms : </a:t>
             </a:r>
             <a:r>
               <a:rPr lang="en-US" sz="2000" dirty="0">
                 <a:latin typeface="Times New Roman" panose="02020603050405020304" pitchFamily="18" charset="0"/>
                 <a:cs typeface="Times New Roman" panose="02020603050405020304" pitchFamily="18" charset="0"/>
               </a:rPr>
-              <a:t> The study introduces a novel framework that selects the optimal forecasting model based on specific time series features and forecast horizons. This approach tailors the model choice to the unique characteristics of the data and the desired prediction timeframe, enhancing forecasting accuracy. </a:t>
-            </a:r>
-            <a:r>
-              <a:rPr lang="en-US" sz="2000" dirty="0">
-                <a:latin typeface="Times New Roman" panose="02020603050405020304" pitchFamily="18" charset="0"/>
-                <a:cs typeface="Times New Roman" panose="02020603050405020304" pitchFamily="18" charset="0"/>
-                <a:hlinkClick r:id="rId2"/>
-              </a:rPr>
-              <a:t>IEEE Xplore</a:t>
-            </a:r>
-            <a:endParaRPr lang="en-US" sz="2000" dirty="0">
-              <a:latin typeface="Times New Roman" panose="02020603050405020304" pitchFamily="18" charset="0"/>
-              <a:cs typeface="Times New Roman" panose="02020603050405020304" pitchFamily="18" charset="0"/>
-            </a:endParaRPr>
-          </a:p>
-          <a:p>
-            <a:pPr marL="342900" indent="-342900" algn="just">
-              <a:buFont typeface="Arial" panose="020B0604020202020204" pitchFamily="34" charset="0"/>
-              <a:buChar char="•"/>
-            </a:pPr>
-            <a:r>
-              <a:rPr lang="en-US" sz="2000" b="1" dirty="0">
-                <a:latin typeface="Times New Roman" panose="02020603050405020304" pitchFamily="18" charset="0"/>
-                <a:cs typeface="Times New Roman" panose="02020603050405020304" pitchFamily="18" charset="0"/>
-              </a:rPr>
-              <a:t>Feature Reduction with MRMR:</a:t>
-            </a:r>
-            <a:r>
-              <a:rPr lang="en-US" sz="2000" dirty="0">
-                <a:latin typeface="Times New Roman" panose="02020603050405020304" pitchFamily="18" charset="0"/>
-                <a:cs typeface="Times New Roman" panose="02020603050405020304" pitchFamily="18" charset="0"/>
-              </a:rPr>
-              <a:t> The research employs the Minimum Redundancy Maximum Relevance (MRMR) method to reduce feature redundancy. This technique selects the most informative features, improving the performance of the forecasting models by eliminating irrelevant or redundant data. </a:t>
-            </a:r>
-            <a:r>
-              <a:rPr lang="en-US" sz="2000" dirty="0">
-                <a:latin typeface="Times New Roman" panose="02020603050405020304" pitchFamily="18" charset="0"/>
-                <a:cs typeface="Times New Roman" panose="02020603050405020304" pitchFamily="18" charset="0"/>
-                <a:hlinkClick r:id="rId2"/>
-              </a:rPr>
-              <a:t>IEEE Xplore</a:t>
-            </a:r>
-            <a:endParaRPr lang="en-US" sz="2000" dirty="0">
-              <a:latin typeface="Times New Roman" panose="02020603050405020304" pitchFamily="18" charset="0"/>
-              <a:cs typeface="Times New Roman" panose="02020603050405020304" pitchFamily="18" charset="0"/>
-            </a:endParaRPr>
-          </a:p>
-          <a:p>
-            <a:pPr marL="342900" indent="-342900" algn="just">
-              <a:buFont typeface="Arial" panose="020B0604020202020204" pitchFamily="34" charset="0"/>
-              <a:buChar char="•"/>
-            </a:pPr>
-            <a:r>
-              <a:rPr lang="en-US" sz="2000" dirty="0">
-                <a:latin typeface="Times New Roman" panose="02020603050405020304" pitchFamily="18" charset="0"/>
-                <a:cs typeface="Times New Roman" panose="02020603050405020304" pitchFamily="18" charset="0"/>
-              </a:rPr>
-              <a:t>Integrating these insights can enhance the precision of commodity price predictions by ensuring that the most suitable models and features are utilized for each forecasting scenario.</a:t>
+              <a:t>This paper presents a machine learning framework designed to predict crop prices by integrating factors such as crop yield, supply, and demand. The study employs various time series algorithms and identifies the decision tree regressor as the most effective model for price prediction. The framework aims to assist farmers in making informed decisions regarding their produce by providing accurate price forecasts.</a:t>
             </a:r>
           </a:p>
         </p:txBody>
@@ -7982,7 +10267,13 @@
   <p:cSld>
     <p:spTree>
       <p:nvGrpSpPr>
-        <p:cNvPr id="1" name=""/>
+        <p:cNvPr id="1" name="">
+          <a:extLst>
+            <a:ext uri="{FF2B5EF4-FFF2-40B4-BE49-F238E27FC236}">
+              <a16:creationId xmlns:a16="http://schemas.microsoft.com/office/drawing/2014/main" id="{756BAC5D-C024-8969-47C4-E6A37AAF43F9}"/>
+            </a:ext>
+          </a:extLst>
+        </p:cNvPr>
         <p:cNvGrpSpPr/>
         <p:nvPr/>
       </p:nvGrpSpPr>
@@ -7996,10 +10287,10 @@
       </p:grpSpPr>
       <p:sp>
         <p:nvSpPr>
-          <p:cNvPr id="7" name="Title 6">
-            <a:extLst>
-              <a:ext uri="{FF2B5EF4-FFF2-40B4-BE49-F238E27FC236}">
-                <a16:creationId xmlns:a16="http://schemas.microsoft.com/office/drawing/2014/main" id="{7FDCC142-7C50-EA79-88BA-C8FEE5E4E0CF}"/>
+          <p:cNvPr id="16" name="Title 10">
+            <a:extLst>
+              <a:ext uri="{FF2B5EF4-FFF2-40B4-BE49-F238E27FC236}">
+                <a16:creationId xmlns:a16="http://schemas.microsoft.com/office/drawing/2014/main" id="{B3A69334-7004-5A91-2995-851090224006}"/>
               </a:ext>
             </a:extLst>
           </p:cNvPr>
@@ -8012,8 +10303,8 @@
         </p:nvSpPr>
         <p:spPr>
           <a:xfrm>
-            <a:off x="596900" y="225425"/>
-            <a:ext cx="10515600" cy="1325563"/>
+            <a:off x="698500" y="428625"/>
+            <a:ext cx="10575415" cy="981075"/>
           </a:xfrm>
         </p:spPr>
         <p:txBody>
@@ -8023,24 +10314,29 @@
           <a:lstStyle/>
           <a:p>
             <a:r>
-              <a:rPr lang="en-IN" sz="3200" b="1" dirty="0">
+              <a:rPr lang="en-US" sz="3200" b="1" dirty="0">
                 <a:solidFill>
                   <a:srgbClr val="FF0000"/>
                 </a:solidFill>
                 <a:latin typeface="Times New Roman" panose="02020603050405020304" pitchFamily="18" charset="0"/>
                 <a:cs typeface="Times New Roman" panose="02020603050405020304" pitchFamily="18" charset="0"/>
               </a:rPr>
-              <a:t>Algorithms used</a:t>
-            </a:r>
+              <a:t>Literatures Identified and Findings</a:t>
+            </a:r>
+            <a:endParaRPr lang="en-IN" sz="3200" dirty="0">
+              <a:solidFill>
+                <a:srgbClr val="FF0000"/>
+              </a:solidFill>
+            </a:endParaRPr>
           </a:p>
         </p:txBody>
       </p:sp>
       <p:sp>
         <p:nvSpPr>
-          <p:cNvPr id="9" name="TextBox 8">
-            <a:extLst>
-              <a:ext uri="{FF2B5EF4-FFF2-40B4-BE49-F238E27FC236}">
-                <a16:creationId xmlns:a16="http://schemas.microsoft.com/office/drawing/2014/main" id="{60155CDC-B172-4BE5-200A-058899028F32}"/>
+          <p:cNvPr id="17" name="TextBox 16">
+            <a:extLst>
+              <a:ext uri="{FF2B5EF4-FFF2-40B4-BE49-F238E27FC236}">
+                <a16:creationId xmlns:a16="http://schemas.microsoft.com/office/drawing/2014/main" id="{46D7D84F-4E4F-093F-C224-5618BBDE1AE3}"/>
               </a:ext>
             </a:extLst>
           </p:cNvPr>
@@ -8049,8 +10345,8 @@
         </p:nvSpPr>
         <p:spPr>
           <a:xfrm>
-            <a:off x="469900" y="1404684"/>
-            <a:ext cx="11252200" cy="4755148"/>
+            <a:off x="1505139" y="1409700"/>
+            <a:ext cx="8962136" cy="4191981"/>
           </a:xfrm>
           <a:prstGeom prst="rect">
             <a:avLst/>
@@ -8063,204 +10359,111 @@
           </a:bodyPr>
           <a:lstStyle/>
           <a:p>
-            <a:pPr algn="just">
-              <a:spcBef>
-                <a:spcPts val="1200"/>
-              </a:spcBef>
-              <a:spcAft>
-                <a:spcPts val="600"/>
-              </a:spcAft>
+            <a:pPr algn="ctr">
+              <a:lnSpc>
+                <a:spcPct val="150000"/>
+              </a:lnSpc>
             </a:pPr>
             <a:r>
-              <a:rPr lang="en-US" sz="2200" b="1" dirty="0">
-                <a:solidFill>
-                  <a:srgbClr val="FF0000"/>
-                </a:solidFill>
+              <a:rPr lang="en-US" sz="2000" b="1" dirty="0">
                 <a:latin typeface="Times New Roman" panose="02020603050405020304" pitchFamily="18" charset="0"/>
                 <a:cs typeface="Times New Roman" panose="02020603050405020304" pitchFamily="18" charset="0"/>
               </a:rPr>
-              <a:t>1. Data Collection &amp; Preprocessing</a:t>
-            </a:r>
-          </a:p>
-          <a:p>
-            <a:pPr marL="342900" indent="-342900" algn="just">
-              <a:spcBef>
-                <a:spcPts val="1200"/>
-              </a:spcBef>
-              <a:spcAft>
-                <a:spcPts val="600"/>
-              </a:spcAft>
-              <a:buFont typeface="Arial" panose="020B0604020202020204" pitchFamily="34" charset="0"/>
-              <a:buChar char="•"/>
-            </a:pPr>
-            <a:r>
-              <a:rPr lang="en-US" sz="2200" b="1" dirty="0">
+              <a:t>"Forecasting Agricultural Commodity Prices Using Model Selection Framework With Time Series Features and Forecast Horizons" (2020) </a:t>
+            </a:r>
+            <a:r>
+              <a:rPr lang="en-US" sz="2000" b="1" dirty="0" err="1">
                 <a:latin typeface="Times New Roman" panose="02020603050405020304" pitchFamily="18" charset="0"/>
                 <a:cs typeface="Times New Roman" panose="02020603050405020304" pitchFamily="18" charset="0"/>
               </a:rPr>
-              <a:t>Open Government Databases </a:t>
-            </a:r>
-            <a:r>
-              <a:rPr lang="en-US" sz="2200" dirty="0">
+              <a:t>Dabin</a:t>
+            </a:r>
+            <a:r>
+              <a:rPr lang="en-US" sz="2000" b="1" dirty="0">
                 <a:latin typeface="Times New Roman" panose="02020603050405020304" pitchFamily="18" charset="0"/>
                 <a:cs typeface="Times New Roman" panose="02020603050405020304" pitchFamily="18" charset="0"/>
               </a:rPr>
-              <a:t>– Collect real-time details of various commodities from agmarknet.gov.in and historical agricultural commodity price data from data.gov.in .</a:t>
-            </a:r>
-          </a:p>
-          <a:p>
-            <a:pPr marL="342900" indent="-342900" algn="just">
-              <a:spcBef>
-                <a:spcPts val="1200"/>
-              </a:spcBef>
-              <a:spcAft>
-                <a:spcPts val="600"/>
-              </a:spcAft>
-              <a:buFont typeface="Arial" panose="020B0604020202020204" pitchFamily="34" charset="0"/>
-              <a:buChar char="•"/>
-            </a:pPr>
-            <a:r>
-              <a:rPr lang="en-US" sz="2200" b="1" dirty="0">
+              <a:t> Zhang, </a:t>
+            </a:r>
+            <a:r>
+              <a:rPr lang="en-US" sz="2000" b="1" dirty="0" err="1">
                 <a:latin typeface="Times New Roman" panose="02020603050405020304" pitchFamily="18" charset="0"/>
                 <a:cs typeface="Times New Roman" panose="02020603050405020304" pitchFamily="18" charset="0"/>
               </a:rPr>
-              <a:t>Data Cleaning (Pandas)</a:t>
-            </a:r>
-            <a:r>
-              <a:rPr lang="en-US" sz="2200" dirty="0">
+              <a:t>Shanying</a:t>
+            </a:r>
+            <a:r>
+              <a:rPr lang="en-US" sz="2000" b="1" dirty="0">
                 <a:latin typeface="Times New Roman" panose="02020603050405020304" pitchFamily="18" charset="0"/>
                 <a:cs typeface="Times New Roman" panose="02020603050405020304" pitchFamily="18" charset="0"/>
               </a:rPr>
-              <a:t> – Handle missing values, outliers, and inconsistencies.</a:t>
-            </a:r>
-          </a:p>
-          <a:p>
-            <a:pPr marL="342900" indent="-342900" algn="just">
-              <a:spcBef>
-                <a:spcPts val="1200"/>
-              </a:spcBef>
-              <a:spcAft>
-                <a:spcPts val="600"/>
-              </a:spcAft>
-              <a:buFont typeface="Arial" panose="020B0604020202020204" pitchFamily="34" charset="0"/>
-              <a:buChar char="•"/>
-            </a:pPr>
-            <a:r>
-              <a:rPr lang="en-US" sz="2200" b="1" dirty="0">
+              <a:t> Chen, </a:t>
+            </a:r>
+            <a:r>
+              <a:rPr lang="en-US" sz="2000" b="1" dirty="0" err="1">
                 <a:latin typeface="Times New Roman" panose="02020603050405020304" pitchFamily="18" charset="0"/>
                 <a:cs typeface="Times New Roman" panose="02020603050405020304" pitchFamily="18" charset="0"/>
               </a:rPr>
-              <a:t>Feature Engineering</a:t>
-            </a:r>
-            <a:r>
-              <a:rPr lang="en-US" sz="2200" dirty="0">
+              <a:t>Liwen</a:t>
+            </a:r>
+            <a:r>
+              <a:rPr lang="en-US" sz="2000" b="1" dirty="0">
                 <a:latin typeface="Times New Roman" panose="02020603050405020304" pitchFamily="18" charset="0"/>
                 <a:cs typeface="Times New Roman" panose="02020603050405020304" pitchFamily="18" charset="0"/>
               </a:rPr>
-              <a:t> – Extract seasonality trends, inflation impact, and market signals.</a:t>
-            </a:r>
-          </a:p>
-          <a:p>
-            <a:pPr marL="342900" indent="-342900" algn="just">
-              <a:spcBef>
-                <a:spcPts val="1200"/>
-              </a:spcBef>
-              <a:spcAft>
-                <a:spcPts val="600"/>
-              </a:spcAft>
-              <a:buFont typeface="Arial" panose="020B0604020202020204" pitchFamily="34" charset="0"/>
-              <a:buChar char="•"/>
+              <a:t> Ling, Qiang Xia</a:t>
+            </a:r>
+          </a:p>
+          <a:p>
+            <a:pPr>
+              <a:lnSpc>
+                <a:spcPct val="150000"/>
+              </a:lnSpc>
             </a:pPr>
-            <a:endParaRPr lang="en-US" sz="2200" dirty="0">
+            <a:endParaRPr lang="en-US" sz="2000" dirty="0">
               <a:latin typeface="Times New Roman" panose="02020603050405020304" pitchFamily="18" charset="0"/>
               <a:cs typeface="Times New Roman" panose="02020603050405020304" pitchFamily="18" charset="0"/>
             </a:endParaRPr>
           </a:p>
           <a:p>
             <a:pPr algn="just">
-              <a:spcBef>
-                <a:spcPts val="1200"/>
-              </a:spcBef>
-              <a:spcAft>
-                <a:spcPts val="600"/>
-              </a:spcAft>
+              <a:lnSpc>
+                <a:spcPct val="150000"/>
+              </a:lnSpc>
             </a:pPr>
             <a:r>
-              <a:rPr lang="en-US" sz="2200" b="1" dirty="0">
-                <a:solidFill>
-                  <a:srgbClr val="FF0000"/>
-                </a:solidFill>
+              <a:rPr lang="en-US" sz="2000" b="1" dirty="0">
                 <a:latin typeface="Times New Roman" panose="02020603050405020304" pitchFamily="18" charset="0"/>
                 <a:cs typeface="Times New Roman" panose="02020603050405020304" pitchFamily="18" charset="0"/>
               </a:rPr>
-              <a:t>2. Price Prediction Models</a:t>
-            </a:r>
-          </a:p>
-          <a:p>
-            <a:pPr marL="342900" indent="-342900" algn="just">
-              <a:spcBef>
-                <a:spcPts val="1200"/>
-              </a:spcBef>
-              <a:spcAft>
-                <a:spcPts val="600"/>
-              </a:spcAft>
-              <a:buFont typeface="Arial" panose="020B0604020202020204" pitchFamily="34" charset="0"/>
-              <a:buChar char="•"/>
-            </a:pPr>
-            <a:r>
-              <a:rPr lang="en-US" sz="2200" b="1" dirty="0">
+              <a:t>Model Selection Framework:</a:t>
+            </a:r>
+            <a:r>
+              <a:rPr lang="en-US" sz="2000" dirty="0">
                 <a:latin typeface="Times New Roman" panose="02020603050405020304" pitchFamily="18" charset="0"/>
                 <a:cs typeface="Times New Roman" panose="02020603050405020304" pitchFamily="18" charset="0"/>
               </a:rPr>
-              <a:t>ARIMA</a:t>
-            </a:r>
-            <a:r>
-              <a:rPr lang="en-US" sz="2200" dirty="0">
+              <a:t> The study introduces a novel framework that selects the optimal forecasting model based on specific time series features and forecast horizons. This approach tailors the model choice to the unique characteristics of the data and the desired prediction timeframe, enhancing forecasting accuracy. </a:t>
+            </a:r>
+            <a:r>
+              <a:rPr lang="en-US" sz="2000" dirty="0">
                 <a:latin typeface="Times New Roman" panose="02020603050405020304" pitchFamily="18" charset="0"/>
                 <a:cs typeface="Times New Roman" panose="02020603050405020304" pitchFamily="18" charset="0"/>
+                <a:hlinkClick r:id="rId2"/>
               </a:rPr>
-              <a:t>– Traditional time series forecasting for baseline comparison.</a:t>
-            </a:r>
-          </a:p>
-          <a:p>
-            <a:pPr marL="342900" indent="-342900" algn="just">
-              <a:spcBef>
-                <a:spcPts val="1200"/>
-              </a:spcBef>
-              <a:spcAft>
-                <a:spcPts val="600"/>
-              </a:spcAft>
-              <a:buFont typeface="Arial" panose="020B0604020202020204" pitchFamily="34" charset="0"/>
-              <a:buChar char="•"/>
-            </a:pPr>
-            <a:r>
-              <a:rPr lang="en-US" sz="2200" b="1" dirty="0" err="1">
-                <a:latin typeface="Times New Roman" panose="02020603050405020304" pitchFamily="18" charset="0"/>
-                <a:cs typeface="Times New Roman" panose="02020603050405020304" pitchFamily="18" charset="0"/>
-              </a:rPr>
-              <a:t>XGBoost</a:t>
-            </a:r>
-            <a:r>
-              <a:rPr lang="en-US" sz="2200" b="1" dirty="0">
-                <a:latin typeface="Times New Roman" panose="02020603050405020304" pitchFamily="18" charset="0"/>
-                <a:cs typeface="Times New Roman" panose="02020603050405020304" pitchFamily="18" charset="0"/>
-              </a:rPr>
-              <a:t> / Random Forest</a:t>
-            </a:r>
-            <a:r>
-              <a:rPr lang="en-US" sz="2200" dirty="0">
-                <a:latin typeface="Times New Roman" panose="02020603050405020304" pitchFamily="18" charset="0"/>
-                <a:cs typeface="Times New Roman" panose="02020603050405020304" pitchFamily="18" charset="0"/>
-              </a:rPr>
-              <a:t> – Enhances predictive accuracy by combining statistical features.</a:t>
-            </a:r>
+              <a:t>IEEE Xplore</a:t>
+            </a:r>
+            <a:endParaRPr lang="en-US" sz="2000" dirty="0">
+              <a:latin typeface="Times New Roman" panose="02020603050405020304" pitchFamily="18" charset="0"/>
+              <a:cs typeface="Times New Roman" panose="02020603050405020304" pitchFamily="18" charset="0"/>
+            </a:endParaRPr>
           </a:p>
         </p:txBody>
       </p:sp>
     </p:spTree>
     <p:extLst>
       <p:ext uri="{BB962C8B-B14F-4D97-AF65-F5344CB8AC3E}">
-        <p14:creationId xmlns:p14="http://schemas.microsoft.com/office/powerpoint/2010/main" val="2465469202"/>
+        <p14:creationId xmlns:p14="http://schemas.microsoft.com/office/powerpoint/2010/main" val="4139201816"/>
       </p:ext>
     </p:extLst>
   </p:cSld>
@@ -8271,6 +10474,234 @@
 </file>
 
 <file path=ppt/slides/slide7.xml><?xml version="1.0" encoding="utf-8"?>
+<p:sld xmlns:a="http://schemas.openxmlformats.org/drawingml/2006/main" xmlns:r="http://schemas.openxmlformats.org/officeDocument/2006/relationships" xmlns:p="http://schemas.openxmlformats.org/presentationml/2006/main">
+  <p:cSld>
+    <p:spTree>
+      <p:nvGrpSpPr>
+        <p:cNvPr id="1" name="">
+          <a:extLst>
+            <a:ext uri="{FF2B5EF4-FFF2-40B4-BE49-F238E27FC236}">
+              <a16:creationId xmlns:a16="http://schemas.microsoft.com/office/drawing/2014/main" id="{4B5B5B4B-25FB-28AC-94BC-068A8D01F422}"/>
+            </a:ext>
+          </a:extLst>
+        </p:cNvPr>
+        <p:cNvGrpSpPr/>
+        <p:nvPr/>
+      </p:nvGrpSpPr>
+      <p:grpSpPr>
+        <a:xfrm>
+          <a:off x="0" y="0"/>
+          <a:ext cx="0" cy="0"/>
+          <a:chOff x="0" y="0"/>
+          <a:chExt cx="0" cy="0"/>
+        </a:xfrm>
+      </p:grpSpPr>
+      <p:sp>
+        <p:nvSpPr>
+          <p:cNvPr id="16" name="Title 10">
+            <a:extLst>
+              <a:ext uri="{FF2B5EF4-FFF2-40B4-BE49-F238E27FC236}">
+                <a16:creationId xmlns:a16="http://schemas.microsoft.com/office/drawing/2014/main" id="{A12B3E1D-0360-DA8A-431F-3F19F79D43B0}"/>
+              </a:ext>
+            </a:extLst>
+          </p:cNvPr>
+          <p:cNvSpPr>
+            <a:spLocks noGrp="1"/>
+          </p:cNvSpPr>
+          <p:nvPr>
+            <p:ph type="title"/>
+          </p:nvPr>
+        </p:nvSpPr>
+        <p:spPr>
+          <a:xfrm>
+            <a:off x="698500" y="428625"/>
+            <a:ext cx="10575415" cy="981075"/>
+          </a:xfrm>
+        </p:spPr>
+        <p:txBody>
+          <a:bodyPr>
+            <a:normAutofit/>
+          </a:bodyPr>
+          <a:lstStyle/>
+          <a:p>
+            <a:r>
+              <a:rPr lang="en-US" sz="3200" b="1" dirty="0">
+                <a:solidFill>
+                  <a:srgbClr val="FF0000"/>
+                </a:solidFill>
+                <a:latin typeface="Times New Roman" panose="02020603050405020304" pitchFamily="18" charset="0"/>
+                <a:cs typeface="Times New Roman" panose="02020603050405020304" pitchFamily="18" charset="0"/>
+              </a:rPr>
+              <a:t>Literatures Identified and Findings</a:t>
+            </a:r>
+            <a:endParaRPr lang="en-IN" sz="3200" dirty="0">
+              <a:solidFill>
+                <a:srgbClr val="FF0000"/>
+              </a:solidFill>
+            </a:endParaRPr>
+          </a:p>
+        </p:txBody>
+      </p:sp>
+      <p:sp>
+        <p:nvSpPr>
+          <p:cNvPr id="17" name="TextBox 16">
+            <a:extLst>
+              <a:ext uri="{FF2B5EF4-FFF2-40B4-BE49-F238E27FC236}">
+                <a16:creationId xmlns:a16="http://schemas.microsoft.com/office/drawing/2014/main" id="{D5C2718B-5951-095C-631F-B147D9FFA8C2}"/>
+              </a:ext>
+            </a:extLst>
+          </p:cNvPr>
+          <p:cNvSpPr txBox="1"/>
+          <p:nvPr/>
+        </p:nvSpPr>
+        <p:spPr>
+          <a:xfrm>
+            <a:off x="1505139" y="1409700"/>
+            <a:ext cx="8962136" cy="4401205"/>
+          </a:xfrm>
+          <a:prstGeom prst="rect">
+            <a:avLst/>
+          </a:prstGeom>
+          <a:noFill/>
+        </p:spPr>
+        <p:txBody>
+          <a:bodyPr wrap="square">
+            <a:spAutoFit/>
+          </a:bodyPr>
+          <a:lstStyle/>
+          <a:p>
+            <a:pPr algn="ctr">
+              <a:lnSpc>
+                <a:spcPct val="150000"/>
+              </a:lnSpc>
+            </a:pPr>
+            <a:r>
+              <a:rPr lang="en-US" sz="2000" b="1" dirty="0">
+                <a:latin typeface="Times New Roman" panose="02020603050405020304" pitchFamily="18" charset="0"/>
+                <a:cs typeface="Times New Roman" panose="02020603050405020304" pitchFamily="18" charset="0"/>
+              </a:rPr>
+              <a:t>"Forecasting Agricultural Commodity Prices Using Model Selection Framework With Time Series Features and Forecast Horizons" (2020) </a:t>
+            </a:r>
+            <a:r>
+              <a:rPr lang="en-US" sz="2000" b="1" dirty="0" err="1">
+                <a:latin typeface="Times New Roman" panose="02020603050405020304" pitchFamily="18" charset="0"/>
+                <a:cs typeface="Times New Roman" panose="02020603050405020304" pitchFamily="18" charset="0"/>
+              </a:rPr>
+              <a:t>Dabin</a:t>
+            </a:r>
+            <a:r>
+              <a:rPr lang="en-US" sz="2000" b="1" dirty="0">
+                <a:latin typeface="Times New Roman" panose="02020603050405020304" pitchFamily="18" charset="0"/>
+                <a:cs typeface="Times New Roman" panose="02020603050405020304" pitchFamily="18" charset="0"/>
+              </a:rPr>
+              <a:t> Zhang, </a:t>
+            </a:r>
+            <a:r>
+              <a:rPr lang="en-US" sz="2000" b="1" dirty="0" err="1">
+                <a:latin typeface="Times New Roman" panose="02020603050405020304" pitchFamily="18" charset="0"/>
+                <a:cs typeface="Times New Roman" panose="02020603050405020304" pitchFamily="18" charset="0"/>
+              </a:rPr>
+              <a:t>Shanying</a:t>
+            </a:r>
+            <a:r>
+              <a:rPr lang="en-US" sz="2000" b="1" dirty="0">
+                <a:latin typeface="Times New Roman" panose="02020603050405020304" pitchFamily="18" charset="0"/>
+                <a:cs typeface="Times New Roman" panose="02020603050405020304" pitchFamily="18" charset="0"/>
+              </a:rPr>
+              <a:t> Chen, </a:t>
+            </a:r>
+            <a:r>
+              <a:rPr lang="en-US" sz="2000" b="1" dirty="0" err="1">
+                <a:latin typeface="Times New Roman" panose="02020603050405020304" pitchFamily="18" charset="0"/>
+                <a:cs typeface="Times New Roman" panose="02020603050405020304" pitchFamily="18" charset="0"/>
+              </a:rPr>
+              <a:t>Liwen</a:t>
+            </a:r>
+            <a:r>
+              <a:rPr lang="en-US" sz="2000" b="1" dirty="0">
+                <a:latin typeface="Times New Roman" panose="02020603050405020304" pitchFamily="18" charset="0"/>
+                <a:cs typeface="Times New Roman" panose="02020603050405020304" pitchFamily="18" charset="0"/>
+              </a:rPr>
+              <a:t> Ling, Qiang Xia</a:t>
+            </a:r>
+          </a:p>
+          <a:p>
+            <a:pPr>
+              <a:lnSpc>
+                <a:spcPct val="150000"/>
+              </a:lnSpc>
+            </a:pPr>
+            <a:endParaRPr lang="en-US" sz="2000" dirty="0">
+              <a:latin typeface="Times New Roman" panose="02020603050405020304" pitchFamily="18" charset="0"/>
+              <a:cs typeface="Times New Roman" panose="02020603050405020304" pitchFamily="18" charset="0"/>
+            </a:endParaRPr>
+          </a:p>
+          <a:p>
+            <a:pPr algn="just">
+              <a:buClr>
+                <a:schemeClr val="bg1"/>
+              </a:buClr>
+            </a:pPr>
+            <a:r>
+              <a:rPr lang="en-US" sz="2000" b="1" dirty="0">
+                <a:latin typeface="Times New Roman" panose="02020603050405020304" pitchFamily="18" charset="0"/>
+                <a:cs typeface="Times New Roman" panose="02020603050405020304" pitchFamily="18" charset="0"/>
+              </a:rPr>
+              <a:t>Feature Reduction:</a:t>
+            </a:r>
+            <a:r>
+              <a:rPr lang="en-US" sz="2000" dirty="0">
+                <a:latin typeface="Times New Roman" panose="02020603050405020304" pitchFamily="18" charset="0"/>
+                <a:cs typeface="Times New Roman" panose="02020603050405020304" pitchFamily="18" charset="0"/>
+              </a:rPr>
+              <a:t> The research employs the Minimum Redundancy Maximum Relevance (MRMR) method to reduce feature redundancy. This technique selects the most informative features, improving the performance of the forecasting models by eliminating irrelevant or redundant data. </a:t>
+            </a:r>
+            <a:r>
+              <a:rPr lang="en-US" sz="2000" dirty="0">
+                <a:latin typeface="Times New Roman" panose="02020603050405020304" pitchFamily="18" charset="0"/>
+                <a:cs typeface="Times New Roman" panose="02020603050405020304" pitchFamily="18" charset="0"/>
+                <a:hlinkClick r:id="rId2"/>
+              </a:rPr>
+              <a:t>IEEE Xplore</a:t>
+            </a:r>
+            <a:endParaRPr lang="en-US" sz="2000" dirty="0">
+              <a:latin typeface="Times New Roman" panose="02020603050405020304" pitchFamily="18" charset="0"/>
+              <a:cs typeface="Times New Roman" panose="02020603050405020304" pitchFamily="18" charset="0"/>
+            </a:endParaRPr>
+          </a:p>
+          <a:p>
+            <a:pPr algn="just"/>
+            <a:endParaRPr lang="en-US" sz="2000" dirty="0">
+              <a:latin typeface="Times New Roman" panose="02020603050405020304" pitchFamily="18" charset="0"/>
+              <a:cs typeface="Times New Roman" panose="02020603050405020304" pitchFamily="18" charset="0"/>
+            </a:endParaRPr>
+          </a:p>
+          <a:p>
+            <a:pPr algn="just"/>
+            <a:r>
+              <a:rPr lang="en-US" sz="2000" dirty="0">
+                <a:latin typeface="Times New Roman" panose="02020603050405020304" pitchFamily="18" charset="0"/>
+                <a:cs typeface="Times New Roman" panose="02020603050405020304" pitchFamily="18" charset="0"/>
+              </a:rPr>
+              <a:t>Integrating these insights can enhance the precision of commodity price predictions by ensuring that the most suitable models and features are utilized for each forecasting scenario.</a:t>
+            </a:r>
+          </a:p>
+        </p:txBody>
+      </p:sp>
+    </p:spTree>
+    <p:extLst>
+      <p:ext uri="{BB962C8B-B14F-4D97-AF65-F5344CB8AC3E}">
+        <p14:creationId xmlns:p14="http://schemas.microsoft.com/office/powerpoint/2010/main" val="2025475649"/>
+      </p:ext>
+    </p:extLst>
+  </p:cSld>
+  <p:clrMapOvr>
+    <a:masterClrMapping/>
+  </p:clrMapOvr>
+</p:sld>
+</file>
+
+<file path=ppt/slides/slide8.xml><?xml version="1.0" encoding="utf-8"?>
 <p:sld xmlns:a="http://schemas.openxmlformats.org/drawingml/2006/main" xmlns:r="http://schemas.openxmlformats.org/officeDocument/2006/relationships" xmlns:p="http://schemas.openxmlformats.org/presentationml/2006/main">
   <p:cSld>
     <p:spTree>
@@ -8289,6 +10720,296 @@
       </p:grpSpPr>
       <p:sp>
         <p:nvSpPr>
+          <p:cNvPr id="7" name="Title 6">
+            <a:extLst>
+              <a:ext uri="{FF2B5EF4-FFF2-40B4-BE49-F238E27FC236}">
+                <a16:creationId xmlns:a16="http://schemas.microsoft.com/office/drawing/2014/main" id="{7FDCC142-7C50-EA79-88BA-C8FEE5E4E0CF}"/>
+              </a:ext>
+            </a:extLst>
+          </p:cNvPr>
+          <p:cNvSpPr>
+            <a:spLocks noGrp="1"/>
+          </p:cNvSpPr>
+          <p:nvPr>
+            <p:ph type="title"/>
+          </p:nvPr>
+        </p:nvSpPr>
+        <p:spPr>
+          <a:xfrm>
+            <a:off x="596900" y="225425"/>
+            <a:ext cx="10515600" cy="1325563"/>
+          </a:xfrm>
+        </p:spPr>
+        <p:txBody>
+          <a:bodyPr>
+            <a:normAutofit/>
+          </a:bodyPr>
+          <a:lstStyle/>
+          <a:p>
+            <a:r>
+              <a:rPr lang="en-IN" sz="3200" b="1" dirty="0">
+                <a:solidFill>
+                  <a:srgbClr val="FF0000"/>
+                </a:solidFill>
+                <a:latin typeface="Times New Roman" panose="02020603050405020304" pitchFamily="18" charset="0"/>
+                <a:cs typeface="Times New Roman" panose="02020603050405020304" pitchFamily="18" charset="0"/>
+              </a:rPr>
+              <a:t>Algorithms used</a:t>
+            </a:r>
+          </a:p>
+        </p:txBody>
+      </p:sp>
+      <p:sp>
+        <p:nvSpPr>
+          <p:cNvPr id="9" name="TextBox 8">
+            <a:extLst>
+              <a:ext uri="{FF2B5EF4-FFF2-40B4-BE49-F238E27FC236}">
+                <a16:creationId xmlns:a16="http://schemas.microsoft.com/office/drawing/2014/main" id="{60155CDC-B172-4BE5-200A-058899028F32}"/>
+              </a:ext>
+            </a:extLst>
+          </p:cNvPr>
+          <p:cNvSpPr txBox="1"/>
+          <p:nvPr/>
+        </p:nvSpPr>
+        <p:spPr>
+          <a:xfrm>
+            <a:off x="469900" y="1404684"/>
+            <a:ext cx="11252200" cy="4278094"/>
+          </a:xfrm>
+          <a:prstGeom prst="rect">
+            <a:avLst/>
+          </a:prstGeom>
+          <a:noFill/>
+        </p:spPr>
+        <p:txBody>
+          <a:bodyPr wrap="square">
+            <a:spAutoFit/>
+          </a:bodyPr>
+          <a:lstStyle/>
+          <a:p>
+            <a:pPr algn="just">
+              <a:spcBef>
+                <a:spcPts val="1200"/>
+              </a:spcBef>
+              <a:spcAft>
+                <a:spcPts val="600"/>
+              </a:spcAft>
+            </a:pPr>
+            <a:r>
+              <a:rPr lang="en-US" sz="2200" b="1" dirty="0">
+                <a:solidFill>
+                  <a:srgbClr val="FF0000"/>
+                </a:solidFill>
+                <a:latin typeface="Times New Roman" panose="02020603050405020304" pitchFamily="18" charset="0"/>
+                <a:cs typeface="Times New Roman" panose="02020603050405020304" pitchFamily="18" charset="0"/>
+              </a:rPr>
+              <a:t>1. </a:t>
+            </a:r>
+            <a:r>
+              <a:rPr lang="en-US" sz="2000" b="1" dirty="0">
+                <a:solidFill>
+                  <a:srgbClr val="FF0000"/>
+                </a:solidFill>
+                <a:latin typeface="Times New Roman" panose="02020603050405020304" pitchFamily="18" charset="0"/>
+                <a:cs typeface="Times New Roman" panose="02020603050405020304" pitchFamily="18" charset="0"/>
+              </a:rPr>
+              <a:t>Data Collection &amp; Preprocessing</a:t>
+            </a:r>
+          </a:p>
+          <a:p>
+            <a:pPr marL="342900" indent="-342900" algn="just">
+              <a:spcBef>
+                <a:spcPts val="1200"/>
+              </a:spcBef>
+              <a:spcAft>
+                <a:spcPts val="600"/>
+              </a:spcAft>
+              <a:buFont typeface="Arial" panose="020B0604020202020204" pitchFamily="34" charset="0"/>
+              <a:buChar char="•"/>
+            </a:pPr>
+            <a:r>
+              <a:rPr lang="en-US" sz="2000" b="1" dirty="0">
+                <a:latin typeface="Times New Roman" panose="02020603050405020304" pitchFamily="18" charset="0"/>
+                <a:cs typeface="Times New Roman" panose="02020603050405020304" pitchFamily="18" charset="0"/>
+              </a:rPr>
+              <a:t>Open Government Databases </a:t>
+            </a:r>
+            <a:r>
+              <a:rPr lang="en-US" sz="2000" dirty="0">
+                <a:latin typeface="Times New Roman" panose="02020603050405020304" pitchFamily="18" charset="0"/>
+                <a:cs typeface="Times New Roman" panose="02020603050405020304" pitchFamily="18" charset="0"/>
+              </a:rPr>
+              <a:t>– Collect real-time details of various commodities from agmarknet.gov.in and historical agricultural commodity price data from data.gov.in .</a:t>
+            </a:r>
+          </a:p>
+          <a:p>
+            <a:pPr marL="342900" indent="-342900" algn="just">
+              <a:spcBef>
+                <a:spcPts val="1200"/>
+              </a:spcBef>
+              <a:spcAft>
+                <a:spcPts val="600"/>
+              </a:spcAft>
+              <a:buFont typeface="Arial" panose="020B0604020202020204" pitchFamily="34" charset="0"/>
+              <a:buChar char="•"/>
+            </a:pPr>
+            <a:r>
+              <a:rPr lang="en-US" sz="2000" b="1" dirty="0">
+                <a:latin typeface="Times New Roman" panose="02020603050405020304" pitchFamily="18" charset="0"/>
+                <a:cs typeface="Times New Roman" panose="02020603050405020304" pitchFamily="18" charset="0"/>
+              </a:rPr>
+              <a:t>Data Cleaning (Pandas)</a:t>
+            </a:r>
+            <a:r>
+              <a:rPr lang="en-US" sz="2000" dirty="0">
+                <a:latin typeface="Times New Roman" panose="02020603050405020304" pitchFamily="18" charset="0"/>
+                <a:cs typeface="Times New Roman" panose="02020603050405020304" pitchFamily="18" charset="0"/>
+              </a:rPr>
+              <a:t> – Handle missing values, outliers, and inconsistencies.</a:t>
+            </a:r>
+          </a:p>
+          <a:p>
+            <a:pPr marL="342900" indent="-342900" algn="just">
+              <a:spcBef>
+                <a:spcPts val="1200"/>
+              </a:spcBef>
+              <a:spcAft>
+                <a:spcPts val="600"/>
+              </a:spcAft>
+              <a:buFont typeface="Arial" panose="020B0604020202020204" pitchFamily="34" charset="0"/>
+              <a:buChar char="•"/>
+            </a:pPr>
+            <a:r>
+              <a:rPr lang="en-US" sz="2000" b="1" dirty="0">
+                <a:latin typeface="Times New Roman" panose="02020603050405020304" pitchFamily="18" charset="0"/>
+                <a:cs typeface="Times New Roman" panose="02020603050405020304" pitchFamily="18" charset="0"/>
+              </a:rPr>
+              <a:t>Feature Engineering</a:t>
+            </a:r>
+            <a:r>
+              <a:rPr lang="en-US" sz="2000" dirty="0">
+                <a:latin typeface="Times New Roman" panose="02020603050405020304" pitchFamily="18" charset="0"/>
+                <a:cs typeface="Times New Roman" panose="02020603050405020304" pitchFamily="18" charset="0"/>
+              </a:rPr>
+              <a:t> – Extract seasonality trends, inflation impact, and market signals.</a:t>
+            </a:r>
+          </a:p>
+          <a:p>
+            <a:pPr algn="just">
+              <a:lnSpc>
+                <a:spcPct val="200000"/>
+              </a:lnSpc>
+              <a:spcBef>
+                <a:spcPts val="1200"/>
+              </a:spcBef>
+              <a:spcAft>
+                <a:spcPts val="600"/>
+              </a:spcAft>
+            </a:pPr>
+            <a:r>
+              <a:rPr lang="en-US" sz="2000" b="1" dirty="0">
+                <a:solidFill>
+                  <a:srgbClr val="FF0000"/>
+                </a:solidFill>
+                <a:latin typeface="Times New Roman" panose="02020603050405020304" pitchFamily="18" charset="0"/>
+                <a:cs typeface="Times New Roman" panose="02020603050405020304" pitchFamily="18" charset="0"/>
+              </a:rPr>
+              <a:t>2. Price Prediction Models</a:t>
+            </a:r>
+          </a:p>
+          <a:p>
+            <a:pPr marL="342900" indent="-342900" algn="just">
+              <a:spcBef>
+                <a:spcPts val="1200"/>
+              </a:spcBef>
+              <a:spcAft>
+                <a:spcPts val="600"/>
+              </a:spcAft>
+              <a:buFont typeface="Arial" panose="020B0604020202020204" pitchFamily="34" charset="0"/>
+              <a:buChar char="•"/>
+            </a:pPr>
+            <a:r>
+              <a:rPr lang="en-US" sz="2000" b="1" dirty="0">
+                <a:latin typeface="Times New Roman" panose="02020603050405020304" pitchFamily="18" charset="0"/>
+                <a:cs typeface="Times New Roman" panose="02020603050405020304" pitchFamily="18" charset="0"/>
+              </a:rPr>
+              <a:t>ARIMA</a:t>
+            </a:r>
+            <a:r>
+              <a:rPr lang="en-US" sz="2000" dirty="0">
+                <a:latin typeface="Times New Roman" panose="02020603050405020304" pitchFamily="18" charset="0"/>
+                <a:cs typeface="Times New Roman" panose="02020603050405020304" pitchFamily="18" charset="0"/>
+              </a:rPr>
+              <a:t>– Traditional time series forecasting for baseline comparison.</a:t>
+            </a:r>
+          </a:p>
+          <a:p>
+            <a:pPr marL="342900" indent="-342900" algn="just">
+              <a:spcBef>
+                <a:spcPts val="1200"/>
+              </a:spcBef>
+              <a:spcAft>
+                <a:spcPts val="600"/>
+              </a:spcAft>
+              <a:buFont typeface="Arial" panose="020B0604020202020204" pitchFamily="34" charset="0"/>
+              <a:buChar char="•"/>
+            </a:pPr>
+            <a:r>
+              <a:rPr lang="en-US" sz="2000" b="1" dirty="0" err="1">
+                <a:latin typeface="Times New Roman" panose="02020603050405020304" pitchFamily="18" charset="0"/>
+                <a:cs typeface="Times New Roman" panose="02020603050405020304" pitchFamily="18" charset="0"/>
+              </a:rPr>
+              <a:t>XGBoost</a:t>
+            </a:r>
+            <a:r>
+              <a:rPr lang="en-US" sz="2000" b="1" dirty="0">
+                <a:latin typeface="Times New Roman" panose="02020603050405020304" pitchFamily="18" charset="0"/>
+                <a:cs typeface="Times New Roman" panose="02020603050405020304" pitchFamily="18" charset="0"/>
+              </a:rPr>
+              <a:t> / Random Forest</a:t>
+            </a:r>
+            <a:r>
+              <a:rPr lang="en-US" sz="2000" dirty="0">
+                <a:latin typeface="Times New Roman" panose="02020603050405020304" pitchFamily="18" charset="0"/>
+                <a:cs typeface="Times New Roman" panose="02020603050405020304" pitchFamily="18" charset="0"/>
+              </a:rPr>
+              <a:t> – Enhances predictive accuracy by combining statistical features.</a:t>
+            </a:r>
+          </a:p>
+        </p:txBody>
+      </p:sp>
+    </p:spTree>
+    <p:extLst>
+      <p:ext uri="{BB962C8B-B14F-4D97-AF65-F5344CB8AC3E}">
+        <p14:creationId xmlns:p14="http://schemas.microsoft.com/office/powerpoint/2010/main" val="2465469202"/>
+      </p:ext>
+    </p:extLst>
+  </p:cSld>
+  <p:clrMapOvr>
+    <a:masterClrMapping/>
+  </p:clrMapOvr>
+</p:sld>
+</file>
+
+<file path=ppt/slides/slide9.xml><?xml version="1.0" encoding="utf-8"?>
+<p:sld xmlns:a="http://schemas.openxmlformats.org/drawingml/2006/main" xmlns:r="http://schemas.openxmlformats.org/officeDocument/2006/relationships" xmlns:p="http://schemas.openxmlformats.org/presentationml/2006/main">
+  <p:cSld>
+    <p:spTree>
+      <p:nvGrpSpPr>
+        <p:cNvPr id="1" name=""/>
+        <p:cNvGrpSpPr/>
+        <p:nvPr/>
+      </p:nvGrpSpPr>
+      <p:grpSpPr>
+        <a:xfrm>
+          <a:off x="0" y="0"/>
+          <a:ext cx="0" cy="0"/>
+          <a:chOff x="0" y="0"/>
+          <a:chExt cx="0" cy="0"/>
+        </a:xfrm>
+      </p:grpSpPr>
+      <p:sp>
+        <p:nvSpPr>
           <p:cNvPr id="5" name="Slide Number Placeholder 4">
             <a:extLst>
               <a:ext uri="{FF2B5EF4-FFF2-40B4-BE49-F238E27FC236}">
@@ -8311,7 +11032,7 @@
             <a:fld id="{FFF20539-7144-4945-B20A-62B30D853D34}" type="slidenum">
               <a:rPr lang="en-IN" smtClean="0"/>
               <a:pPr/>
-              <a:t>7</a:t>
+              <a:t>9</a:t>
             </a:fld>
             <a:endParaRPr lang="en-IN" dirty="0"/>
           </a:p>
@@ -8406,8 +11127,8 @@
         </p:nvSpPr>
         <p:spPr>
           <a:xfrm>
-            <a:off x="901700" y="1337911"/>
-            <a:ext cx="10452100" cy="4450731"/>
+            <a:off x="1308100" y="1703035"/>
+            <a:ext cx="9568180" cy="3280835"/>
           </a:xfrm>
           <a:prstGeom prst="rect">
             <a:avLst/>
@@ -8432,17 +11153,24 @@
                 <a:latin typeface="Times New Roman" panose="02020603050405020304" pitchFamily="18" charset="0"/>
                 <a:cs typeface="Times New Roman" panose="02020603050405020304" pitchFamily="18" charset="0"/>
               </a:rPr>
-              <a:t>	This project aims to develop an AI-driven agricultural commodity price prediction system that enhances forecasting accuracy and aids in strategic market interventions. By integrating deep learning models (</a:t>
-            </a:r>
-            <a:r>
-              <a:rPr lang="en-US" sz="2400" dirty="0" err="1">
+              <a:t>	</a:t>
+            </a:r>
+            <a:r>
+              <a:rPr lang="en-US" sz="2000" dirty="0">
+                <a:latin typeface="Times New Roman" panose="02020603050405020304" pitchFamily="18" charset="0"/>
+                <a:cs typeface="Times New Roman" panose="02020603050405020304" pitchFamily="18" charset="0"/>
+              </a:rPr>
+              <a:t>This project aims to develop an AI-driven agricultural commodity price prediction system that enhances forecasting accuracy and aids in strategic market interventions. By integrating deep learning models (</a:t>
+            </a:r>
+            <a:r>
+              <a:rPr lang="en-US" sz="2000" dirty="0" err="1">
                 <a:latin typeface="Times New Roman" panose="02020603050405020304" pitchFamily="18" charset="0"/>
                 <a:cs typeface="Times New Roman" panose="02020603050405020304" pitchFamily="18" charset="0"/>
               </a:rPr>
               <a:t>XGBoost</a:t>
             </a:r>
             <a:r>
-              <a:rPr lang="en-US" sz="2400" dirty="0">
+              <a:rPr lang="en-US" sz="2000" dirty="0">
                 <a:latin typeface="Times New Roman" panose="02020603050405020304" pitchFamily="18" charset="0"/>
                 <a:cs typeface="Times New Roman" panose="02020603050405020304" pitchFamily="18" charset="0"/>
               </a:rPr>
@@ -8459,1264 +11187,6 @@
     <p:extLst>
       <p:ext uri="{BB962C8B-B14F-4D97-AF65-F5344CB8AC3E}">
         <p14:creationId xmlns:p14="http://schemas.microsoft.com/office/powerpoint/2010/main" val="3664224589"/>
-      </p:ext>
-    </p:extLst>
-  </p:cSld>
-  <p:clrMapOvr>
-    <a:masterClrMapping/>
-  </p:clrMapOvr>
-</p:sld>
-</file>
-
-<file path=ppt/slides/slide8.xml><?xml version="1.0" encoding="utf-8"?>
-<p:sld xmlns:a="http://schemas.openxmlformats.org/drawingml/2006/main" xmlns:r="http://schemas.openxmlformats.org/officeDocument/2006/relationships" xmlns:p="http://schemas.openxmlformats.org/presentationml/2006/main">
-  <p:cSld>
-    <p:spTree>
-      <p:nvGrpSpPr>
-        <p:cNvPr id="1" name="">
-          <a:extLst>
-            <a:ext uri="{FF2B5EF4-FFF2-40B4-BE49-F238E27FC236}">
-              <a16:creationId xmlns:a16="http://schemas.microsoft.com/office/drawing/2014/main" id="{A86ACF7B-497C-09B2-EDC9-0E5E59FC9EE6}"/>
-            </a:ext>
-          </a:extLst>
-        </p:cNvPr>
-        <p:cNvGrpSpPr/>
-        <p:nvPr/>
-      </p:nvGrpSpPr>
-      <p:grpSpPr>
-        <a:xfrm>
-          <a:off x="0" y="0"/>
-          <a:ext cx="0" cy="0"/>
-          <a:chOff x="0" y="0"/>
-          <a:chExt cx="0" cy="0"/>
-        </a:xfrm>
-      </p:grpSpPr>
-      <p:sp>
-        <p:nvSpPr>
-          <p:cNvPr id="5" name="Slide Number Placeholder 4">
-            <a:extLst>
-              <a:ext uri="{FF2B5EF4-FFF2-40B4-BE49-F238E27FC236}">
-                <a16:creationId xmlns:a16="http://schemas.microsoft.com/office/drawing/2014/main" id="{35C0A0A8-476E-3827-52E3-3B09459EB1FB}"/>
-              </a:ext>
-            </a:extLst>
-          </p:cNvPr>
-          <p:cNvSpPr>
-            <a:spLocks noGrp="1"/>
-          </p:cNvSpPr>
-          <p:nvPr>
-            <p:ph type="sldNum" sz="quarter" idx="12"/>
-          </p:nvPr>
-        </p:nvSpPr>
-        <p:spPr/>
-        <p:txBody>
-          <a:bodyPr/>
-          <a:lstStyle/>
-          <a:p>
-            <a:fld id="{FFF20539-7144-4945-B20A-62B30D853D34}" type="slidenum">
-              <a:rPr lang="en-IN" smtClean="0"/>
-              <a:pPr/>
-              <a:t>8</a:t>
-            </a:fld>
-            <a:endParaRPr lang="en-IN" dirty="0"/>
-          </a:p>
-        </p:txBody>
-      </p:sp>
-      <p:sp>
-        <p:nvSpPr>
-          <p:cNvPr id="6" name="object 2">
-            <a:extLst>
-              <a:ext uri="{FF2B5EF4-FFF2-40B4-BE49-F238E27FC236}">
-                <a16:creationId xmlns:a16="http://schemas.microsoft.com/office/drawing/2014/main" id="{C88371BD-924B-3D4E-BB2D-B379C5004B4E}"/>
-              </a:ext>
-            </a:extLst>
-          </p:cNvPr>
-          <p:cNvSpPr txBox="1">
-            <a:spLocks/>
-          </p:cNvSpPr>
-          <p:nvPr/>
-        </p:nvSpPr>
-        <p:spPr>
-          <a:xfrm>
-            <a:off x="651051" y="581654"/>
-            <a:ext cx="6596415" cy="506549"/>
-          </a:xfrm>
-          <a:prstGeom prst="rect">
-            <a:avLst/>
-          </a:prstGeom>
-        </p:spPr>
-        <p:txBody>
-          <a:bodyPr vert="horz" wrap="square" lIns="0" tIns="13970" rIns="0" bIns="0" rtlCol="0" anchor="ctr">
-            <a:spAutoFit/>
-          </a:bodyPr>
-          <a:lstStyle>
-            <a:lvl1pPr algn="l" defTabSz="914400" rtl="0" eaLnBrk="1" latinLnBrk="0" hangingPunct="1">
-              <a:lnSpc>
-                <a:spcPct val="90000"/>
-              </a:lnSpc>
-              <a:spcBef>
-                <a:spcPct val="0"/>
-              </a:spcBef>
-              <a:buNone/>
-              <a:defRPr sz="4400" kern="1200">
-                <a:solidFill>
-                  <a:schemeClr val="tx1"/>
-                </a:solidFill>
-                <a:latin typeface="+mj-lt"/>
-                <a:ea typeface="+mj-ea"/>
-                <a:cs typeface="+mj-cs"/>
-              </a:defRPr>
-            </a:lvl1pPr>
-          </a:lstStyle>
-          <a:p>
-            <a:pPr marL="12700">
-              <a:lnSpc>
-                <a:spcPct val="100000"/>
-              </a:lnSpc>
-              <a:spcBef>
-                <a:spcPts val="110"/>
-              </a:spcBef>
-            </a:pPr>
-            <a:r>
-              <a:rPr lang="en-IN" sz="3200" b="1" spc="-10" dirty="0">
-                <a:solidFill>
-                  <a:srgbClr val="FF0000"/>
-                </a:solidFill>
-                <a:latin typeface="Times New Roman" pitchFamily="18" charset="0"/>
-                <a:cs typeface="Times New Roman" pitchFamily="18" charset="0"/>
-              </a:rPr>
-              <a:t>Existing System Block Diagram</a:t>
-            </a:r>
-            <a:endParaRPr lang="en-IN" sz="2800" b="1" spc="-10" dirty="0">
-              <a:solidFill>
-                <a:srgbClr val="FF0000"/>
-              </a:solidFill>
-              <a:latin typeface="Times New Roman" pitchFamily="18" charset="0"/>
-              <a:cs typeface="Times New Roman" pitchFamily="18" charset="0"/>
-            </a:endParaRPr>
-          </a:p>
-        </p:txBody>
-      </p:sp>
-      <p:pic>
-        <p:nvPicPr>
-          <p:cNvPr id="1028" name="Picture 4">
-            <a:extLst>
-              <a:ext uri="{FF2B5EF4-FFF2-40B4-BE49-F238E27FC236}">
-                <a16:creationId xmlns:a16="http://schemas.microsoft.com/office/drawing/2014/main" id="{5532B104-ACF7-7915-1909-F70399627F06}"/>
-              </a:ext>
-            </a:extLst>
-          </p:cNvPr>
-          <p:cNvPicPr>
-            <a:picLocks noChangeAspect="1" noChangeArrowheads="1"/>
-          </p:cNvPicPr>
-          <p:nvPr/>
-        </p:nvPicPr>
-        <p:blipFill>
-          <a:blip r:embed="rId2">
-            <a:extLst>
-              <a:ext uri="{28A0092B-C50C-407E-A947-70E740481C1C}">
-                <a14:useLocalDpi xmlns:a14="http://schemas.microsoft.com/office/drawing/2010/main" val="0"/>
-              </a:ext>
-            </a:extLst>
-          </a:blip>
-          <a:srcRect/>
-          <a:stretch>
-            <a:fillRect/>
-          </a:stretch>
-        </p:blipFill>
-        <p:spPr bwMode="auto">
-          <a:xfrm>
-            <a:off x="1208629" y="1543050"/>
-            <a:ext cx="9774741" cy="3771900"/>
-          </a:xfrm>
-          <a:prstGeom prst="rect">
-            <a:avLst/>
-          </a:prstGeom>
-          <a:noFill/>
-          <a:extLst>
-            <a:ext uri="{909E8E84-426E-40DD-AFC4-6F175D3DCCD1}">
-              <a14:hiddenFill xmlns:a14="http://schemas.microsoft.com/office/drawing/2010/main">
-                <a:solidFill>
-                  <a:srgbClr val="FFFFFF"/>
-                </a:solidFill>
-              </a14:hiddenFill>
-            </a:ext>
-          </a:extLst>
-        </p:spPr>
-      </p:pic>
-    </p:spTree>
-    <p:extLst>
-      <p:ext uri="{BB962C8B-B14F-4D97-AF65-F5344CB8AC3E}">
-        <p14:creationId xmlns:p14="http://schemas.microsoft.com/office/powerpoint/2010/main" val="388967168"/>
-      </p:ext>
-    </p:extLst>
-  </p:cSld>
-  <p:clrMapOvr>
-    <a:masterClrMapping/>
-  </p:clrMapOvr>
-</p:sld>
-</file>
-
-<file path=ppt/slides/slide9.xml><?xml version="1.0" encoding="utf-8"?>
-<p:sld xmlns:a="http://schemas.openxmlformats.org/drawingml/2006/main" xmlns:r="http://schemas.openxmlformats.org/officeDocument/2006/relationships" xmlns:p="http://schemas.openxmlformats.org/presentationml/2006/main">
-  <p:cSld>
-    <p:spTree>
-      <p:nvGrpSpPr>
-        <p:cNvPr id="1" name=""/>
-        <p:cNvGrpSpPr/>
-        <p:nvPr/>
-      </p:nvGrpSpPr>
-      <p:grpSpPr>
-        <a:xfrm>
-          <a:off x="0" y="0"/>
-          <a:ext cx="0" cy="0"/>
-          <a:chOff x="0" y="0"/>
-          <a:chExt cx="0" cy="0"/>
-        </a:xfrm>
-      </p:grpSpPr>
-      <p:sp>
-        <p:nvSpPr>
-          <p:cNvPr id="2" name="Rectangle 1"/>
-          <p:cNvSpPr/>
-          <p:nvPr/>
-        </p:nvSpPr>
-        <p:spPr>
-          <a:xfrm>
-            <a:off x="562320" y="551192"/>
-            <a:ext cx="5396606" cy="584775"/>
-          </a:xfrm>
-          <a:prstGeom prst="rect">
-            <a:avLst/>
-          </a:prstGeom>
-        </p:spPr>
-        <p:txBody>
-          <a:bodyPr wrap="none">
-            <a:spAutoFit/>
-          </a:bodyPr>
-          <a:lstStyle/>
-          <a:p>
-            <a:r>
-              <a:rPr lang="en-US" sz="3200" b="1" dirty="0">
-                <a:solidFill>
-                  <a:srgbClr val="FF0000"/>
-                </a:solidFill>
-                <a:latin typeface="Times New Roman" panose="02020603050405020304" pitchFamily="18" charset="0"/>
-                <a:cs typeface="Times New Roman" panose="02020603050405020304" pitchFamily="18" charset="0"/>
-              </a:rPr>
-              <a:t>Proposed System Flow Chart </a:t>
-            </a:r>
-            <a:endParaRPr lang="en-US" sz="3200" dirty="0">
-              <a:solidFill>
-                <a:srgbClr val="FF0000"/>
-              </a:solidFill>
-              <a:latin typeface="Times New Roman" panose="02020603050405020304" pitchFamily="18" charset="0"/>
-              <a:cs typeface="Times New Roman" panose="02020603050405020304" pitchFamily="18" charset="0"/>
-            </a:endParaRPr>
-          </a:p>
-        </p:txBody>
-      </p:sp>
-      <p:sp>
-        <p:nvSpPr>
-          <p:cNvPr id="12" name="Flowchart: Terminator 11">
-            <a:extLst>
-              <a:ext uri="{FF2B5EF4-FFF2-40B4-BE49-F238E27FC236}">
-                <a16:creationId xmlns:a16="http://schemas.microsoft.com/office/drawing/2014/main" id="{11B45F52-1A29-8E9F-60DC-BFBD5F233797}"/>
-              </a:ext>
-            </a:extLst>
-          </p:cNvPr>
-          <p:cNvSpPr/>
-          <p:nvPr/>
-        </p:nvSpPr>
-        <p:spPr>
-          <a:xfrm>
-            <a:off x="595914" y="1332925"/>
-            <a:ext cx="2705100" cy="685800"/>
-          </a:xfrm>
-          <a:prstGeom prst="flowChartTerminator">
-            <a:avLst/>
-          </a:prstGeom>
-          <a:solidFill>
-            <a:schemeClr val="accent1">
-              <a:lumMod val="40000"/>
-              <a:lumOff val="60000"/>
-            </a:schemeClr>
-          </a:solidFill>
-          <a:effectLst>
-            <a:softEdge rad="31750"/>
-          </a:effectLst>
-        </p:spPr>
-        <p:style>
-          <a:lnRef idx="2">
-            <a:schemeClr val="accent1">
-              <a:shade val="15000"/>
-            </a:schemeClr>
-          </a:lnRef>
-          <a:fillRef idx="1">
-            <a:schemeClr val="accent1"/>
-          </a:fillRef>
-          <a:effectRef idx="0">
-            <a:schemeClr val="accent1"/>
-          </a:effectRef>
-          <a:fontRef idx="minor">
-            <a:schemeClr val="lt1"/>
-          </a:fontRef>
-        </p:style>
-        <p:txBody>
-          <a:bodyPr rtlCol="0" anchor="ctr"/>
-          <a:lstStyle/>
-          <a:p>
-            <a:pPr algn="ctr"/>
-            <a:endParaRPr lang="en-IN" dirty="0">
-              <a:solidFill>
-                <a:srgbClr val="FF0000"/>
-              </a:solidFill>
-            </a:endParaRPr>
-          </a:p>
-        </p:txBody>
-      </p:sp>
-      <p:sp>
-        <p:nvSpPr>
-          <p:cNvPr id="22" name="Flowchart: Terminator 21">
-            <a:extLst>
-              <a:ext uri="{FF2B5EF4-FFF2-40B4-BE49-F238E27FC236}">
-                <a16:creationId xmlns:a16="http://schemas.microsoft.com/office/drawing/2014/main" id="{AF4571A5-9C84-4F29-0A1B-73D5FC3CF852}"/>
-              </a:ext>
-            </a:extLst>
-          </p:cNvPr>
-          <p:cNvSpPr/>
-          <p:nvPr/>
-        </p:nvSpPr>
-        <p:spPr>
-          <a:xfrm>
-            <a:off x="1090442" y="2165561"/>
-            <a:ext cx="2705100" cy="685800"/>
-          </a:xfrm>
-          <a:prstGeom prst="flowChartTerminator">
-            <a:avLst/>
-          </a:prstGeom>
-          <a:solidFill>
-            <a:schemeClr val="accent1">
-              <a:lumMod val="40000"/>
-              <a:lumOff val="60000"/>
-            </a:schemeClr>
-          </a:solidFill>
-          <a:effectLst>
-            <a:softEdge rad="31750"/>
-          </a:effectLst>
-        </p:spPr>
-        <p:style>
-          <a:lnRef idx="2">
-            <a:schemeClr val="accent1">
-              <a:shade val="15000"/>
-            </a:schemeClr>
-          </a:lnRef>
-          <a:fillRef idx="1">
-            <a:schemeClr val="accent1"/>
-          </a:fillRef>
-          <a:effectRef idx="0">
-            <a:schemeClr val="accent1"/>
-          </a:effectRef>
-          <a:fontRef idx="minor">
-            <a:schemeClr val="lt1"/>
-          </a:fontRef>
-        </p:style>
-        <p:txBody>
-          <a:bodyPr rtlCol="0" anchor="ctr"/>
-          <a:lstStyle/>
-          <a:p>
-            <a:pPr algn="ctr"/>
-            <a:endParaRPr lang="en-IN">
-              <a:solidFill>
-                <a:srgbClr val="FF0000"/>
-              </a:solidFill>
-            </a:endParaRPr>
-          </a:p>
-        </p:txBody>
-      </p:sp>
-      <p:sp>
-        <p:nvSpPr>
-          <p:cNvPr id="23" name="Flowchart: Terminator 22">
-            <a:extLst>
-              <a:ext uri="{FF2B5EF4-FFF2-40B4-BE49-F238E27FC236}">
-                <a16:creationId xmlns:a16="http://schemas.microsoft.com/office/drawing/2014/main" id="{ACA210A8-F25D-8972-4F08-79737A0EF9AC}"/>
-              </a:ext>
-            </a:extLst>
-          </p:cNvPr>
-          <p:cNvSpPr/>
-          <p:nvPr/>
-        </p:nvSpPr>
-        <p:spPr>
-          <a:xfrm>
-            <a:off x="1658533" y="2990345"/>
-            <a:ext cx="2705100" cy="685800"/>
-          </a:xfrm>
-          <a:prstGeom prst="flowChartTerminator">
-            <a:avLst/>
-          </a:prstGeom>
-          <a:solidFill>
-            <a:schemeClr val="accent1">
-              <a:lumMod val="40000"/>
-              <a:lumOff val="60000"/>
-            </a:schemeClr>
-          </a:solidFill>
-          <a:effectLst>
-            <a:softEdge rad="31750"/>
-          </a:effectLst>
-        </p:spPr>
-        <p:style>
-          <a:lnRef idx="2">
-            <a:schemeClr val="accent1">
-              <a:shade val="15000"/>
-            </a:schemeClr>
-          </a:lnRef>
-          <a:fillRef idx="1">
-            <a:schemeClr val="accent1"/>
-          </a:fillRef>
-          <a:effectRef idx="0">
-            <a:schemeClr val="accent1"/>
-          </a:effectRef>
-          <a:fontRef idx="minor">
-            <a:schemeClr val="lt1"/>
-          </a:fontRef>
-        </p:style>
-        <p:txBody>
-          <a:bodyPr rtlCol="0" anchor="ctr"/>
-          <a:lstStyle/>
-          <a:p>
-            <a:pPr algn="ctr"/>
-            <a:endParaRPr lang="en-IN">
-              <a:solidFill>
-                <a:srgbClr val="FF0000"/>
-              </a:solidFill>
-            </a:endParaRPr>
-          </a:p>
-        </p:txBody>
-      </p:sp>
-      <p:sp>
-        <p:nvSpPr>
-          <p:cNvPr id="24" name="Flowchart: Terminator 23">
-            <a:extLst>
-              <a:ext uri="{FF2B5EF4-FFF2-40B4-BE49-F238E27FC236}">
-                <a16:creationId xmlns:a16="http://schemas.microsoft.com/office/drawing/2014/main" id="{850E3580-C1F2-B6C6-0A53-6CF71989E083}"/>
-              </a:ext>
-            </a:extLst>
-          </p:cNvPr>
-          <p:cNvSpPr/>
-          <p:nvPr/>
-        </p:nvSpPr>
-        <p:spPr>
-          <a:xfrm>
-            <a:off x="2242274" y="3823834"/>
-            <a:ext cx="2705100" cy="685800"/>
-          </a:xfrm>
-          <a:prstGeom prst="flowChartTerminator">
-            <a:avLst/>
-          </a:prstGeom>
-          <a:solidFill>
-            <a:schemeClr val="accent1">
-              <a:lumMod val="40000"/>
-              <a:lumOff val="60000"/>
-            </a:schemeClr>
-          </a:solidFill>
-          <a:effectLst>
-            <a:softEdge rad="31750"/>
-          </a:effectLst>
-        </p:spPr>
-        <p:style>
-          <a:lnRef idx="2">
-            <a:schemeClr val="accent1">
-              <a:shade val="15000"/>
-            </a:schemeClr>
-          </a:lnRef>
-          <a:fillRef idx="1">
-            <a:schemeClr val="accent1"/>
-          </a:fillRef>
-          <a:effectRef idx="0">
-            <a:schemeClr val="accent1"/>
-          </a:effectRef>
-          <a:fontRef idx="minor">
-            <a:schemeClr val="lt1"/>
-          </a:fontRef>
-        </p:style>
-        <p:txBody>
-          <a:bodyPr rtlCol="0" anchor="ctr"/>
-          <a:lstStyle/>
-          <a:p>
-            <a:pPr algn="ctr"/>
-            <a:endParaRPr lang="en-IN">
-              <a:solidFill>
-                <a:srgbClr val="FF0000"/>
-              </a:solidFill>
-            </a:endParaRPr>
-          </a:p>
-        </p:txBody>
-      </p:sp>
-      <p:sp>
-        <p:nvSpPr>
-          <p:cNvPr id="26" name="Flowchart: Terminator 25">
-            <a:extLst>
-              <a:ext uri="{FF2B5EF4-FFF2-40B4-BE49-F238E27FC236}">
-                <a16:creationId xmlns:a16="http://schemas.microsoft.com/office/drawing/2014/main" id="{FE9B60DE-258C-2C1E-CEF4-12536C029E56}"/>
-              </a:ext>
-            </a:extLst>
-          </p:cNvPr>
-          <p:cNvSpPr/>
-          <p:nvPr/>
-        </p:nvSpPr>
-        <p:spPr>
-          <a:xfrm>
-            <a:off x="2866119" y="4661569"/>
-            <a:ext cx="2705100" cy="685800"/>
-          </a:xfrm>
-          <a:prstGeom prst="flowChartTerminator">
-            <a:avLst/>
-          </a:prstGeom>
-          <a:solidFill>
-            <a:schemeClr val="accent1">
-              <a:lumMod val="40000"/>
-              <a:lumOff val="60000"/>
-            </a:schemeClr>
-          </a:solidFill>
-          <a:effectLst>
-            <a:softEdge rad="31750"/>
-          </a:effectLst>
-        </p:spPr>
-        <p:style>
-          <a:lnRef idx="2">
-            <a:schemeClr val="accent1">
-              <a:shade val="15000"/>
-            </a:schemeClr>
-          </a:lnRef>
-          <a:fillRef idx="1">
-            <a:schemeClr val="accent1"/>
-          </a:fillRef>
-          <a:effectRef idx="0">
-            <a:schemeClr val="accent1"/>
-          </a:effectRef>
-          <a:fontRef idx="minor">
-            <a:schemeClr val="lt1"/>
-          </a:fontRef>
-        </p:style>
-        <p:txBody>
-          <a:bodyPr rtlCol="0" anchor="ctr"/>
-          <a:lstStyle/>
-          <a:p>
-            <a:pPr algn="ctr"/>
-            <a:endParaRPr lang="en-IN">
-              <a:solidFill>
-                <a:srgbClr val="FF0000"/>
-              </a:solidFill>
-            </a:endParaRPr>
-          </a:p>
-        </p:txBody>
-      </p:sp>
-      <p:sp>
-        <p:nvSpPr>
-          <p:cNvPr id="28" name="TextBox 27">
-            <a:extLst>
-              <a:ext uri="{FF2B5EF4-FFF2-40B4-BE49-F238E27FC236}">
-                <a16:creationId xmlns:a16="http://schemas.microsoft.com/office/drawing/2014/main" id="{6C7CDE28-DD3C-8707-CD6D-B8E0FC0CFAB2}"/>
-              </a:ext>
-            </a:extLst>
-          </p:cNvPr>
-          <p:cNvSpPr txBox="1"/>
-          <p:nvPr/>
-        </p:nvSpPr>
-        <p:spPr>
-          <a:xfrm>
-            <a:off x="940084" y="1485325"/>
-            <a:ext cx="2108200" cy="381000"/>
-          </a:xfrm>
-          <a:prstGeom prst="rect">
-            <a:avLst/>
-          </a:prstGeom>
-          <a:noFill/>
-        </p:spPr>
-        <p:txBody>
-          <a:bodyPr wrap="square" rtlCol="0">
-            <a:spAutoFit/>
-          </a:bodyPr>
-          <a:lstStyle/>
-          <a:p>
-            <a:pPr algn="ctr"/>
-            <a:r>
-              <a:rPr lang="en-IN" b="1" dirty="0"/>
-              <a:t>Data Collection</a:t>
-            </a:r>
-          </a:p>
-        </p:txBody>
-      </p:sp>
-      <p:sp>
-        <p:nvSpPr>
-          <p:cNvPr id="29" name="TextBox 28">
-            <a:extLst>
-              <a:ext uri="{FF2B5EF4-FFF2-40B4-BE49-F238E27FC236}">
-                <a16:creationId xmlns:a16="http://schemas.microsoft.com/office/drawing/2014/main" id="{D95C32A1-55E3-7391-E30F-493D073C2F87}"/>
-              </a:ext>
-            </a:extLst>
-          </p:cNvPr>
-          <p:cNvSpPr txBox="1"/>
-          <p:nvPr/>
-        </p:nvSpPr>
-        <p:spPr>
-          <a:xfrm>
-            <a:off x="3118849" y="4813969"/>
-            <a:ext cx="2108200" cy="381000"/>
-          </a:xfrm>
-          <a:prstGeom prst="rect">
-            <a:avLst/>
-          </a:prstGeom>
-          <a:noFill/>
-        </p:spPr>
-        <p:txBody>
-          <a:bodyPr wrap="square" rtlCol="0">
-            <a:spAutoFit/>
-          </a:bodyPr>
-          <a:lstStyle/>
-          <a:p>
-            <a:pPr algn="ctr"/>
-            <a:r>
-              <a:rPr lang="en-IN" b="1" dirty="0"/>
-              <a:t>Decision Support</a:t>
-            </a:r>
-          </a:p>
-        </p:txBody>
-      </p:sp>
-      <p:sp>
-        <p:nvSpPr>
-          <p:cNvPr id="30" name="TextBox 29">
-            <a:extLst>
-              <a:ext uri="{FF2B5EF4-FFF2-40B4-BE49-F238E27FC236}">
-                <a16:creationId xmlns:a16="http://schemas.microsoft.com/office/drawing/2014/main" id="{1A7E1B42-50DD-569E-34F3-93BFF4C92401}"/>
-              </a:ext>
-            </a:extLst>
-          </p:cNvPr>
-          <p:cNvSpPr txBox="1"/>
-          <p:nvPr/>
-        </p:nvSpPr>
-        <p:spPr>
-          <a:xfrm>
-            <a:off x="2636960" y="3976234"/>
-            <a:ext cx="2108200" cy="381000"/>
-          </a:xfrm>
-          <a:prstGeom prst="rect">
-            <a:avLst/>
-          </a:prstGeom>
-          <a:noFill/>
-        </p:spPr>
-        <p:txBody>
-          <a:bodyPr wrap="square" rtlCol="0">
-            <a:spAutoFit/>
-          </a:bodyPr>
-          <a:lstStyle/>
-          <a:p>
-            <a:r>
-              <a:rPr lang="en-IN" b="1" dirty="0"/>
-              <a:t>Volatility Analysis</a:t>
-            </a:r>
-            <a:r>
-              <a:rPr lang="en-IN" dirty="0"/>
-              <a:t> </a:t>
-            </a:r>
-          </a:p>
-        </p:txBody>
-      </p:sp>
-      <p:sp>
-        <p:nvSpPr>
-          <p:cNvPr id="33" name="TextBox 32">
-            <a:extLst>
-              <a:ext uri="{FF2B5EF4-FFF2-40B4-BE49-F238E27FC236}">
-                <a16:creationId xmlns:a16="http://schemas.microsoft.com/office/drawing/2014/main" id="{4F1B5C8E-2DBC-26DD-D71F-46CAD6258B2E}"/>
-              </a:ext>
-            </a:extLst>
-          </p:cNvPr>
-          <p:cNvSpPr txBox="1"/>
-          <p:nvPr/>
-        </p:nvSpPr>
-        <p:spPr>
-          <a:xfrm>
-            <a:off x="1416324" y="2320165"/>
-            <a:ext cx="2108200" cy="381000"/>
-          </a:xfrm>
-          <a:prstGeom prst="rect">
-            <a:avLst/>
-          </a:prstGeom>
-          <a:noFill/>
-        </p:spPr>
-        <p:txBody>
-          <a:bodyPr wrap="square" rtlCol="0">
-            <a:spAutoFit/>
-          </a:bodyPr>
-          <a:lstStyle/>
-          <a:p>
-            <a:r>
-              <a:rPr lang="en-IN" b="1" dirty="0"/>
-              <a:t>Data Preprocessing</a:t>
-            </a:r>
-            <a:r>
-              <a:rPr lang="en-IN" dirty="0"/>
-              <a:t> </a:t>
-            </a:r>
-          </a:p>
-        </p:txBody>
-      </p:sp>
-      <p:sp>
-        <p:nvSpPr>
-          <p:cNvPr id="32" name="TextBox 31">
-            <a:extLst>
-              <a:ext uri="{FF2B5EF4-FFF2-40B4-BE49-F238E27FC236}">
-                <a16:creationId xmlns:a16="http://schemas.microsoft.com/office/drawing/2014/main" id="{92EAC5BA-4645-4F23-6CE0-0B4E09A6C450}"/>
-              </a:ext>
-            </a:extLst>
-          </p:cNvPr>
-          <p:cNvSpPr txBox="1"/>
-          <p:nvPr/>
-        </p:nvSpPr>
-        <p:spPr>
-          <a:xfrm>
-            <a:off x="1944441" y="3021581"/>
-            <a:ext cx="2108200" cy="646331"/>
-          </a:xfrm>
-          <a:prstGeom prst="rect">
-            <a:avLst/>
-          </a:prstGeom>
-          <a:noFill/>
-        </p:spPr>
-        <p:txBody>
-          <a:bodyPr wrap="square" rtlCol="0">
-            <a:spAutoFit/>
-          </a:bodyPr>
-          <a:lstStyle/>
-          <a:p>
-            <a:pPr algn="ctr"/>
-            <a:r>
-              <a:rPr lang="en-IN" b="1" dirty="0"/>
-              <a:t>Price Prediction Models</a:t>
-            </a:r>
-          </a:p>
-        </p:txBody>
-      </p:sp>
-      <p:sp>
-        <p:nvSpPr>
-          <p:cNvPr id="5" name="TextBox 4">
-            <a:extLst>
-              <a:ext uri="{FF2B5EF4-FFF2-40B4-BE49-F238E27FC236}">
-                <a16:creationId xmlns:a16="http://schemas.microsoft.com/office/drawing/2014/main" id="{E78380FB-4A46-0697-E018-63924E1EC6C0}"/>
-              </a:ext>
-            </a:extLst>
-          </p:cNvPr>
-          <p:cNvSpPr txBox="1"/>
-          <p:nvPr/>
-        </p:nvSpPr>
-        <p:spPr>
-          <a:xfrm>
-            <a:off x="3301014" y="1488373"/>
-            <a:ext cx="6094140" cy="369332"/>
-          </a:xfrm>
-          <a:prstGeom prst="rect">
-            <a:avLst/>
-          </a:prstGeom>
-          <a:noFill/>
-        </p:spPr>
-        <p:txBody>
-          <a:bodyPr wrap="square">
-            <a:spAutoFit/>
-          </a:bodyPr>
-          <a:lstStyle/>
-          <a:p>
-            <a:r>
-              <a:rPr lang="en-US" dirty="0"/>
-              <a:t>AGMARKNET, Government Reports, Market APIs.</a:t>
-            </a:r>
-            <a:endParaRPr lang="en-IN" dirty="0"/>
-          </a:p>
-        </p:txBody>
-      </p:sp>
-      <p:sp>
-        <p:nvSpPr>
-          <p:cNvPr id="7" name="TextBox 6">
-            <a:extLst>
-              <a:ext uri="{FF2B5EF4-FFF2-40B4-BE49-F238E27FC236}">
-                <a16:creationId xmlns:a16="http://schemas.microsoft.com/office/drawing/2014/main" id="{B7666CDB-584B-6ED1-4134-59F36A463710}"/>
-              </a:ext>
-            </a:extLst>
-          </p:cNvPr>
-          <p:cNvSpPr txBox="1"/>
-          <p:nvPr/>
-        </p:nvSpPr>
-        <p:spPr>
-          <a:xfrm>
-            <a:off x="3771479" y="2301767"/>
-            <a:ext cx="6094140" cy="369332"/>
-          </a:xfrm>
-          <a:prstGeom prst="rect">
-            <a:avLst/>
-          </a:prstGeom>
-          <a:noFill/>
-        </p:spPr>
-        <p:txBody>
-          <a:bodyPr wrap="square">
-            <a:spAutoFit/>
-          </a:bodyPr>
-          <a:lstStyle/>
-          <a:p>
-            <a:r>
-              <a:rPr lang="en-US" dirty="0"/>
-              <a:t>Data Cleaning, Feature Engineering, Time-Series Processing.</a:t>
-            </a:r>
-            <a:endParaRPr lang="en-IN" dirty="0"/>
-          </a:p>
-        </p:txBody>
-      </p:sp>
-      <p:sp>
-        <p:nvSpPr>
-          <p:cNvPr id="9" name="TextBox 8">
-            <a:extLst>
-              <a:ext uri="{FF2B5EF4-FFF2-40B4-BE49-F238E27FC236}">
-                <a16:creationId xmlns:a16="http://schemas.microsoft.com/office/drawing/2014/main" id="{439E228C-32C3-EA80-2303-BE8196F1CC5E}"/>
-              </a:ext>
-            </a:extLst>
-          </p:cNvPr>
-          <p:cNvSpPr txBox="1"/>
-          <p:nvPr/>
-        </p:nvSpPr>
-        <p:spPr>
-          <a:xfrm>
-            <a:off x="4363633" y="3094464"/>
-            <a:ext cx="6094140" cy="369332"/>
-          </a:xfrm>
-          <a:prstGeom prst="rect">
-            <a:avLst/>
-          </a:prstGeom>
-          <a:noFill/>
-        </p:spPr>
-        <p:txBody>
-          <a:bodyPr wrap="square">
-            <a:spAutoFit/>
-          </a:bodyPr>
-          <a:lstStyle/>
-          <a:p>
-            <a:r>
-              <a:rPr lang="en-IN" dirty="0"/>
-              <a:t>ARIMA, </a:t>
-            </a:r>
-            <a:r>
-              <a:rPr lang="en-IN" dirty="0" err="1"/>
-              <a:t>XGBoost</a:t>
-            </a:r>
-            <a:r>
-              <a:rPr lang="en-IN" dirty="0"/>
-              <a:t>, Random Forest.</a:t>
-            </a:r>
-          </a:p>
-        </p:txBody>
-      </p:sp>
-      <p:sp>
-        <p:nvSpPr>
-          <p:cNvPr id="11" name="TextBox 10">
-            <a:extLst>
-              <a:ext uri="{FF2B5EF4-FFF2-40B4-BE49-F238E27FC236}">
-                <a16:creationId xmlns:a16="http://schemas.microsoft.com/office/drawing/2014/main" id="{4507E6B4-4B24-03FB-21E1-D045315A48CA}"/>
-              </a:ext>
-            </a:extLst>
-          </p:cNvPr>
-          <p:cNvSpPr txBox="1"/>
-          <p:nvPr/>
-        </p:nvSpPr>
-        <p:spPr>
-          <a:xfrm>
-            <a:off x="4947374" y="3933594"/>
-            <a:ext cx="6094140" cy="369332"/>
-          </a:xfrm>
-          <a:prstGeom prst="rect">
-            <a:avLst/>
-          </a:prstGeom>
-          <a:noFill/>
-        </p:spPr>
-        <p:txBody>
-          <a:bodyPr wrap="square">
-            <a:spAutoFit/>
-          </a:bodyPr>
-          <a:lstStyle/>
-          <a:p>
-            <a:r>
-              <a:rPr lang="en-US" dirty="0"/>
-              <a:t>Sentiment Analysis, Anomaly Detection.</a:t>
-            </a:r>
-            <a:endParaRPr lang="en-IN" dirty="0"/>
-          </a:p>
-        </p:txBody>
-      </p:sp>
-      <p:sp>
-        <p:nvSpPr>
-          <p:cNvPr id="14" name="TextBox 13">
-            <a:extLst>
-              <a:ext uri="{FF2B5EF4-FFF2-40B4-BE49-F238E27FC236}">
-                <a16:creationId xmlns:a16="http://schemas.microsoft.com/office/drawing/2014/main" id="{16F8EEA8-809A-0645-3031-327C0CC1304F}"/>
-              </a:ext>
-            </a:extLst>
-          </p:cNvPr>
-          <p:cNvSpPr txBox="1"/>
-          <p:nvPr/>
-        </p:nvSpPr>
-        <p:spPr>
-          <a:xfrm>
-            <a:off x="5571219" y="4644353"/>
-            <a:ext cx="6094140" cy="646331"/>
-          </a:xfrm>
-          <a:prstGeom prst="rect">
-            <a:avLst/>
-          </a:prstGeom>
-          <a:noFill/>
-        </p:spPr>
-        <p:txBody>
-          <a:bodyPr wrap="square">
-            <a:spAutoFit/>
-          </a:bodyPr>
-          <a:lstStyle/>
-          <a:p>
-            <a:r>
-              <a:rPr lang="en-US" dirty="0"/>
-              <a:t>Buffer Stock Optimization, Explainable AI, Market Intervention Strategies.</a:t>
-            </a:r>
-            <a:endParaRPr lang="en-IN" dirty="0"/>
-          </a:p>
-        </p:txBody>
-      </p:sp>
-      <p:sp>
-        <p:nvSpPr>
-          <p:cNvPr id="15" name="Flowchart: Terminator 14">
-            <a:extLst>
-              <a:ext uri="{FF2B5EF4-FFF2-40B4-BE49-F238E27FC236}">
-                <a16:creationId xmlns:a16="http://schemas.microsoft.com/office/drawing/2014/main" id="{A93C8416-CB74-3032-8A37-26FB078621F4}"/>
-              </a:ext>
-            </a:extLst>
-          </p:cNvPr>
-          <p:cNvSpPr/>
-          <p:nvPr/>
-        </p:nvSpPr>
-        <p:spPr>
-          <a:xfrm>
-            <a:off x="3457207" y="5476436"/>
-            <a:ext cx="2705100" cy="685800"/>
-          </a:xfrm>
-          <a:prstGeom prst="flowChartTerminator">
-            <a:avLst/>
-          </a:prstGeom>
-          <a:solidFill>
-            <a:schemeClr val="accent1">
-              <a:lumMod val="40000"/>
-              <a:lumOff val="60000"/>
-            </a:schemeClr>
-          </a:solidFill>
-          <a:effectLst>
-            <a:softEdge rad="31750"/>
-          </a:effectLst>
-        </p:spPr>
-        <p:style>
-          <a:lnRef idx="2">
-            <a:schemeClr val="accent1">
-              <a:shade val="15000"/>
-            </a:schemeClr>
-          </a:lnRef>
-          <a:fillRef idx="1">
-            <a:schemeClr val="accent1"/>
-          </a:fillRef>
-          <a:effectRef idx="0">
-            <a:schemeClr val="accent1"/>
-          </a:effectRef>
-          <a:fontRef idx="minor">
-            <a:schemeClr val="lt1"/>
-          </a:fontRef>
-        </p:style>
-        <p:txBody>
-          <a:bodyPr rtlCol="0" anchor="ctr"/>
-          <a:lstStyle/>
-          <a:p>
-            <a:pPr algn="ctr"/>
-            <a:endParaRPr lang="en-IN">
-              <a:solidFill>
-                <a:srgbClr val="FF0000"/>
-              </a:solidFill>
-            </a:endParaRPr>
-          </a:p>
-        </p:txBody>
-      </p:sp>
-      <p:sp>
-        <p:nvSpPr>
-          <p:cNvPr id="16" name="TextBox 15">
-            <a:extLst>
-              <a:ext uri="{FF2B5EF4-FFF2-40B4-BE49-F238E27FC236}">
-                <a16:creationId xmlns:a16="http://schemas.microsoft.com/office/drawing/2014/main" id="{9A170803-94B5-2622-9E31-31811FFBADE6}"/>
-              </a:ext>
-            </a:extLst>
-          </p:cNvPr>
-          <p:cNvSpPr txBox="1"/>
-          <p:nvPr/>
-        </p:nvSpPr>
-        <p:spPr>
-          <a:xfrm>
-            <a:off x="3755657" y="5515440"/>
-            <a:ext cx="2108200" cy="646331"/>
-          </a:xfrm>
-          <a:prstGeom prst="rect">
-            <a:avLst/>
-          </a:prstGeom>
-          <a:noFill/>
-        </p:spPr>
-        <p:txBody>
-          <a:bodyPr wrap="square" rtlCol="0">
-            <a:spAutoFit/>
-          </a:bodyPr>
-          <a:lstStyle/>
-          <a:p>
-            <a:pPr algn="ctr"/>
-            <a:r>
-              <a:rPr lang="en-IN" b="1" dirty="0"/>
-              <a:t>Visualization &amp; Deployment</a:t>
-            </a:r>
-          </a:p>
-        </p:txBody>
-      </p:sp>
-      <p:sp>
-        <p:nvSpPr>
-          <p:cNvPr id="3" name="Rectangle 2"/>
-          <p:cNvSpPr/>
-          <p:nvPr/>
-        </p:nvSpPr>
-        <p:spPr>
-          <a:xfrm>
-            <a:off x="6290564" y="5614355"/>
-            <a:ext cx="4169859" cy="369332"/>
-          </a:xfrm>
-          <a:prstGeom prst="rect">
-            <a:avLst/>
-          </a:prstGeom>
-        </p:spPr>
-        <p:txBody>
-          <a:bodyPr wrap="none">
-            <a:spAutoFit/>
-          </a:bodyPr>
-          <a:lstStyle/>
-          <a:p>
-            <a:r>
-              <a:rPr lang="en-US" dirty="0"/>
-              <a:t>Interface Design &amp; Visualization of results </a:t>
-            </a:r>
-            <a:endParaRPr lang="en-IN" dirty="0"/>
-          </a:p>
-        </p:txBody>
-      </p:sp>
-      <p:cxnSp>
-        <p:nvCxnSpPr>
-          <p:cNvPr id="6" name="Connector: Elbow 5">
-            <a:extLst>
-              <a:ext uri="{FF2B5EF4-FFF2-40B4-BE49-F238E27FC236}">
-                <a16:creationId xmlns:a16="http://schemas.microsoft.com/office/drawing/2014/main" id="{1DF66B79-72DA-7D34-237E-3C99D3300C8E}"/>
-              </a:ext>
-            </a:extLst>
-          </p:cNvPr>
-          <p:cNvCxnSpPr>
-            <a:stCxn id="12" idx="2"/>
-          </p:cNvCxnSpPr>
-          <p:nvPr/>
-        </p:nvCxnSpPr>
-        <p:spPr>
-          <a:xfrm rot="5400000">
-            <a:off x="1873035" y="2090132"/>
-            <a:ext cx="146836" cy="4023"/>
-          </a:xfrm>
-          <a:prstGeom prst="bentConnector3">
-            <a:avLst>
-              <a:gd name="adj1" fmla="val -24730"/>
-            </a:avLst>
-          </a:prstGeom>
-          <a:ln>
-            <a:tailEnd type="triangle"/>
-          </a:ln>
-        </p:spPr>
-        <p:style>
-          <a:lnRef idx="1">
-            <a:schemeClr val="accent1"/>
-          </a:lnRef>
-          <a:fillRef idx="0">
-            <a:schemeClr val="accent1"/>
-          </a:fillRef>
-          <a:effectRef idx="0">
-            <a:schemeClr val="accent1"/>
-          </a:effectRef>
-          <a:fontRef idx="minor">
-            <a:schemeClr val="tx1"/>
-          </a:fontRef>
-        </p:style>
-      </p:cxnSp>
-      <p:cxnSp>
-        <p:nvCxnSpPr>
-          <p:cNvPr id="10" name="Connector: Elbow 9">
-            <a:extLst>
-              <a:ext uri="{FF2B5EF4-FFF2-40B4-BE49-F238E27FC236}">
-                <a16:creationId xmlns:a16="http://schemas.microsoft.com/office/drawing/2014/main" id="{6C15F0B4-77EB-9047-A9B3-4C888ABF6A76}"/>
-              </a:ext>
-            </a:extLst>
-          </p:cNvPr>
-          <p:cNvCxnSpPr/>
-          <p:nvPr/>
-        </p:nvCxnSpPr>
-        <p:spPr>
-          <a:xfrm rot="5400000">
-            <a:off x="2399017" y="2930534"/>
-            <a:ext cx="146836" cy="4023"/>
-          </a:xfrm>
-          <a:prstGeom prst="bentConnector3">
-            <a:avLst>
-              <a:gd name="adj1" fmla="val -24730"/>
-            </a:avLst>
-          </a:prstGeom>
-          <a:ln>
-            <a:tailEnd type="triangle"/>
-          </a:ln>
-        </p:spPr>
-        <p:style>
-          <a:lnRef idx="1">
-            <a:schemeClr val="accent1"/>
-          </a:lnRef>
-          <a:fillRef idx="0">
-            <a:schemeClr val="accent1"/>
-          </a:fillRef>
-          <a:effectRef idx="0">
-            <a:schemeClr val="accent1"/>
-          </a:effectRef>
-          <a:fontRef idx="minor">
-            <a:schemeClr val="tx1"/>
-          </a:fontRef>
-        </p:style>
-      </p:cxnSp>
-      <p:cxnSp>
-        <p:nvCxnSpPr>
-          <p:cNvPr id="13" name="Connector: Elbow 12">
-            <a:extLst>
-              <a:ext uri="{FF2B5EF4-FFF2-40B4-BE49-F238E27FC236}">
-                <a16:creationId xmlns:a16="http://schemas.microsoft.com/office/drawing/2014/main" id="{E929823E-E380-850E-C9B0-28BAEECC3209}"/>
-              </a:ext>
-            </a:extLst>
-          </p:cNvPr>
-          <p:cNvCxnSpPr/>
-          <p:nvPr/>
-        </p:nvCxnSpPr>
-        <p:spPr>
-          <a:xfrm rot="5400000">
-            <a:off x="2979863" y="3770936"/>
-            <a:ext cx="146836" cy="4023"/>
-          </a:xfrm>
-          <a:prstGeom prst="bentConnector3">
-            <a:avLst>
-              <a:gd name="adj1" fmla="val -24730"/>
-            </a:avLst>
-          </a:prstGeom>
-          <a:ln>
-            <a:tailEnd type="triangle"/>
-          </a:ln>
-        </p:spPr>
-        <p:style>
-          <a:lnRef idx="1">
-            <a:schemeClr val="accent1"/>
-          </a:lnRef>
-          <a:fillRef idx="0">
-            <a:schemeClr val="accent1"/>
-          </a:fillRef>
-          <a:effectRef idx="0">
-            <a:schemeClr val="accent1"/>
-          </a:effectRef>
-          <a:fontRef idx="minor">
-            <a:schemeClr val="tx1"/>
-          </a:fontRef>
-        </p:style>
-      </p:cxnSp>
-      <p:cxnSp>
-        <p:nvCxnSpPr>
-          <p:cNvPr id="17" name="Connector: Elbow 16">
-            <a:extLst>
-              <a:ext uri="{FF2B5EF4-FFF2-40B4-BE49-F238E27FC236}">
-                <a16:creationId xmlns:a16="http://schemas.microsoft.com/office/drawing/2014/main" id="{3C836760-9740-6A77-E01F-C0A73DE613E8}"/>
-              </a:ext>
-            </a:extLst>
-          </p:cNvPr>
-          <p:cNvCxnSpPr/>
-          <p:nvPr/>
-        </p:nvCxnSpPr>
-        <p:spPr>
-          <a:xfrm rot="5400000">
-            <a:off x="3524133" y="4611338"/>
-            <a:ext cx="146836" cy="4023"/>
-          </a:xfrm>
-          <a:prstGeom prst="bentConnector3">
-            <a:avLst>
-              <a:gd name="adj1" fmla="val -24730"/>
-            </a:avLst>
-          </a:prstGeom>
-          <a:ln>
-            <a:tailEnd type="triangle"/>
-          </a:ln>
-        </p:spPr>
-        <p:style>
-          <a:lnRef idx="1">
-            <a:schemeClr val="accent1"/>
-          </a:lnRef>
-          <a:fillRef idx="0">
-            <a:schemeClr val="accent1"/>
-          </a:fillRef>
-          <a:effectRef idx="0">
-            <a:schemeClr val="accent1"/>
-          </a:effectRef>
-          <a:fontRef idx="minor">
-            <a:schemeClr val="tx1"/>
-          </a:fontRef>
-        </p:style>
-      </p:cxnSp>
-      <p:cxnSp>
-        <p:nvCxnSpPr>
-          <p:cNvPr id="18" name="Connector: Elbow 17">
-            <a:extLst>
-              <a:ext uri="{FF2B5EF4-FFF2-40B4-BE49-F238E27FC236}">
-                <a16:creationId xmlns:a16="http://schemas.microsoft.com/office/drawing/2014/main" id="{E25E2854-87CA-34B1-C057-46D60B83CA91}"/>
-              </a:ext>
-            </a:extLst>
-          </p:cNvPr>
-          <p:cNvCxnSpPr/>
-          <p:nvPr/>
-        </p:nvCxnSpPr>
-        <p:spPr>
-          <a:xfrm rot="5400000">
-            <a:off x="4104979" y="5451740"/>
-            <a:ext cx="146836" cy="4023"/>
-          </a:xfrm>
-          <a:prstGeom prst="bentConnector3">
-            <a:avLst>
-              <a:gd name="adj1" fmla="val -24730"/>
-            </a:avLst>
-          </a:prstGeom>
-          <a:ln>
-            <a:tailEnd type="triangle"/>
-          </a:ln>
-        </p:spPr>
-        <p:style>
-          <a:lnRef idx="1">
-            <a:schemeClr val="accent1"/>
-          </a:lnRef>
-          <a:fillRef idx="0">
-            <a:schemeClr val="accent1"/>
-          </a:fillRef>
-          <a:effectRef idx="0">
-            <a:schemeClr val="accent1"/>
-          </a:effectRef>
-          <a:fontRef idx="minor">
-            <a:schemeClr val="tx1"/>
-          </a:fontRef>
-        </p:style>
-      </p:cxnSp>
-    </p:spTree>
-    <p:extLst>
-      <p:ext uri="{BB962C8B-B14F-4D97-AF65-F5344CB8AC3E}">
-        <p14:creationId xmlns:p14="http://schemas.microsoft.com/office/powerpoint/2010/main" val="3557260021"/>
       </p:ext>
     </p:extLst>
   </p:cSld>
